--- a/output-presentation.pptx
+++ b/output-presentation.pptx
@@ -4,9 +4,32 @@
   <p:sldMasterIdLst>
     <p:sldMasterId id="2147483761" r:id="rId1"/>
   </p:sldMasterIdLst>
+  <p:notesMasterIdLst>
+    <p:notesMasterId r:id="rId24"/>
+  </p:notesMasterIdLst>
   <p:sldIdLst>
     <p:sldId id="256" r:id="rId2"/>
     <p:sldId id="257" r:id="rId3"/>
+    <p:sldId id="258" r:id="rId4"/>
+    <p:sldId id="259" r:id="rId5"/>
+    <p:sldId id="260" r:id="rId6"/>
+    <p:sldId id="261" r:id="rId7"/>
+    <p:sldId id="262" r:id="rId8"/>
+    <p:sldId id="264" r:id="rId9"/>
+    <p:sldId id="265" r:id="rId10"/>
+    <p:sldId id="267" r:id="rId11"/>
+    <p:sldId id="268" r:id="rId12"/>
+    <p:sldId id="269" r:id="rId13"/>
+    <p:sldId id="271" r:id="rId14"/>
+    <p:sldId id="273" r:id="rId15"/>
+    <p:sldId id="274" r:id="rId16"/>
+    <p:sldId id="275" r:id="rId17"/>
+    <p:sldId id="276" r:id="rId18"/>
+    <p:sldId id="277" r:id="rId19"/>
+    <p:sldId id="278" r:id="rId20"/>
+    <p:sldId id="279" r:id="rId21"/>
+    <p:sldId id="280" r:id="rId22"/>
+    <p:sldId id="281" r:id="rId23"/>
   </p:sldIdLst>
   <p:sldSz cx="12192000" cy="6858000"/>
   <p:notesSz cx="6858000" cy="9144000"/>
@@ -105,7 +128,1705 @@
       </a:defRPr>
     </a:lvl9pPr>
   </p:defaultTextStyle>
+  <p:extLst>
+    <p:ext uri="{EFAFB233-063F-42B5-8137-9DF3F51BA10A}">
+      <p15:sldGuideLst xmlns:p15="http://schemas.microsoft.com/office/powerpoint/2012/main"/>
+    </p:ext>
+  </p:extLst>
 </p:presentation>
+</file>
+
+<file path=ppt/notesMasters/notesMaster1.xml><?xml version="1.0" encoding="utf-8"?>
+<p:notesMaster xmlns:a="http://schemas.openxmlformats.org/drawingml/2006/main" xmlns:r="http://schemas.openxmlformats.org/officeDocument/2006/relationships" xmlns:p="http://schemas.openxmlformats.org/presentationml/2006/main">
+  <p:cSld>
+    <p:bg>
+      <p:bgRef idx="1001">
+        <a:schemeClr val="bg1"/>
+      </p:bgRef>
+    </p:bg>
+    <p:spTree>
+      <p:nvGrpSpPr>
+        <p:cNvPr id="1" name=""/>
+        <p:cNvGrpSpPr/>
+        <p:nvPr/>
+      </p:nvGrpSpPr>
+      <p:grpSpPr>
+        <a:xfrm>
+          <a:off x="0" y="0"/>
+          <a:ext cx="0" cy="0"/>
+          <a:chOff x="0" y="0"/>
+          <a:chExt cx="0" cy="0"/>
+        </a:xfrm>
+      </p:grpSpPr>
+      <p:sp>
+        <p:nvSpPr>
+          <p:cNvPr id="2" name="Zástupný symbol pro záhlaví 1"/>
+          <p:cNvSpPr>
+            <a:spLocks noGrp="1"/>
+          </p:cNvSpPr>
+          <p:nvPr>
+            <p:ph type="hdr" sz="quarter"/>
+          </p:nvPr>
+        </p:nvSpPr>
+        <p:spPr>
+          <a:xfrm>
+            <a:off x="0" y="0"/>
+            <a:ext cx="2971800" cy="458788"/>
+          </a:xfrm>
+          <a:prstGeom prst="rect">
+            <a:avLst/>
+          </a:prstGeom>
+        </p:spPr>
+        <p:txBody>
+          <a:bodyPr vert="horz" lIns="91440" tIns="45720" rIns="91440" bIns="45720" rtlCol="0"/>
+          <a:lstStyle>
+            <a:lvl1pPr algn="l">
+              <a:defRPr sz="1200"/>
+            </a:lvl1pPr>
+          </a:lstStyle>
+          <a:p>
+            <a:endParaRPr lang="cs-CZ"/>
+          </a:p>
+        </p:txBody>
+      </p:sp>
+      <p:sp>
+        <p:nvSpPr>
+          <p:cNvPr id="3" name="Zástupný symbol pro datum 2"/>
+          <p:cNvSpPr>
+            <a:spLocks noGrp="1"/>
+          </p:cNvSpPr>
+          <p:nvPr>
+            <p:ph type="dt" idx="1"/>
+          </p:nvPr>
+        </p:nvSpPr>
+        <p:spPr>
+          <a:xfrm>
+            <a:off x="3884613" y="0"/>
+            <a:ext cx="2971800" cy="458788"/>
+          </a:xfrm>
+          <a:prstGeom prst="rect">
+            <a:avLst/>
+          </a:prstGeom>
+        </p:spPr>
+        <p:txBody>
+          <a:bodyPr vert="horz" lIns="91440" tIns="45720" rIns="91440" bIns="45720" rtlCol="0"/>
+          <a:lstStyle>
+            <a:lvl1pPr algn="r">
+              <a:defRPr sz="1200"/>
+            </a:lvl1pPr>
+          </a:lstStyle>
+          <a:p>
+            <a:fld id="{B20F7C0A-6886-490A-B1E4-0E503B574F77}" type="datetimeFigureOut">
+              <a:rPr lang="cs-CZ" smtClean="0"/>
+              <a:t>13.04.2023</a:t>
+            </a:fld>
+            <a:endParaRPr lang="cs-CZ"/>
+          </a:p>
+        </p:txBody>
+      </p:sp>
+      <p:sp>
+        <p:nvSpPr>
+          <p:cNvPr id="4" name="Zástupný symbol pro obrázek snímku 3"/>
+          <p:cNvSpPr>
+            <a:spLocks noGrp="1" noRot="1" noChangeAspect="1"/>
+          </p:cNvSpPr>
+          <p:nvPr>
+            <p:ph type="sldImg" idx="2"/>
+          </p:nvPr>
+        </p:nvSpPr>
+        <p:spPr>
+          <a:xfrm>
+            <a:off x="685800" y="1143000"/>
+            <a:ext cx="5486400" cy="3086100"/>
+          </a:xfrm>
+          <a:prstGeom prst="rect">
+            <a:avLst/>
+          </a:prstGeom>
+          <a:noFill/>
+          <a:ln w="12700">
+            <a:solidFill>
+              <a:prstClr val="black"/>
+            </a:solidFill>
+          </a:ln>
+        </p:spPr>
+        <p:txBody>
+          <a:bodyPr vert="horz" lIns="91440" tIns="45720" rIns="91440" bIns="45720" rtlCol="0" anchor="ctr"/>
+          <a:lstStyle/>
+          <a:p>
+            <a:endParaRPr lang="cs-CZ"/>
+          </a:p>
+        </p:txBody>
+      </p:sp>
+      <p:sp>
+        <p:nvSpPr>
+          <p:cNvPr id="5" name="Zástupný symbol pro poznámky 4"/>
+          <p:cNvSpPr>
+            <a:spLocks noGrp="1"/>
+          </p:cNvSpPr>
+          <p:nvPr>
+            <p:ph type="body" sz="quarter" idx="3"/>
+          </p:nvPr>
+        </p:nvSpPr>
+        <p:spPr>
+          <a:xfrm>
+            <a:off x="685800" y="4400550"/>
+            <a:ext cx="5486400" cy="3600450"/>
+          </a:xfrm>
+          <a:prstGeom prst="rect">
+            <a:avLst/>
+          </a:prstGeom>
+        </p:spPr>
+        <p:txBody>
+          <a:bodyPr vert="horz" lIns="91440" tIns="45720" rIns="91440" bIns="45720" rtlCol="0"/>
+          <a:lstStyle/>
+          <a:p>
+            <a:pPr lvl="0"/>
+            <a:r>
+              <a:rPr lang="cs-CZ"/>
+              <a:t>Po kliknutí můžete upravovat styly textu v předloze.</a:t>
+            </a:r>
+          </a:p>
+          <a:p>
+            <a:pPr lvl="1"/>
+            <a:r>
+              <a:rPr lang="cs-CZ"/>
+              <a:t>Druhá úroveň</a:t>
+            </a:r>
+          </a:p>
+          <a:p>
+            <a:pPr lvl="2"/>
+            <a:r>
+              <a:rPr lang="cs-CZ"/>
+              <a:t>Třetí úroveň</a:t>
+            </a:r>
+          </a:p>
+          <a:p>
+            <a:pPr lvl="3"/>
+            <a:r>
+              <a:rPr lang="cs-CZ"/>
+              <a:t>Čtvrtá úroveň</a:t>
+            </a:r>
+          </a:p>
+          <a:p>
+            <a:pPr lvl="4"/>
+            <a:r>
+              <a:rPr lang="cs-CZ"/>
+              <a:t>Pátá úroveň</a:t>
+            </a:r>
+          </a:p>
+        </p:txBody>
+      </p:sp>
+      <p:sp>
+        <p:nvSpPr>
+          <p:cNvPr id="6" name="Zástupný symbol pro zápatí 5"/>
+          <p:cNvSpPr>
+            <a:spLocks noGrp="1"/>
+          </p:cNvSpPr>
+          <p:nvPr>
+            <p:ph type="ftr" sz="quarter" idx="4"/>
+          </p:nvPr>
+        </p:nvSpPr>
+        <p:spPr>
+          <a:xfrm>
+            <a:off x="0" y="8685213"/>
+            <a:ext cx="2971800" cy="458787"/>
+          </a:xfrm>
+          <a:prstGeom prst="rect">
+            <a:avLst/>
+          </a:prstGeom>
+        </p:spPr>
+        <p:txBody>
+          <a:bodyPr vert="horz" lIns="91440" tIns="45720" rIns="91440" bIns="45720" rtlCol="0" anchor="b"/>
+          <a:lstStyle>
+            <a:lvl1pPr algn="l">
+              <a:defRPr sz="1200"/>
+            </a:lvl1pPr>
+          </a:lstStyle>
+          <a:p>
+            <a:endParaRPr lang="cs-CZ"/>
+          </a:p>
+        </p:txBody>
+      </p:sp>
+      <p:sp>
+        <p:nvSpPr>
+          <p:cNvPr id="7" name="Zástupný symbol pro číslo snímku 6"/>
+          <p:cNvSpPr>
+            <a:spLocks noGrp="1"/>
+          </p:cNvSpPr>
+          <p:nvPr>
+            <p:ph type="sldNum" sz="quarter" idx="5"/>
+          </p:nvPr>
+        </p:nvSpPr>
+        <p:spPr>
+          <a:xfrm>
+            <a:off x="3884613" y="8685213"/>
+            <a:ext cx="2971800" cy="458787"/>
+          </a:xfrm>
+          <a:prstGeom prst="rect">
+            <a:avLst/>
+          </a:prstGeom>
+        </p:spPr>
+        <p:txBody>
+          <a:bodyPr vert="horz" lIns="91440" tIns="45720" rIns="91440" bIns="45720" rtlCol="0" anchor="b"/>
+          <a:lstStyle>
+            <a:lvl1pPr algn="r">
+              <a:defRPr sz="1200"/>
+            </a:lvl1pPr>
+          </a:lstStyle>
+          <a:p>
+            <a:fld id="{888E3A86-DC57-4CCA-AA0B-A5DE7CB3B517}" type="slidenum">
+              <a:rPr lang="cs-CZ" smtClean="0"/>
+              <a:t>‹#›</a:t>
+            </a:fld>
+            <a:endParaRPr lang="cs-CZ"/>
+          </a:p>
+        </p:txBody>
+      </p:sp>
+    </p:spTree>
+    <p:extLst>
+      <p:ext uri="{BB962C8B-B14F-4D97-AF65-F5344CB8AC3E}">
+        <p14:creationId xmlns:p14="http://schemas.microsoft.com/office/powerpoint/2010/main" val="589344921"/>
+      </p:ext>
+    </p:extLst>
+  </p:cSld>
+  <p:clrMap bg1="lt1" tx1="dk1" bg2="lt2" tx2="dk2" accent1="accent1" accent2="accent2" accent3="accent3" accent4="accent4" accent5="accent5" accent6="accent6" hlink="hlink" folHlink="folHlink"/>
+  <p:notesStyle>
+    <a:lvl1pPr marL="0" algn="l" defTabSz="914400" rtl="0" eaLnBrk="1" latinLnBrk="0" hangingPunct="1">
+      <a:defRPr sz="1200" kern="1200">
+        <a:solidFill>
+          <a:schemeClr val="tx1"/>
+        </a:solidFill>
+        <a:latin typeface="+mn-lt"/>
+        <a:ea typeface="+mn-ea"/>
+        <a:cs typeface="+mn-cs"/>
+      </a:defRPr>
+    </a:lvl1pPr>
+    <a:lvl2pPr marL="457200" algn="l" defTabSz="914400" rtl="0" eaLnBrk="1" latinLnBrk="0" hangingPunct="1">
+      <a:defRPr sz="1200" kern="1200">
+        <a:solidFill>
+          <a:schemeClr val="tx1"/>
+        </a:solidFill>
+        <a:latin typeface="+mn-lt"/>
+        <a:ea typeface="+mn-ea"/>
+        <a:cs typeface="+mn-cs"/>
+      </a:defRPr>
+    </a:lvl2pPr>
+    <a:lvl3pPr marL="914400" algn="l" defTabSz="914400" rtl="0" eaLnBrk="1" latinLnBrk="0" hangingPunct="1">
+      <a:defRPr sz="1200" kern="1200">
+        <a:solidFill>
+          <a:schemeClr val="tx1"/>
+        </a:solidFill>
+        <a:latin typeface="+mn-lt"/>
+        <a:ea typeface="+mn-ea"/>
+        <a:cs typeface="+mn-cs"/>
+      </a:defRPr>
+    </a:lvl3pPr>
+    <a:lvl4pPr marL="1371600" algn="l" defTabSz="914400" rtl="0" eaLnBrk="1" latinLnBrk="0" hangingPunct="1">
+      <a:defRPr sz="1200" kern="1200">
+        <a:solidFill>
+          <a:schemeClr val="tx1"/>
+        </a:solidFill>
+        <a:latin typeface="+mn-lt"/>
+        <a:ea typeface="+mn-ea"/>
+        <a:cs typeface="+mn-cs"/>
+      </a:defRPr>
+    </a:lvl4pPr>
+    <a:lvl5pPr marL="1828800" algn="l" defTabSz="914400" rtl="0" eaLnBrk="1" latinLnBrk="0" hangingPunct="1">
+      <a:defRPr sz="1200" kern="1200">
+        <a:solidFill>
+          <a:schemeClr val="tx1"/>
+        </a:solidFill>
+        <a:latin typeface="+mn-lt"/>
+        <a:ea typeface="+mn-ea"/>
+        <a:cs typeface="+mn-cs"/>
+      </a:defRPr>
+    </a:lvl5pPr>
+    <a:lvl6pPr marL="2286000" algn="l" defTabSz="914400" rtl="0" eaLnBrk="1" latinLnBrk="0" hangingPunct="1">
+      <a:defRPr sz="1200" kern="1200">
+        <a:solidFill>
+          <a:schemeClr val="tx1"/>
+        </a:solidFill>
+        <a:latin typeface="+mn-lt"/>
+        <a:ea typeface="+mn-ea"/>
+        <a:cs typeface="+mn-cs"/>
+      </a:defRPr>
+    </a:lvl6pPr>
+    <a:lvl7pPr marL="2743200" algn="l" defTabSz="914400" rtl="0" eaLnBrk="1" latinLnBrk="0" hangingPunct="1">
+      <a:defRPr sz="1200" kern="1200">
+        <a:solidFill>
+          <a:schemeClr val="tx1"/>
+        </a:solidFill>
+        <a:latin typeface="+mn-lt"/>
+        <a:ea typeface="+mn-ea"/>
+        <a:cs typeface="+mn-cs"/>
+      </a:defRPr>
+    </a:lvl7pPr>
+    <a:lvl8pPr marL="3200400" algn="l" defTabSz="914400" rtl="0" eaLnBrk="1" latinLnBrk="0" hangingPunct="1">
+      <a:defRPr sz="1200" kern="1200">
+        <a:solidFill>
+          <a:schemeClr val="tx1"/>
+        </a:solidFill>
+        <a:latin typeface="+mn-lt"/>
+        <a:ea typeface="+mn-ea"/>
+        <a:cs typeface="+mn-cs"/>
+      </a:defRPr>
+    </a:lvl8pPr>
+    <a:lvl9pPr marL="3657600" algn="l" defTabSz="914400" rtl="0" eaLnBrk="1" latinLnBrk="0" hangingPunct="1">
+      <a:defRPr sz="1200" kern="1200">
+        <a:solidFill>
+          <a:schemeClr val="tx1"/>
+        </a:solidFill>
+        <a:latin typeface="+mn-lt"/>
+        <a:ea typeface="+mn-ea"/>
+        <a:cs typeface="+mn-cs"/>
+      </a:defRPr>
+    </a:lvl9pPr>
+  </p:notesStyle>
+</p:notesMaster>
+</file>
+
+<file path=ppt/notesSlides/notesSlide1.xml><?xml version="1.0" encoding="utf-8"?>
+<p:notes xmlns:a="http://schemas.openxmlformats.org/drawingml/2006/main" xmlns:r="http://schemas.openxmlformats.org/officeDocument/2006/relationships" xmlns:p="http://schemas.openxmlformats.org/presentationml/2006/main">
+  <p:cSld>
+    <p:spTree>
+      <p:nvGrpSpPr>
+        <p:cNvPr id="1" name=""/>
+        <p:cNvGrpSpPr/>
+        <p:nvPr/>
+      </p:nvGrpSpPr>
+      <p:grpSpPr>
+        <a:xfrm>
+          <a:off x="0" y="0"/>
+          <a:ext cx="0" cy="0"/>
+          <a:chOff x="0" y="0"/>
+          <a:chExt cx="0" cy="0"/>
+        </a:xfrm>
+      </p:grpSpPr>
+      <p:sp>
+        <p:nvSpPr>
+          <p:cNvPr id="2" name="Zástupný symbol pro obrázek snímku 1"/>
+          <p:cNvSpPr>
+            <a:spLocks noGrp="1" noRot="1" noChangeAspect="1"/>
+          </p:cNvSpPr>
+          <p:nvPr>
+            <p:ph type="sldImg"/>
+          </p:nvPr>
+        </p:nvSpPr>
+        <p:spPr/>
+      </p:sp>
+      <p:sp>
+        <p:nvSpPr>
+          <p:cNvPr id="3" name="Zástupný symbol pro poznámky 2"/>
+          <p:cNvSpPr>
+            <a:spLocks noGrp="1"/>
+          </p:cNvSpPr>
+          <p:nvPr>
+            <p:ph type="body" idx="1"/>
+          </p:nvPr>
+        </p:nvSpPr>
+        <p:spPr/>
+        <p:txBody>
+          <a:bodyPr/>
+          <a:lstStyle/>
+          <a:p>
+            <a:endParaRPr lang="cs-CZ" dirty="0"/>
+          </a:p>
+        </p:txBody>
+      </p:sp>
+      <p:sp>
+        <p:nvSpPr>
+          <p:cNvPr id="4" name="Zástupný symbol pro číslo snímku 3"/>
+          <p:cNvSpPr>
+            <a:spLocks noGrp="1"/>
+          </p:cNvSpPr>
+          <p:nvPr>
+            <p:ph type="sldNum" sz="quarter" idx="5"/>
+          </p:nvPr>
+        </p:nvSpPr>
+        <p:spPr/>
+        <p:txBody>
+          <a:bodyPr/>
+          <a:lstStyle/>
+          <a:p>
+            <a:fld id="{888E3A86-DC57-4CCA-AA0B-A5DE7CB3B517}" type="slidenum">
+              <a:rPr lang="cs-CZ" smtClean="0"/>
+              <a:t>4</a:t>
+            </a:fld>
+            <a:endParaRPr lang="cs-CZ"/>
+          </a:p>
+        </p:txBody>
+      </p:sp>
+    </p:spTree>
+    <p:extLst>
+      <p:ext uri="{BB962C8B-B14F-4D97-AF65-F5344CB8AC3E}">
+        <p14:creationId xmlns:p14="http://schemas.microsoft.com/office/powerpoint/2010/main" val="3014953406"/>
+      </p:ext>
+    </p:extLst>
+  </p:cSld>
+  <p:clrMapOvr>
+    <a:masterClrMapping/>
+  </p:clrMapOvr>
+</p:notes>
+</file>
+
+<file path=ppt/notesSlides/notesSlide10.xml><?xml version="1.0" encoding="utf-8"?>
+<p:notes xmlns:a="http://schemas.openxmlformats.org/drawingml/2006/main" xmlns:r="http://schemas.openxmlformats.org/officeDocument/2006/relationships" xmlns:p="http://schemas.openxmlformats.org/presentationml/2006/main">
+  <p:cSld>
+    <p:spTree>
+      <p:nvGrpSpPr>
+        <p:cNvPr id="1" name=""/>
+        <p:cNvGrpSpPr/>
+        <p:nvPr/>
+      </p:nvGrpSpPr>
+      <p:grpSpPr>
+        <a:xfrm>
+          <a:off x="0" y="0"/>
+          <a:ext cx="0" cy="0"/>
+          <a:chOff x="0" y="0"/>
+          <a:chExt cx="0" cy="0"/>
+        </a:xfrm>
+      </p:grpSpPr>
+      <p:sp>
+        <p:nvSpPr>
+          <p:cNvPr id="2" name="Zástupný symbol pro obrázek snímku 1"/>
+          <p:cNvSpPr>
+            <a:spLocks noGrp="1" noRot="1" noChangeAspect="1"/>
+          </p:cNvSpPr>
+          <p:nvPr>
+            <p:ph type="sldImg"/>
+          </p:nvPr>
+        </p:nvSpPr>
+        <p:spPr/>
+      </p:sp>
+      <p:sp>
+        <p:nvSpPr>
+          <p:cNvPr id="3" name="Zástupný symbol pro poznámky 2"/>
+          <p:cNvSpPr>
+            <a:spLocks noGrp="1"/>
+          </p:cNvSpPr>
+          <p:nvPr>
+            <p:ph type="body" idx="1"/>
+          </p:nvPr>
+        </p:nvSpPr>
+        <p:spPr/>
+        <p:txBody>
+          <a:bodyPr/>
+          <a:lstStyle/>
+          <a:p>
+            <a:endParaRPr lang="cs-CZ" dirty="0"/>
+          </a:p>
+        </p:txBody>
+      </p:sp>
+      <p:sp>
+        <p:nvSpPr>
+          <p:cNvPr id="4" name="Zástupný symbol pro číslo snímku 3"/>
+          <p:cNvSpPr>
+            <a:spLocks noGrp="1"/>
+          </p:cNvSpPr>
+          <p:nvPr>
+            <p:ph type="sldNum" sz="quarter" idx="5"/>
+          </p:nvPr>
+        </p:nvSpPr>
+        <p:spPr/>
+        <p:txBody>
+          <a:bodyPr/>
+          <a:lstStyle/>
+          <a:p>
+            <a:fld id="{888E3A86-DC57-4CCA-AA0B-A5DE7CB3B517}" type="slidenum">
+              <a:rPr lang="cs-CZ" smtClean="0"/>
+              <a:t>14</a:t>
+            </a:fld>
+            <a:endParaRPr lang="cs-CZ"/>
+          </a:p>
+        </p:txBody>
+      </p:sp>
+    </p:spTree>
+    <p:extLst>
+      <p:ext uri="{BB962C8B-B14F-4D97-AF65-F5344CB8AC3E}">
+        <p14:creationId xmlns:p14="http://schemas.microsoft.com/office/powerpoint/2010/main" val="3367930030"/>
+      </p:ext>
+    </p:extLst>
+  </p:cSld>
+  <p:clrMapOvr>
+    <a:masterClrMapping/>
+  </p:clrMapOvr>
+</p:notes>
+</file>
+
+<file path=ppt/notesSlides/notesSlide11.xml><?xml version="1.0" encoding="utf-8"?>
+<p:notes xmlns:a="http://schemas.openxmlformats.org/drawingml/2006/main" xmlns:r="http://schemas.openxmlformats.org/officeDocument/2006/relationships" xmlns:p="http://schemas.openxmlformats.org/presentationml/2006/main">
+  <p:cSld>
+    <p:spTree>
+      <p:nvGrpSpPr>
+        <p:cNvPr id="1" name=""/>
+        <p:cNvGrpSpPr/>
+        <p:nvPr/>
+      </p:nvGrpSpPr>
+      <p:grpSpPr>
+        <a:xfrm>
+          <a:off x="0" y="0"/>
+          <a:ext cx="0" cy="0"/>
+          <a:chOff x="0" y="0"/>
+          <a:chExt cx="0" cy="0"/>
+        </a:xfrm>
+      </p:grpSpPr>
+      <p:sp>
+        <p:nvSpPr>
+          <p:cNvPr id="2" name="Zástupný symbol pro obrázek snímku 1"/>
+          <p:cNvSpPr>
+            <a:spLocks noGrp="1" noRot="1" noChangeAspect="1"/>
+          </p:cNvSpPr>
+          <p:nvPr>
+            <p:ph type="sldImg"/>
+          </p:nvPr>
+        </p:nvSpPr>
+        <p:spPr/>
+      </p:sp>
+      <p:sp>
+        <p:nvSpPr>
+          <p:cNvPr id="3" name="Zástupný symbol pro poznámky 2"/>
+          <p:cNvSpPr>
+            <a:spLocks noGrp="1"/>
+          </p:cNvSpPr>
+          <p:nvPr>
+            <p:ph type="body" idx="1"/>
+          </p:nvPr>
+        </p:nvSpPr>
+        <p:spPr/>
+        <p:txBody>
+          <a:bodyPr/>
+          <a:lstStyle/>
+          <a:p>
+            <a:endParaRPr lang="cs-CZ" dirty="0"/>
+          </a:p>
+        </p:txBody>
+      </p:sp>
+      <p:sp>
+        <p:nvSpPr>
+          <p:cNvPr id="4" name="Zástupný symbol pro číslo snímku 3"/>
+          <p:cNvSpPr>
+            <a:spLocks noGrp="1"/>
+          </p:cNvSpPr>
+          <p:nvPr>
+            <p:ph type="sldNum" sz="quarter" idx="5"/>
+          </p:nvPr>
+        </p:nvSpPr>
+        <p:spPr/>
+        <p:txBody>
+          <a:bodyPr/>
+          <a:lstStyle/>
+          <a:p>
+            <a:fld id="{888E3A86-DC57-4CCA-AA0B-A5DE7CB3B517}" type="slidenum">
+              <a:rPr lang="cs-CZ" smtClean="0"/>
+              <a:t>15</a:t>
+            </a:fld>
+            <a:endParaRPr lang="cs-CZ"/>
+          </a:p>
+        </p:txBody>
+      </p:sp>
+    </p:spTree>
+    <p:extLst>
+      <p:ext uri="{BB962C8B-B14F-4D97-AF65-F5344CB8AC3E}">
+        <p14:creationId xmlns:p14="http://schemas.microsoft.com/office/powerpoint/2010/main" val="3128011289"/>
+      </p:ext>
+    </p:extLst>
+  </p:cSld>
+  <p:clrMapOvr>
+    <a:masterClrMapping/>
+  </p:clrMapOvr>
+</p:notes>
+</file>
+
+<file path=ppt/notesSlides/notesSlide12.xml><?xml version="1.0" encoding="utf-8"?>
+<p:notes xmlns:a="http://schemas.openxmlformats.org/drawingml/2006/main" xmlns:r="http://schemas.openxmlformats.org/officeDocument/2006/relationships" xmlns:p="http://schemas.openxmlformats.org/presentationml/2006/main">
+  <p:cSld>
+    <p:spTree>
+      <p:nvGrpSpPr>
+        <p:cNvPr id="1" name=""/>
+        <p:cNvGrpSpPr/>
+        <p:nvPr/>
+      </p:nvGrpSpPr>
+      <p:grpSpPr>
+        <a:xfrm>
+          <a:off x="0" y="0"/>
+          <a:ext cx="0" cy="0"/>
+          <a:chOff x="0" y="0"/>
+          <a:chExt cx="0" cy="0"/>
+        </a:xfrm>
+      </p:grpSpPr>
+      <p:sp>
+        <p:nvSpPr>
+          <p:cNvPr id="2" name="Zástupný symbol pro obrázek snímku 1"/>
+          <p:cNvSpPr>
+            <a:spLocks noGrp="1" noRot="1" noChangeAspect="1"/>
+          </p:cNvSpPr>
+          <p:nvPr>
+            <p:ph type="sldImg"/>
+          </p:nvPr>
+        </p:nvSpPr>
+        <p:spPr/>
+      </p:sp>
+      <p:sp>
+        <p:nvSpPr>
+          <p:cNvPr id="3" name="Zástupný symbol pro poznámky 2"/>
+          <p:cNvSpPr>
+            <a:spLocks noGrp="1"/>
+          </p:cNvSpPr>
+          <p:nvPr>
+            <p:ph type="body" idx="1"/>
+          </p:nvPr>
+        </p:nvSpPr>
+        <p:spPr/>
+        <p:txBody>
+          <a:bodyPr/>
+          <a:lstStyle/>
+          <a:p>
+            <a:endParaRPr lang="cs-CZ" dirty="0"/>
+          </a:p>
+        </p:txBody>
+      </p:sp>
+      <p:sp>
+        <p:nvSpPr>
+          <p:cNvPr id="4" name="Zástupný symbol pro číslo snímku 3"/>
+          <p:cNvSpPr>
+            <a:spLocks noGrp="1"/>
+          </p:cNvSpPr>
+          <p:nvPr>
+            <p:ph type="sldNum" sz="quarter" idx="5"/>
+          </p:nvPr>
+        </p:nvSpPr>
+        <p:spPr/>
+        <p:txBody>
+          <a:bodyPr/>
+          <a:lstStyle/>
+          <a:p>
+            <a:fld id="{888E3A86-DC57-4CCA-AA0B-A5DE7CB3B517}" type="slidenum">
+              <a:rPr lang="cs-CZ" smtClean="0"/>
+              <a:t>16</a:t>
+            </a:fld>
+            <a:endParaRPr lang="cs-CZ"/>
+          </a:p>
+        </p:txBody>
+      </p:sp>
+    </p:spTree>
+    <p:extLst>
+      <p:ext uri="{BB962C8B-B14F-4D97-AF65-F5344CB8AC3E}">
+        <p14:creationId xmlns:p14="http://schemas.microsoft.com/office/powerpoint/2010/main" val="4158966156"/>
+      </p:ext>
+    </p:extLst>
+  </p:cSld>
+  <p:clrMapOvr>
+    <a:masterClrMapping/>
+  </p:clrMapOvr>
+</p:notes>
+</file>
+
+<file path=ppt/notesSlides/notesSlide13.xml><?xml version="1.0" encoding="utf-8"?>
+<p:notes xmlns:a="http://schemas.openxmlformats.org/drawingml/2006/main" xmlns:r="http://schemas.openxmlformats.org/officeDocument/2006/relationships" xmlns:p="http://schemas.openxmlformats.org/presentationml/2006/main">
+  <p:cSld>
+    <p:spTree>
+      <p:nvGrpSpPr>
+        <p:cNvPr id="1" name=""/>
+        <p:cNvGrpSpPr/>
+        <p:nvPr/>
+      </p:nvGrpSpPr>
+      <p:grpSpPr>
+        <a:xfrm>
+          <a:off x="0" y="0"/>
+          <a:ext cx="0" cy="0"/>
+          <a:chOff x="0" y="0"/>
+          <a:chExt cx="0" cy="0"/>
+        </a:xfrm>
+      </p:grpSpPr>
+      <p:sp>
+        <p:nvSpPr>
+          <p:cNvPr id="2" name="Zástupný symbol pro obrázek snímku 1"/>
+          <p:cNvSpPr>
+            <a:spLocks noGrp="1" noRot="1" noChangeAspect="1"/>
+          </p:cNvSpPr>
+          <p:nvPr>
+            <p:ph type="sldImg"/>
+          </p:nvPr>
+        </p:nvSpPr>
+        <p:spPr/>
+      </p:sp>
+      <p:sp>
+        <p:nvSpPr>
+          <p:cNvPr id="3" name="Zástupný symbol pro poznámky 2"/>
+          <p:cNvSpPr>
+            <a:spLocks noGrp="1"/>
+          </p:cNvSpPr>
+          <p:nvPr>
+            <p:ph type="body" idx="1"/>
+          </p:nvPr>
+        </p:nvSpPr>
+        <p:spPr/>
+        <p:txBody>
+          <a:bodyPr/>
+          <a:lstStyle/>
+          <a:p>
+            <a:endParaRPr lang="cs-CZ" dirty="0"/>
+          </a:p>
+        </p:txBody>
+      </p:sp>
+      <p:sp>
+        <p:nvSpPr>
+          <p:cNvPr id="4" name="Zástupný symbol pro číslo snímku 3"/>
+          <p:cNvSpPr>
+            <a:spLocks noGrp="1"/>
+          </p:cNvSpPr>
+          <p:nvPr>
+            <p:ph type="sldNum" sz="quarter" idx="5"/>
+          </p:nvPr>
+        </p:nvSpPr>
+        <p:spPr/>
+        <p:txBody>
+          <a:bodyPr/>
+          <a:lstStyle/>
+          <a:p>
+            <a:fld id="{888E3A86-DC57-4CCA-AA0B-A5DE7CB3B517}" type="slidenum">
+              <a:rPr lang="cs-CZ" smtClean="0"/>
+              <a:t>17</a:t>
+            </a:fld>
+            <a:endParaRPr lang="cs-CZ"/>
+          </a:p>
+        </p:txBody>
+      </p:sp>
+    </p:spTree>
+    <p:extLst>
+      <p:ext uri="{BB962C8B-B14F-4D97-AF65-F5344CB8AC3E}">
+        <p14:creationId xmlns:p14="http://schemas.microsoft.com/office/powerpoint/2010/main" val="203438188"/>
+      </p:ext>
+    </p:extLst>
+  </p:cSld>
+  <p:clrMapOvr>
+    <a:masterClrMapping/>
+  </p:clrMapOvr>
+</p:notes>
+</file>
+
+<file path=ppt/notesSlides/notesSlide14.xml><?xml version="1.0" encoding="utf-8"?>
+<p:notes xmlns:a="http://schemas.openxmlformats.org/drawingml/2006/main" xmlns:r="http://schemas.openxmlformats.org/officeDocument/2006/relationships" xmlns:p="http://schemas.openxmlformats.org/presentationml/2006/main">
+  <p:cSld>
+    <p:spTree>
+      <p:nvGrpSpPr>
+        <p:cNvPr id="1" name=""/>
+        <p:cNvGrpSpPr/>
+        <p:nvPr/>
+      </p:nvGrpSpPr>
+      <p:grpSpPr>
+        <a:xfrm>
+          <a:off x="0" y="0"/>
+          <a:ext cx="0" cy="0"/>
+          <a:chOff x="0" y="0"/>
+          <a:chExt cx="0" cy="0"/>
+        </a:xfrm>
+      </p:grpSpPr>
+      <p:sp>
+        <p:nvSpPr>
+          <p:cNvPr id="2" name="Zástupný symbol pro obrázek snímku 1"/>
+          <p:cNvSpPr>
+            <a:spLocks noGrp="1" noRot="1" noChangeAspect="1"/>
+          </p:cNvSpPr>
+          <p:nvPr>
+            <p:ph type="sldImg"/>
+          </p:nvPr>
+        </p:nvSpPr>
+        <p:spPr/>
+      </p:sp>
+      <p:sp>
+        <p:nvSpPr>
+          <p:cNvPr id="3" name="Zástupný symbol pro poznámky 2"/>
+          <p:cNvSpPr>
+            <a:spLocks noGrp="1"/>
+          </p:cNvSpPr>
+          <p:nvPr>
+            <p:ph type="body" idx="1"/>
+          </p:nvPr>
+        </p:nvSpPr>
+        <p:spPr/>
+        <p:txBody>
+          <a:bodyPr/>
+          <a:lstStyle/>
+          <a:p>
+            <a:endParaRPr lang="cs-CZ" dirty="0"/>
+          </a:p>
+        </p:txBody>
+      </p:sp>
+      <p:sp>
+        <p:nvSpPr>
+          <p:cNvPr id="4" name="Zástupný symbol pro číslo snímku 3"/>
+          <p:cNvSpPr>
+            <a:spLocks noGrp="1"/>
+          </p:cNvSpPr>
+          <p:nvPr>
+            <p:ph type="sldNum" sz="quarter" idx="5"/>
+          </p:nvPr>
+        </p:nvSpPr>
+        <p:spPr/>
+        <p:txBody>
+          <a:bodyPr/>
+          <a:lstStyle/>
+          <a:p>
+            <a:fld id="{888E3A86-DC57-4CCA-AA0B-A5DE7CB3B517}" type="slidenum">
+              <a:rPr lang="cs-CZ" smtClean="0"/>
+              <a:t>18</a:t>
+            </a:fld>
+            <a:endParaRPr lang="cs-CZ"/>
+          </a:p>
+        </p:txBody>
+      </p:sp>
+    </p:spTree>
+    <p:extLst>
+      <p:ext uri="{BB962C8B-B14F-4D97-AF65-F5344CB8AC3E}">
+        <p14:creationId xmlns:p14="http://schemas.microsoft.com/office/powerpoint/2010/main" val="316095354"/>
+      </p:ext>
+    </p:extLst>
+  </p:cSld>
+  <p:clrMapOvr>
+    <a:masterClrMapping/>
+  </p:clrMapOvr>
+</p:notes>
+</file>
+
+<file path=ppt/notesSlides/notesSlide15.xml><?xml version="1.0" encoding="utf-8"?>
+<p:notes xmlns:a="http://schemas.openxmlformats.org/drawingml/2006/main" xmlns:r="http://schemas.openxmlformats.org/officeDocument/2006/relationships" xmlns:p="http://schemas.openxmlformats.org/presentationml/2006/main">
+  <p:cSld>
+    <p:spTree>
+      <p:nvGrpSpPr>
+        <p:cNvPr id="1" name=""/>
+        <p:cNvGrpSpPr/>
+        <p:nvPr/>
+      </p:nvGrpSpPr>
+      <p:grpSpPr>
+        <a:xfrm>
+          <a:off x="0" y="0"/>
+          <a:ext cx="0" cy="0"/>
+          <a:chOff x="0" y="0"/>
+          <a:chExt cx="0" cy="0"/>
+        </a:xfrm>
+      </p:grpSpPr>
+      <p:sp>
+        <p:nvSpPr>
+          <p:cNvPr id="2" name="Zástupný symbol pro obrázek snímku 1"/>
+          <p:cNvSpPr>
+            <a:spLocks noGrp="1" noRot="1" noChangeAspect="1"/>
+          </p:cNvSpPr>
+          <p:nvPr>
+            <p:ph type="sldImg"/>
+          </p:nvPr>
+        </p:nvSpPr>
+        <p:spPr/>
+      </p:sp>
+      <p:sp>
+        <p:nvSpPr>
+          <p:cNvPr id="3" name="Zástupný symbol pro poznámky 2"/>
+          <p:cNvSpPr>
+            <a:spLocks noGrp="1"/>
+          </p:cNvSpPr>
+          <p:nvPr>
+            <p:ph type="body" idx="1"/>
+          </p:nvPr>
+        </p:nvSpPr>
+        <p:spPr/>
+        <p:txBody>
+          <a:bodyPr/>
+          <a:lstStyle/>
+          <a:p>
+            <a:endParaRPr lang="cs-CZ" dirty="0"/>
+          </a:p>
+        </p:txBody>
+      </p:sp>
+      <p:sp>
+        <p:nvSpPr>
+          <p:cNvPr id="4" name="Zástupný symbol pro číslo snímku 3"/>
+          <p:cNvSpPr>
+            <a:spLocks noGrp="1"/>
+          </p:cNvSpPr>
+          <p:nvPr>
+            <p:ph type="sldNum" sz="quarter" idx="5"/>
+          </p:nvPr>
+        </p:nvSpPr>
+        <p:spPr/>
+        <p:txBody>
+          <a:bodyPr/>
+          <a:lstStyle/>
+          <a:p>
+            <a:fld id="{888E3A86-DC57-4CCA-AA0B-A5DE7CB3B517}" type="slidenum">
+              <a:rPr lang="cs-CZ" smtClean="0"/>
+              <a:t>20</a:t>
+            </a:fld>
+            <a:endParaRPr lang="cs-CZ"/>
+          </a:p>
+        </p:txBody>
+      </p:sp>
+    </p:spTree>
+    <p:extLst>
+      <p:ext uri="{BB962C8B-B14F-4D97-AF65-F5344CB8AC3E}">
+        <p14:creationId xmlns:p14="http://schemas.microsoft.com/office/powerpoint/2010/main" val="3784792062"/>
+      </p:ext>
+    </p:extLst>
+  </p:cSld>
+  <p:clrMapOvr>
+    <a:masterClrMapping/>
+  </p:clrMapOvr>
+</p:notes>
+</file>
+
+<file path=ppt/notesSlides/notesSlide16.xml><?xml version="1.0" encoding="utf-8"?>
+<p:notes xmlns:a="http://schemas.openxmlformats.org/drawingml/2006/main" xmlns:r="http://schemas.openxmlformats.org/officeDocument/2006/relationships" xmlns:p="http://schemas.openxmlformats.org/presentationml/2006/main">
+  <p:cSld>
+    <p:spTree>
+      <p:nvGrpSpPr>
+        <p:cNvPr id="1" name=""/>
+        <p:cNvGrpSpPr/>
+        <p:nvPr/>
+      </p:nvGrpSpPr>
+      <p:grpSpPr>
+        <a:xfrm>
+          <a:off x="0" y="0"/>
+          <a:ext cx="0" cy="0"/>
+          <a:chOff x="0" y="0"/>
+          <a:chExt cx="0" cy="0"/>
+        </a:xfrm>
+      </p:grpSpPr>
+      <p:sp>
+        <p:nvSpPr>
+          <p:cNvPr id="2" name="Zástupný symbol pro obrázek snímku 1"/>
+          <p:cNvSpPr>
+            <a:spLocks noGrp="1" noRot="1" noChangeAspect="1"/>
+          </p:cNvSpPr>
+          <p:nvPr>
+            <p:ph type="sldImg"/>
+          </p:nvPr>
+        </p:nvSpPr>
+        <p:spPr/>
+      </p:sp>
+      <p:sp>
+        <p:nvSpPr>
+          <p:cNvPr id="3" name="Zástupný symbol pro poznámky 2"/>
+          <p:cNvSpPr>
+            <a:spLocks noGrp="1"/>
+          </p:cNvSpPr>
+          <p:nvPr>
+            <p:ph type="body" idx="1"/>
+          </p:nvPr>
+        </p:nvSpPr>
+        <p:spPr/>
+        <p:txBody>
+          <a:bodyPr/>
+          <a:lstStyle/>
+          <a:p>
+            <a:endParaRPr lang="cs-CZ" dirty="0"/>
+          </a:p>
+        </p:txBody>
+      </p:sp>
+      <p:sp>
+        <p:nvSpPr>
+          <p:cNvPr id="4" name="Zástupný symbol pro číslo snímku 3"/>
+          <p:cNvSpPr>
+            <a:spLocks noGrp="1"/>
+          </p:cNvSpPr>
+          <p:nvPr>
+            <p:ph type="sldNum" sz="quarter" idx="5"/>
+          </p:nvPr>
+        </p:nvSpPr>
+        <p:spPr/>
+        <p:txBody>
+          <a:bodyPr/>
+          <a:lstStyle/>
+          <a:p>
+            <a:fld id="{888E3A86-DC57-4CCA-AA0B-A5DE7CB3B517}" type="slidenum">
+              <a:rPr lang="cs-CZ" smtClean="0"/>
+              <a:t>22</a:t>
+            </a:fld>
+            <a:endParaRPr lang="cs-CZ"/>
+          </a:p>
+        </p:txBody>
+      </p:sp>
+    </p:spTree>
+    <p:extLst>
+      <p:ext uri="{BB962C8B-B14F-4D97-AF65-F5344CB8AC3E}">
+        <p14:creationId xmlns:p14="http://schemas.microsoft.com/office/powerpoint/2010/main" val="4057757832"/>
+      </p:ext>
+    </p:extLst>
+  </p:cSld>
+  <p:clrMapOvr>
+    <a:masterClrMapping/>
+  </p:clrMapOvr>
+</p:notes>
+</file>
+
+<file path=ppt/notesSlides/notesSlide2.xml><?xml version="1.0" encoding="utf-8"?>
+<p:notes xmlns:a="http://schemas.openxmlformats.org/drawingml/2006/main" xmlns:r="http://schemas.openxmlformats.org/officeDocument/2006/relationships" xmlns:p="http://schemas.openxmlformats.org/presentationml/2006/main">
+  <p:cSld>
+    <p:spTree>
+      <p:nvGrpSpPr>
+        <p:cNvPr id="1" name=""/>
+        <p:cNvGrpSpPr/>
+        <p:nvPr/>
+      </p:nvGrpSpPr>
+      <p:grpSpPr>
+        <a:xfrm>
+          <a:off x="0" y="0"/>
+          <a:ext cx="0" cy="0"/>
+          <a:chOff x="0" y="0"/>
+          <a:chExt cx="0" cy="0"/>
+        </a:xfrm>
+      </p:grpSpPr>
+      <p:sp>
+        <p:nvSpPr>
+          <p:cNvPr id="2" name="Zástupný symbol pro obrázek snímku 1"/>
+          <p:cNvSpPr>
+            <a:spLocks noGrp="1" noRot="1" noChangeAspect="1"/>
+          </p:cNvSpPr>
+          <p:nvPr>
+            <p:ph type="sldImg"/>
+          </p:nvPr>
+        </p:nvSpPr>
+        <p:spPr/>
+      </p:sp>
+      <p:sp>
+        <p:nvSpPr>
+          <p:cNvPr id="3" name="Zástupný symbol pro poznámky 2"/>
+          <p:cNvSpPr>
+            <a:spLocks noGrp="1"/>
+          </p:cNvSpPr>
+          <p:nvPr>
+            <p:ph type="body" idx="1"/>
+          </p:nvPr>
+        </p:nvSpPr>
+        <p:spPr/>
+        <p:txBody>
+          <a:bodyPr/>
+          <a:lstStyle/>
+          <a:p>
+            <a:endParaRPr lang="cs-CZ" dirty="0"/>
+          </a:p>
+        </p:txBody>
+      </p:sp>
+      <p:sp>
+        <p:nvSpPr>
+          <p:cNvPr id="4" name="Zástupný symbol pro číslo snímku 3"/>
+          <p:cNvSpPr>
+            <a:spLocks noGrp="1"/>
+          </p:cNvSpPr>
+          <p:nvPr>
+            <p:ph type="sldNum" sz="quarter" idx="5"/>
+          </p:nvPr>
+        </p:nvSpPr>
+        <p:spPr/>
+        <p:txBody>
+          <a:bodyPr/>
+          <a:lstStyle/>
+          <a:p>
+            <a:fld id="{888E3A86-DC57-4CCA-AA0B-A5DE7CB3B517}" type="slidenum">
+              <a:rPr lang="cs-CZ" smtClean="0"/>
+              <a:t>5</a:t>
+            </a:fld>
+            <a:endParaRPr lang="cs-CZ"/>
+          </a:p>
+        </p:txBody>
+      </p:sp>
+    </p:spTree>
+    <p:extLst>
+      <p:ext uri="{BB962C8B-B14F-4D97-AF65-F5344CB8AC3E}">
+        <p14:creationId xmlns:p14="http://schemas.microsoft.com/office/powerpoint/2010/main" val="763689810"/>
+      </p:ext>
+    </p:extLst>
+  </p:cSld>
+  <p:clrMapOvr>
+    <a:masterClrMapping/>
+  </p:clrMapOvr>
+</p:notes>
+</file>
+
+<file path=ppt/notesSlides/notesSlide3.xml><?xml version="1.0" encoding="utf-8"?>
+<p:notes xmlns:a="http://schemas.openxmlformats.org/drawingml/2006/main" xmlns:r="http://schemas.openxmlformats.org/officeDocument/2006/relationships" xmlns:p="http://schemas.openxmlformats.org/presentationml/2006/main">
+  <p:cSld>
+    <p:spTree>
+      <p:nvGrpSpPr>
+        <p:cNvPr id="1" name=""/>
+        <p:cNvGrpSpPr/>
+        <p:nvPr/>
+      </p:nvGrpSpPr>
+      <p:grpSpPr>
+        <a:xfrm>
+          <a:off x="0" y="0"/>
+          <a:ext cx="0" cy="0"/>
+          <a:chOff x="0" y="0"/>
+          <a:chExt cx="0" cy="0"/>
+        </a:xfrm>
+      </p:grpSpPr>
+      <p:sp>
+        <p:nvSpPr>
+          <p:cNvPr id="2" name="Zástupný symbol pro obrázek snímku 1"/>
+          <p:cNvSpPr>
+            <a:spLocks noGrp="1" noRot="1" noChangeAspect="1"/>
+          </p:cNvSpPr>
+          <p:nvPr>
+            <p:ph type="sldImg"/>
+          </p:nvPr>
+        </p:nvSpPr>
+        <p:spPr/>
+      </p:sp>
+      <p:sp>
+        <p:nvSpPr>
+          <p:cNvPr id="3" name="Zástupný symbol pro poznámky 2"/>
+          <p:cNvSpPr>
+            <a:spLocks noGrp="1"/>
+          </p:cNvSpPr>
+          <p:nvPr>
+            <p:ph type="body" idx="1"/>
+          </p:nvPr>
+        </p:nvSpPr>
+        <p:spPr/>
+        <p:txBody>
+          <a:bodyPr/>
+          <a:lstStyle/>
+          <a:p>
+            <a:endParaRPr lang="cs-CZ" dirty="0"/>
+          </a:p>
+        </p:txBody>
+      </p:sp>
+      <p:sp>
+        <p:nvSpPr>
+          <p:cNvPr id="4" name="Zástupný symbol pro číslo snímku 3"/>
+          <p:cNvSpPr>
+            <a:spLocks noGrp="1"/>
+          </p:cNvSpPr>
+          <p:nvPr>
+            <p:ph type="sldNum" sz="quarter" idx="5"/>
+          </p:nvPr>
+        </p:nvSpPr>
+        <p:spPr/>
+        <p:txBody>
+          <a:bodyPr/>
+          <a:lstStyle/>
+          <a:p>
+            <a:fld id="{888E3A86-DC57-4CCA-AA0B-A5DE7CB3B517}" type="slidenum">
+              <a:rPr lang="cs-CZ" smtClean="0"/>
+              <a:t>7</a:t>
+            </a:fld>
+            <a:endParaRPr lang="cs-CZ"/>
+          </a:p>
+        </p:txBody>
+      </p:sp>
+    </p:spTree>
+    <p:extLst>
+      <p:ext uri="{BB962C8B-B14F-4D97-AF65-F5344CB8AC3E}">
+        <p14:creationId xmlns:p14="http://schemas.microsoft.com/office/powerpoint/2010/main" val="1280053993"/>
+      </p:ext>
+    </p:extLst>
+  </p:cSld>
+  <p:clrMapOvr>
+    <a:masterClrMapping/>
+  </p:clrMapOvr>
+</p:notes>
+</file>
+
+<file path=ppt/notesSlides/notesSlide4.xml><?xml version="1.0" encoding="utf-8"?>
+<p:notes xmlns:a="http://schemas.openxmlformats.org/drawingml/2006/main" xmlns:r="http://schemas.openxmlformats.org/officeDocument/2006/relationships" xmlns:p="http://schemas.openxmlformats.org/presentationml/2006/main">
+  <p:cSld>
+    <p:spTree>
+      <p:nvGrpSpPr>
+        <p:cNvPr id="1" name=""/>
+        <p:cNvGrpSpPr/>
+        <p:nvPr/>
+      </p:nvGrpSpPr>
+      <p:grpSpPr>
+        <a:xfrm>
+          <a:off x="0" y="0"/>
+          <a:ext cx="0" cy="0"/>
+          <a:chOff x="0" y="0"/>
+          <a:chExt cx="0" cy="0"/>
+        </a:xfrm>
+      </p:grpSpPr>
+      <p:sp>
+        <p:nvSpPr>
+          <p:cNvPr id="2" name="Zástupný symbol pro obrázek snímku 1"/>
+          <p:cNvSpPr>
+            <a:spLocks noGrp="1" noRot="1" noChangeAspect="1"/>
+          </p:cNvSpPr>
+          <p:nvPr>
+            <p:ph type="sldImg"/>
+          </p:nvPr>
+        </p:nvSpPr>
+        <p:spPr/>
+      </p:sp>
+      <p:sp>
+        <p:nvSpPr>
+          <p:cNvPr id="3" name="Zástupný symbol pro poznámky 2"/>
+          <p:cNvSpPr>
+            <a:spLocks noGrp="1"/>
+          </p:cNvSpPr>
+          <p:nvPr>
+            <p:ph type="body" idx="1"/>
+          </p:nvPr>
+        </p:nvSpPr>
+        <p:spPr/>
+        <p:txBody>
+          <a:bodyPr/>
+          <a:lstStyle/>
+          <a:p>
+            <a:endParaRPr lang="cs-CZ" dirty="0"/>
+          </a:p>
+        </p:txBody>
+      </p:sp>
+      <p:sp>
+        <p:nvSpPr>
+          <p:cNvPr id="4" name="Zástupný symbol pro číslo snímku 3"/>
+          <p:cNvSpPr>
+            <a:spLocks noGrp="1"/>
+          </p:cNvSpPr>
+          <p:nvPr>
+            <p:ph type="sldNum" sz="quarter" idx="5"/>
+          </p:nvPr>
+        </p:nvSpPr>
+        <p:spPr/>
+        <p:txBody>
+          <a:bodyPr/>
+          <a:lstStyle/>
+          <a:p>
+            <a:fld id="{888E3A86-DC57-4CCA-AA0B-A5DE7CB3B517}" type="slidenum">
+              <a:rPr lang="cs-CZ" smtClean="0"/>
+              <a:t>8</a:t>
+            </a:fld>
+            <a:endParaRPr lang="cs-CZ"/>
+          </a:p>
+        </p:txBody>
+      </p:sp>
+    </p:spTree>
+    <p:extLst>
+      <p:ext uri="{BB962C8B-B14F-4D97-AF65-F5344CB8AC3E}">
+        <p14:creationId xmlns:p14="http://schemas.microsoft.com/office/powerpoint/2010/main" val="300219515"/>
+      </p:ext>
+    </p:extLst>
+  </p:cSld>
+  <p:clrMapOvr>
+    <a:masterClrMapping/>
+  </p:clrMapOvr>
+</p:notes>
+</file>
+
+<file path=ppt/notesSlides/notesSlide5.xml><?xml version="1.0" encoding="utf-8"?>
+<p:notes xmlns:a="http://schemas.openxmlformats.org/drawingml/2006/main" xmlns:r="http://schemas.openxmlformats.org/officeDocument/2006/relationships" xmlns:p="http://schemas.openxmlformats.org/presentationml/2006/main">
+  <p:cSld>
+    <p:spTree>
+      <p:nvGrpSpPr>
+        <p:cNvPr id="1" name=""/>
+        <p:cNvGrpSpPr/>
+        <p:nvPr/>
+      </p:nvGrpSpPr>
+      <p:grpSpPr>
+        <a:xfrm>
+          <a:off x="0" y="0"/>
+          <a:ext cx="0" cy="0"/>
+          <a:chOff x="0" y="0"/>
+          <a:chExt cx="0" cy="0"/>
+        </a:xfrm>
+      </p:grpSpPr>
+      <p:sp>
+        <p:nvSpPr>
+          <p:cNvPr id="2" name="Zástupný symbol pro obrázek snímku 1"/>
+          <p:cNvSpPr>
+            <a:spLocks noGrp="1" noRot="1" noChangeAspect="1"/>
+          </p:cNvSpPr>
+          <p:nvPr>
+            <p:ph type="sldImg"/>
+          </p:nvPr>
+        </p:nvSpPr>
+        <p:spPr/>
+      </p:sp>
+      <p:sp>
+        <p:nvSpPr>
+          <p:cNvPr id="3" name="Zástupný symbol pro poznámky 2"/>
+          <p:cNvSpPr>
+            <a:spLocks noGrp="1"/>
+          </p:cNvSpPr>
+          <p:nvPr>
+            <p:ph type="body" idx="1"/>
+          </p:nvPr>
+        </p:nvSpPr>
+        <p:spPr/>
+        <p:txBody>
+          <a:bodyPr/>
+          <a:lstStyle/>
+          <a:p>
+            <a:endParaRPr lang="cs-CZ" dirty="0"/>
+          </a:p>
+        </p:txBody>
+      </p:sp>
+      <p:sp>
+        <p:nvSpPr>
+          <p:cNvPr id="4" name="Zástupný symbol pro číslo snímku 3"/>
+          <p:cNvSpPr>
+            <a:spLocks noGrp="1"/>
+          </p:cNvSpPr>
+          <p:nvPr>
+            <p:ph type="sldNum" sz="quarter" idx="5"/>
+          </p:nvPr>
+        </p:nvSpPr>
+        <p:spPr/>
+        <p:txBody>
+          <a:bodyPr/>
+          <a:lstStyle/>
+          <a:p>
+            <a:fld id="{888E3A86-DC57-4CCA-AA0B-A5DE7CB3B517}" type="slidenum">
+              <a:rPr lang="cs-CZ" smtClean="0"/>
+              <a:t>9</a:t>
+            </a:fld>
+            <a:endParaRPr lang="cs-CZ"/>
+          </a:p>
+        </p:txBody>
+      </p:sp>
+    </p:spTree>
+    <p:extLst>
+      <p:ext uri="{BB962C8B-B14F-4D97-AF65-F5344CB8AC3E}">
+        <p14:creationId xmlns:p14="http://schemas.microsoft.com/office/powerpoint/2010/main" val="3436311921"/>
+      </p:ext>
+    </p:extLst>
+  </p:cSld>
+  <p:clrMapOvr>
+    <a:masterClrMapping/>
+  </p:clrMapOvr>
+</p:notes>
+</file>
+
+<file path=ppt/notesSlides/notesSlide6.xml><?xml version="1.0" encoding="utf-8"?>
+<p:notes xmlns:a="http://schemas.openxmlformats.org/drawingml/2006/main" xmlns:r="http://schemas.openxmlformats.org/officeDocument/2006/relationships" xmlns:p="http://schemas.openxmlformats.org/presentationml/2006/main">
+  <p:cSld>
+    <p:spTree>
+      <p:nvGrpSpPr>
+        <p:cNvPr id="1" name=""/>
+        <p:cNvGrpSpPr/>
+        <p:nvPr/>
+      </p:nvGrpSpPr>
+      <p:grpSpPr>
+        <a:xfrm>
+          <a:off x="0" y="0"/>
+          <a:ext cx="0" cy="0"/>
+          <a:chOff x="0" y="0"/>
+          <a:chExt cx="0" cy="0"/>
+        </a:xfrm>
+      </p:grpSpPr>
+      <p:sp>
+        <p:nvSpPr>
+          <p:cNvPr id="2" name="Zástupný symbol pro obrázek snímku 1"/>
+          <p:cNvSpPr>
+            <a:spLocks noGrp="1" noRot="1" noChangeAspect="1"/>
+          </p:cNvSpPr>
+          <p:nvPr>
+            <p:ph type="sldImg"/>
+          </p:nvPr>
+        </p:nvSpPr>
+        <p:spPr/>
+      </p:sp>
+      <p:sp>
+        <p:nvSpPr>
+          <p:cNvPr id="3" name="Zástupný symbol pro poznámky 2"/>
+          <p:cNvSpPr>
+            <a:spLocks noGrp="1"/>
+          </p:cNvSpPr>
+          <p:nvPr>
+            <p:ph type="body" idx="1"/>
+          </p:nvPr>
+        </p:nvSpPr>
+        <p:spPr/>
+        <p:txBody>
+          <a:bodyPr/>
+          <a:lstStyle/>
+          <a:p>
+            <a:endParaRPr lang="cs-CZ" dirty="0"/>
+          </a:p>
+        </p:txBody>
+      </p:sp>
+      <p:sp>
+        <p:nvSpPr>
+          <p:cNvPr id="4" name="Zástupný symbol pro číslo snímku 3"/>
+          <p:cNvSpPr>
+            <a:spLocks noGrp="1"/>
+          </p:cNvSpPr>
+          <p:nvPr>
+            <p:ph type="sldNum" sz="quarter" idx="5"/>
+          </p:nvPr>
+        </p:nvSpPr>
+        <p:spPr/>
+        <p:txBody>
+          <a:bodyPr/>
+          <a:lstStyle/>
+          <a:p>
+            <a:fld id="{888E3A86-DC57-4CCA-AA0B-A5DE7CB3B517}" type="slidenum">
+              <a:rPr lang="cs-CZ" smtClean="0"/>
+              <a:t>10</a:t>
+            </a:fld>
+            <a:endParaRPr lang="cs-CZ"/>
+          </a:p>
+        </p:txBody>
+      </p:sp>
+    </p:spTree>
+    <p:extLst>
+      <p:ext uri="{BB962C8B-B14F-4D97-AF65-F5344CB8AC3E}">
+        <p14:creationId xmlns:p14="http://schemas.microsoft.com/office/powerpoint/2010/main" val="1092438624"/>
+      </p:ext>
+    </p:extLst>
+  </p:cSld>
+  <p:clrMapOvr>
+    <a:masterClrMapping/>
+  </p:clrMapOvr>
+</p:notes>
+</file>
+
+<file path=ppt/notesSlides/notesSlide7.xml><?xml version="1.0" encoding="utf-8"?>
+<p:notes xmlns:a="http://schemas.openxmlformats.org/drawingml/2006/main" xmlns:r="http://schemas.openxmlformats.org/officeDocument/2006/relationships" xmlns:p="http://schemas.openxmlformats.org/presentationml/2006/main">
+  <p:cSld>
+    <p:spTree>
+      <p:nvGrpSpPr>
+        <p:cNvPr id="1" name=""/>
+        <p:cNvGrpSpPr/>
+        <p:nvPr/>
+      </p:nvGrpSpPr>
+      <p:grpSpPr>
+        <a:xfrm>
+          <a:off x="0" y="0"/>
+          <a:ext cx="0" cy="0"/>
+          <a:chOff x="0" y="0"/>
+          <a:chExt cx="0" cy="0"/>
+        </a:xfrm>
+      </p:grpSpPr>
+      <p:sp>
+        <p:nvSpPr>
+          <p:cNvPr id="2" name="Zástupný symbol pro obrázek snímku 1"/>
+          <p:cNvSpPr>
+            <a:spLocks noGrp="1" noRot="1" noChangeAspect="1"/>
+          </p:cNvSpPr>
+          <p:nvPr>
+            <p:ph type="sldImg"/>
+          </p:nvPr>
+        </p:nvSpPr>
+        <p:spPr/>
+      </p:sp>
+      <p:sp>
+        <p:nvSpPr>
+          <p:cNvPr id="3" name="Zástupný symbol pro poznámky 2"/>
+          <p:cNvSpPr>
+            <a:spLocks noGrp="1"/>
+          </p:cNvSpPr>
+          <p:nvPr>
+            <p:ph type="body" idx="1"/>
+          </p:nvPr>
+        </p:nvSpPr>
+        <p:spPr/>
+        <p:txBody>
+          <a:bodyPr/>
+          <a:lstStyle/>
+          <a:p>
+            <a:endParaRPr lang="cs-CZ" dirty="0"/>
+          </a:p>
+        </p:txBody>
+      </p:sp>
+      <p:sp>
+        <p:nvSpPr>
+          <p:cNvPr id="4" name="Zástupný symbol pro číslo snímku 3"/>
+          <p:cNvSpPr>
+            <a:spLocks noGrp="1"/>
+          </p:cNvSpPr>
+          <p:nvPr>
+            <p:ph type="sldNum" sz="quarter" idx="5"/>
+          </p:nvPr>
+        </p:nvSpPr>
+        <p:spPr/>
+        <p:txBody>
+          <a:bodyPr/>
+          <a:lstStyle/>
+          <a:p>
+            <a:fld id="{888E3A86-DC57-4CCA-AA0B-A5DE7CB3B517}" type="slidenum">
+              <a:rPr lang="cs-CZ" smtClean="0"/>
+              <a:t>11</a:t>
+            </a:fld>
+            <a:endParaRPr lang="cs-CZ"/>
+          </a:p>
+        </p:txBody>
+      </p:sp>
+    </p:spTree>
+    <p:extLst>
+      <p:ext uri="{BB962C8B-B14F-4D97-AF65-F5344CB8AC3E}">
+        <p14:creationId xmlns:p14="http://schemas.microsoft.com/office/powerpoint/2010/main" val="1411167505"/>
+      </p:ext>
+    </p:extLst>
+  </p:cSld>
+  <p:clrMapOvr>
+    <a:masterClrMapping/>
+  </p:clrMapOvr>
+</p:notes>
+</file>
+
+<file path=ppt/notesSlides/notesSlide8.xml><?xml version="1.0" encoding="utf-8"?>
+<p:notes xmlns:a="http://schemas.openxmlformats.org/drawingml/2006/main" xmlns:r="http://schemas.openxmlformats.org/officeDocument/2006/relationships" xmlns:p="http://schemas.openxmlformats.org/presentationml/2006/main">
+  <p:cSld>
+    <p:spTree>
+      <p:nvGrpSpPr>
+        <p:cNvPr id="1" name=""/>
+        <p:cNvGrpSpPr/>
+        <p:nvPr/>
+      </p:nvGrpSpPr>
+      <p:grpSpPr>
+        <a:xfrm>
+          <a:off x="0" y="0"/>
+          <a:ext cx="0" cy="0"/>
+          <a:chOff x="0" y="0"/>
+          <a:chExt cx="0" cy="0"/>
+        </a:xfrm>
+      </p:grpSpPr>
+      <p:sp>
+        <p:nvSpPr>
+          <p:cNvPr id="2" name="Zástupný symbol pro obrázek snímku 1"/>
+          <p:cNvSpPr>
+            <a:spLocks noGrp="1" noRot="1" noChangeAspect="1"/>
+          </p:cNvSpPr>
+          <p:nvPr>
+            <p:ph type="sldImg"/>
+          </p:nvPr>
+        </p:nvSpPr>
+        <p:spPr/>
+      </p:sp>
+      <p:sp>
+        <p:nvSpPr>
+          <p:cNvPr id="3" name="Zástupný symbol pro poznámky 2"/>
+          <p:cNvSpPr>
+            <a:spLocks noGrp="1"/>
+          </p:cNvSpPr>
+          <p:nvPr>
+            <p:ph type="body" idx="1"/>
+          </p:nvPr>
+        </p:nvSpPr>
+        <p:spPr/>
+        <p:txBody>
+          <a:bodyPr/>
+          <a:lstStyle/>
+          <a:p>
+            <a:endParaRPr lang="cs-CZ" dirty="0"/>
+          </a:p>
+        </p:txBody>
+      </p:sp>
+      <p:sp>
+        <p:nvSpPr>
+          <p:cNvPr id="4" name="Zástupný symbol pro číslo snímku 3"/>
+          <p:cNvSpPr>
+            <a:spLocks noGrp="1"/>
+          </p:cNvSpPr>
+          <p:nvPr>
+            <p:ph type="sldNum" sz="quarter" idx="5"/>
+          </p:nvPr>
+        </p:nvSpPr>
+        <p:spPr/>
+        <p:txBody>
+          <a:bodyPr/>
+          <a:lstStyle/>
+          <a:p>
+            <a:fld id="{888E3A86-DC57-4CCA-AA0B-A5DE7CB3B517}" type="slidenum">
+              <a:rPr lang="cs-CZ" smtClean="0"/>
+              <a:t>12</a:t>
+            </a:fld>
+            <a:endParaRPr lang="cs-CZ"/>
+          </a:p>
+        </p:txBody>
+      </p:sp>
+    </p:spTree>
+    <p:extLst>
+      <p:ext uri="{BB962C8B-B14F-4D97-AF65-F5344CB8AC3E}">
+        <p14:creationId xmlns:p14="http://schemas.microsoft.com/office/powerpoint/2010/main" val="3259443989"/>
+      </p:ext>
+    </p:extLst>
+  </p:cSld>
+  <p:clrMapOvr>
+    <a:masterClrMapping/>
+  </p:clrMapOvr>
+</p:notes>
+</file>
+
+<file path=ppt/notesSlides/notesSlide9.xml><?xml version="1.0" encoding="utf-8"?>
+<p:notes xmlns:a="http://schemas.openxmlformats.org/drawingml/2006/main" xmlns:r="http://schemas.openxmlformats.org/officeDocument/2006/relationships" xmlns:p="http://schemas.openxmlformats.org/presentationml/2006/main">
+  <p:cSld>
+    <p:spTree>
+      <p:nvGrpSpPr>
+        <p:cNvPr id="1" name=""/>
+        <p:cNvGrpSpPr/>
+        <p:nvPr/>
+      </p:nvGrpSpPr>
+      <p:grpSpPr>
+        <a:xfrm>
+          <a:off x="0" y="0"/>
+          <a:ext cx="0" cy="0"/>
+          <a:chOff x="0" y="0"/>
+          <a:chExt cx="0" cy="0"/>
+        </a:xfrm>
+      </p:grpSpPr>
+      <p:sp>
+        <p:nvSpPr>
+          <p:cNvPr id="2" name="Zástupný symbol pro obrázek snímku 1"/>
+          <p:cNvSpPr>
+            <a:spLocks noGrp="1" noRot="1" noChangeAspect="1"/>
+          </p:cNvSpPr>
+          <p:nvPr>
+            <p:ph type="sldImg"/>
+          </p:nvPr>
+        </p:nvSpPr>
+        <p:spPr/>
+      </p:sp>
+      <p:sp>
+        <p:nvSpPr>
+          <p:cNvPr id="3" name="Zástupný symbol pro poznámky 2"/>
+          <p:cNvSpPr>
+            <a:spLocks noGrp="1"/>
+          </p:cNvSpPr>
+          <p:nvPr>
+            <p:ph type="body" idx="1"/>
+          </p:nvPr>
+        </p:nvSpPr>
+        <p:spPr/>
+        <p:txBody>
+          <a:bodyPr/>
+          <a:lstStyle/>
+          <a:p>
+            <a:endParaRPr lang="cs-CZ" dirty="0"/>
+          </a:p>
+        </p:txBody>
+      </p:sp>
+      <p:sp>
+        <p:nvSpPr>
+          <p:cNvPr id="4" name="Zástupný symbol pro číslo snímku 3"/>
+          <p:cNvSpPr>
+            <a:spLocks noGrp="1"/>
+          </p:cNvSpPr>
+          <p:nvPr>
+            <p:ph type="sldNum" sz="quarter" idx="5"/>
+          </p:nvPr>
+        </p:nvSpPr>
+        <p:spPr/>
+        <p:txBody>
+          <a:bodyPr/>
+          <a:lstStyle/>
+          <a:p>
+            <a:fld id="{888E3A86-DC57-4CCA-AA0B-A5DE7CB3B517}" type="slidenum">
+              <a:rPr lang="cs-CZ" smtClean="0"/>
+              <a:t>13</a:t>
+            </a:fld>
+            <a:endParaRPr lang="cs-CZ"/>
+          </a:p>
+        </p:txBody>
+      </p:sp>
+    </p:spTree>
+    <p:extLst>
+      <p:ext uri="{BB962C8B-B14F-4D97-AF65-F5344CB8AC3E}">
+        <p14:creationId xmlns:p14="http://schemas.microsoft.com/office/powerpoint/2010/main" val="1292418824"/>
+      </p:ext>
+    </p:extLst>
+  </p:cSld>
+  <p:clrMapOvr>
+    <a:masterClrMapping/>
+  </p:clrMapOvr>
+</p:notes>
 </file>
 
 <file path=ppt/slideLayouts/slideLayout1.xml><?xml version="1.0" encoding="utf-8"?>
@@ -203,7 +1924,7 @@
           <a:effectLst/>
           <a:extLst>
             <a:ext uri="{91240B29-F687-4f45-9708-019B960494DF}">
-              <a14:hiddenLine xmlns:a14="http://schemas.microsoft.com/office/drawing/2010/main" xmlns="" w="9525">
+              <a14:hiddenLine xmlns="" xmlns:a14="http://schemas.microsoft.com/office/drawing/2010/main" w="9525">
                 <a:solidFill>
                   <a:srgbClr val="000000"/>
                 </a:solidFill>
@@ -395,7 +2116,7 @@
           <a:p>
             <a:fld id="{A11C64B6-CD6A-4A5E-B290-F2F16533C74E}" type="datetimeFigureOut">
               <a:rPr lang="cs-CZ" smtClean="0"/>
-              <a:t>12.04.2023</a:t>
+              <a:t>13.04.2023</a:t>
             </a:fld>
             <a:endParaRPr lang="cs-CZ"/>
           </a:p>
@@ -453,6 +2174,18 @@
   <p:clrMapOvr>
     <a:masterClrMapping/>
   </p:clrMapOvr>
+  <mc:AlternateContent xmlns:mc="http://schemas.openxmlformats.org/markup-compatibility/2006">
+    <mc:Choice xmlns:p159="http://schemas.microsoft.com/office/powerpoint/2015/09/main" Requires="p159">
+      <p:transition spd="slow">
+        <p159:morph option="byObject"/>
+      </p:transition>
+    </mc:Choice>
+    <mc:Fallback>
+      <p:transition spd="slow">
+        <p:fade/>
+      </p:transition>
+    </mc:Fallback>
+  </mc:AlternateContent>
 </p:sldLayout>
 </file>
 
@@ -713,7 +2446,7 @@
           <a:p>
             <a:fld id="{A11C64B6-CD6A-4A5E-B290-F2F16533C74E}" type="datetimeFigureOut">
               <a:rPr lang="cs-CZ" smtClean="0"/>
-              <a:t>12.04.2023</a:t>
+              <a:t>13.04.2023</a:t>
             </a:fld>
             <a:endParaRPr lang="cs-CZ"/>
           </a:p>
@@ -771,6 +2504,18 @@
   <p:clrMapOvr>
     <a:masterClrMapping/>
   </p:clrMapOvr>
+  <mc:AlternateContent xmlns:mc="http://schemas.openxmlformats.org/markup-compatibility/2006">
+    <mc:Choice xmlns:p159="http://schemas.microsoft.com/office/powerpoint/2015/09/main" Requires="p159">
+      <p:transition spd="slow">
+        <p159:morph option="byObject"/>
+      </p:transition>
+    </mc:Choice>
+    <mc:Fallback>
+      <p:transition spd="slow">
+        <p:fade/>
+      </p:transition>
+    </mc:Fallback>
+  </mc:AlternateContent>
 </p:sldLayout>
 </file>
 
@@ -1201,7 +2946,7 @@
           <a:p>
             <a:fld id="{A11C64B6-CD6A-4A5E-B290-F2F16533C74E}" type="datetimeFigureOut">
               <a:rPr lang="cs-CZ" smtClean="0"/>
-              <a:t>12.04.2023</a:t>
+              <a:t>13.04.2023</a:t>
             </a:fld>
             <a:endParaRPr lang="cs-CZ"/>
           </a:p>
@@ -1259,6 +3004,18 @@
   <p:clrMapOvr>
     <a:masterClrMapping/>
   </p:clrMapOvr>
+  <mc:AlternateContent xmlns:mc="http://schemas.openxmlformats.org/markup-compatibility/2006">
+    <mc:Choice xmlns:p159="http://schemas.microsoft.com/office/powerpoint/2015/09/main" Requires="p159">
+      <p:transition spd="slow">
+        <p159:morph option="byObject"/>
+      </p:transition>
+    </mc:Choice>
+    <mc:Fallback>
+      <p:transition spd="slow">
+        <p:fade/>
+      </p:transition>
+    </mc:Fallback>
+  </mc:AlternateContent>
 </p:sldLayout>
 </file>
 
@@ -1570,7 +3327,7 @@
           <a:p>
             <a:fld id="{A11C64B6-CD6A-4A5E-B290-F2F16533C74E}" type="datetimeFigureOut">
               <a:rPr lang="cs-CZ" smtClean="0"/>
-              <a:t>12.04.2023</a:t>
+              <a:t>13.04.2023</a:t>
             </a:fld>
             <a:endParaRPr lang="cs-CZ"/>
           </a:p>
@@ -1628,6 +3385,18 @@
   <p:clrMapOvr>
     <a:masterClrMapping/>
   </p:clrMapOvr>
+  <mc:AlternateContent xmlns:mc="http://schemas.openxmlformats.org/markup-compatibility/2006">
+    <mc:Choice xmlns:p159="http://schemas.microsoft.com/office/powerpoint/2015/09/main" Requires="p159">
+      <p:transition spd="slow">
+        <p159:morph option="byObject"/>
+      </p:transition>
+    </mc:Choice>
+    <mc:Fallback>
+      <p:transition spd="slow">
+        <p:fade/>
+      </p:transition>
+    </mc:Fallback>
+  </mc:AlternateContent>
 </p:sldLayout>
 </file>
 
@@ -1725,7 +3494,7 @@
           <a:ln/>
           <a:extLst>
             <a:ext uri="{91240B29-F687-4f45-9708-019B960494DF}">
-              <a14:hiddenLine xmlns:a14="http://schemas.microsoft.com/office/drawing/2010/main" xmlns="" w="9525">
+              <a14:hiddenLine xmlns="" xmlns:a14="http://schemas.microsoft.com/office/drawing/2010/main" w="9525">
                 <a:solidFill>
                   <a:srgbClr val="000000"/>
                 </a:solidFill>
@@ -1843,7 +3612,7 @@
           <a:p>
             <a:fld id="{A11C64B6-CD6A-4A5E-B290-F2F16533C74E}" type="datetimeFigureOut">
               <a:rPr lang="cs-CZ" smtClean="0"/>
-              <a:t>12.04.2023</a:t>
+              <a:t>13.04.2023</a:t>
             </a:fld>
             <a:endParaRPr lang="cs-CZ"/>
           </a:p>
@@ -1901,6 +3670,18 @@
   <p:clrMapOvr>
     <a:masterClrMapping/>
   </p:clrMapOvr>
+  <mc:AlternateContent xmlns:mc="http://schemas.openxmlformats.org/markup-compatibility/2006">
+    <mc:Choice xmlns:p159="http://schemas.microsoft.com/office/powerpoint/2015/09/main" Requires="p159">
+      <p:transition spd="slow">
+        <p159:morph option="byObject"/>
+      </p:transition>
+    </mc:Choice>
+    <mc:Fallback>
+      <p:transition spd="slow">
+        <p:fade/>
+      </p:transition>
+    </mc:Fallback>
+  </mc:AlternateContent>
 </p:sldLayout>
 </file>
 
@@ -2000,7 +3781,7 @@
           <a:ln/>
           <a:extLst>
             <a:ext uri="{91240B29-F687-4f45-9708-019B960494DF}">
-              <a14:hiddenLine xmlns:a14="http://schemas.microsoft.com/office/drawing/2010/main" xmlns="" w="9525">
+              <a14:hiddenLine xmlns="" xmlns:a14="http://schemas.microsoft.com/office/drawing/2010/main" w="9525">
                 <a:solidFill>
                   <a:srgbClr val="000000"/>
                 </a:solidFill>
@@ -2128,7 +3909,7 @@
           <a:p>
             <a:fld id="{A11C64B6-CD6A-4A5E-B290-F2F16533C74E}" type="datetimeFigureOut">
               <a:rPr lang="cs-CZ" smtClean="0"/>
-              <a:t>12.04.2023</a:t>
+              <a:t>13.04.2023</a:t>
             </a:fld>
             <a:endParaRPr lang="cs-CZ"/>
           </a:p>
@@ -2186,6 +3967,18 @@
   <p:clrMapOvr>
     <a:masterClrMapping/>
   </p:clrMapOvr>
+  <mc:AlternateContent xmlns:mc="http://schemas.openxmlformats.org/markup-compatibility/2006">
+    <mc:Choice xmlns:p159="http://schemas.microsoft.com/office/powerpoint/2015/09/main" Requires="p159">
+      <p:transition spd="slow">
+        <p159:morph option="byObject"/>
+      </p:transition>
+    </mc:Choice>
+    <mc:Fallback>
+      <p:transition spd="slow">
+        <p:fade/>
+      </p:transition>
+    </mc:Fallback>
+  </mc:AlternateContent>
 </p:sldLayout>
 </file>
 
@@ -2283,7 +4076,7 @@
           <a:ln/>
           <a:extLst>
             <a:ext uri="{91240B29-F687-4f45-9708-019B960494DF}">
-              <a14:hiddenLine xmlns:a14="http://schemas.microsoft.com/office/drawing/2010/main" xmlns="" w="9525">
+              <a14:hiddenLine xmlns="" xmlns:a14="http://schemas.microsoft.com/office/drawing/2010/main" w="9525">
                 <a:solidFill>
                   <a:srgbClr val="000000"/>
                 </a:solidFill>
@@ -2411,7 +4204,7 @@
           <a:p>
             <a:fld id="{A11C64B6-CD6A-4A5E-B290-F2F16533C74E}" type="datetimeFigureOut">
               <a:rPr lang="cs-CZ" smtClean="0"/>
-              <a:t>12.04.2023</a:t>
+              <a:t>13.04.2023</a:t>
             </a:fld>
             <a:endParaRPr lang="cs-CZ"/>
           </a:p>
@@ -2469,6 +4262,18 @@
   <p:clrMapOvr>
     <a:masterClrMapping/>
   </p:clrMapOvr>
+  <mc:AlternateContent xmlns:mc="http://schemas.openxmlformats.org/markup-compatibility/2006">
+    <mc:Choice xmlns:p159="http://schemas.microsoft.com/office/powerpoint/2015/09/main" Requires="p159">
+      <p:transition spd="slow">
+        <p159:morph option="byObject"/>
+      </p:transition>
+    </mc:Choice>
+    <mc:Fallback>
+      <p:transition spd="slow">
+        <p:fade/>
+      </p:transition>
+    </mc:Fallback>
+  </mc:AlternateContent>
 </p:sldLayout>
 </file>
 
@@ -2754,7 +4559,7 @@
           <a:p>
             <a:fld id="{A11C64B6-CD6A-4A5E-B290-F2F16533C74E}" type="datetimeFigureOut">
               <a:rPr lang="cs-CZ" smtClean="0"/>
-              <a:t>12.04.2023</a:t>
+              <a:t>13.04.2023</a:t>
             </a:fld>
             <a:endParaRPr lang="cs-CZ"/>
           </a:p>
@@ -2812,6 +4617,18 @@
   <p:clrMapOvr>
     <a:masterClrMapping/>
   </p:clrMapOvr>
+  <mc:AlternateContent xmlns:mc="http://schemas.openxmlformats.org/markup-compatibility/2006">
+    <mc:Choice xmlns:p159="http://schemas.microsoft.com/office/powerpoint/2015/09/main" Requires="p159">
+      <p:transition spd="slow">
+        <p159:morph option="byObject"/>
+      </p:transition>
+    </mc:Choice>
+    <mc:Fallback>
+      <p:transition spd="slow">
+        <p:fade/>
+      </p:transition>
+    </mc:Fallback>
+  </mc:AlternateContent>
 </p:sldLayout>
 </file>
 
@@ -2909,7 +4726,7 @@
           <a:ln/>
           <a:extLst>
             <a:ext uri="{91240B29-F687-4f45-9708-019B960494DF}">
-              <a14:hiddenLine xmlns:a14="http://schemas.microsoft.com/office/drawing/2010/main" xmlns="" w="9525">
+              <a14:hiddenLine xmlns="" xmlns:a14="http://schemas.microsoft.com/office/drawing/2010/main" w="9525">
                 <a:solidFill>
                   <a:srgbClr val="000000"/>
                 </a:solidFill>
@@ -3093,7 +4910,7 @@
           <a:p>
             <a:fld id="{A11C64B6-CD6A-4A5E-B290-F2F16533C74E}" type="datetimeFigureOut">
               <a:rPr lang="cs-CZ" smtClean="0"/>
-              <a:t>12.04.2023</a:t>
+              <a:t>13.04.2023</a:t>
             </a:fld>
             <a:endParaRPr lang="cs-CZ"/>
           </a:p>
@@ -3151,6 +4968,18 @@
   <p:clrMapOvr>
     <a:masterClrMapping/>
   </p:clrMapOvr>
+  <mc:AlternateContent xmlns:mc="http://schemas.openxmlformats.org/markup-compatibility/2006">
+    <mc:Choice xmlns:p159="http://schemas.microsoft.com/office/powerpoint/2015/09/main" Requires="p159">
+      <p:transition spd="slow">
+        <p159:morph option="byObject"/>
+      </p:transition>
+    </mc:Choice>
+    <mc:Fallback>
+      <p:transition spd="slow">
+        <p:fade/>
+      </p:transition>
+    </mc:Fallback>
+  </mc:AlternateContent>
 </p:sldLayout>
 </file>
 
@@ -3248,7 +5077,7 @@
           <a:ln/>
           <a:extLst>
             <a:ext uri="{91240B29-F687-4f45-9708-019B960494DF}">
-              <a14:hiddenLine xmlns:a14="http://schemas.microsoft.com/office/drawing/2010/main" xmlns="" w="9525">
+              <a14:hiddenLine xmlns="" xmlns:a14="http://schemas.microsoft.com/office/drawing/2010/main" w="9525">
                 <a:solidFill>
                   <a:srgbClr val="000000"/>
                 </a:solidFill>
@@ -3570,7 +5399,7 @@
           <a:p>
             <a:fld id="{A11C64B6-CD6A-4A5E-B290-F2F16533C74E}" type="datetimeFigureOut">
               <a:rPr lang="cs-CZ" smtClean="0"/>
-              <a:t>12.04.2023</a:t>
+              <a:t>13.04.2023</a:t>
             </a:fld>
             <a:endParaRPr lang="cs-CZ"/>
           </a:p>
@@ -3628,6 +5457,18 @@
   <p:clrMapOvr>
     <a:masterClrMapping/>
   </p:clrMapOvr>
+  <mc:AlternateContent xmlns:mc="http://schemas.openxmlformats.org/markup-compatibility/2006">
+    <mc:Choice xmlns:p159="http://schemas.microsoft.com/office/powerpoint/2015/09/main" Requires="p159">
+      <p:transition spd="slow">
+        <p159:morph option="byObject"/>
+      </p:transition>
+    </mc:Choice>
+    <mc:Fallback>
+      <p:transition spd="slow">
+        <p:fade/>
+      </p:transition>
+    </mc:Fallback>
+  </mc:AlternateContent>
 </p:sldLayout>
 </file>
 
@@ -3725,7 +5566,7 @@
           <a:ln/>
           <a:extLst>
             <a:ext uri="{91240B29-F687-4f45-9708-019B960494DF}">
-              <a14:hiddenLine xmlns:a14="http://schemas.microsoft.com/office/drawing/2010/main" xmlns="" w="9525">
+              <a14:hiddenLine xmlns="" xmlns:a14="http://schemas.microsoft.com/office/drawing/2010/main" w="9525">
                 <a:solidFill>
                   <a:srgbClr val="000000"/>
                 </a:solidFill>
@@ -3791,7 +5632,7 @@
           <a:p>
             <a:fld id="{A11C64B6-CD6A-4A5E-B290-F2F16533C74E}" type="datetimeFigureOut">
               <a:rPr lang="cs-CZ" smtClean="0"/>
-              <a:t>12.04.2023</a:t>
+              <a:t>13.04.2023</a:t>
             </a:fld>
             <a:endParaRPr lang="cs-CZ"/>
           </a:p>
@@ -3849,6 +5690,18 @@
   <p:clrMapOvr>
     <a:masterClrMapping/>
   </p:clrMapOvr>
+  <mc:AlternateContent xmlns:mc="http://schemas.openxmlformats.org/markup-compatibility/2006">
+    <mc:Choice xmlns:p159="http://schemas.microsoft.com/office/powerpoint/2015/09/main" Requires="p159">
+      <p:transition spd="slow">
+        <p159:morph option="byObject"/>
+      </p:transition>
+    </mc:Choice>
+    <mc:Fallback>
+      <p:transition spd="slow">
+        <p:fade/>
+      </p:transition>
+    </mc:Fallback>
+  </mc:AlternateContent>
 </p:sldLayout>
 </file>
 
@@ -3886,7 +5739,7 @@
           <a:p>
             <a:fld id="{A11C64B6-CD6A-4A5E-B290-F2F16533C74E}" type="datetimeFigureOut">
               <a:rPr lang="cs-CZ" smtClean="0"/>
-              <a:t>12.04.2023</a:t>
+              <a:t>13.04.2023</a:t>
             </a:fld>
             <a:endParaRPr lang="cs-CZ"/>
           </a:p>
@@ -3944,6 +5797,18 @@
   <p:clrMapOvr>
     <a:masterClrMapping/>
   </p:clrMapOvr>
+  <mc:AlternateContent xmlns:mc="http://schemas.openxmlformats.org/markup-compatibility/2006">
+    <mc:Choice xmlns:p159="http://schemas.microsoft.com/office/powerpoint/2015/09/main" Requires="p159">
+      <p:transition spd="slow">
+        <p159:morph option="byObject"/>
+      </p:transition>
+    </mc:Choice>
+    <mc:Fallback>
+      <p:transition spd="slow">
+        <p:fade/>
+      </p:transition>
+    </mc:Fallback>
+  </mc:AlternateContent>
 </p:sldLayout>
 </file>
 
@@ -4154,7 +6019,7 @@
           <a:ln/>
           <a:extLst>
             <a:ext uri="{91240B29-F687-4f45-9708-019B960494DF}">
-              <a14:hiddenLine xmlns:a14="http://schemas.microsoft.com/office/drawing/2010/main" xmlns="" w="9525">
+              <a14:hiddenLine xmlns="" xmlns:a14="http://schemas.microsoft.com/office/drawing/2010/main" w="9525">
                 <a:solidFill>
                   <a:srgbClr val="000000"/>
                 </a:solidFill>
@@ -4353,7 +6218,7 @@
           <a:p>
             <a:fld id="{A11C64B6-CD6A-4A5E-B290-F2F16533C74E}" type="datetimeFigureOut">
               <a:rPr lang="cs-CZ" smtClean="0"/>
-              <a:t>12.04.2023</a:t>
+              <a:t>13.04.2023</a:t>
             </a:fld>
             <a:endParaRPr lang="cs-CZ"/>
           </a:p>
@@ -4411,6 +6276,18 @@
   <p:clrMapOvr>
     <a:masterClrMapping/>
   </p:clrMapOvr>
+  <mc:AlternateContent xmlns:mc="http://schemas.openxmlformats.org/markup-compatibility/2006">
+    <mc:Choice xmlns:p159="http://schemas.microsoft.com/office/powerpoint/2015/09/main" Requires="p159">
+      <p:transition spd="slow">
+        <p159:morph option="byObject"/>
+      </p:transition>
+    </mc:Choice>
+    <mc:Fallback>
+      <p:transition spd="slow">
+        <p:fade/>
+      </p:transition>
+    </mc:Fallback>
+  </mc:AlternateContent>
 </p:sldLayout>
 </file>
 
@@ -4666,7 +6543,7 @@
           <a:p>
             <a:fld id="{A11C64B6-CD6A-4A5E-B290-F2F16533C74E}" type="datetimeFigureOut">
               <a:rPr lang="cs-CZ" smtClean="0"/>
-              <a:t>12.04.2023</a:t>
+              <a:t>13.04.2023</a:t>
             </a:fld>
             <a:endParaRPr lang="cs-CZ"/>
           </a:p>
@@ -4734,6 +6611,18 @@
   <p:clrMapOvr>
     <a:masterClrMapping/>
   </p:clrMapOvr>
+  <mc:AlternateContent xmlns:mc="http://schemas.openxmlformats.org/markup-compatibility/2006">
+    <mc:Choice xmlns:p159="http://schemas.microsoft.com/office/powerpoint/2015/09/main" Requires="p159">
+      <p:transition spd="slow">
+        <p159:morph option="byObject"/>
+      </p:transition>
+    </mc:Choice>
+    <mc:Fallback>
+      <p:transition spd="slow">
+        <p:fade/>
+      </p:transition>
+    </mc:Fallback>
+  </mc:AlternateContent>
 </p:sldLayout>
 </file>
 
@@ -4936,7 +6825,7 @@
           <a:p>
             <a:fld id="{A11C64B6-CD6A-4A5E-B290-F2F16533C74E}" type="datetimeFigureOut">
               <a:rPr lang="cs-CZ" smtClean="0"/>
-              <a:t>12.04.2023</a:t>
+              <a:t>13.04.2023</a:t>
             </a:fld>
             <a:endParaRPr lang="cs-CZ"/>
           </a:p>
@@ -5005,6 +6894,18 @@
     <p:sldLayoutId id="2147483774" r:id="rId13"/>
     <p:sldLayoutId id="2147483775" r:id="rId14"/>
   </p:sldLayoutIdLst>
+  <mc:AlternateContent xmlns:mc="http://schemas.openxmlformats.org/markup-compatibility/2006">
+    <mc:Choice xmlns:p159="http://schemas.microsoft.com/office/powerpoint/2015/09/main" Requires="p159">
+      <p:transition spd="slow">
+        <p159:morph option="byObject"/>
+      </p:transition>
+    </mc:Choice>
+    <mc:Fallback>
+      <p:transition spd="slow">
+        <p:fade/>
+      </p:transition>
+    </mc:Fallback>
+  </mc:AlternateContent>
   <p:txStyles>
     <p:titleStyle>
       <a:lvl1pPr algn="l" defTabSz="457200" rtl="0" eaLnBrk="1" latinLnBrk="0" hangingPunct="1">
@@ -5471,6 +7372,1459 @@
   <p:clrMapOvr>
     <a:masterClrMapping/>
   </p:clrMapOvr>
+  <mc:AlternateContent xmlns:mc="http://schemas.openxmlformats.org/markup-compatibility/2006">
+    <mc:Choice xmlns:p159="http://schemas.microsoft.com/office/powerpoint/2015/09/main" Requires="p159">
+      <p:transition spd="slow">
+        <p159:morph option="byObject"/>
+      </p:transition>
+    </mc:Choice>
+    <mc:Fallback>
+      <p:transition spd="slow">
+        <p:fade/>
+      </p:transition>
+    </mc:Fallback>
+  </mc:AlternateContent>
+</p:sld>
+</file>
+
+<file path=ppt/slides/slide10.xml><?xml version="1.0" encoding="utf-8"?>
+<p:sld xmlns:a="http://schemas.openxmlformats.org/drawingml/2006/main" xmlns:r="http://schemas.openxmlformats.org/officeDocument/2006/relationships" xmlns:p="http://schemas.openxmlformats.org/presentationml/2006/main">
+  <p:cSld>
+    <p:spTree>
+      <p:nvGrpSpPr>
+        <p:cNvPr id="1" name=""/>
+        <p:cNvGrpSpPr/>
+        <p:nvPr/>
+      </p:nvGrpSpPr>
+      <p:grpSpPr>
+        <a:xfrm>
+          <a:off x="0" y="0"/>
+          <a:ext cx="0" cy="0"/>
+          <a:chOff x="0" y="0"/>
+          <a:chExt cx="0" cy="0"/>
+        </a:xfrm>
+      </p:grpSpPr>
+      <p:sp>
+        <p:nvSpPr>
+          <p:cNvPr id="2" name="Nadpis 1">
+            <a:extLst>
+              <a:ext uri="{FF2B5EF4-FFF2-40B4-BE49-F238E27FC236}">
+                <a16:creationId xmlns:a16="http://schemas.microsoft.com/office/drawing/2014/main" id="{69750CBC-247B-C052-407A-51083D43B0D2}"/>
+              </a:ext>
+            </a:extLst>
+          </p:cNvPr>
+          <p:cNvSpPr>
+            <a:spLocks noGrp="1"/>
+          </p:cNvSpPr>
+          <p:nvPr>
+            <p:ph type="title"/>
+          </p:nvPr>
+        </p:nvSpPr>
+        <p:spPr>
+          <a:xfrm>
+            <a:off x="810000" y="447188"/>
+            <a:ext cx="10571998" cy="970450"/>
+          </a:xfrm>
+        </p:spPr>
+        <p:txBody>
+          <a:bodyPr>
+            <a:normAutofit/>
+          </a:bodyPr>
+          <a:lstStyle/>
+          <a:p>
+            <a:r>
+              <a:rPr lang="cs-CZ" dirty="0"/>
+              <a:t>Jarníkův algoritmus</a:t>
+            </a:r>
+          </a:p>
+        </p:txBody>
+      </p:sp>
+      <p:sp>
+        <p:nvSpPr>
+          <p:cNvPr id="10" name="Zástupný obsah 9">
+            <a:extLst>
+              <a:ext uri="{FF2B5EF4-FFF2-40B4-BE49-F238E27FC236}">
+                <a16:creationId xmlns:a16="http://schemas.microsoft.com/office/drawing/2014/main" id="{4F42F304-CE65-6256-62C6-A22658DF79D3}"/>
+              </a:ext>
+            </a:extLst>
+          </p:cNvPr>
+          <p:cNvSpPr>
+            <a:spLocks noGrp="1"/>
+          </p:cNvSpPr>
+          <p:nvPr>
+            <p:ph idx="1"/>
+          </p:nvPr>
+        </p:nvSpPr>
+        <p:spPr/>
+        <p:txBody>
+          <a:bodyPr/>
+          <a:lstStyle/>
+          <a:p>
+            <a:endParaRPr lang="cs-CZ"/>
+          </a:p>
+        </p:txBody>
+      </p:sp>
+      <p:pic>
+        <p:nvPicPr>
+          <p:cNvPr id="8194" name="Picture 2" descr="1 is added to the MST">
+            <a:extLst>
+              <a:ext uri="{FF2B5EF4-FFF2-40B4-BE49-F238E27FC236}">
+                <a16:creationId xmlns:a16="http://schemas.microsoft.com/office/drawing/2014/main" id="{9AD7804A-6F7F-1AB9-1B8A-1F79093C5664}"/>
+              </a:ext>
+            </a:extLst>
+          </p:cNvPr>
+          <p:cNvPicPr>
+            <a:picLocks noChangeAspect="1" noChangeArrowheads="1"/>
+          </p:cNvPicPr>
+          <p:nvPr/>
+        </p:nvPicPr>
+        <p:blipFill>
+          <a:blip r:embed="rId3">
+            <a:extLst>
+              <a:ext uri="{28A0092B-C50C-407E-A947-70E740481C1C}">
+                <a14:useLocalDpi xmlns:a14="http://schemas.microsoft.com/office/drawing/2010/main" val="0"/>
+              </a:ext>
+            </a:extLst>
+          </a:blip>
+          <a:srcRect/>
+          <a:stretch>
+            <a:fillRect/>
+          </a:stretch>
+        </p:blipFill>
+        <p:spPr bwMode="auto">
+          <a:xfrm>
+            <a:off x="2100057" y="2222287"/>
+            <a:ext cx="7991885" cy="4635713"/>
+          </a:xfrm>
+          <a:prstGeom prst="rect">
+            <a:avLst/>
+          </a:prstGeom>
+          <a:noFill/>
+          <a:extLst>
+            <a:ext uri="{909E8E84-426E-40DD-AFC4-6F175D3DCCD1}">
+              <a14:hiddenFill xmlns:a14="http://schemas.microsoft.com/office/drawing/2010/main">
+                <a:solidFill>
+                  <a:srgbClr val="FFFFFF"/>
+                </a:solidFill>
+              </a14:hiddenFill>
+            </a:ext>
+          </a:extLst>
+        </p:spPr>
+      </p:pic>
+    </p:spTree>
+    <p:extLst>
+      <p:ext uri="{BB962C8B-B14F-4D97-AF65-F5344CB8AC3E}">
+        <p14:creationId xmlns:p14="http://schemas.microsoft.com/office/powerpoint/2010/main" val="2106797919"/>
+      </p:ext>
+    </p:extLst>
+  </p:cSld>
+  <p:clrMapOvr>
+    <a:masterClrMapping/>
+  </p:clrMapOvr>
+  <mc:AlternateContent xmlns:mc="http://schemas.openxmlformats.org/markup-compatibility/2006">
+    <mc:Choice xmlns:p159="http://schemas.microsoft.com/office/powerpoint/2015/09/main" Requires="p159">
+      <p:transition spd="slow">
+        <p159:morph option="byObject"/>
+      </p:transition>
+    </mc:Choice>
+    <mc:Fallback>
+      <p:transition spd="slow">
+        <p:fade/>
+      </p:transition>
+    </mc:Fallback>
+  </mc:AlternateContent>
+</p:sld>
+</file>
+
+<file path=ppt/slides/slide11.xml><?xml version="1.0" encoding="utf-8"?>
+<p:sld xmlns:a="http://schemas.openxmlformats.org/drawingml/2006/main" xmlns:r="http://schemas.openxmlformats.org/officeDocument/2006/relationships" xmlns:p="http://schemas.openxmlformats.org/presentationml/2006/main">
+  <p:cSld>
+    <p:spTree>
+      <p:nvGrpSpPr>
+        <p:cNvPr id="1" name=""/>
+        <p:cNvGrpSpPr/>
+        <p:nvPr/>
+      </p:nvGrpSpPr>
+      <p:grpSpPr>
+        <a:xfrm>
+          <a:off x="0" y="0"/>
+          <a:ext cx="0" cy="0"/>
+          <a:chOff x="0" y="0"/>
+          <a:chExt cx="0" cy="0"/>
+        </a:xfrm>
+      </p:grpSpPr>
+      <p:sp>
+        <p:nvSpPr>
+          <p:cNvPr id="2" name="Nadpis 1">
+            <a:extLst>
+              <a:ext uri="{FF2B5EF4-FFF2-40B4-BE49-F238E27FC236}">
+                <a16:creationId xmlns:a16="http://schemas.microsoft.com/office/drawing/2014/main" id="{69750CBC-247B-C052-407A-51083D43B0D2}"/>
+              </a:ext>
+            </a:extLst>
+          </p:cNvPr>
+          <p:cNvSpPr>
+            <a:spLocks noGrp="1"/>
+          </p:cNvSpPr>
+          <p:nvPr>
+            <p:ph type="title"/>
+          </p:nvPr>
+        </p:nvSpPr>
+        <p:spPr>
+          <a:xfrm>
+            <a:off x="810000" y="447188"/>
+            <a:ext cx="10571998" cy="970450"/>
+          </a:xfrm>
+        </p:spPr>
+        <p:txBody>
+          <a:bodyPr>
+            <a:normAutofit/>
+          </a:bodyPr>
+          <a:lstStyle/>
+          <a:p>
+            <a:r>
+              <a:rPr lang="cs-CZ" dirty="0"/>
+              <a:t>Jarníkův algoritmus</a:t>
+            </a:r>
+          </a:p>
+        </p:txBody>
+      </p:sp>
+      <p:sp>
+        <p:nvSpPr>
+          <p:cNvPr id="10" name="Zástupný obsah 9">
+            <a:extLst>
+              <a:ext uri="{FF2B5EF4-FFF2-40B4-BE49-F238E27FC236}">
+                <a16:creationId xmlns:a16="http://schemas.microsoft.com/office/drawing/2014/main" id="{4F42F304-CE65-6256-62C6-A22658DF79D3}"/>
+              </a:ext>
+            </a:extLst>
+          </p:cNvPr>
+          <p:cNvSpPr>
+            <a:spLocks noGrp="1"/>
+          </p:cNvSpPr>
+          <p:nvPr>
+            <p:ph idx="1"/>
+          </p:nvPr>
+        </p:nvSpPr>
+        <p:spPr/>
+        <p:txBody>
+          <a:bodyPr/>
+          <a:lstStyle/>
+          <a:p>
+            <a:endParaRPr lang="cs-CZ"/>
+          </a:p>
+        </p:txBody>
+      </p:sp>
+      <p:pic>
+        <p:nvPicPr>
+          <p:cNvPr id="10242" name="Picture 2" descr="7 is added in the MST">
+            <a:extLst>
+              <a:ext uri="{FF2B5EF4-FFF2-40B4-BE49-F238E27FC236}">
+                <a16:creationId xmlns:a16="http://schemas.microsoft.com/office/drawing/2014/main" id="{6450EFBF-EE44-0709-575B-DFE88C3E5D82}"/>
+              </a:ext>
+            </a:extLst>
+          </p:cNvPr>
+          <p:cNvPicPr>
+            <a:picLocks noChangeAspect="1" noChangeArrowheads="1"/>
+          </p:cNvPicPr>
+          <p:nvPr/>
+        </p:nvPicPr>
+        <p:blipFill>
+          <a:blip r:embed="rId3">
+            <a:extLst>
+              <a:ext uri="{28A0092B-C50C-407E-A947-70E740481C1C}">
+                <a14:useLocalDpi xmlns:a14="http://schemas.microsoft.com/office/drawing/2010/main" val="0"/>
+              </a:ext>
+            </a:extLst>
+          </a:blip>
+          <a:srcRect/>
+          <a:stretch>
+            <a:fillRect/>
+          </a:stretch>
+        </p:blipFill>
+        <p:spPr bwMode="auto">
+          <a:xfrm>
+            <a:off x="2100057" y="2222287"/>
+            <a:ext cx="7991885" cy="4635713"/>
+          </a:xfrm>
+          <a:prstGeom prst="rect">
+            <a:avLst/>
+          </a:prstGeom>
+          <a:noFill/>
+          <a:extLst>
+            <a:ext uri="{909E8E84-426E-40DD-AFC4-6F175D3DCCD1}">
+              <a14:hiddenFill xmlns:a14="http://schemas.microsoft.com/office/drawing/2010/main">
+                <a:solidFill>
+                  <a:srgbClr val="FFFFFF"/>
+                </a:solidFill>
+              </a14:hiddenFill>
+            </a:ext>
+          </a:extLst>
+        </p:spPr>
+      </p:pic>
+    </p:spTree>
+    <p:extLst>
+      <p:ext uri="{BB962C8B-B14F-4D97-AF65-F5344CB8AC3E}">
+        <p14:creationId xmlns:p14="http://schemas.microsoft.com/office/powerpoint/2010/main" val="37778559"/>
+      </p:ext>
+    </p:extLst>
+  </p:cSld>
+  <p:clrMapOvr>
+    <a:masterClrMapping/>
+  </p:clrMapOvr>
+  <mc:AlternateContent xmlns:mc="http://schemas.openxmlformats.org/markup-compatibility/2006">
+    <mc:Choice xmlns:p159="http://schemas.microsoft.com/office/powerpoint/2015/09/main" Requires="p159">
+      <p:transition spd="slow">
+        <p159:morph option="byObject"/>
+      </p:transition>
+    </mc:Choice>
+    <mc:Fallback>
+      <p:transition spd="slow">
+        <p:fade/>
+      </p:transition>
+    </mc:Fallback>
+  </mc:AlternateContent>
+</p:sld>
+</file>
+
+<file path=ppt/slides/slide12.xml><?xml version="1.0" encoding="utf-8"?>
+<p:sld xmlns:a="http://schemas.openxmlformats.org/drawingml/2006/main" xmlns:r="http://schemas.openxmlformats.org/officeDocument/2006/relationships" xmlns:p="http://schemas.openxmlformats.org/presentationml/2006/main">
+  <p:cSld>
+    <p:spTree>
+      <p:nvGrpSpPr>
+        <p:cNvPr id="1" name=""/>
+        <p:cNvGrpSpPr/>
+        <p:nvPr/>
+      </p:nvGrpSpPr>
+      <p:grpSpPr>
+        <a:xfrm>
+          <a:off x="0" y="0"/>
+          <a:ext cx="0" cy="0"/>
+          <a:chOff x="0" y="0"/>
+          <a:chExt cx="0" cy="0"/>
+        </a:xfrm>
+      </p:grpSpPr>
+      <p:sp>
+        <p:nvSpPr>
+          <p:cNvPr id="2" name="Nadpis 1">
+            <a:extLst>
+              <a:ext uri="{FF2B5EF4-FFF2-40B4-BE49-F238E27FC236}">
+                <a16:creationId xmlns:a16="http://schemas.microsoft.com/office/drawing/2014/main" id="{69750CBC-247B-C052-407A-51083D43B0D2}"/>
+              </a:ext>
+            </a:extLst>
+          </p:cNvPr>
+          <p:cNvSpPr>
+            <a:spLocks noGrp="1"/>
+          </p:cNvSpPr>
+          <p:nvPr>
+            <p:ph type="title"/>
+          </p:nvPr>
+        </p:nvSpPr>
+        <p:spPr>
+          <a:xfrm>
+            <a:off x="810000" y="447188"/>
+            <a:ext cx="10571998" cy="970450"/>
+          </a:xfrm>
+        </p:spPr>
+        <p:txBody>
+          <a:bodyPr>
+            <a:normAutofit/>
+          </a:bodyPr>
+          <a:lstStyle/>
+          <a:p>
+            <a:r>
+              <a:rPr lang="cs-CZ" dirty="0"/>
+              <a:t>Jarníkův algoritmus</a:t>
+            </a:r>
+          </a:p>
+        </p:txBody>
+      </p:sp>
+      <p:sp>
+        <p:nvSpPr>
+          <p:cNvPr id="10" name="Zástupný obsah 9">
+            <a:extLst>
+              <a:ext uri="{FF2B5EF4-FFF2-40B4-BE49-F238E27FC236}">
+                <a16:creationId xmlns:a16="http://schemas.microsoft.com/office/drawing/2014/main" id="{4F42F304-CE65-6256-62C6-A22658DF79D3}"/>
+              </a:ext>
+            </a:extLst>
+          </p:cNvPr>
+          <p:cNvSpPr>
+            <a:spLocks noGrp="1"/>
+          </p:cNvSpPr>
+          <p:nvPr>
+            <p:ph idx="1"/>
+          </p:nvPr>
+        </p:nvSpPr>
+        <p:spPr/>
+        <p:txBody>
+          <a:bodyPr/>
+          <a:lstStyle/>
+          <a:p>
+            <a:endParaRPr lang="cs-CZ"/>
+          </a:p>
+        </p:txBody>
+      </p:sp>
+      <p:pic>
+        <p:nvPicPr>
+          <p:cNvPr id="12290" name="Picture 2" descr="6 is added in the MST">
+            <a:extLst>
+              <a:ext uri="{FF2B5EF4-FFF2-40B4-BE49-F238E27FC236}">
+                <a16:creationId xmlns:a16="http://schemas.microsoft.com/office/drawing/2014/main" id="{997449F7-7B17-1766-7F92-9D52FA495CE7}"/>
+              </a:ext>
+            </a:extLst>
+          </p:cNvPr>
+          <p:cNvPicPr>
+            <a:picLocks noChangeAspect="1" noChangeArrowheads="1"/>
+          </p:cNvPicPr>
+          <p:nvPr/>
+        </p:nvPicPr>
+        <p:blipFill>
+          <a:blip r:embed="rId3">
+            <a:extLst>
+              <a:ext uri="{28A0092B-C50C-407E-A947-70E740481C1C}">
+                <a14:useLocalDpi xmlns:a14="http://schemas.microsoft.com/office/drawing/2010/main" val="0"/>
+              </a:ext>
+            </a:extLst>
+          </a:blip>
+          <a:srcRect/>
+          <a:stretch>
+            <a:fillRect/>
+          </a:stretch>
+        </p:blipFill>
+        <p:spPr bwMode="auto">
+          <a:xfrm>
+            <a:off x="2100056" y="2222287"/>
+            <a:ext cx="7991886" cy="4635713"/>
+          </a:xfrm>
+          <a:prstGeom prst="rect">
+            <a:avLst/>
+          </a:prstGeom>
+          <a:noFill/>
+          <a:extLst>
+            <a:ext uri="{909E8E84-426E-40DD-AFC4-6F175D3DCCD1}">
+              <a14:hiddenFill xmlns:a14="http://schemas.microsoft.com/office/drawing/2010/main">
+                <a:solidFill>
+                  <a:srgbClr val="FFFFFF"/>
+                </a:solidFill>
+              </a14:hiddenFill>
+            </a:ext>
+          </a:extLst>
+        </p:spPr>
+      </p:pic>
+    </p:spTree>
+    <p:extLst>
+      <p:ext uri="{BB962C8B-B14F-4D97-AF65-F5344CB8AC3E}">
+        <p14:creationId xmlns:p14="http://schemas.microsoft.com/office/powerpoint/2010/main" val="1679198934"/>
+      </p:ext>
+    </p:extLst>
+  </p:cSld>
+  <p:clrMapOvr>
+    <a:masterClrMapping/>
+  </p:clrMapOvr>
+  <mc:AlternateContent xmlns:mc="http://schemas.openxmlformats.org/markup-compatibility/2006">
+    <mc:Choice xmlns:p159="http://schemas.microsoft.com/office/powerpoint/2015/09/main" Requires="p159">
+      <p:transition spd="slow">
+        <p159:morph option="byObject"/>
+      </p:transition>
+    </mc:Choice>
+    <mc:Fallback>
+      <p:transition spd="slow">
+        <p:fade/>
+      </p:transition>
+    </mc:Fallback>
+  </mc:AlternateContent>
+</p:sld>
+</file>
+
+<file path=ppt/slides/slide13.xml><?xml version="1.0" encoding="utf-8"?>
+<p:sld xmlns:a="http://schemas.openxmlformats.org/drawingml/2006/main" xmlns:r="http://schemas.openxmlformats.org/officeDocument/2006/relationships" xmlns:p="http://schemas.openxmlformats.org/presentationml/2006/main">
+  <p:cSld>
+    <p:spTree>
+      <p:nvGrpSpPr>
+        <p:cNvPr id="1" name=""/>
+        <p:cNvGrpSpPr/>
+        <p:nvPr/>
+      </p:nvGrpSpPr>
+      <p:grpSpPr>
+        <a:xfrm>
+          <a:off x="0" y="0"/>
+          <a:ext cx="0" cy="0"/>
+          <a:chOff x="0" y="0"/>
+          <a:chExt cx="0" cy="0"/>
+        </a:xfrm>
+      </p:grpSpPr>
+      <p:sp>
+        <p:nvSpPr>
+          <p:cNvPr id="2" name="Nadpis 1">
+            <a:extLst>
+              <a:ext uri="{FF2B5EF4-FFF2-40B4-BE49-F238E27FC236}">
+                <a16:creationId xmlns:a16="http://schemas.microsoft.com/office/drawing/2014/main" id="{69750CBC-247B-C052-407A-51083D43B0D2}"/>
+              </a:ext>
+            </a:extLst>
+          </p:cNvPr>
+          <p:cNvSpPr>
+            <a:spLocks noGrp="1"/>
+          </p:cNvSpPr>
+          <p:nvPr>
+            <p:ph type="title"/>
+          </p:nvPr>
+        </p:nvSpPr>
+        <p:spPr>
+          <a:xfrm>
+            <a:off x="810000" y="447188"/>
+            <a:ext cx="10571998" cy="970450"/>
+          </a:xfrm>
+        </p:spPr>
+        <p:txBody>
+          <a:bodyPr>
+            <a:normAutofit/>
+          </a:bodyPr>
+          <a:lstStyle/>
+          <a:p>
+            <a:r>
+              <a:rPr lang="cs-CZ" dirty="0"/>
+              <a:t>Jarníkův algoritmus</a:t>
+            </a:r>
+          </a:p>
+        </p:txBody>
+      </p:sp>
+      <p:sp>
+        <p:nvSpPr>
+          <p:cNvPr id="10" name="Zástupný obsah 9">
+            <a:extLst>
+              <a:ext uri="{FF2B5EF4-FFF2-40B4-BE49-F238E27FC236}">
+                <a16:creationId xmlns:a16="http://schemas.microsoft.com/office/drawing/2014/main" id="{4F42F304-CE65-6256-62C6-A22658DF79D3}"/>
+              </a:ext>
+            </a:extLst>
+          </p:cNvPr>
+          <p:cNvSpPr>
+            <a:spLocks noGrp="1"/>
+          </p:cNvSpPr>
+          <p:nvPr>
+            <p:ph idx="1"/>
+          </p:nvPr>
+        </p:nvSpPr>
+        <p:spPr/>
+        <p:txBody>
+          <a:bodyPr/>
+          <a:lstStyle/>
+          <a:p>
+            <a:endParaRPr lang="cs-CZ"/>
+          </a:p>
+        </p:txBody>
+      </p:sp>
+      <p:pic>
+        <p:nvPicPr>
+          <p:cNvPr id="14338" name="Picture 2" descr="Include vertex 5 in the MST">
+            <a:extLst>
+              <a:ext uri="{FF2B5EF4-FFF2-40B4-BE49-F238E27FC236}">
+                <a16:creationId xmlns:a16="http://schemas.microsoft.com/office/drawing/2014/main" id="{F164AFAA-B2CB-258D-DE44-E41F73BD8DF8}"/>
+              </a:ext>
+            </a:extLst>
+          </p:cNvPr>
+          <p:cNvPicPr>
+            <a:picLocks noChangeAspect="1" noChangeArrowheads="1"/>
+          </p:cNvPicPr>
+          <p:nvPr/>
+        </p:nvPicPr>
+        <p:blipFill>
+          <a:blip r:embed="rId3">
+            <a:extLst>
+              <a:ext uri="{28A0092B-C50C-407E-A947-70E740481C1C}">
+                <a14:useLocalDpi xmlns:a14="http://schemas.microsoft.com/office/drawing/2010/main" val="0"/>
+              </a:ext>
+            </a:extLst>
+          </a:blip>
+          <a:srcRect/>
+          <a:stretch>
+            <a:fillRect/>
+          </a:stretch>
+        </p:blipFill>
+        <p:spPr bwMode="auto">
+          <a:xfrm>
+            <a:off x="2100056" y="2222287"/>
+            <a:ext cx="7991885" cy="4635713"/>
+          </a:xfrm>
+          <a:prstGeom prst="rect">
+            <a:avLst/>
+          </a:prstGeom>
+          <a:noFill/>
+          <a:extLst>
+            <a:ext uri="{909E8E84-426E-40DD-AFC4-6F175D3DCCD1}">
+              <a14:hiddenFill xmlns:a14="http://schemas.microsoft.com/office/drawing/2010/main">
+                <a:solidFill>
+                  <a:srgbClr val="FFFFFF"/>
+                </a:solidFill>
+              </a14:hiddenFill>
+            </a:ext>
+          </a:extLst>
+        </p:spPr>
+      </p:pic>
+    </p:spTree>
+    <p:extLst>
+      <p:ext uri="{BB962C8B-B14F-4D97-AF65-F5344CB8AC3E}">
+        <p14:creationId xmlns:p14="http://schemas.microsoft.com/office/powerpoint/2010/main" val="4175656988"/>
+      </p:ext>
+    </p:extLst>
+  </p:cSld>
+  <p:clrMapOvr>
+    <a:masterClrMapping/>
+  </p:clrMapOvr>
+  <mc:AlternateContent xmlns:mc="http://schemas.openxmlformats.org/markup-compatibility/2006">
+    <mc:Choice xmlns:p159="http://schemas.microsoft.com/office/powerpoint/2015/09/main" Requires="p159">
+      <p:transition spd="slow">
+        <p159:morph option="byObject"/>
+      </p:transition>
+    </mc:Choice>
+    <mc:Fallback>
+      <p:transition spd="slow">
+        <p:fade/>
+      </p:transition>
+    </mc:Fallback>
+  </mc:AlternateContent>
+</p:sld>
+</file>
+
+<file path=ppt/slides/slide14.xml><?xml version="1.0" encoding="utf-8"?>
+<p:sld xmlns:a="http://schemas.openxmlformats.org/drawingml/2006/main" xmlns:r="http://schemas.openxmlformats.org/officeDocument/2006/relationships" xmlns:p="http://schemas.openxmlformats.org/presentationml/2006/main">
+  <p:cSld>
+    <p:spTree>
+      <p:nvGrpSpPr>
+        <p:cNvPr id="1" name=""/>
+        <p:cNvGrpSpPr/>
+        <p:nvPr/>
+      </p:nvGrpSpPr>
+      <p:grpSpPr>
+        <a:xfrm>
+          <a:off x="0" y="0"/>
+          <a:ext cx="0" cy="0"/>
+          <a:chOff x="0" y="0"/>
+          <a:chExt cx="0" cy="0"/>
+        </a:xfrm>
+      </p:grpSpPr>
+      <p:sp>
+        <p:nvSpPr>
+          <p:cNvPr id="2" name="Nadpis 1">
+            <a:extLst>
+              <a:ext uri="{FF2B5EF4-FFF2-40B4-BE49-F238E27FC236}">
+                <a16:creationId xmlns:a16="http://schemas.microsoft.com/office/drawing/2014/main" id="{69750CBC-247B-C052-407A-51083D43B0D2}"/>
+              </a:ext>
+            </a:extLst>
+          </p:cNvPr>
+          <p:cNvSpPr>
+            <a:spLocks noGrp="1"/>
+          </p:cNvSpPr>
+          <p:nvPr>
+            <p:ph type="title"/>
+          </p:nvPr>
+        </p:nvSpPr>
+        <p:spPr>
+          <a:xfrm>
+            <a:off x="810000" y="447188"/>
+            <a:ext cx="10571998" cy="970450"/>
+          </a:xfrm>
+        </p:spPr>
+        <p:txBody>
+          <a:bodyPr>
+            <a:normAutofit/>
+          </a:bodyPr>
+          <a:lstStyle/>
+          <a:p>
+            <a:r>
+              <a:rPr lang="cs-CZ" dirty="0"/>
+              <a:t>Jarníkův algoritmus</a:t>
+            </a:r>
+          </a:p>
+        </p:txBody>
+      </p:sp>
+      <p:sp>
+        <p:nvSpPr>
+          <p:cNvPr id="10" name="Zástupný obsah 9">
+            <a:extLst>
+              <a:ext uri="{FF2B5EF4-FFF2-40B4-BE49-F238E27FC236}">
+                <a16:creationId xmlns:a16="http://schemas.microsoft.com/office/drawing/2014/main" id="{4F42F304-CE65-6256-62C6-A22658DF79D3}"/>
+              </a:ext>
+            </a:extLst>
+          </p:cNvPr>
+          <p:cNvSpPr>
+            <a:spLocks noGrp="1"/>
+          </p:cNvSpPr>
+          <p:nvPr>
+            <p:ph idx="1"/>
+          </p:nvPr>
+        </p:nvSpPr>
+        <p:spPr/>
+        <p:txBody>
+          <a:bodyPr/>
+          <a:lstStyle/>
+          <a:p>
+            <a:endParaRPr lang="cs-CZ"/>
+          </a:p>
+        </p:txBody>
+      </p:sp>
+      <p:pic>
+        <p:nvPicPr>
+          <p:cNvPr id="17410" name="Picture 2" descr="Include vertex 2 in the MST">
+            <a:extLst>
+              <a:ext uri="{FF2B5EF4-FFF2-40B4-BE49-F238E27FC236}">
+                <a16:creationId xmlns:a16="http://schemas.microsoft.com/office/drawing/2014/main" id="{1A2310EC-48B3-6FD6-2D6E-5466DA912784}"/>
+              </a:ext>
+            </a:extLst>
+          </p:cNvPr>
+          <p:cNvPicPr>
+            <a:picLocks noChangeAspect="1" noChangeArrowheads="1"/>
+          </p:cNvPicPr>
+          <p:nvPr/>
+        </p:nvPicPr>
+        <p:blipFill>
+          <a:blip r:embed="rId3">
+            <a:extLst>
+              <a:ext uri="{28A0092B-C50C-407E-A947-70E740481C1C}">
+                <a14:useLocalDpi xmlns:a14="http://schemas.microsoft.com/office/drawing/2010/main" val="0"/>
+              </a:ext>
+            </a:extLst>
+          </a:blip>
+          <a:srcRect/>
+          <a:stretch>
+            <a:fillRect/>
+          </a:stretch>
+        </p:blipFill>
+        <p:spPr bwMode="auto">
+          <a:xfrm>
+            <a:off x="2100057" y="2222287"/>
+            <a:ext cx="7991885" cy="4635713"/>
+          </a:xfrm>
+          <a:prstGeom prst="rect">
+            <a:avLst/>
+          </a:prstGeom>
+          <a:noFill/>
+          <a:extLst>
+            <a:ext uri="{909E8E84-426E-40DD-AFC4-6F175D3DCCD1}">
+              <a14:hiddenFill xmlns:a14="http://schemas.microsoft.com/office/drawing/2010/main">
+                <a:solidFill>
+                  <a:srgbClr val="FFFFFF"/>
+                </a:solidFill>
+              </a14:hiddenFill>
+            </a:ext>
+          </a:extLst>
+        </p:spPr>
+      </p:pic>
+    </p:spTree>
+    <p:extLst>
+      <p:ext uri="{BB962C8B-B14F-4D97-AF65-F5344CB8AC3E}">
+        <p14:creationId xmlns:p14="http://schemas.microsoft.com/office/powerpoint/2010/main" val="1608538170"/>
+      </p:ext>
+    </p:extLst>
+  </p:cSld>
+  <p:clrMapOvr>
+    <a:masterClrMapping/>
+  </p:clrMapOvr>
+  <mc:AlternateContent xmlns:mc="http://schemas.openxmlformats.org/markup-compatibility/2006">
+    <mc:Choice xmlns:p159="http://schemas.microsoft.com/office/powerpoint/2015/09/main" Requires="p159">
+      <p:transition spd="slow">
+        <p159:morph option="byObject"/>
+      </p:transition>
+    </mc:Choice>
+    <mc:Fallback>
+      <p:transition spd="slow">
+        <p:fade/>
+      </p:transition>
+    </mc:Fallback>
+  </mc:AlternateContent>
+</p:sld>
+</file>
+
+<file path=ppt/slides/slide15.xml><?xml version="1.0" encoding="utf-8"?>
+<p:sld xmlns:a="http://schemas.openxmlformats.org/drawingml/2006/main" xmlns:r="http://schemas.openxmlformats.org/officeDocument/2006/relationships" xmlns:p="http://schemas.openxmlformats.org/presentationml/2006/main">
+  <p:cSld>
+    <p:spTree>
+      <p:nvGrpSpPr>
+        <p:cNvPr id="1" name=""/>
+        <p:cNvGrpSpPr/>
+        <p:nvPr/>
+      </p:nvGrpSpPr>
+      <p:grpSpPr>
+        <a:xfrm>
+          <a:off x="0" y="0"/>
+          <a:ext cx="0" cy="0"/>
+          <a:chOff x="0" y="0"/>
+          <a:chExt cx="0" cy="0"/>
+        </a:xfrm>
+      </p:grpSpPr>
+      <p:sp>
+        <p:nvSpPr>
+          <p:cNvPr id="2" name="Nadpis 1">
+            <a:extLst>
+              <a:ext uri="{FF2B5EF4-FFF2-40B4-BE49-F238E27FC236}">
+                <a16:creationId xmlns:a16="http://schemas.microsoft.com/office/drawing/2014/main" id="{69750CBC-247B-C052-407A-51083D43B0D2}"/>
+              </a:ext>
+            </a:extLst>
+          </p:cNvPr>
+          <p:cNvSpPr>
+            <a:spLocks noGrp="1"/>
+          </p:cNvSpPr>
+          <p:nvPr>
+            <p:ph type="title"/>
+          </p:nvPr>
+        </p:nvSpPr>
+        <p:spPr>
+          <a:xfrm>
+            <a:off x="810000" y="447188"/>
+            <a:ext cx="10571998" cy="970450"/>
+          </a:xfrm>
+        </p:spPr>
+        <p:txBody>
+          <a:bodyPr>
+            <a:normAutofit/>
+          </a:bodyPr>
+          <a:lstStyle/>
+          <a:p>
+            <a:r>
+              <a:rPr lang="cs-CZ" dirty="0"/>
+              <a:t>Jarníkův algoritmus</a:t>
+            </a:r>
+          </a:p>
+        </p:txBody>
+      </p:sp>
+      <p:sp>
+        <p:nvSpPr>
+          <p:cNvPr id="10" name="Zástupný obsah 9">
+            <a:extLst>
+              <a:ext uri="{FF2B5EF4-FFF2-40B4-BE49-F238E27FC236}">
+                <a16:creationId xmlns:a16="http://schemas.microsoft.com/office/drawing/2014/main" id="{4F42F304-CE65-6256-62C6-A22658DF79D3}"/>
+              </a:ext>
+            </a:extLst>
+          </p:cNvPr>
+          <p:cNvSpPr>
+            <a:spLocks noGrp="1"/>
+          </p:cNvSpPr>
+          <p:nvPr>
+            <p:ph idx="1"/>
+          </p:nvPr>
+        </p:nvSpPr>
+        <p:spPr/>
+        <p:txBody>
+          <a:bodyPr/>
+          <a:lstStyle/>
+          <a:p>
+            <a:endParaRPr lang="cs-CZ"/>
+          </a:p>
+        </p:txBody>
+      </p:sp>
+      <p:pic>
+        <p:nvPicPr>
+          <p:cNvPr id="19458" name="Picture 2" descr="Add vertex 8 in the MST">
+            <a:extLst>
+              <a:ext uri="{FF2B5EF4-FFF2-40B4-BE49-F238E27FC236}">
+                <a16:creationId xmlns:a16="http://schemas.microsoft.com/office/drawing/2014/main" id="{4283B02C-3B79-A172-FAE1-1BBB69A1B230}"/>
+              </a:ext>
+            </a:extLst>
+          </p:cNvPr>
+          <p:cNvPicPr>
+            <a:picLocks noChangeAspect="1" noChangeArrowheads="1"/>
+          </p:cNvPicPr>
+          <p:nvPr/>
+        </p:nvPicPr>
+        <p:blipFill>
+          <a:blip r:embed="rId3">
+            <a:extLst>
+              <a:ext uri="{28A0092B-C50C-407E-A947-70E740481C1C}">
+                <a14:useLocalDpi xmlns:a14="http://schemas.microsoft.com/office/drawing/2010/main" val="0"/>
+              </a:ext>
+            </a:extLst>
+          </a:blip>
+          <a:srcRect/>
+          <a:stretch>
+            <a:fillRect/>
+          </a:stretch>
+        </p:blipFill>
+        <p:spPr bwMode="auto">
+          <a:xfrm>
+            <a:off x="2100057" y="2222287"/>
+            <a:ext cx="7991885" cy="4635713"/>
+          </a:xfrm>
+          <a:prstGeom prst="rect">
+            <a:avLst/>
+          </a:prstGeom>
+          <a:noFill/>
+          <a:extLst>
+            <a:ext uri="{909E8E84-426E-40DD-AFC4-6F175D3DCCD1}">
+              <a14:hiddenFill xmlns:a14="http://schemas.microsoft.com/office/drawing/2010/main">
+                <a:solidFill>
+                  <a:srgbClr val="FFFFFF"/>
+                </a:solidFill>
+              </a14:hiddenFill>
+            </a:ext>
+          </a:extLst>
+        </p:spPr>
+      </p:pic>
+    </p:spTree>
+    <p:extLst>
+      <p:ext uri="{BB962C8B-B14F-4D97-AF65-F5344CB8AC3E}">
+        <p14:creationId xmlns:p14="http://schemas.microsoft.com/office/powerpoint/2010/main" val="1540464631"/>
+      </p:ext>
+    </p:extLst>
+  </p:cSld>
+  <p:clrMapOvr>
+    <a:masterClrMapping/>
+  </p:clrMapOvr>
+  <mc:AlternateContent xmlns:mc="http://schemas.openxmlformats.org/markup-compatibility/2006">
+    <mc:Choice xmlns:p159="http://schemas.microsoft.com/office/powerpoint/2015/09/main" Requires="p159">
+      <p:transition spd="slow">
+        <p159:morph option="byObject"/>
+      </p:transition>
+    </mc:Choice>
+    <mc:Fallback>
+      <p:transition spd="slow">
+        <p:fade/>
+      </p:transition>
+    </mc:Fallback>
+  </mc:AlternateContent>
+</p:sld>
+</file>
+
+<file path=ppt/slides/slide16.xml><?xml version="1.0" encoding="utf-8"?>
+<p:sld xmlns:a="http://schemas.openxmlformats.org/drawingml/2006/main" xmlns:r="http://schemas.openxmlformats.org/officeDocument/2006/relationships" xmlns:p="http://schemas.openxmlformats.org/presentationml/2006/main">
+  <p:cSld>
+    <p:spTree>
+      <p:nvGrpSpPr>
+        <p:cNvPr id="1" name=""/>
+        <p:cNvGrpSpPr/>
+        <p:nvPr/>
+      </p:nvGrpSpPr>
+      <p:grpSpPr>
+        <a:xfrm>
+          <a:off x="0" y="0"/>
+          <a:ext cx="0" cy="0"/>
+          <a:chOff x="0" y="0"/>
+          <a:chExt cx="0" cy="0"/>
+        </a:xfrm>
+      </p:grpSpPr>
+      <p:sp>
+        <p:nvSpPr>
+          <p:cNvPr id="2" name="Nadpis 1">
+            <a:extLst>
+              <a:ext uri="{FF2B5EF4-FFF2-40B4-BE49-F238E27FC236}">
+                <a16:creationId xmlns:a16="http://schemas.microsoft.com/office/drawing/2014/main" id="{69750CBC-247B-C052-407A-51083D43B0D2}"/>
+              </a:ext>
+            </a:extLst>
+          </p:cNvPr>
+          <p:cNvSpPr>
+            <a:spLocks noGrp="1"/>
+          </p:cNvSpPr>
+          <p:nvPr>
+            <p:ph type="title"/>
+          </p:nvPr>
+        </p:nvSpPr>
+        <p:spPr>
+          <a:xfrm>
+            <a:off x="810000" y="447188"/>
+            <a:ext cx="10571998" cy="970450"/>
+          </a:xfrm>
+        </p:spPr>
+        <p:txBody>
+          <a:bodyPr>
+            <a:normAutofit/>
+          </a:bodyPr>
+          <a:lstStyle/>
+          <a:p>
+            <a:r>
+              <a:rPr lang="cs-CZ" dirty="0"/>
+              <a:t>Jarníkův algoritmus</a:t>
+            </a:r>
+          </a:p>
+        </p:txBody>
+      </p:sp>
+      <p:sp>
+        <p:nvSpPr>
+          <p:cNvPr id="10" name="Zástupný obsah 9">
+            <a:extLst>
+              <a:ext uri="{FF2B5EF4-FFF2-40B4-BE49-F238E27FC236}">
+                <a16:creationId xmlns:a16="http://schemas.microsoft.com/office/drawing/2014/main" id="{4F42F304-CE65-6256-62C6-A22658DF79D3}"/>
+              </a:ext>
+            </a:extLst>
+          </p:cNvPr>
+          <p:cNvSpPr>
+            <a:spLocks noGrp="1"/>
+          </p:cNvSpPr>
+          <p:nvPr>
+            <p:ph idx="1"/>
+          </p:nvPr>
+        </p:nvSpPr>
+        <p:spPr/>
+        <p:txBody>
+          <a:bodyPr/>
+          <a:lstStyle/>
+          <a:p>
+            <a:endParaRPr lang="cs-CZ"/>
+          </a:p>
+        </p:txBody>
+      </p:sp>
+      <p:pic>
+        <p:nvPicPr>
+          <p:cNvPr id="20482" name="Picture 2" descr="Include vertex 3 in MST">
+            <a:extLst>
+              <a:ext uri="{FF2B5EF4-FFF2-40B4-BE49-F238E27FC236}">
+                <a16:creationId xmlns:a16="http://schemas.microsoft.com/office/drawing/2014/main" id="{55BA335F-7390-101A-2181-1737F259B3E1}"/>
+              </a:ext>
+            </a:extLst>
+          </p:cNvPr>
+          <p:cNvPicPr>
+            <a:picLocks noChangeAspect="1" noChangeArrowheads="1"/>
+          </p:cNvPicPr>
+          <p:nvPr/>
+        </p:nvPicPr>
+        <p:blipFill>
+          <a:blip r:embed="rId3">
+            <a:extLst>
+              <a:ext uri="{28A0092B-C50C-407E-A947-70E740481C1C}">
+                <a14:useLocalDpi xmlns:a14="http://schemas.microsoft.com/office/drawing/2010/main" val="0"/>
+              </a:ext>
+            </a:extLst>
+          </a:blip>
+          <a:srcRect/>
+          <a:stretch>
+            <a:fillRect/>
+          </a:stretch>
+        </p:blipFill>
+        <p:spPr bwMode="auto">
+          <a:xfrm>
+            <a:off x="2100057" y="2222287"/>
+            <a:ext cx="7991885" cy="4635713"/>
+          </a:xfrm>
+          <a:prstGeom prst="rect">
+            <a:avLst/>
+          </a:prstGeom>
+          <a:noFill/>
+          <a:extLst>
+            <a:ext uri="{909E8E84-426E-40DD-AFC4-6F175D3DCCD1}">
+              <a14:hiddenFill xmlns:a14="http://schemas.microsoft.com/office/drawing/2010/main">
+                <a:solidFill>
+                  <a:srgbClr val="FFFFFF"/>
+                </a:solidFill>
+              </a14:hiddenFill>
+            </a:ext>
+          </a:extLst>
+        </p:spPr>
+      </p:pic>
+    </p:spTree>
+    <p:extLst>
+      <p:ext uri="{BB962C8B-B14F-4D97-AF65-F5344CB8AC3E}">
+        <p14:creationId xmlns:p14="http://schemas.microsoft.com/office/powerpoint/2010/main" val="3734819166"/>
+      </p:ext>
+    </p:extLst>
+  </p:cSld>
+  <p:clrMapOvr>
+    <a:masterClrMapping/>
+  </p:clrMapOvr>
+  <mc:AlternateContent xmlns:mc="http://schemas.openxmlformats.org/markup-compatibility/2006">
+    <mc:Choice xmlns:p159="http://schemas.microsoft.com/office/powerpoint/2015/09/main" Requires="p159">
+      <p:transition spd="slow">
+        <p159:morph option="byObject"/>
+      </p:transition>
+    </mc:Choice>
+    <mc:Fallback>
+      <p:transition spd="slow">
+        <p:fade/>
+      </p:transition>
+    </mc:Fallback>
+  </mc:AlternateContent>
+</p:sld>
+</file>
+
+<file path=ppt/slides/slide17.xml><?xml version="1.0" encoding="utf-8"?>
+<p:sld xmlns:a="http://schemas.openxmlformats.org/drawingml/2006/main" xmlns:r="http://schemas.openxmlformats.org/officeDocument/2006/relationships" xmlns:p="http://schemas.openxmlformats.org/presentationml/2006/main">
+  <p:cSld>
+    <p:spTree>
+      <p:nvGrpSpPr>
+        <p:cNvPr id="1" name=""/>
+        <p:cNvGrpSpPr/>
+        <p:nvPr/>
+      </p:nvGrpSpPr>
+      <p:grpSpPr>
+        <a:xfrm>
+          <a:off x="0" y="0"/>
+          <a:ext cx="0" cy="0"/>
+          <a:chOff x="0" y="0"/>
+          <a:chExt cx="0" cy="0"/>
+        </a:xfrm>
+      </p:grpSpPr>
+      <p:sp>
+        <p:nvSpPr>
+          <p:cNvPr id="2" name="Nadpis 1">
+            <a:extLst>
+              <a:ext uri="{FF2B5EF4-FFF2-40B4-BE49-F238E27FC236}">
+                <a16:creationId xmlns:a16="http://schemas.microsoft.com/office/drawing/2014/main" id="{69750CBC-247B-C052-407A-51083D43B0D2}"/>
+              </a:ext>
+            </a:extLst>
+          </p:cNvPr>
+          <p:cNvSpPr>
+            <a:spLocks noGrp="1"/>
+          </p:cNvSpPr>
+          <p:nvPr>
+            <p:ph type="title"/>
+          </p:nvPr>
+        </p:nvSpPr>
+        <p:spPr>
+          <a:xfrm>
+            <a:off x="810000" y="447188"/>
+            <a:ext cx="10571998" cy="970450"/>
+          </a:xfrm>
+        </p:spPr>
+        <p:txBody>
+          <a:bodyPr>
+            <a:normAutofit/>
+          </a:bodyPr>
+          <a:lstStyle/>
+          <a:p>
+            <a:r>
+              <a:rPr lang="cs-CZ" dirty="0"/>
+              <a:t>Jarníkův algoritmus</a:t>
+            </a:r>
+          </a:p>
+        </p:txBody>
+      </p:sp>
+      <p:sp>
+        <p:nvSpPr>
+          <p:cNvPr id="10" name="Zástupný obsah 9">
+            <a:extLst>
+              <a:ext uri="{FF2B5EF4-FFF2-40B4-BE49-F238E27FC236}">
+                <a16:creationId xmlns:a16="http://schemas.microsoft.com/office/drawing/2014/main" id="{4F42F304-CE65-6256-62C6-A22658DF79D3}"/>
+              </a:ext>
+            </a:extLst>
+          </p:cNvPr>
+          <p:cNvSpPr>
+            <a:spLocks noGrp="1"/>
+          </p:cNvSpPr>
+          <p:nvPr>
+            <p:ph idx="1"/>
+          </p:nvPr>
+        </p:nvSpPr>
+        <p:spPr/>
+        <p:txBody>
+          <a:bodyPr/>
+          <a:lstStyle/>
+          <a:p>
+            <a:endParaRPr lang="cs-CZ"/>
+          </a:p>
+        </p:txBody>
+      </p:sp>
+      <p:pic>
+        <p:nvPicPr>
+          <p:cNvPr id="22530" name="Picture 2" descr="Include vertex 4 in the MST">
+            <a:extLst>
+              <a:ext uri="{FF2B5EF4-FFF2-40B4-BE49-F238E27FC236}">
+                <a16:creationId xmlns:a16="http://schemas.microsoft.com/office/drawing/2014/main" id="{522F89CC-0E64-37F1-AD5B-D39EE9BF704E}"/>
+              </a:ext>
+            </a:extLst>
+          </p:cNvPr>
+          <p:cNvPicPr>
+            <a:picLocks noChangeAspect="1" noChangeArrowheads="1"/>
+          </p:cNvPicPr>
+          <p:nvPr/>
+        </p:nvPicPr>
+        <p:blipFill>
+          <a:blip r:embed="rId3">
+            <a:extLst>
+              <a:ext uri="{28A0092B-C50C-407E-A947-70E740481C1C}">
+                <a14:useLocalDpi xmlns:a14="http://schemas.microsoft.com/office/drawing/2010/main" val="0"/>
+              </a:ext>
+            </a:extLst>
+          </a:blip>
+          <a:srcRect/>
+          <a:stretch>
+            <a:fillRect/>
+          </a:stretch>
+        </p:blipFill>
+        <p:spPr bwMode="auto">
+          <a:xfrm>
+            <a:off x="2100057" y="2222287"/>
+            <a:ext cx="7991885" cy="4635713"/>
+          </a:xfrm>
+          <a:prstGeom prst="rect">
+            <a:avLst/>
+          </a:prstGeom>
+          <a:noFill/>
+          <a:extLst>
+            <a:ext uri="{909E8E84-426E-40DD-AFC4-6F175D3DCCD1}">
+              <a14:hiddenFill xmlns:a14="http://schemas.microsoft.com/office/drawing/2010/main">
+                <a:solidFill>
+                  <a:srgbClr val="FFFFFF"/>
+                </a:solidFill>
+              </a14:hiddenFill>
+            </a:ext>
+          </a:extLst>
+        </p:spPr>
+      </p:pic>
+    </p:spTree>
+    <p:extLst>
+      <p:ext uri="{BB962C8B-B14F-4D97-AF65-F5344CB8AC3E}">
+        <p14:creationId xmlns:p14="http://schemas.microsoft.com/office/powerpoint/2010/main" val="2609832857"/>
+      </p:ext>
+    </p:extLst>
+  </p:cSld>
+  <p:clrMapOvr>
+    <a:masterClrMapping/>
+  </p:clrMapOvr>
+  <mc:AlternateContent xmlns:mc="http://schemas.openxmlformats.org/markup-compatibility/2006">
+    <mc:Choice xmlns:p159="http://schemas.microsoft.com/office/powerpoint/2015/09/main" Requires="p159">
+      <p:transition spd="slow">
+        <p159:morph option="byObject"/>
+      </p:transition>
+    </mc:Choice>
+    <mc:Fallback>
+      <p:transition spd="slow">
+        <p:fade/>
+      </p:transition>
+    </mc:Fallback>
+  </mc:AlternateContent>
+</p:sld>
+</file>
+
+<file path=ppt/slides/slide18.xml><?xml version="1.0" encoding="utf-8"?>
+<p:sld xmlns:a="http://schemas.openxmlformats.org/drawingml/2006/main" xmlns:r="http://schemas.openxmlformats.org/officeDocument/2006/relationships" xmlns:p="http://schemas.openxmlformats.org/presentationml/2006/main">
+  <p:cSld>
+    <p:spTree>
+      <p:nvGrpSpPr>
+        <p:cNvPr id="1" name=""/>
+        <p:cNvGrpSpPr/>
+        <p:nvPr/>
+      </p:nvGrpSpPr>
+      <p:grpSpPr>
+        <a:xfrm>
+          <a:off x="0" y="0"/>
+          <a:ext cx="0" cy="0"/>
+          <a:chOff x="0" y="0"/>
+          <a:chExt cx="0" cy="0"/>
+        </a:xfrm>
+      </p:grpSpPr>
+      <p:sp>
+        <p:nvSpPr>
+          <p:cNvPr id="2" name="Nadpis 1">
+            <a:extLst>
+              <a:ext uri="{FF2B5EF4-FFF2-40B4-BE49-F238E27FC236}">
+                <a16:creationId xmlns:a16="http://schemas.microsoft.com/office/drawing/2014/main" id="{69750CBC-247B-C052-407A-51083D43B0D2}"/>
+              </a:ext>
+            </a:extLst>
+          </p:cNvPr>
+          <p:cNvSpPr>
+            <a:spLocks noGrp="1"/>
+          </p:cNvSpPr>
+          <p:nvPr>
+            <p:ph type="title"/>
+          </p:nvPr>
+        </p:nvSpPr>
+        <p:spPr>
+          <a:xfrm>
+            <a:off x="810000" y="447188"/>
+            <a:ext cx="10571998" cy="970450"/>
+          </a:xfrm>
+        </p:spPr>
+        <p:txBody>
+          <a:bodyPr>
+            <a:normAutofit/>
+          </a:bodyPr>
+          <a:lstStyle/>
+          <a:p>
+            <a:r>
+              <a:rPr lang="cs-CZ" dirty="0"/>
+              <a:t>Jarníkův algoritmus</a:t>
+            </a:r>
+          </a:p>
+        </p:txBody>
+      </p:sp>
+      <p:sp>
+        <p:nvSpPr>
+          <p:cNvPr id="10" name="Zástupný obsah 9">
+            <a:extLst>
+              <a:ext uri="{FF2B5EF4-FFF2-40B4-BE49-F238E27FC236}">
+                <a16:creationId xmlns:a16="http://schemas.microsoft.com/office/drawing/2014/main" id="{4F42F304-CE65-6256-62C6-A22658DF79D3}"/>
+              </a:ext>
+            </a:extLst>
+          </p:cNvPr>
+          <p:cNvSpPr>
+            <a:spLocks noGrp="1"/>
+          </p:cNvSpPr>
+          <p:nvPr>
+            <p:ph idx="1"/>
+          </p:nvPr>
+        </p:nvSpPr>
+        <p:spPr/>
+        <p:txBody>
+          <a:bodyPr/>
+          <a:lstStyle/>
+          <a:p>
+            <a:endParaRPr lang="cs-CZ"/>
+          </a:p>
+        </p:txBody>
+      </p:sp>
+      <p:pic>
+        <p:nvPicPr>
+          <p:cNvPr id="23554" name="Picture 2" descr="The structure of the MST formed using the above method">
+            <a:extLst>
+              <a:ext uri="{FF2B5EF4-FFF2-40B4-BE49-F238E27FC236}">
+                <a16:creationId xmlns:a16="http://schemas.microsoft.com/office/drawing/2014/main" id="{C7F2B7FE-2EC2-9D00-9EBB-A0905AFF0B3A}"/>
+              </a:ext>
+            </a:extLst>
+          </p:cNvPr>
+          <p:cNvPicPr>
+            <a:picLocks noChangeAspect="1" noChangeArrowheads="1"/>
+          </p:cNvPicPr>
+          <p:nvPr/>
+        </p:nvPicPr>
+        <p:blipFill>
+          <a:blip r:embed="rId3">
+            <a:extLst>
+              <a:ext uri="{28A0092B-C50C-407E-A947-70E740481C1C}">
+                <a14:useLocalDpi xmlns:a14="http://schemas.microsoft.com/office/drawing/2010/main" val="0"/>
+              </a:ext>
+            </a:extLst>
+          </a:blip>
+          <a:srcRect/>
+          <a:stretch>
+            <a:fillRect/>
+          </a:stretch>
+        </p:blipFill>
+        <p:spPr bwMode="auto">
+          <a:xfrm>
+            <a:off x="2100057" y="2222287"/>
+            <a:ext cx="7991885" cy="4635713"/>
+          </a:xfrm>
+          <a:prstGeom prst="rect">
+            <a:avLst/>
+          </a:prstGeom>
+          <a:noFill/>
+          <a:extLst>
+            <a:ext uri="{909E8E84-426E-40DD-AFC4-6F175D3DCCD1}">
+              <a14:hiddenFill xmlns:a14="http://schemas.microsoft.com/office/drawing/2010/main">
+                <a:solidFill>
+                  <a:srgbClr val="FFFFFF"/>
+                </a:solidFill>
+              </a14:hiddenFill>
+            </a:ext>
+          </a:extLst>
+        </p:spPr>
+      </p:pic>
+    </p:spTree>
+    <p:extLst>
+      <p:ext uri="{BB962C8B-B14F-4D97-AF65-F5344CB8AC3E}">
+        <p14:creationId xmlns:p14="http://schemas.microsoft.com/office/powerpoint/2010/main" val="3973607712"/>
+      </p:ext>
+    </p:extLst>
+  </p:cSld>
+  <p:clrMapOvr>
+    <a:masterClrMapping/>
+  </p:clrMapOvr>
+  <mc:AlternateContent xmlns:mc="http://schemas.openxmlformats.org/markup-compatibility/2006">
+    <mc:Choice xmlns:p159="http://schemas.microsoft.com/office/powerpoint/2015/09/main" Requires="p159">
+      <p:transition spd="slow">
+        <p159:morph option="byObject"/>
+      </p:transition>
+    </mc:Choice>
+    <mc:Fallback>
+      <p:transition spd="slow">
+        <p:fade/>
+      </p:transition>
+    </mc:Fallback>
+  </mc:AlternateContent>
+</p:sld>
+</file>
+
+<file path=ppt/slides/slide19.xml><?xml version="1.0" encoding="utf-8"?>
+<p:sld xmlns:a="http://schemas.openxmlformats.org/drawingml/2006/main" xmlns:r="http://schemas.openxmlformats.org/officeDocument/2006/relationships" xmlns:p="http://schemas.openxmlformats.org/presentationml/2006/main">
+  <p:cSld>
+    <p:spTree>
+      <p:nvGrpSpPr>
+        <p:cNvPr id="1" name=""/>
+        <p:cNvGrpSpPr/>
+        <p:nvPr/>
+      </p:nvGrpSpPr>
+      <p:grpSpPr>
+        <a:xfrm>
+          <a:off x="0" y="0"/>
+          <a:ext cx="0" cy="0"/>
+          <a:chOff x="0" y="0"/>
+          <a:chExt cx="0" cy="0"/>
+        </a:xfrm>
+      </p:grpSpPr>
+      <p:sp>
+        <p:nvSpPr>
+          <p:cNvPr id="2" name="Nadpis 1">
+            <a:extLst>
+              <a:ext uri="{FF2B5EF4-FFF2-40B4-BE49-F238E27FC236}">
+                <a16:creationId xmlns:a16="http://schemas.microsoft.com/office/drawing/2014/main" id="{8A777927-F74D-CE2D-0D6E-EF61CF58A342}"/>
+              </a:ext>
+            </a:extLst>
+          </p:cNvPr>
+          <p:cNvSpPr>
+            <a:spLocks noGrp="1"/>
+          </p:cNvSpPr>
+          <p:nvPr>
+            <p:ph type="ctrTitle"/>
+          </p:nvPr>
+        </p:nvSpPr>
+        <p:spPr>
+          <a:xfrm>
+            <a:off x="0" y="1122363"/>
+            <a:ext cx="12192000" cy="2387600"/>
+          </a:xfrm>
+        </p:spPr>
+        <p:txBody>
+          <a:bodyPr/>
+          <a:lstStyle/>
+          <a:p>
+            <a:r>
+              <a:rPr lang="cs-CZ" sz="4800" dirty="0"/>
+              <a:t>Autorství Jarníkova algoritmu</a:t>
+            </a:r>
+          </a:p>
+        </p:txBody>
+      </p:sp>
+      <p:sp>
+        <p:nvSpPr>
+          <p:cNvPr id="5" name="Podnadpis 4">
+            <a:extLst>
+              <a:ext uri="{FF2B5EF4-FFF2-40B4-BE49-F238E27FC236}">
+                <a16:creationId xmlns:a16="http://schemas.microsoft.com/office/drawing/2014/main" id="{B4FDD6F6-D4D0-237E-EEB7-9CF90407BFAC}"/>
+              </a:ext>
+            </a:extLst>
+          </p:cNvPr>
+          <p:cNvSpPr>
+            <a:spLocks noGrp="1"/>
+          </p:cNvSpPr>
+          <p:nvPr>
+            <p:ph type="subTitle" idx="1"/>
+          </p:nvPr>
+        </p:nvSpPr>
+        <p:spPr/>
+        <p:txBody>
+          <a:bodyPr/>
+          <a:lstStyle/>
+          <a:p>
+            <a:endParaRPr lang="cs-CZ"/>
+          </a:p>
+        </p:txBody>
+      </p:sp>
+    </p:spTree>
+    <p:extLst>
+      <p:ext uri="{BB962C8B-B14F-4D97-AF65-F5344CB8AC3E}">
+        <p14:creationId xmlns:p14="http://schemas.microsoft.com/office/powerpoint/2010/main" val="1663885954"/>
+      </p:ext>
+    </p:extLst>
+  </p:cSld>
+  <p:clrMapOvr>
+    <a:masterClrMapping/>
+  </p:clrMapOvr>
+  <mc:AlternateContent xmlns:mc="http://schemas.openxmlformats.org/markup-compatibility/2006">
+    <mc:Choice xmlns:p159="http://schemas.microsoft.com/office/powerpoint/2015/09/main" Requires="p159">
+      <p:transition spd="slow">
+        <p159:morph option="byObject"/>
+      </p:transition>
+    </mc:Choice>
+    <mc:Fallback>
+      <p:transition spd="slow">
+        <p:fade/>
+      </p:transition>
+    </mc:Fallback>
+  </mc:AlternateContent>
 </p:sld>
 </file>
 
@@ -5544,13 +8898,15 @@
           <a:p>
             <a:r>
               <a:rPr lang="cs-CZ" sz="3600" dirty="0"/>
-              <a:t> Hledání </a:t>
-            </a:r>
-            <a:r>
-              <a:rPr lang="cs-CZ" sz="3600"/>
-              <a:t>minimální kostry grafu</a:t>
-            </a:r>
-            <a:endParaRPr lang="cs-CZ" sz="3600" dirty="0"/>
+              <a:t> Hledání minimální kostry grafu</a:t>
+            </a:r>
+          </a:p>
+          <a:p>
+            <a:pPr lvl="1"/>
+            <a:r>
+              <a:rPr lang="cs-CZ" sz="3400" dirty="0"/>
+              <a:t>Navigace, labyrinty,…</a:t>
+            </a:r>
           </a:p>
         </p:txBody>
       </p:sp>
@@ -5564,6 +8920,1472 @@
   <p:clrMapOvr>
     <a:masterClrMapping/>
   </p:clrMapOvr>
+  <mc:AlternateContent xmlns:mc="http://schemas.openxmlformats.org/markup-compatibility/2006">
+    <mc:Choice xmlns:p159="http://schemas.microsoft.com/office/powerpoint/2015/09/main" Requires="p159">
+      <p:transition spd="slow">
+        <p159:morph option="byObject"/>
+      </p:transition>
+    </mc:Choice>
+    <mc:Fallback>
+      <p:transition spd="slow">
+        <p:fade/>
+      </p:transition>
+    </mc:Fallback>
+  </mc:AlternateContent>
+</p:sld>
+</file>
+
+<file path=ppt/slides/slide20.xml><?xml version="1.0" encoding="utf-8"?>
+<p:sld xmlns:a="http://schemas.openxmlformats.org/drawingml/2006/main" xmlns:r="http://schemas.openxmlformats.org/officeDocument/2006/relationships" xmlns:p="http://schemas.openxmlformats.org/presentationml/2006/main">
+  <p:cSld>
+    <p:bg>
+      <p:bgPr>
+        <a:solidFill>
+          <a:schemeClr val="bg2"/>
+        </a:solidFill>
+        <a:effectLst/>
+      </p:bgPr>
+    </p:bg>
+    <p:spTree>
+      <p:nvGrpSpPr>
+        <p:cNvPr id="1" name=""/>
+        <p:cNvGrpSpPr/>
+        <p:nvPr/>
+      </p:nvGrpSpPr>
+      <p:grpSpPr>
+        <a:xfrm>
+          <a:off x="0" y="0"/>
+          <a:ext cx="0" cy="0"/>
+          <a:chOff x="0" y="0"/>
+          <a:chExt cx="0" cy="0"/>
+        </a:xfrm>
+      </p:grpSpPr>
+      <p:sp>
+        <p:nvSpPr>
+          <p:cNvPr id="2" name="Nadpis 1">
+            <a:extLst>
+              <a:ext uri="{FF2B5EF4-FFF2-40B4-BE49-F238E27FC236}">
+                <a16:creationId xmlns:a16="http://schemas.microsoft.com/office/drawing/2014/main" id="{69750CBC-247B-C052-407A-51083D43B0D2}"/>
+              </a:ext>
+            </a:extLst>
+          </p:cNvPr>
+          <p:cNvSpPr>
+            <a:spLocks noGrp="1"/>
+          </p:cNvSpPr>
+          <p:nvPr>
+            <p:ph type="title"/>
+          </p:nvPr>
+        </p:nvSpPr>
+        <p:spPr>
+          <a:xfrm>
+            <a:off x="810000" y="447188"/>
+            <a:ext cx="10571998" cy="970450"/>
+          </a:xfrm>
+        </p:spPr>
+        <p:txBody>
+          <a:bodyPr>
+            <a:normAutofit/>
+          </a:bodyPr>
+          <a:lstStyle/>
+          <a:p>
+            <a:r>
+              <a:rPr lang="cs-CZ" dirty="0"/>
+              <a:t>Jarníkův-Primův algoritmus?</a:t>
+            </a:r>
+          </a:p>
+        </p:txBody>
+      </p:sp>
+      <p:sp>
+        <p:nvSpPr>
+          <p:cNvPr id="3" name="Zástupný obsah 2">
+            <a:extLst>
+              <a:ext uri="{FF2B5EF4-FFF2-40B4-BE49-F238E27FC236}">
+                <a16:creationId xmlns:a16="http://schemas.microsoft.com/office/drawing/2014/main" id="{7A502CCF-42F5-FF07-BCFB-923EFEFD30B7}"/>
+              </a:ext>
+            </a:extLst>
+          </p:cNvPr>
+          <p:cNvSpPr>
+            <a:spLocks noGrp="1"/>
+          </p:cNvSpPr>
+          <p:nvPr>
+            <p:ph idx="1"/>
+          </p:nvPr>
+        </p:nvSpPr>
+        <p:spPr>
+          <a:xfrm>
+            <a:off x="818713" y="2413000"/>
+            <a:ext cx="7140299" cy="3632200"/>
+          </a:xfrm>
+        </p:spPr>
+        <p:txBody>
+          <a:bodyPr>
+            <a:noAutofit/>
+          </a:bodyPr>
+          <a:lstStyle/>
+          <a:p>
+            <a:r>
+              <a:rPr lang="cs-CZ" sz="2400" dirty="0"/>
+              <a:t> Roku 1957 vydal Robert Prim svůj algoritmus</a:t>
+            </a:r>
+          </a:p>
+          <a:p>
+            <a:endParaRPr lang="cs-CZ" sz="2400" dirty="0"/>
+          </a:p>
+          <a:p>
+            <a:r>
+              <a:rPr lang="cs-CZ" sz="2400" dirty="0"/>
+              <a:t>Ve své studii uvádí ve zdrojích pouze Borůvku</a:t>
+            </a:r>
+          </a:p>
+          <a:p>
+            <a:endParaRPr lang="cs-CZ" sz="2400" dirty="0"/>
+          </a:p>
+          <a:p>
+            <a:r>
+              <a:rPr lang="cs-CZ" sz="2400" dirty="0"/>
+              <a:t>Externí zdroje uvádí, že objevil Jarníkův</a:t>
+            </a:r>
+          </a:p>
+          <a:p>
+            <a:endParaRPr lang="cs-CZ" sz="2400" dirty="0"/>
+          </a:p>
+          <a:p>
+            <a:r>
+              <a:rPr lang="cs-CZ" sz="2400" dirty="0"/>
+              <a:t>Algoritmy jsou identické</a:t>
+            </a:r>
+          </a:p>
+        </p:txBody>
+      </p:sp>
+      <p:pic>
+        <p:nvPicPr>
+          <p:cNvPr id="6" name="Obrázek 5" descr="Obsah obrázku muž, oblek, osoba, oblečení&#10;&#10;Popis byl vytvořen automaticky">
+            <a:extLst>
+              <a:ext uri="{FF2B5EF4-FFF2-40B4-BE49-F238E27FC236}">
+                <a16:creationId xmlns:a16="http://schemas.microsoft.com/office/drawing/2014/main" id="{209DDC9D-6292-0B58-F5F4-71B74AE8ABAB}"/>
+              </a:ext>
+            </a:extLst>
+          </p:cNvPr>
+          <p:cNvPicPr>
+            <a:picLocks noChangeAspect="1"/>
+          </p:cNvPicPr>
+          <p:nvPr/>
+        </p:nvPicPr>
+        <p:blipFill>
+          <a:blip r:embed="rId3">
+            <a:extLst>
+              <a:ext uri="{28A0092B-C50C-407E-A947-70E740481C1C}">
+                <a14:useLocalDpi xmlns:a14="http://schemas.microsoft.com/office/drawing/2010/main" val="0"/>
+              </a:ext>
+            </a:extLst>
+          </a:blip>
+          <a:stretch>
+            <a:fillRect/>
+          </a:stretch>
+        </p:blipFill>
+        <p:spPr>
+          <a:xfrm>
+            <a:off x="8450160" y="2413000"/>
+            <a:ext cx="2923127" cy="3716338"/>
+          </a:xfrm>
+          <a:prstGeom prst="roundRect">
+            <a:avLst>
+              <a:gd name="adj" fmla="val 3876"/>
+            </a:avLst>
+          </a:prstGeom>
+          <a:ln>
+            <a:solidFill>
+              <a:schemeClr val="accent1"/>
+            </a:solidFill>
+          </a:ln>
+          <a:effectLst/>
+        </p:spPr>
+      </p:pic>
+    </p:spTree>
+    <p:extLst>
+      <p:ext uri="{BB962C8B-B14F-4D97-AF65-F5344CB8AC3E}">
+        <p14:creationId xmlns:p14="http://schemas.microsoft.com/office/powerpoint/2010/main" val="2550594039"/>
+      </p:ext>
+    </p:extLst>
+  </p:cSld>
+  <p:clrMapOvr>
+    <a:masterClrMapping/>
+  </p:clrMapOvr>
+  <mc:AlternateContent xmlns:mc="http://schemas.openxmlformats.org/markup-compatibility/2006">
+    <mc:Choice xmlns:p159="http://schemas.microsoft.com/office/powerpoint/2015/09/main" Requires="p159">
+      <p:transition spd="slow">
+        <p159:morph option="byObject"/>
+      </p:transition>
+    </mc:Choice>
+    <mc:Fallback>
+      <p:transition spd="slow">
+        <p:fade/>
+      </p:transition>
+    </mc:Fallback>
+  </mc:AlternateContent>
+</p:sld>
+</file>
+
+<file path=ppt/slides/slide21.xml><?xml version="1.0" encoding="utf-8"?>
+<p:sld xmlns:a="http://schemas.openxmlformats.org/drawingml/2006/main" xmlns:r="http://schemas.openxmlformats.org/officeDocument/2006/relationships" xmlns:p="http://schemas.openxmlformats.org/presentationml/2006/main">
+  <p:cSld>
+    <p:spTree>
+      <p:nvGrpSpPr>
+        <p:cNvPr id="1" name=""/>
+        <p:cNvGrpSpPr/>
+        <p:nvPr/>
+      </p:nvGrpSpPr>
+      <p:grpSpPr>
+        <a:xfrm>
+          <a:off x="0" y="0"/>
+          <a:ext cx="0" cy="0"/>
+          <a:chOff x="0" y="0"/>
+          <a:chExt cx="0" cy="0"/>
+        </a:xfrm>
+      </p:grpSpPr>
+      <p:sp>
+        <p:nvSpPr>
+          <p:cNvPr id="2" name="Nadpis 1">
+            <a:extLst>
+              <a:ext uri="{FF2B5EF4-FFF2-40B4-BE49-F238E27FC236}">
+                <a16:creationId xmlns:a16="http://schemas.microsoft.com/office/drawing/2014/main" id="{8A777927-F74D-CE2D-0D6E-EF61CF58A342}"/>
+              </a:ext>
+            </a:extLst>
+          </p:cNvPr>
+          <p:cNvSpPr>
+            <a:spLocks noGrp="1"/>
+          </p:cNvSpPr>
+          <p:nvPr>
+            <p:ph type="ctrTitle"/>
+          </p:nvPr>
+        </p:nvSpPr>
+        <p:spPr>
+          <a:xfrm>
+            <a:off x="0" y="1122363"/>
+            <a:ext cx="12192000" cy="2387600"/>
+          </a:xfrm>
+        </p:spPr>
+        <p:txBody>
+          <a:bodyPr/>
+          <a:lstStyle/>
+          <a:p>
+            <a:r>
+              <a:rPr lang="cs-CZ" sz="4800" dirty="0"/>
+              <a:t>Děkujeme za pozornost</a:t>
+            </a:r>
+          </a:p>
+        </p:txBody>
+      </p:sp>
+      <p:sp>
+        <p:nvSpPr>
+          <p:cNvPr id="5" name="Podnadpis 4">
+            <a:extLst>
+              <a:ext uri="{FF2B5EF4-FFF2-40B4-BE49-F238E27FC236}">
+                <a16:creationId xmlns:a16="http://schemas.microsoft.com/office/drawing/2014/main" id="{B4FDD6F6-D4D0-237E-EEB7-9CF90407BFAC}"/>
+              </a:ext>
+            </a:extLst>
+          </p:cNvPr>
+          <p:cNvSpPr>
+            <a:spLocks noGrp="1"/>
+          </p:cNvSpPr>
+          <p:nvPr>
+            <p:ph type="subTitle" idx="1"/>
+          </p:nvPr>
+        </p:nvSpPr>
+        <p:spPr/>
+        <p:txBody>
+          <a:bodyPr/>
+          <a:lstStyle/>
+          <a:p>
+            <a:endParaRPr lang="cs-CZ"/>
+          </a:p>
+        </p:txBody>
+      </p:sp>
+    </p:spTree>
+    <p:extLst>
+      <p:ext uri="{BB962C8B-B14F-4D97-AF65-F5344CB8AC3E}">
+        <p14:creationId xmlns:p14="http://schemas.microsoft.com/office/powerpoint/2010/main" val="875349564"/>
+      </p:ext>
+    </p:extLst>
+  </p:cSld>
+  <p:clrMapOvr>
+    <a:masterClrMapping/>
+  </p:clrMapOvr>
+  <mc:AlternateContent xmlns:mc="http://schemas.openxmlformats.org/markup-compatibility/2006">
+    <mc:Choice xmlns:p159="http://schemas.microsoft.com/office/powerpoint/2015/09/main" Requires="p159">
+      <p:transition spd="slow">
+        <p159:morph option="byObject"/>
+      </p:transition>
+    </mc:Choice>
+    <mc:Fallback>
+      <p:transition spd="slow">
+        <p:fade/>
+      </p:transition>
+    </mc:Fallback>
+  </mc:AlternateContent>
+</p:sld>
+</file>
+
+<file path=ppt/slides/slide22.xml><?xml version="1.0" encoding="utf-8"?>
+<p:sld xmlns:a="http://schemas.openxmlformats.org/drawingml/2006/main" xmlns:r="http://schemas.openxmlformats.org/officeDocument/2006/relationships" xmlns:p="http://schemas.openxmlformats.org/presentationml/2006/main">
+  <p:cSld>
+    <p:spTree>
+      <p:nvGrpSpPr>
+        <p:cNvPr id="1" name=""/>
+        <p:cNvGrpSpPr/>
+        <p:nvPr/>
+      </p:nvGrpSpPr>
+      <p:grpSpPr>
+        <a:xfrm>
+          <a:off x="0" y="0"/>
+          <a:ext cx="0" cy="0"/>
+          <a:chOff x="0" y="0"/>
+          <a:chExt cx="0" cy="0"/>
+        </a:xfrm>
+      </p:grpSpPr>
+      <p:sp>
+        <p:nvSpPr>
+          <p:cNvPr id="2" name="Nadpis 1">
+            <a:extLst>
+              <a:ext uri="{FF2B5EF4-FFF2-40B4-BE49-F238E27FC236}">
+                <a16:creationId xmlns:a16="http://schemas.microsoft.com/office/drawing/2014/main" id="{69750CBC-247B-C052-407A-51083D43B0D2}"/>
+              </a:ext>
+            </a:extLst>
+          </p:cNvPr>
+          <p:cNvSpPr>
+            <a:spLocks noGrp="1"/>
+          </p:cNvSpPr>
+          <p:nvPr>
+            <p:ph type="title"/>
+          </p:nvPr>
+        </p:nvSpPr>
+        <p:spPr>
+          <a:xfrm>
+            <a:off x="810000" y="447188"/>
+            <a:ext cx="10571998" cy="970450"/>
+          </a:xfrm>
+        </p:spPr>
+        <p:txBody>
+          <a:bodyPr>
+            <a:normAutofit/>
+          </a:bodyPr>
+          <a:lstStyle/>
+          <a:p>
+            <a:r>
+              <a:rPr lang="cs-CZ" dirty="0"/>
+              <a:t>Zdroje</a:t>
+            </a:r>
+          </a:p>
+        </p:txBody>
+      </p:sp>
+      <p:sp>
+        <p:nvSpPr>
+          <p:cNvPr id="3" name="Zástupný obsah 2">
+            <a:extLst>
+              <a:ext uri="{FF2B5EF4-FFF2-40B4-BE49-F238E27FC236}">
+                <a16:creationId xmlns:a16="http://schemas.microsoft.com/office/drawing/2014/main" id="{7A502CCF-42F5-FF07-BCFB-923EFEFD30B7}"/>
+              </a:ext>
+            </a:extLst>
+          </p:cNvPr>
+          <p:cNvSpPr>
+            <a:spLocks noGrp="1"/>
+          </p:cNvSpPr>
+          <p:nvPr>
+            <p:ph idx="1"/>
+          </p:nvPr>
+        </p:nvSpPr>
+        <p:spPr>
+          <a:xfrm>
+            <a:off x="818713" y="2413000"/>
+            <a:ext cx="11068487" cy="3632200"/>
+          </a:xfrm>
+        </p:spPr>
+        <p:txBody>
+          <a:bodyPr>
+            <a:noAutofit/>
+          </a:bodyPr>
+          <a:lstStyle/>
+          <a:p>
+            <a:r>
+              <a:rPr lang="cs-CZ" sz="1200" dirty="0">
+                <a:hlinkClick r:id="rId3"/>
+              </a:rPr>
+              <a:t>https://cs.wikipedia.org/wiki/Bor%C5%AFvk%C5%AFv_algoritmus#/media/Soubor:Boruvka's_algorithm_(Sollin's_algorithm)_Anim.gif</a:t>
+            </a:r>
+            <a:endParaRPr lang="cs-CZ" sz="1200" dirty="0"/>
+          </a:p>
+          <a:p>
+            <a:r>
+              <a:rPr lang="cs-CZ" sz="1200" dirty="0">
+                <a:hlinkClick r:id="rId4"/>
+              </a:rPr>
+              <a:t>https://cs.wikipedia.org/wiki/Otakar_Bor%C5%AFvka#/media/Soubor:Otakar_Boruvka_1981.jpg</a:t>
+            </a:r>
+            <a:endParaRPr lang="cs-CZ" sz="1200" dirty="0"/>
+          </a:p>
+          <a:p>
+            <a:r>
+              <a:rPr lang="cs-CZ" sz="1200" dirty="0">
+                <a:hlinkClick r:id="rId5"/>
+              </a:rPr>
+              <a:t>https://en.wikipedia.org/wiki/Vojt%C4%9Bch_Jarn%C3%ADk#/media/File:Vojt%C4%9Bch_Jarn%C3%ADk.jpg</a:t>
+            </a:r>
+            <a:endParaRPr lang="cs-CZ" sz="1200" dirty="0"/>
+          </a:p>
+          <a:p>
+            <a:r>
+              <a:rPr lang="cs-CZ" sz="1200" dirty="0">
+                <a:hlinkClick r:id="rId6"/>
+              </a:rPr>
+              <a:t>https://www.geeksforgeeks.org/prims-minimum-spanning-tree-mst-greedy-algo-5/</a:t>
+            </a:r>
+            <a:endParaRPr lang="cs-CZ" sz="1200" dirty="0"/>
+          </a:p>
+          <a:p>
+            <a:r>
+              <a:rPr lang="cs-CZ" sz="1200" dirty="0">
+                <a:hlinkClick r:id="rId7"/>
+              </a:rPr>
+              <a:t>https://alchetron.com/Robert-C-Prim#robert-c-prim-42e4d0d2-0d77-4afa-8cf2-a4b387b4de5-resize-750.jpeg</a:t>
+            </a:r>
+            <a:endParaRPr lang="cs-CZ" sz="1200" dirty="0"/>
+          </a:p>
+          <a:p>
+            <a:r>
+              <a:rPr lang="cs-CZ" sz="1200" dirty="0"/>
+              <a:t>Vilém CERMAN, Tomáš DIBLÍK a Adam PEČENKA. </a:t>
+            </a:r>
+            <a:r>
+              <a:rPr lang="cs-CZ" sz="1200" i="1" dirty="0"/>
+              <a:t>Algoritmy profesorů </a:t>
+            </a:r>
+            <a:r>
+              <a:rPr lang="cs-CZ" sz="1200" i="1" dirty="0" err="1"/>
+              <a:t>Jarníka</a:t>
+            </a:r>
+            <a:r>
+              <a:rPr lang="cs-CZ" sz="1200" i="1" dirty="0"/>
+              <a:t> a Borůvky</a:t>
+            </a:r>
+            <a:r>
+              <a:rPr lang="cs-CZ" sz="1200" dirty="0"/>
+              <a:t>. Pardubice, 2023. Seminární. DELTA - Střední škola informatiky a ekonomie, s.r.o. Vedoucí práce Mgr. Horálek Josef, Ph.D.</a:t>
+            </a:r>
+          </a:p>
+          <a:p>
+            <a:endParaRPr lang="cs-CZ" sz="1200" dirty="0"/>
+          </a:p>
+          <a:p>
+            <a:endParaRPr lang="cs-CZ" sz="2400" dirty="0"/>
+          </a:p>
+        </p:txBody>
+      </p:sp>
+    </p:spTree>
+    <p:extLst>
+      <p:ext uri="{BB962C8B-B14F-4D97-AF65-F5344CB8AC3E}">
+        <p14:creationId xmlns:p14="http://schemas.microsoft.com/office/powerpoint/2010/main" val="4179253366"/>
+      </p:ext>
+    </p:extLst>
+  </p:cSld>
+  <p:clrMapOvr>
+    <a:masterClrMapping/>
+  </p:clrMapOvr>
+  <mc:AlternateContent xmlns:mc="http://schemas.openxmlformats.org/markup-compatibility/2006">
+    <mc:Choice xmlns:p159="http://schemas.microsoft.com/office/powerpoint/2015/09/main" Requires="p159">
+      <p:transition spd="slow">
+        <p159:morph option="byObject"/>
+      </p:transition>
+    </mc:Choice>
+    <mc:Fallback>
+      <p:transition spd="slow">
+        <p:fade/>
+      </p:transition>
+    </mc:Fallback>
+  </mc:AlternateContent>
+</p:sld>
+</file>
+
+<file path=ppt/slides/slide3.xml><?xml version="1.0" encoding="utf-8"?>
+<p:sld xmlns:a="http://schemas.openxmlformats.org/drawingml/2006/main" xmlns:r="http://schemas.openxmlformats.org/officeDocument/2006/relationships" xmlns:p="http://schemas.openxmlformats.org/presentationml/2006/main">
+  <p:cSld>
+    <p:spTree>
+      <p:nvGrpSpPr>
+        <p:cNvPr id="1" name=""/>
+        <p:cNvGrpSpPr/>
+        <p:nvPr/>
+      </p:nvGrpSpPr>
+      <p:grpSpPr>
+        <a:xfrm>
+          <a:off x="0" y="0"/>
+          <a:ext cx="0" cy="0"/>
+          <a:chOff x="0" y="0"/>
+          <a:chExt cx="0" cy="0"/>
+        </a:xfrm>
+      </p:grpSpPr>
+      <p:sp>
+        <p:nvSpPr>
+          <p:cNvPr id="2" name="Nadpis 1">
+            <a:extLst>
+              <a:ext uri="{FF2B5EF4-FFF2-40B4-BE49-F238E27FC236}">
+                <a16:creationId xmlns:a16="http://schemas.microsoft.com/office/drawing/2014/main" id="{8A777927-F74D-CE2D-0D6E-EF61CF58A342}"/>
+              </a:ext>
+            </a:extLst>
+          </p:cNvPr>
+          <p:cNvSpPr>
+            <a:spLocks noGrp="1"/>
+          </p:cNvSpPr>
+          <p:nvPr>
+            <p:ph type="ctrTitle"/>
+          </p:nvPr>
+        </p:nvSpPr>
+        <p:spPr>
+          <a:xfrm>
+            <a:off x="0" y="1122363"/>
+            <a:ext cx="12192000" cy="2387600"/>
+          </a:xfrm>
+        </p:spPr>
+        <p:txBody>
+          <a:bodyPr/>
+          <a:lstStyle/>
+          <a:p>
+            <a:r>
+              <a:rPr lang="cs-CZ" sz="4800" dirty="0"/>
+              <a:t>Borůvkův algoritmus</a:t>
+            </a:r>
+          </a:p>
+        </p:txBody>
+      </p:sp>
+      <p:sp>
+        <p:nvSpPr>
+          <p:cNvPr id="5" name="Podnadpis 4">
+            <a:extLst>
+              <a:ext uri="{FF2B5EF4-FFF2-40B4-BE49-F238E27FC236}">
+                <a16:creationId xmlns:a16="http://schemas.microsoft.com/office/drawing/2014/main" id="{B4FDD6F6-D4D0-237E-EEB7-9CF90407BFAC}"/>
+              </a:ext>
+            </a:extLst>
+          </p:cNvPr>
+          <p:cNvSpPr>
+            <a:spLocks noGrp="1"/>
+          </p:cNvSpPr>
+          <p:nvPr>
+            <p:ph type="subTitle" idx="1"/>
+          </p:nvPr>
+        </p:nvSpPr>
+        <p:spPr/>
+        <p:txBody>
+          <a:bodyPr/>
+          <a:lstStyle/>
+          <a:p>
+            <a:endParaRPr lang="cs-CZ"/>
+          </a:p>
+        </p:txBody>
+      </p:sp>
+    </p:spTree>
+    <p:extLst>
+      <p:ext uri="{BB962C8B-B14F-4D97-AF65-F5344CB8AC3E}">
+        <p14:creationId xmlns:p14="http://schemas.microsoft.com/office/powerpoint/2010/main" val="144127613"/>
+      </p:ext>
+    </p:extLst>
+  </p:cSld>
+  <p:clrMapOvr>
+    <a:masterClrMapping/>
+  </p:clrMapOvr>
+  <mc:AlternateContent xmlns:mc="http://schemas.openxmlformats.org/markup-compatibility/2006">
+    <mc:Choice xmlns:p159="http://schemas.microsoft.com/office/powerpoint/2015/09/main" Requires="p159">
+      <p:transition spd="slow">
+        <p159:morph option="byObject"/>
+      </p:transition>
+    </mc:Choice>
+    <mc:Fallback>
+      <p:transition spd="slow">
+        <p:fade/>
+      </p:transition>
+    </mc:Fallback>
+  </mc:AlternateContent>
+</p:sld>
+</file>
+
+<file path=ppt/slides/slide4.xml><?xml version="1.0" encoding="utf-8"?>
+<p:sld xmlns:a="http://schemas.openxmlformats.org/drawingml/2006/main" xmlns:r="http://schemas.openxmlformats.org/officeDocument/2006/relationships" xmlns:p="http://schemas.openxmlformats.org/presentationml/2006/main">
+  <p:cSld>
+    <p:bg>
+      <p:bgPr>
+        <a:solidFill>
+          <a:schemeClr val="bg2"/>
+        </a:solidFill>
+        <a:effectLst/>
+      </p:bgPr>
+    </p:bg>
+    <p:spTree>
+      <p:nvGrpSpPr>
+        <p:cNvPr id="1" name=""/>
+        <p:cNvGrpSpPr/>
+        <p:nvPr/>
+      </p:nvGrpSpPr>
+      <p:grpSpPr>
+        <a:xfrm>
+          <a:off x="0" y="0"/>
+          <a:ext cx="0" cy="0"/>
+          <a:chOff x="0" y="0"/>
+          <a:chExt cx="0" cy="0"/>
+        </a:xfrm>
+      </p:grpSpPr>
+      <p:sp>
+        <p:nvSpPr>
+          <p:cNvPr id="2" name="Nadpis 1">
+            <a:extLst>
+              <a:ext uri="{FF2B5EF4-FFF2-40B4-BE49-F238E27FC236}">
+                <a16:creationId xmlns:a16="http://schemas.microsoft.com/office/drawing/2014/main" id="{69750CBC-247B-C052-407A-51083D43B0D2}"/>
+              </a:ext>
+            </a:extLst>
+          </p:cNvPr>
+          <p:cNvSpPr>
+            <a:spLocks noGrp="1"/>
+          </p:cNvSpPr>
+          <p:nvPr>
+            <p:ph type="title"/>
+          </p:nvPr>
+        </p:nvSpPr>
+        <p:spPr>
+          <a:xfrm>
+            <a:off x="810000" y="447188"/>
+            <a:ext cx="10571998" cy="970450"/>
+          </a:xfrm>
+        </p:spPr>
+        <p:txBody>
+          <a:bodyPr>
+            <a:normAutofit/>
+          </a:bodyPr>
+          <a:lstStyle/>
+          <a:p>
+            <a:r>
+              <a:rPr lang="cs-CZ" dirty="0"/>
+              <a:t>Borůvkův algoritmus</a:t>
+            </a:r>
+          </a:p>
+        </p:txBody>
+      </p:sp>
+      <p:sp>
+        <p:nvSpPr>
+          <p:cNvPr id="3" name="Zástupný obsah 2">
+            <a:extLst>
+              <a:ext uri="{FF2B5EF4-FFF2-40B4-BE49-F238E27FC236}">
+                <a16:creationId xmlns:a16="http://schemas.microsoft.com/office/drawing/2014/main" id="{7A502CCF-42F5-FF07-BCFB-923EFEFD30B7}"/>
+              </a:ext>
+            </a:extLst>
+          </p:cNvPr>
+          <p:cNvSpPr>
+            <a:spLocks noGrp="1"/>
+          </p:cNvSpPr>
+          <p:nvPr>
+            <p:ph idx="1"/>
+          </p:nvPr>
+        </p:nvSpPr>
+        <p:spPr>
+          <a:xfrm>
+            <a:off x="818713" y="2413000"/>
+            <a:ext cx="6888373" cy="3632200"/>
+          </a:xfrm>
+        </p:spPr>
+        <p:txBody>
+          <a:bodyPr>
+            <a:noAutofit/>
+          </a:bodyPr>
+          <a:lstStyle/>
+          <a:p>
+            <a:r>
+              <a:rPr lang="cs-CZ" sz="3200" dirty="0"/>
+              <a:t> Poprvé popsán roku 1926</a:t>
+            </a:r>
+          </a:p>
+          <a:p>
+            <a:endParaRPr lang="cs-CZ" sz="3200" dirty="0"/>
+          </a:p>
+          <a:p>
+            <a:r>
+              <a:rPr lang="cs-CZ" sz="3200" dirty="0"/>
+              <a:t>Vytvořen za účelem elektrifikace Moravy</a:t>
+            </a:r>
+          </a:p>
+          <a:p>
+            <a:endParaRPr lang="cs-CZ" sz="3200" dirty="0"/>
+          </a:p>
+          <a:p>
+            <a:r>
+              <a:rPr lang="cs-CZ" sz="3200" dirty="0"/>
+              <a:t>„O jistém problému minimálním.“</a:t>
+            </a:r>
+          </a:p>
+        </p:txBody>
+      </p:sp>
+      <p:pic>
+        <p:nvPicPr>
+          <p:cNvPr id="1026" name="Picture 2" descr="Otakar Borůvka – Wikipedie">
+            <a:extLst>
+              <a:ext uri="{FF2B5EF4-FFF2-40B4-BE49-F238E27FC236}">
+                <a16:creationId xmlns:a16="http://schemas.microsoft.com/office/drawing/2014/main" id="{344D04D7-5BFC-3863-33EC-4E460CDD5388}"/>
+              </a:ext>
+            </a:extLst>
+          </p:cNvPr>
+          <p:cNvPicPr>
+            <a:picLocks noChangeAspect="1" noChangeArrowheads="1"/>
+          </p:cNvPicPr>
+          <p:nvPr/>
+        </p:nvPicPr>
+        <p:blipFill>
+          <a:blip r:embed="rId3">
+            <a:extLst>
+              <a:ext uri="{28A0092B-C50C-407E-A947-70E740481C1C}">
+                <a14:useLocalDpi xmlns:a14="http://schemas.microsoft.com/office/drawing/2010/main" val="0"/>
+              </a:ext>
+            </a:extLst>
+          </a:blip>
+          <a:stretch>
+            <a:fillRect/>
+          </a:stretch>
+        </p:blipFill>
+        <p:spPr bwMode="auto">
+          <a:xfrm>
+            <a:off x="8117634" y="2117878"/>
+            <a:ext cx="3255654" cy="4617949"/>
+          </a:xfrm>
+          <a:prstGeom prst="roundRect">
+            <a:avLst>
+              <a:gd name="adj" fmla="val 3876"/>
+            </a:avLst>
+          </a:prstGeom>
+          <a:noFill/>
+          <a:ln>
+            <a:solidFill>
+              <a:schemeClr val="accent1"/>
+            </a:solidFill>
+          </a:ln>
+          <a:effectLst/>
+          <a:extLst>
+            <a:ext uri="{909E8E84-426E-40DD-AFC4-6F175D3DCCD1}">
+              <a14:hiddenFill xmlns:a14="http://schemas.microsoft.com/office/drawing/2010/main">
+                <a:solidFill>
+                  <a:srgbClr val="FFFFFF"/>
+                </a:solidFill>
+              </a14:hiddenFill>
+            </a:ext>
+          </a:extLst>
+        </p:spPr>
+      </p:pic>
+    </p:spTree>
+    <p:extLst>
+      <p:ext uri="{BB962C8B-B14F-4D97-AF65-F5344CB8AC3E}">
+        <p14:creationId xmlns:p14="http://schemas.microsoft.com/office/powerpoint/2010/main" val="3502508618"/>
+      </p:ext>
+    </p:extLst>
+  </p:cSld>
+  <p:clrMapOvr>
+    <a:masterClrMapping/>
+  </p:clrMapOvr>
+  <mc:AlternateContent xmlns:mc="http://schemas.openxmlformats.org/markup-compatibility/2006">
+    <mc:Choice xmlns:p159="http://schemas.microsoft.com/office/powerpoint/2015/09/main" Requires="p159">
+      <p:transition spd="slow">
+        <p159:morph option="byObject"/>
+      </p:transition>
+    </mc:Choice>
+    <mc:Fallback>
+      <p:transition spd="slow">
+        <p:fade/>
+      </p:transition>
+    </mc:Fallback>
+  </mc:AlternateContent>
+</p:sld>
+</file>
+
+<file path=ppt/slides/slide5.xml><?xml version="1.0" encoding="utf-8"?>
+<p:sld xmlns:a="http://schemas.openxmlformats.org/drawingml/2006/main" xmlns:r="http://schemas.openxmlformats.org/officeDocument/2006/relationships" xmlns:p="http://schemas.openxmlformats.org/presentationml/2006/main">
+  <p:cSld>
+    <p:spTree>
+      <p:nvGrpSpPr>
+        <p:cNvPr id="1" name=""/>
+        <p:cNvGrpSpPr/>
+        <p:nvPr/>
+      </p:nvGrpSpPr>
+      <p:grpSpPr>
+        <a:xfrm>
+          <a:off x="0" y="0"/>
+          <a:ext cx="0" cy="0"/>
+          <a:chOff x="0" y="0"/>
+          <a:chExt cx="0" cy="0"/>
+        </a:xfrm>
+      </p:grpSpPr>
+      <p:sp>
+        <p:nvSpPr>
+          <p:cNvPr id="2" name="Nadpis 1">
+            <a:extLst>
+              <a:ext uri="{FF2B5EF4-FFF2-40B4-BE49-F238E27FC236}">
+                <a16:creationId xmlns:a16="http://schemas.microsoft.com/office/drawing/2014/main" id="{69750CBC-247B-C052-407A-51083D43B0D2}"/>
+              </a:ext>
+            </a:extLst>
+          </p:cNvPr>
+          <p:cNvSpPr>
+            <a:spLocks noGrp="1"/>
+          </p:cNvSpPr>
+          <p:nvPr>
+            <p:ph type="title"/>
+          </p:nvPr>
+        </p:nvSpPr>
+        <p:spPr>
+          <a:xfrm>
+            <a:off x="810000" y="447188"/>
+            <a:ext cx="10571998" cy="970450"/>
+          </a:xfrm>
+        </p:spPr>
+        <p:txBody>
+          <a:bodyPr>
+            <a:normAutofit/>
+          </a:bodyPr>
+          <a:lstStyle/>
+          <a:p>
+            <a:r>
+              <a:rPr lang="cs-CZ" dirty="0"/>
+              <a:t>Borůvkův algoritmus</a:t>
+            </a:r>
+          </a:p>
+        </p:txBody>
+      </p:sp>
+      <p:pic>
+        <p:nvPicPr>
+          <p:cNvPr id="7" name="Zástupný obsah 6" descr="Obsah obrázku diagram&#10;&#10;Popis byl vytvořen automaticky">
+            <a:extLst>
+              <a:ext uri="{FF2B5EF4-FFF2-40B4-BE49-F238E27FC236}">
+                <a16:creationId xmlns:a16="http://schemas.microsoft.com/office/drawing/2014/main" id="{FCC2BF2B-43AD-011D-28D9-310B52EC9377}"/>
+              </a:ext>
+            </a:extLst>
+          </p:cNvPr>
+          <p:cNvPicPr>
+            <a:picLocks noGrp="1" noChangeAspect="1"/>
+          </p:cNvPicPr>
+          <p:nvPr>
+            <p:ph idx="1"/>
+          </p:nvPr>
+        </p:nvPicPr>
+        <p:blipFill>
+          <a:blip r:embed="rId3">
+            <a:extLst>
+              <a:ext uri="{28A0092B-C50C-407E-A947-70E740481C1C}">
+                <a14:useLocalDpi xmlns:a14="http://schemas.microsoft.com/office/drawing/2010/main" val="0"/>
+              </a:ext>
+            </a:extLst>
+          </a:blip>
+          <a:stretch>
+            <a:fillRect/>
+          </a:stretch>
+        </p:blipFill>
+        <p:spPr>
+          <a:xfrm>
+            <a:off x="1678535" y="2227152"/>
+            <a:ext cx="8834929" cy="4630848"/>
+          </a:xfrm>
+        </p:spPr>
+      </p:pic>
+    </p:spTree>
+    <p:extLst>
+      <p:ext uri="{BB962C8B-B14F-4D97-AF65-F5344CB8AC3E}">
+        <p14:creationId xmlns:p14="http://schemas.microsoft.com/office/powerpoint/2010/main" val="689638914"/>
+      </p:ext>
+    </p:extLst>
+  </p:cSld>
+  <p:clrMapOvr>
+    <a:masterClrMapping/>
+  </p:clrMapOvr>
+  <mc:AlternateContent xmlns:mc="http://schemas.openxmlformats.org/markup-compatibility/2006">
+    <mc:Choice xmlns:p159="http://schemas.microsoft.com/office/powerpoint/2015/09/main" Requires="p159">
+      <p:transition spd="slow">
+        <p159:morph option="byObject"/>
+      </p:transition>
+    </mc:Choice>
+    <mc:Fallback>
+      <p:transition spd="slow">
+        <p:fade/>
+      </p:transition>
+    </mc:Fallback>
+  </mc:AlternateContent>
+</p:sld>
+</file>
+
+<file path=ppt/slides/slide6.xml><?xml version="1.0" encoding="utf-8"?>
+<p:sld xmlns:a="http://schemas.openxmlformats.org/drawingml/2006/main" xmlns:r="http://schemas.openxmlformats.org/officeDocument/2006/relationships" xmlns:p="http://schemas.openxmlformats.org/presentationml/2006/main">
+  <p:cSld>
+    <p:spTree>
+      <p:nvGrpSpPr>
+        <p:cNvPr id="1" name=""/>
+        <p:cNvGrpSpPr/>
+        <p:nvPr/>
+      </p:nvGrpSpPr>
+      <p:grpSpPr>
+        <a:xfrm>
+          <a:off x="0" y="0"/>
+          <a:ext cx="0" cy="0"/>
+          <a:chOff x="0" y="0"/>
+          <a:chExt cx="0" cy="0"/>
+        </a:xfrm>
+      </p:grpSpPr>
+      <p:sp>
+        <p:nvSpPr>
+          <p:cNvPr id="2" name="Nadpis 1">
+            <a:extLst>
+              <a:ext uri="{FF2B5EF4-FFF2-40B4-BE49-F238E27FC236}">
+                <a16:creationId xmlns:a16="http://schemas.microsoft.com/office/drawing/2014/main" id="{8A777927-F74D-CE2D-0D6E-EF61CF58A342}"/>
+              </a:ext>
+            </a:extLst>
+          </p:cNvPr>
+          <p:cNvSpPr>
+            <a:spLocks noGrp="1"/>
+          </p:cNvSpPr>
+          <p:nvPr>
+            <p:ph type="ctrTitle"/>
+          </p:nvPr>
+        </p:nvSpPr>
+        <p:spPr>
+          <a:xfrm>
+            <a:off x="0" y="1122363"/>
+            <a:ext cx="12192000" cy="2387600"/>
+          </a:xfrm>
+        </p:spPr>
+        <p:txBody>
+          <a:bodyPr/>
+          <a:lstStyle/>
+          <a:p>
+            <a:r>
+              <a:rPr lang="cs-CZ" sz="4800" dirty="0"/>
+              <a:t>Jarníkův algoritmus</a:t>
+            </a:r>
+          </a:p>
+        </p:txBody>
+      </p:sp>
+      <p:sp>
+        <p:nvSpPr>
+          <p:cNvPr id="5" name="Podnadpis 4">
+            <a:extLst>
+              <a:ext uri="{FF2B5EF4-FFF2-40B4-BE49-F238E27FC236}">
+                <a16:creationId xmlns:a16="http://schemas.microsoft.com/office/drawing/2014/main" id="{B4FDD6F6-D4D0-237E-EEB7-9CF90407BFAC}"/>
+              </a:ext>
+            </a:extLst>
+          </p:cNvPr>
+          <p:cNvSpPr>
+            <a:spLocks noGrp="1"/>
+          </p:cNvSpPr>
+          <p:nvPr>
+            <p:ph type="subTitle" idx="1"/>
+          </p:nvPr>
+        </p:nvSpPr>
+        <p:spPr/>
+        <p:txBody>
+          <a:bodyPr/>
+          <a:lstStyle/>
+          <a:p>
+            <a:endParaRPr lang="cs-CZ"/>
+          </a:p>
+        </p:txBody>
+      </p:sp>
+    </p:spTree>
+    <p:extLst>
+      <p:ext uri="{BB962C8B-B14F-4D97-AF65-F5344CB8AC3E}">
+        <p14:creationId xmlns:p14="http://schemas.microsoft.com/office/powerpoint/2010/main" val="2367948420"/>
+      </p:ext>
+    </p:extLst>
+  </p:cSld>
+  <p:clrMapOvr>
+    <a:masterClrMapping/>
+  </p:clrMapOvr>
+  <mc:AlternateContent xmlns:mc="http://schemas.openxmlformats.org/markup-compatibility/2006">
+    <mc:Choice xmlns:p159="http://schemas.microsoft.com/office/powerpoint/2015/09/main" Requires="p159">
+      <p:transition spd="slow">
+        <p159:morph option="byObject"/>
+      </p:transition>
+    </mc:Choice>
+    <mc:Fallback>
+      <p:transition spd="slow">
+        <p:fade/>
+      </p:transition>
+    </mc:Fallback>
+  </mc:AlternateContent>
+</p:sld>
+</file>
+
+<file path=ppt/slides/slide7.xml><?xml version="1.0" encoding="utf-8"?>
+<p:sld xmlns:a="http://schemas.openxmlformats.org/drawingml/2006/main" xmlns:r="http://schemas.openxmlformats.org/officeDocument/2006/relationships" xmlns:p="http://schemas.openxmlformats.org/presentationml/2006/main">
+  <p:cSld>
+    <p:bg>
+      <p:bgPr>
+        <a:solidFill>
+          <a:schemeClr val="bg2"/>
+        </a:solidFill>
+        <a:effectLst/>
+      </p:bgPr>
+    </p:bg>
+    <p:spTree>
+      <p:nvGrpSpPr>
+        <p:cNvPr id="1" name=""/>
+        <p:cNvGrpSpPr/>
+        <p:nvPr/>
+      </p:nvGrpSpPr>
+      <p:grpSpPr>
+        <a:xfrm>
+          <a:off x="0" y="0"/>
+          <a:ext cx="0" cy="0"/>
+          <a:chOff x="0" y="0"/>
+          <a:chExt cx="0" cy="0"/>
+        </a:xfrm>
+      </p:grpSpPr>
+      <p:sp>
+        <p:nvSpPr>
+          <p:cNvPr id="2" name="Nadpis 1">
+            <a:extLst>
+              <a:ext uri="{FF2B5EF4-FFF2-40B4-BE49-F238E27FC236}">
+                <a16:creationId xmlns:a16="http://schemas.microsoft.com/office/drawing/2014/main" id="{69750CBC-247B-C052-407A-51083D43B0D2}"/>
+              </a:ext>
+            </a:extLst>
+          </p:cNvPr>
+          <p:cNvSpPr>
+            <a:spLocks noGrp="1"/>
+          </p:cNvSpPr>
+          <p:nvPr>
+            <p:ph type="title"/>
+          </p:nvPr>
+        </p:nvSpPr>
+        <p:spPr>
+          <a:xfrm>
+            <a:off x="810000" y="447188"/>
+            <a:ext cx="10571998" cy="970450"/>
+          </a:xfrm>
+        </p:spPr>
+        <p:txBody>
+          <a:bodyPr>
+            <a:normAutofit/>
+          </a:bodyPr>
+          <a:lstStyle/>
+          <a:p>
+            <a:r>
+              <a:rPr lang="cs-CZ" dirty="0"/>
+              <a:t>Jarníkův algoritmus</a:t>
+            </a:r>
+          </a:p>
+        </p:txBody>
+      </p:sp>
+      <p:sp>
+        <p:nvSpPr>
+          <p:cNvPr id="3" name="Zástupný obsah 2">
+            <a:extLst>
+              <a:ext uri="{FF2B5EF4-FFF2-40B4-BE49-F238E27FC236}">
+                <a16:creationId xmlns:a16="http://schemas.microsoft.com/office/drawing/2014/main" id="{7A502CCF-42F5-FF07-BCFB-923EFEFD30B7}"/>
+              </a:ext>
+            </a:extLst>
+          </p:cNvPr>
+          <p:cNvSpPr>
+            <a:spLocks noGrp="1"/>
+          </p:cNvSpPr>
+          <p:nvPr>
+            <p:ph idx="1"/>
+          </p:nvPr>
+        </p:nvSpPr>
+        <p:spPr>
+          <a:xfrm>
+            <a:off x="818713" y="2413000"/>
+            <a:ext cx="6487434" cy="3632200"/>
+          </a:xfrm>
+        </p:spPr>
+        <p:txBody>
+          <a:bodyPr>
+            <a:normAutofit fontScale="85000" lnSpcReduction="10000"/>
+          </a:bodyPr>
+          <a:lstStyle/>
+          <a:p>
+            <a:r>
+              <a:rPr lang="cs-CZ" sz="3200" dirty="0"/>
+              <a:t> Poprvé popsán roku 1930 v dopisu O. Borůvkovi</a:t>
+            </a:r>
+          </a:p>
+          <a:p>
+            <a:endParaRPr lang="cs-CZ" sz="3200" dirty="0"/>
+          </a:p>
+          <a:p>
+            <a:r>
+              <a:rPr lang="cs-CZ" sz="3200" dirty="0"/>
+              <a:t>Zjednodušená verze Borůvkova algoritmu</a:t>
+            </a:r>
+          </a:p>
+          <a:p>
+            <a:endParaRPr lang="cs-CZ" sz="3200" dirty="0"/>
+          </a:p>
+          <a:p>
+            <a:r>
+              <a:rPr lang="cs-CZ" sz="3200" dirty="0"/>
+              <a:t>V zahraničí prakticky zapomenut</a:t>
+            </a:r>
+          </a:p>
+        </p:txBody>
+      </p:sp>
+      <p:pic>
+        <p:nvPicPr>
+          <p:cNvPr id="5" name="Obrázek 4" descr="Obsah obrázku osoba, klobouk&#10;&#10;Popis byl vytvořen automaticky">
+            <a:extLst>
+              <a:ext uri="{FF2B5EF4-FFF2-40B4-BE49-F238E27FC236}">
+                <a16:creationId xmlns:a16="http://schemas.microsoft.com/office/drawing/2014/main" id="{3F302B17-6E69-67D8-0EEB-C377CCE9A48B}"/>
+              </a:ext>
+            </a:extLst>
+          </p:cNvPr>
+          <p:cNvPicPr>
+            <a:picLocks noChangeAspect="1"/>
+          </p:cNvPicPr>
+          <p:nvPr/>
+        </p:nvPicPr>
+        <p:blipFill>
+          <a:blip r:embed="rId3">
+            <a:extLst>
+              <a:ext uri="{28A0092B-C50C-407E-A947-70E740481C1C}">
+                <a14:useLocalDpi xmlns:a14="http://schemas.microsoft.com/office/drawing/2010/main" val="0"/>
+              </a:ext>
+            </a:extLst>
+          </a:blip>
+          <a:stretch>
+            <a:fillRect/>
+          </a:stretch>
+        </p:blipFill>
+        <p:spPr>
+          <a:xfrm>
+            <a:off x="8120958" y="2123967"/>
+            <a:ext cx="3261039" cy="4602374"/>
+          </a:xfrm>
+          <a:prstGeom prst="roundRect">
+            <a:avLst>
+              <a:gd name="adj" fmla="val 3876"/>
+            </a:avLst>
+          </a:prstGeom>
+          <a:ln>
+            <a:solidFill>
+              <a:schemeClr val="accent1"/>
+            </a:solidFill>
+          </a:ln>
+          <a:effectLst/>
+        </p:spPr>
+      </p:pic>
+    </p:spTree>
+    <p:extLst>
+      <p:ext uri="{BB962C8B-B14F-4D97-AF65-F5344CB8AC3E}">
+        <p14:creationId xmlns:p14="http://schemas.microsoft.com/office/powerpoint/2010/main" val="2405836106"/>
+      </p:ext>
+    </p:extLst>
+  </p:cSld>
+  <p:clrMapOvr>
+    <a:masterClrMapping/>
+  </p:clrMapOvr>
+  <mc:AlternateContent xmlns:mc="http://schemas.openxmlformats.org/markup-compatibility/2006">
+    <mc:Choice xmlns:p159="http://schemas.microsoft.com/office/powerpoint/2015/09/main" Requires="p159">
+      <p:transition spd="slow">
+        <p159:morph option="byObject"/>
+      </p:transition>
+    </mc:Choice>
+    <mc:Fallback>
+      <p:transition spd="slow">
+        <p:fade/>
+      </p:transition>
+    </mc:Fallback>
+  </mc:AlternateContent>
+</p:sld>
+</file>
+
+<file path=ppt/slides/slide8.xml><?xml version="1.0" encoding="utf-8"?>
+<p:sld xmlns:a="http://schemas.openxmlformats.org/drawingml/2006/main" xmlns:r="http://schemas.openxmlformats.org/officeDocument/2006/relationships" xmlns:p="http://schemas.openxmlformats.org/presentationml/2006/main">
+  <p:cSld>
+    <p:spTree>
+      <p:nvGrpSpPr>
+        <p:cNvPr id="1" name=""/>
+        <p:cNvGrpSpPr/>
+        <p:nvPr/>
+      </p:nvGrpSpPr>
+      <p:grpSpPr>
+        <a:xfrm>
+          <a:off x="0" y="0"/>
+          <a:ext cx="0" cy="0"/>
+          <a:chOff x="0" y="0"/>
+          <a:chExt cx="0" cy="0"/>
+        </a:xfrm>
+      </p:grpSpPr>
+      <p:sp>
+        <p:nvSpPr>
+          <p:cNvPr id="2" name="Nadpis 1">
+            <a:extLst>
+              <a:ext uri="{FF2B5EF4-FFF2-40B4-BE49-F238E27FC236}">
+                <a16:creationId xmlns:a16="http://schemas.microsoft.com/office/drawing/2014/main" id="{69750CBC-247B-C052-407A-51083D43B0D2}"/>
+              </a:ext>
+            </a:extLst>
+          </p:cNvPr>
+          <p:cNvSpPr>
+            <a:spLocks noGrp="1"/>
+          </p:cNvSpPr>
+          <p:nvPr>
+            <p:ph type="title"/>
+          </p:nvPr>
+        </p:nvSpPr>
+        <p:spPr>
+          <a:xfrm>
+            <a:off x="810000" y="447188"/>
+            <a:ext cx="10571998" cy="970450"/>
+          </a:xfrm>
+        </p:spPr>
+        <p:txBody>
+          <a:bodyPr>
+            <a:normAutofit/>
+          </a:bodyPr>
+          <a:lstStyle/>
+          <a:p>
+            <a:r>
+              <a:rPr lang="cs-CZ" dirty="0"/>
+              <a:t>Jarníkův algoritmus</a:t>
+            </a:r>
+          </a:p>
+        </p:txBody>
+      </p:sp>
+      <p:sp>
+        <p:nvSpPr>
+          <p:cNvPr id="10" name="Zástupný obsah 9">
+            <a:extLst>
+              <a:ext uri="{FF2B5EF4-FFF2-40B4-BE49-F238E27FC236}">
+                <a16:creationId xmlns:a16="http://schemas.microsoft.com/office/drawing/2014/main" id="{4F42F304-CE65-6256-62C6-A22658DF79D3}"/>
+              </a:ext>
+            </a:extLst>
+          </p:cNvPr>
+          <p:cNvSpPr>
+            <a:spLocks noGrp="1"/>
+          </p:cNvSpPr>
+          <p:nvPr>
+            <p:ph idx="1"/>
+          </p:nvPr>
+        </p:nvSpPr>
+        <p:spPr/>
+        <p:txBody>
+          <a:bodyPr/>
+          <a:lstStyle/>
+          <a:p>
+            <a:endParaRPr lang="cs-CZ"/>
+          </a:p>
+        </p:txBody>
+      </p:sp>
+      <p:pic>
+        <p:nvPicPr>
+          <p:cNvPr id="5122" name="Picture 2" descr="Example of a graph">
+            <a:extLst>
+              <a:ext uri="{FF2B5EF4-FFF2-40B4-BE49-F238E27FC236}">
+                <a16:creationId xmlns:a16="http://schemas.microsoft.com/office/drawing/2014/main" id="{B0F4900D-47F1-3E76-C310-91D9309D620D}"/>
+              </a:ext>
+            </a:extLst>
+          </p:cNvPr>
+          <p:cNvPicPr>
+            <a:picLocks noChangeAspect="1" noChangeArrowheads="1"/>
+          </p:cNvPicPr>
+          <p:nvPr/>
+        </p:nvPicPr>
+        <p:blipFill>
+          <a:blip r:embed="rId3">
+            <a:extLst>
+              <a:ext uri="{28A0092B-C50C-407E-A947-70E740481C1C}">
+                <a14:useLocalDpi xmlns:a14="http://schemas.microsoft.com/office/drawing/2010/main" val="0"/>
+              </a:ext>
+            </a:extLst>
+          </a:blip>
+          <a:srcRect/>
+          <a:stretch>
+            <a:fillRect/>
+          </a:stretch>
+        </p:blipFill>
+        <p:spPr bwMode="auto">
+          <a:xfrm>
+            <a:off x="2100057" y="2222287"/>
+            <a:ext cx="7991885" cy="4635713"/>
+          </a:xfrm>
+          <a:prstGeom prst="rect">
+            <a:avLst/>
+          </a:prstGeom>
+          <a:noFill/>
+          <a:extLst>
+            <a:ext uri="{909E8E84-426E-40DD-AFC4-6F175D3DCCD1}">
+              <a14:hiddenFill xmlns:a14="http://schemas.microsoft.com/office/drawing/2010/main">
+                <a:solidFill>
+                  <a:srgbClr val="FFFFFF"/>
+                </a:solidFill>
+              </a14:hiddenFill>
+            </a:ext>
+          </a:extLst>
+        </p:spPr>
+      </p:pic>
+    </p:spTree>
+    <p:extLst>
+      <p:ext uri="{BB962C8B-B14F-4D97-AF65-F5344CB8AC3E}">
+        <p14:creationId xmlns:p14="http://schemas.microsoft.com/office/powerpoint/2010/main" val="3559235156"/>
+      </p:ext>
+    </p:extLst>
+  </p:cSld>
+  <p:clrMapOvr>
+    <a:masterClrMapping/>
+  </p:clrMapOvr>
+  <mc:AlternateContent xmlns:mc="http://schemas.openxmlformats.org/markup-compatibility/2006">
+    <mc:Choice xmlns:p159="http://schemas.microsoft.com/office/powerpoint/2015/09/main" Requires="p159">
+      <p:transition spd="slow">
+        <p159:morph option="byObject"/>
+      </p:transition>
+    </mc:Choice>
+    <mc:Fallback>
+      <p:transition spd="slow">
+        <p:fade/>
+      </p:transition>
+    </mc:Fallback>
+  </mc:AlternateContent>
+</p:sld>
+</file>
+
+<file path=ppt/slides/slide9.xml><?xml version="1.0" encoding="utf-8"?>
+<p:sld xmlns:a="http://schemas.openxmlformats.org/drawingml/2006/main" xmlns:r="http://schemas.openxmlformats.org/officeDocument/2006/relationships" xmlns:p="http://schemas.openxmlformats.org/presentationml/2006/main">
+  <p:cSld>
+    <p:spTree>
+      <p:nvGrpSpPr>
+        <p:cNvPr id="1" name=""/>
+        <p:cNvGrpSpPr/>
+        <p:nvPr/>
+      </p:nvGrpSpPr>
+      <p:grpSpPr>
+        <a:xfrm>
+          <a:off x="0" y="0"/>
+          <a:ext cx="0" cy="0"/>
+          <a:chOff x="0" y="0"/>
+          <a:chExt cx="0" cy="0"/>
+        </a:xfrm>
+      </p:grpSpPr>
+      <p:sp>
+        <p:nvSpPr>
+          <p:cNvPr id="2" name="Nadpis 1">
+            <a:extLst>
+              <a:ext uri="{FF2B5EF4-FFF2-40B4-BE49-F238E27FC236}">
+                <a16:creationId xmlns:a16="http://schemas.microsoft.com/office/drawing/2014/main" id="{69750CBC-247B-C052-407A-51083D43B0D2}"/>
+              </a:ext>
+            </a:extLst>
+          </p:cNvPr>
+          <p:cNvSpPr>
+            <a:spLocks noGrp="1"/>
+          </p:cNvSpPr>
+          <p:nvPr>
+            <p:ph type="title"/>
+          </p:nvPr>
+        </p:nvSpPr>
+        <p:spPr>
+          <a:xfrm>
+            <a:off x="810000" y="447188"/>
+            <a:ext cx="10571998" cy="970450"/>
+          </a:xfrm>
+        </p:spPr>
+        <p:txBody>
+          <a:bodyPr>
+            <a:normAutofit/>
+          </a:bodyPr>
+          <a:lstStyle/>
+          <a:p>
+            <a:r>
+              <a:rPr lang="cs-CZ" dirty="0"/>
+              <a:t>Jarníkův algoritmus</a:t>
+            </a:r>
+          </a:p>
+        </p:txBody>
+      </p:sp>
+      <p:sp>
+        <p:nvSpPr>
+          <p:cNvPr id="10" name="Zástupný obsah 9">
+            <a:extLst>
+              <a:ext uri="{FF2B5EF4-FFF2-40B4-BE49-F238E27FC236}">
+                <a16:creationId xmlns:a16="http://schemas.microsoft.com/office/drawing/2014/main" id="{4F42F304-CE65-6256-62C6-A22658DF79D3}"/>
+              </a:ext>
+            </a:extLst>
+          </p:cNvPr>
+          <p:cNvSpPr>
+            <a:spLocks noGrp="1"/>
+          </p:cNvSpPr>
+          <p:nvPr>
+            <p:ph idx="1"/>
+          </p:nvPr>
+        </p:nvSpPr>
+        <p:spPr/>
+        <p:txBody>
+          <a:bodyPr/>
+          <a:lstStyle/>
+          <a:p>
+            <a:endParaRPr lang="cs-CZ"/>
+          </a:p>
+        </p:txBody>
+      </p:sp>
+      <p:pic>
+        <p:nvPicPr>
+          <p:cNvPr id="6146" name="Picture 2" descr="0 is selected as starting vertex">
+            <a:extLst>
+              <a:ext uri="{FF2B5EF4-FFF2-40B4-BE49-F238E27FC236}">
+                <a16:creationId xmlns:a16="http://schemas.microsoft.com/office/drawing/2014/main" id="{6A33E9A0-0FA5-8C8C-B0C5-3AD7AAB23BAE}"/>
+              </a:ext>
+            </a:extLst>
+          </p:cNvPr>
+          <p:cNvPicPr>
+            <a:picLocks noChangeAspect="1" noChangeArrowheads="1"/>
+          </p:cNvPicPr>
+          <p:nvPr/>
+        </p:nvPicPr>
+        <p:blipFill>
+          <a:blip r:embed="rId3">
+            <a:extLst>
+              <a:ext uri="{28A0092B-C50C-407E-A947-70E740481C1C}">
+                <a14:useLocalDpi xmlns:a14="http://schemas.microsoft.com/office/drawing/2010/main" val="0"/>
+              </a:ext>
+            </a:extLst>
+          </a:blip>
+          <a:srcRect/>
+          <a:stretch>
+            <a:fillRect/>
+          </a:stretch>
+        </p:blipFill>
+        <p:spPr bwMode="auto">
+          <a:xfrm>
+            <a:off x="2095013" y="2222287"/>
+            <a:ext cx="8001973" cy="4641564"/>
+          </a:xfrm>
+          <a:prstGeom prst="rect">
+            <a:avLst/>
+          </a:prstGeom>
+          <a:noFill/>
+          <a:extLst>
+            <a:ext uri="{909E8E84-426E-40DD-AFC4-6F175D3DCCD1}">
+              <a14:hiddenFill xmlns:a14="http://schemas.microsoft.com/office/drawing/2010/main">
+                <a:solidFill>
+                  <a:srgbClr val="FFFFFF"/>
+                </a:solidFill>
+              </a14:hiddenFill>
+            </a:ext>
+          </a:extLst>
+        </p:spPr>
+      </p:pic>
+    </p:spTree>
+    <p:extLst>
+      <p:ext uri="{BB962C8B-B14F-4D97-AF65-F5344CB8AC3E}">
+        <p14:creationId xmlns:p14="http://schemas.microsoft.com/office/powerpoint/2010/main" val="2752603806"/>
+      </p:ext>
+    </p:extLst>
+  </p:cSld>
+  <p:clrMapOvr>
+    <a:masterClrMapping/>
+  </p:clrMapOvr>
+  <mc:AlternateContent xmlns:mc="http://schemas.openxmlformats.org/markup-compatibility/2006">
+    <mc:Choice xmlns:p159="http://schemas.microsoft.com/office/powerpoint/2015/09/main" Requires="p159">
+      <p:transition spd="slow">
+        <p159:morph option="byObject"/>
+      </p:transition>
+    </mc:Choice>
+    <mc:Fallback>
+      <p:transition spd="slow">
+        <p:fade/>
+      </p:transition>
+    </mc:Fallback>
+  </mc:AlternateContent>
 </p:sld>
 </file>
 
@@ -5802,4 +10624,299 @@
     </a:ext>
   </a:extLst>
 </a:theme>
+</file>
+
+<file path=ppt/theme/theme2.xml><?xml version="1.0" encoding="utf-8"?>
+<a:theme xmlns:a="http://schemas.openxmlformats.org/drawingml/2006/main" name="Motiv Office">
+  <a:themeElements>
+    <a:clrScheme name="Office">
+      <a:dk1>
+        <a:sysClr val="windowText" lastClr="000000"/>
+      </a:dk1>
+      <a:lt1>
+        <a:sysClr val="window" lastClr="FFFFFF"/>
+      </a:lt1>
+      <a:dk2>
+        <a:srgbClr val="44546A"/>
+      </a:dk2>
+      <a:lt2>
+        <a:srgbClr val="E7E6E6"/>
+      </a:lt2>
+      <a:accent1>
+        <a:srgbClr val="4472C4"/>
+      </a:accent1>
+      <a:accent2>
+        <a:srgbClr val="ED7D31"/>
+      </a:accent2>
+      <a:accent3>
+        <a:srgbClr val="A5A5A5"/>
+      </a:accent3>
+      <a:accent4>
+        <a:srgbClr val="FFC000"/>
+      </a:accent4>
+      <a:accent5>
+        <a:srgbClr val="5B9BD5"/>
+      </a:accent5>
+      <a:accent6>
+        <a:srgbClr val="70AD47"/>
+      </a:accent6>
+      <a:hlink>
+        <a:srgbClr val="0563C1"/>
+      </a:hlink>
+      <a:folHlink>
+        <a:srgbClr val="954F72"/>
+      </a:folHlink>
+    </a:clrScheme>
+    <a:fontScheme name="Office">
+      <a:majorFont>
+        <a:latin typeface="Calibri Light" panose="020F0302020204030204"/>
+        <a:ea typeface=""/>
+        <a:cs typeface=""/>
+        <a:font script="Jpan" typeface="游ゴシック Light"/>
+        <a:font script="Hang" typeface="맑은 고딕"/>
+        <a:font script="Hans" typeface="等线 Light"/>
+        <a:font script="Hant" typeface="新細明體"/>
+        <a:font script="Arab" typeface="Times New Roman"/>
+        <a:font script="Hebr" typeface="Times New Roman"/>
+        <a:font script="Thai" typeface="Angsana New"/>
+        <a:font script="Ethi" typeface="Nyala"/>
+        <a:font script="Beng" typeface="Vrinda"/>
+        <a:font script="Gujr" typeface="Shruti"/>
+        <a:font script="Khmr" typeface="MoolBoran"/>
+        <a:font script="Knda" typeface="Tunga"/>
+        <a:font script="Guru" typeface="Raavi"/>
+        <a:font script="Cans" typeface="Euphemia"/>
+        <a:font script="Cher" typeface="Plantagenet Cherokee"/>
+        <a:font script="Yiii" typeface="Microsoft Yi Baiti"/>
+        <a:font script="Tibt" typeface="Microsoft Himalaya"/>
+        <a:font script="Thaa" typeface="MV Boli"/>
+        <a:font script="Deva" typeface="Mangal"/>
+        <a:font script="Telu" typeface="Gautami"/>
+        <a:font script="Taml" typeface="Latha"/>
+        <a:font script="Syrc" typeface="Estrangelo Edessa"/>
+        <a:font script="Orya" typeface="Kalinga"/>
+        <a:font script="Mlym" typeface="Kartika"/>
+        <a:font script="Laoo" typeface="DokChampa"/>
+        <a:font script="Sinh" typeface="Iskoola Pota"/>
+        <a:font script="Mong" typeface="Mongolian Baiti"/>
+        <a:font script="Viet" typeface="Times New Roman"/>
+        <a:font script="Uigh" typeface="Microsoft Uighur"/>
+        <a:font script="Geor" typeface="Sylfaen"/>
+        <a:font script="Armn" typeface="Arial"/>
+        <a:font script="Bugi" typeface="Leelawadee UI"/>
+        <a:font script="Bopo" typeface="Microsoft JhengHei"/>
+        <a:font script="Java" typeface="Javanese Text"/>
+        <a:font script="Lisu" typeface="Segoe UI"/>
+        <a:font script="Mymr" typeface="Myanmar Text"/>
+        <a:font script="Nkoo" typeface="Ebrima"/>
+        <a:font script="Olck" typeface="Nirmala UI"/>
+        <a:font script="Osma" typeface="Ebrima"/>
+        <a:font script="Phag" typeface="Phagspa"/>
+        <a:font script="Syrn" typeface="Estrangelo Edessa"/>
+        <a:font script="Syrj" typeface="Estrangelo Edessa"/>
+        <a:font script="Syre" typeface="Estrangelo Edessa"/>
+        <a:font script="Sora" typeface="Nirmala UI"/>
+        <a:font script="Tale" typeface="Microsoft Tai Le"/>
+        <a:font script="Talu" typeface="Microsoft New Tai Lue"/>
+        <a:font script="Tfng" typeface="Ebrima"/>
+      </a:majorFont>
+      <a:minorFont>
+        <a:latin typeface="Calibri" panose="020F0502020204030204"/>
+        <a:ea typeface=""/>
+        <a:cs typeface=""/>
+        <a:font script="Jpan" typeface="游ゴシック"/>
+        <a:font script="Hang" typeface="맑은 고딕"/>
+        <a:font script="Hans" typeface="等线"/>
+        <a:font script="Hant" typeface="新細明體"/>
+        <a:font script="Arab" typeface="Arial"/>
+        <a:font script="Hebr" typeface="Arial"/>
+        <a:font script="Thai" typeface="Cordia New"/>
+        <a:font script="Ethi" typeface="Nyala"/>
+        <a:font script="Beng" typeface="Vrinda"/>
+        <a:font script="Gujr" typeface="Shruti"/>
+        <a:font script="Khmr" typeface="DaunPenh"/>
+        <a:font script="Knda" typeface="Tunga"/>
+        <a:font script="Guru" typeface="Raavi"/>
+        <a:font script="Cans" typeface="Euphemia"/>
+        <a:font script="Cher" typeface="Plantagenet Cherokee"/>
+        <a:font script="Yiii" typeface="Microsoft Yi Baiti"/>
+        <a:font script="Tibt" typeface="Microsoft Himalaya"/>
+        <a:font script="Thaa" typeface="MV Boli"/>
+        <a:font script="Deva" typeface="Mangal"/>
+        <a:font script="Telu" typeface="Gautami"/>
+        <a:font script="Taml" typeface="Latha"/>
+        <a:font script="Syrc" typeface="Estrangelo Edessa"/>
+        <a:font script="Orya" typeface="Kalinga"/>
+        <a:font script="Mlym" typeface="Kartika"/>
+        <a:font script="Laoo" typeface="DokChampa"/>
+        <a:font script="Sinh" typeface="Iskoola Pota"/>
+        <a:font script="Mong" typeface="Mongolian Baiti"/>
+        <a:font script="Viet" typeface="Arial"/>
+        <a:font script="Uigh" typeface="Microsoft Uighur"/>
+        <a:font script="Geor" typeface="Sylfaen"/>
+        <a:font script="Armn" typeface="Arial"/>
+        <a:font script="Bugi" typeface="Leelawadee UI"/>
+        <a:font script="Bopo" typeface="Microsoft JhengHei"/>
+        <a:font script="Java" typeface="Javanese Text"/>
+        <a:font script="Lisu" typeface="Segoe UI"/>
+        <a:font script="Mymr" typeface="Myanmar Text"/>
+        <a:font script="Nkoo" typeface="Ebrima"/>
+        <a:font script="Olck" typeface="Nirmala UI"/>
+        <a:font script="Osma" typeface="Ebrima"/>
+        <a:font script="Phag" typeface="Phagspa"/>
+        <a:font script="Syrn" typeface="Estrangelo Edessa"/>
+        <a:font script="Syrj" typeface="Estrangelo Edessa"/>
+        <a:font script="Syre" typeface="Estrangelo Edessa"/>
+        <a:font script="Sora" typeface="Nirmala UI"/>
+        <a:font script="Tale" typeface="Microsoft Tai Le"/>
+        <a:font script="Talu" typeface="Microsoft New Tai Lue"/>
+        <a:font script="Tfng" typeface="Ebrima"/>
+      </a:minorFont>
+    </a:fontScheme>
+    <a:fmtScheme name="Office">
+      <a:fillStyleLst>
+        <a:solidFill>
+          <a:schemeClr val="phClr"/>
+        </a:solidFill>
+        <a:gradFill rotWithShape="1">
+          <a:gsLst>
+            <a:gs pos="0">
+              <a:schemeClr val="phClr">
+                <a:lumMod val="110000"/>
+                <a:satMod val="105000"/>
+                <a:tint val="67000"/>
+              </a:schemeClr>
+            </a:gs>
+            <a:gs pos="50000">
+              <a:schemeClr val="phClr">
+                <a:lumMod val="105000"/>
+                <a:satMod val="103000"/>
+                <a:tint val="73000"/>
+              </a:schemeClr>
+            </a:gs>
+            <a:gs pos="100000">
+              <a:schemeClr val="phClr">
+                <a:lumMod val="105000"/>
+                <a:satMod val="109000"/>
+                <a:tint val="81000"/>
+              </a:schemeClr>
+            </a:gs>
+          </a:gsLst>
+          <a:lin ang="5400000" scaled="0"/>
+        </a:gradFill>
+        <a:gradFill rotWithShape="1">
+          <a:gsLst>
+            <a:gs pos="0">
+              <a:schemeClr val="phClr">
+                <a:satMod val="103000"/>
+                <a:lumMod val="102000"/>
+                <a:tint val="94000"/>
+              </a:schemeClr>
+            </a:gs>
+            <a:gs pos="50000">
+              <a:schemeClr val="phClr">
+                <a:satMod val="110000"/>
+                <a:lumMod val="100000"/>
+                <a:shade val="100000"/>
+              </a:schemeClr>
+            </a:gs>
+            <a:gs pos="100000">
+              <a:schemeClr val="phClr">
+                <a:lumMod val="99000"/>
+                <a:satMod val="120000"/>
+                <a:shade val="78000"/>
+              </a:schemeClr>
+            </a:gs>
+          </a:gsLst>
+          <a:lin ang="5400000" scaled="0"/>
+        </a:gradFill>
+      </a:fillStyleLst>
+      <a:lnStyleLst>
+        <a:ln w="6350" cap="flat" cmpd="sng" algn="ctr">
+          <a:solidFill>
+            <a:schemeClr val="phClr"/>
+          </a:solidFill>
+          <a:prstDash val="solid"/>
+          <a:miter lim="800000"/>
+        </a:ln>
+        <a:ln w="12700" cap="flat" cmpd="sng" algn="ctr">
+          <a:solidFill>
+            <a:schemeClr val="phClr"/>
+          </a:solidFill>
+          <a:prstDash val="solid"/>
+          <a:miter lim="800000"/>
+        </a:ln>
+        <a:ln w="19050" cap="flat" cmpd="sng" algn="ctr">
+          <a:solidFill>
+            <a:schemeClr val="phClr"/>
+          </a:solidFill>
+          <a:prstDash val="solid"/>
+          <a:miter lim="800000"/>
+        </a:ln>
+      </a:lnStyleLst>
+      <a:effectStyleLst>
+        <a:effectStyle>
+          <a:effectLst/>
+        </a:effectStyle>
+        <a:effectStyle>
+          <a:effectLst/>
+        </a:effectStyle>
+        <a:effectStyle>
+          <a:effectLst>
+            <a:outerShdw blurRad="57150" dist="19050" dir="5400000" algn="ctr" rotWithShape="0">
+              <a:srgbClr val="000000">
+                <a:alpha val="63000"/>
+              </a:srgbClr>
+            </a:outerShdw>
+          </a:effectLst>
+        </a:effectStyle>
+      </a:effectStyleLst>
+      <a:bgFillStyleLst>
+        <a:solidFill>
+          <a:schemeClr val="phClr"/>
+        </a:solidFill>
+        <a:solidFill>
+          <a:schemeClr val="phClr">
+            <a:tint val="95000"/>
+            <a:satMod val="170000"/>
+          </a:schemeClr>
+        </a:solidFill>
+        <a:gradFill rotWithShape="1">
+          <a:gsLst>
+            <a:gs pos="0">
+              <a:schemeClr val="phClr">
+                <a:tint val="93000"/>
+                <a:satMod val="150000"/>
+                <a:shade val="98000"/>
+                <a:lumMod val="102000"/>
+              </a:schemeClr>
+            </a:gs>
+            <a:gs pos="50000">
+              <a:schemeClr val="phClr">
+                <a:tint val="98000"/>
+                <a:satMod val="130000"/>
+                <a:shade val="90000"/>
+                <a:lumMod val="103000"/>
+              </a:schemeClr>
+            </a:gs>
+            <a:gs pos="100000">
+              <a:schemeClr val="phClr">
+                <a:shade val="63000"/>
+                <a:satMod val="120000"/>
+              </a:schemeClr>
+            </a:gs>
+          </a:gsLst>
+          <a:lin ang="5400000" scaled="0"/>
+        </a:gradFill>
+      </a:bgFillStyleLst>
+    </a:fmtScheme>
+  </a:themeElements>
+  <a:objectDefaults/>
+  <a:extraClrSchemeLst/>
+  <a:extLst>
+    <a:ext uri="{05A4C25C-085E-4340-85A3-A5531E510DB2}">
+      <thm15:themeFamily xmlns:thm15="http://schemas.microsoft.com/office/thememl/2012/main" name="Office Theme" id="{62F939B6-93AF-4DB8-9C6B-D6C7DFDC589F}" vid="{4A3C46E8-61CC-4603-A589-7422A47A8E4A}"/>
+    </a:ext>
+  </a:extLst>
+</a:theme>
 </file>
--- a/output-presentation.pptx
+++ b/output-presentation.pptx
@@ -5,31 +5,33 @@
     <p:sldMasterId id="2147483761" r:id="rId1"/>
   </p:sldMasterIdLst>
   <p:notesMasterIdLst>
-    <p:notesMasterId r:id="rId24"/>
+    <p:notesMasterId r:id="rId26"/>
   </p:notesMasterIdLst>
   <p:sldIdLst>
     <p:sldId id="256" r:id="rId2"/>
     <p:sldId id="257" r:id="rId3"/>
     <p:sldId id="258" r:id="rId4"/>
     <p:sldId id="259" r:id="rId5"/>
-    <p:sldId id="260" r:id="rId6"/>
-    <p:sldId id="261" r:id="rId7"/>
-    <p:sldId id="262" r:id="rId8"/>
-    <p:sldId id="264" r:id="rId9"/>
-    <p:sldId id="265" r:id="rId10"/>
-    <p:sldId id="267" r:id="rId11"/>
-    <p:sldId id="268" r:id="rId12"/>
-    <p:sldId id="269" r:id="rId13"/>
-    <p:sldId id="271" r:id="rId14"/>
-    <p:sldId id="273" r:id="rId15"/>
-    <p:sldId id="274" r:id="rId16"/>
-    <p:sldId id="275" r:id="rId17"/>
-    <p:sldId id="276" r:id="rId18"/>
-    <p:sldId id="277" r:id="rId19"/>
-    <p:sldId id="278" r:id="rId20"/>
-    <p:sldId id="279" r:id="rId21"/>
-    <p:sldId id="280" r:id="rId22"/>
-    <p:sldId id="281" r:id="rId23"/>
+    <p:sldId id="282" r:id="rId6"/>
+    <p:sldId id="260" r:id="rId7"/>
+    <p:sldId id="261" r:id="rId8"/>
+    <p:sldId id="262" r:id="rId9"/>
+    <p:sldId id="283" r:id="rId10"/>
+    <p:sldId id="264" r:id="rId11"/>
+    <p:sldId id="265" r:id="rId12"/>
+    <p:sldId id="267" r:id="rId13"/>
+    <p:sldId id="268" r:id="rId14"/>
+    <p:sldId id="269" r:id="rId15"/>
+    <p:sldId id="271" r:id="rId16"/>
+    <p:sldId id="273" r:id="rId17"/>
+    <p:sldId id="274" r:id="rId18"/>
+    <p:sldId id="275" r:id="rId19"/>
+    <p:sldId id="276" r:id="rId20"/>
+    <p:sldId id="277" r:id="rId21"/>
+    <p:sldId id="278" r:id="rId22"/>
+    <p:sldId id="279" r:id="rId23"/>
+    <p:sldId id="280" r:id="rId24"/>
+    <p:sldId id="281" r:id="rId25"/>
   </p:sldIdLst>
   <p:sldSz cx="12192000" cy="6858000"/>
   <p:notesSz cx="6858000" cy="9144000"/>
@@ -218,7 +220,7 @@
           <a:p>
             <a:fld id="{B20F7C0A-6886-490A-B1E4-0E503B574F77}" type="datetimeFigureOut">
               <a:rPr lang="cs-CZ" smtClean="0"/>
-              <a:t>13.04.2023</a:t>
+              <a:t>24.04.2023</a:t>
             </a:fld>
             <a:endParaRPr lang="cs-CZ"/>
           </a:p>
@@ -643,7 +645,7 @@
     </p:spTree>
     <p:extLst>
       <p:ext uri="{BB962C8B-B14F-4D97-AF65-F5344CB8AC3E}">
-        <p14:creationId xmlns:p14="http://schemas.microsoft.com/office/powerpoint/2010/main" val="3367930030"/>
+        <p14:creationId xmlns:p14="http://schemas.microsoft.com/office/powerpoint/2010/main" val="3259443989"/>
       </p:ext>
     </p:extLst>
   </p:cSld>
@@ -727,7 +729,7 @@
     </p:spTree>
     <p:extLst>
       <p:ext uri="{BB962C8B-B14F-4D97-AF65-F5344CB8AC3E}">
-        <p14:creationId xmlns:p14="http://schemas.microsoft.com/office/powerpoint/2010/main" val="3128011289"/>
+        <p14:creationId xmlns:p14="http://schemas.microsoft.com/office/powerpoint/2010/main" val="1292418824"/>
       </p:ext>
     </p:extLst>
   </p:cSld>
@@ -811,7 +813,7 @@
     </p:spTree>
     <p:extLst>
       <p:ext uri="{BB962C8B-B14F-4D97-AF65-F5344CB8AC3E}">
-        <p14:creationId xmlns:p14="http://schemas.microsoft.com/office/powerpoint/2010/main" val="4158966156"/>
+        <p14:creationId xmlns:p14="http://schemas.microsoft.com/office/powerpoint/2010/main" val="3367930030"/>
       </p:ext>
     </p:extLst>
   </p:cSld>
@@ -895,7 +897,7 @@
     </p:spTree>
     <p:extLst>
       <p:ext uri="{BB962C8B-B14F-4D97-AF65-F5344CB8AC3E}">
-        <p14:creationId xmlns:p14="http://schemas.microsoft.com/office/powerpoint/2010/main" val="203438188"/>
+        <p14:creationId xmlns:p14="http://schemas.microsoft.com/office/powerpoint/2010/main" val="3128011289"/>
       </p:ext>
     </p:extLst>
   </p:cSld>
@@ -979,7 +981,7 @@
     </p:spTree>
     <p:extLst>
       <p:ext uri="{BB962C8B-B14F-4D97-AF65-F5344CB8AC3E}">
-        <p14:creationId xmlns:p14="http://schemas.microsoft.com/office/powerpoint/2010/main" val="316095354"/>
+        <p14:creationId xmlns:p14="http://schemas.microsoft.com/office/powerpoint/2010/main" val="4158966156"/>
       </p:ext>
     </p:extLst>
   </p:cSld>
@@ -1054,7 +1056,7 @@
           <a:p>
             <a:fld id="{888E3A86-DC57-4CCA-AA0B-A5DE7CB3B517}" type="slidenum">
               <a:rPr lang="cs-CZ" smtClean="0"/>
-              <a:t>20</a:t>
+              <a:t>19</a:t>
             </a:fld>
             <a:endParaRPr lang="cs-CZ"/>
           </a:p>
@@ -1063,7 +1065,7 @@
     </p:spTree>
     <p:extLst>
       <p:ext uri="{BB962C8B-B14F-4D97-AF65-F5344CB8AC3E}">
-        <p14:creationId xmlns:p14="http://schemas.microsoft.com/office/powerpoint/2010/main" val="3784792062"/>
+        <p14:creationId xmlns:p14="http://schemas.microsoft.com/office/powerpoint/2010/main" val="203438188"/>
       </p:ext>
     </p:extLst>
   </p:cSld>
@@ -1138,7 +1140,175 @@
           <a:p>
             <a:fld id="{888E3A86-DC57-4CCA-AA0B-A5DE7CB3B517}" type="slidenum">
               <a:rPr lang="cs-CZ" smtClean="0"/>
+              <a:t>20</a:t>
+            </a:fld>
+            <a:endParaRPr lang="cs-CZ"/>
+          </a:p>
+        </p:txBody>
+      </p:sp>
+    </p:spTree>
+    <p:extLst>
+      <p:ext uri="{BB962C8B-B14F-4D97-AF65-F5344CB8AC3E}">
+        <p14:creationId xmlns:p14="http://schemas.microsoft.com/office/powerpoint/2010/main" val="316095354"/>
+      </p:ext>
+    </p:extLst>
+  </p:cSld>
+  <p:clrMapOvr>
+    <a:masterClrMapping/>
+  </p:clrMapOvr>
+</p:notes>
+</file>
+
+<file path=ppt/notesSlides/notesSlide17.xml><?xml version="1.0" encoding="utf-8"?>
+<p:notes xmlns:a="http://schemas.openxmlformats.org/drawingml/2006/main" xmlns:r="http://schemas.openxmlformats.org/officeDocument/2006/relationships" xmlns:p="http://schemas.openxmlformats.org/presentationml/2006/main">
+  <p:cSld>
+    <p:spTree>
+      <p:nvGrpSpPr>
+        <p:cNvPr id="1" name=""/>
+        <p:cNvGrpSpPr/>
+        <p:nvPr/>
+      </p:nvGrpSpPr>
+      <p:grpSpPr>
+        <a:xfrm>
+          <a:off x="0" y="0"/>
+          <a:ext cx="0" cy="0"/>
+          <a:chOff x="0" y="0"/>
+          <a:chExt cx="0" cy="0"/>
+        </a:xfrm>
+      </p:grpSpPr>
+      <p:sp>
+        <p:nvSpPr>
+          <p:cNvPr id="2" name="Zástupný symbol pro obrázek snímku 1"/>
+          <p:cNvSpPr>
+            <a:spLocks noGrp="1" noRot="1" noChangeAspect="1"/>
+          </p:cNvSpPr>
+          <p:nvPr>
+            <p:ph type="sldImg"/>
+          </p:nvPr>
+        </p:nvSpPr>
+        <p:spPr/>
+      </p:sp>
+      <p:sp>
+        <p:nvSpPr>
+          <p:cNvPr id="3" name="Zástupný symbol pro poznámky 2"/>
+          <p:cNvSpPr>
+            <a:spLocks noGrp="1"/>
+          </p:cNvSpPr>
+          <p:nvPr>
+            <p:ph type="body" idx="1"/>
+          </p:nvPr>
+        </p:nvSpPr>
+        <p:spPr/>
+        <p:txBody>
+          <a:bodyPr/>
+          <a:lstStyle/>
+          <a:p>
+            <a:endParaRPr lang="cs-CZ" dirty="0"/>
+          </a:p>
+        </p:txBody>
+      </p:sp>
+      <p:sp>
+        <p:nvSpPr>
+          <p:cNvPr id="4" name="Zástupný symbol pro číslo snímku 3"/>
+          <p:cNvSpPr>
+            <a:spLocks noGrp="1"/>
+          </p:cNvSpPr>
+          <p:nvPr>
+            <p:ph type="sldNum" sz="quarter" idx="5"/>
+          </p:nvPr>
+        </p:nvSpPr>
+        <p:spPr/>
+        <p:txBody>
+          <a:bodyPr/>
+          <a:lstStyle/>
+          <a:p>
+            <a:fld id="{888E3A86-DC57-4CCA-AA0B-A5DE7CB3B517}" type="slidenum">
+              <a:rPr lang="cs-CZ" smtClean="0"/>
               <a:t>22</a:t>
+            </a:fld>
+            <a:endParaRPr lang="cs-CZ"/>
+          </a:p>
+        </p:txBody>
+      </p:sp>
+    </p:spTree>
+    <p:extLst>
+      <p:ext uri="{BB962C8B-B14F-4D97-AF65-F5344CB8AC3E}">
+        <p14:creationId xmlns:p14="http://schemas.microsoft.com/office/powerpoint/2010/main" val="3784792062"/>
+      </p:ext>
+    </p:extLst>
+  </p:cSld>
+  <p:clrMapOvr>
+    <a:masterClrMapping/>
+  </p:clrMapOvr>
+</p:notes>
+</file>
+
+<file path=ppt/notesSlides/notesSlide18.xml><?xml version="1.0" encoding="utf-8"?>
+<p:notes xmlns:a="http://schemas.openxmlformats.org/drawingml/2006/main" xmlns:r="http://schemas.openxmlformats.org/officeDocument/2006/relationships" xmlns:p="http://schemas.openxmlformats.org/presentationml/2006/main">
+  <p:cSld>
+    <p:spTree>
+      <p:nvGrpSpPr>
+        <p:cNvPr id="1" name=""/>
+        <p:cNvGrpSpPr/>
+        <p:nvPr/>
+      </p:nvGrpSpPr>
+      <p:grpSpPr>
+        <a:xfrm>
+          <a:off x="0" y="0"/>
+          <a:ext cx="0" cy="0"/>
+          <a:chOff x="0" y="0"/>
+          <a:chExt cx="0" cy="0"/>
+        </a:xfrm>
+      </p:grpSpPr>
+      <p:sp>
+        <p:nvSpPr>
+          <p:cNvPr id="2" name="Zástupný symbol pro obrázek snímku 1"/>
+          <p:cNvSpPr>
+            <a:spLocks noGrp="1" noRot="1" noChangeAspect="1"/>
+          </p:cNvSpPr>
+          <p:nvPr>
+            <p:ph type="sldImg"/>
+          </p:nvPr>
+        </p:nvSpPr>
+        <p:spPr/>
+      </p:sp>
+      <p:sp>
+        <p:nvSpPr>
+          <p:cNvPr id="3" name="Zástupný symbol pro poznámky 2"/>
+          <p:cNvSpPr>
+            <a:spLocks noGrp="1"/>
+          </p:cNvSpPr>
+          <p:nvPr>
+            <p:ph type="body" idx="1"/>
+          </p:nvPr>
+        </p:nvSpPr>
+        <p:spPr/>
+        <p:txBody>
+          <a:bodyPr/>
+          <a:lstStyle/>
+          <a:p>
+            <a:endParaRPr lang="cs-CZ" dirty="0"/>
+          </a:p>
+        </p:txBody>
+      </p:sp>
+      <p:sp>
+        <p:nvSpPr>
+          <p:cNvPr id="4" name="Zástupný symbol pro číslo snímku 3"/>
+          <p:cNvSpPr>
+            <a:spLocks noGrp="1"/>
+          </p:cNvSpPr>
+          <p:nvPr>
+            <p:ph type="sldNum" sz="quarter" idx="5"/>
+          </p:nvPr>
+        </p:nvSpPr>
+        <p:spPr/>
+        <p:txBody>
+          <a:bodyPr/>
+          <a:lstStyle/>
+          <a:p>
+            <a:fld id="{888E3A86-DC57-4CCA-AA0B-A5DE7CB3B517}" type="slidenum">
+              <a:rPr lang="cs-CZ" smtClean="0"/>
+              <a:t>24</a:t>
             </a:fld>
             <a:endParaRPr lang="cs-CZ"/>
           </a:p>
@@ -1231,7 +1401,7 @@
     </p:spTree>
     <p:extLst>
       <p:ext uri="{BB962C8B-B14F-4D97-AF65-F5344CB8AC3E}">
-        <p14:creationId xmlns:p14="http://schemas.microsoft.com/office/powerpoint/2010/main" val="763689810"/>
+        <p14:creationId xmlns:p14="http://schemas.microsoft.com/office/powerpoint/2010/main" val="3340902595"/>
       </p:ext>
     </p:extLst>
   </p:cSld>
@@ -1306,7 +1476,7 @@
           <a:p>
             <a:fld id="{888E3A86-DC57-4CCA-AA0B-A5DE7CB3B517}" type="slidenum">
               <a:rPr lang="cs-CZ" smtClean="0"/>
-              <a:t>7</a:t>
+              <a:t>6</a:t>
             </a:fld>
             <a:endParaRPr lang="cs-CZ"/>
           </a:p>
@@ -1315,7 +1485,7 @@
     </p:spTree>
     <p:extLst>
       <p:ext uri="{BB962C8B-B14F-4D97-AF65-F5344CB8AC3E}">
-        <p14:creationId xmlns:p14="http://schemas.microsoft.com/office/powerpoint/2010/main" val="1280053993"/>
+        <p14:creationId xmlns:p14="http://schemas.microsoft.com/office/powerpoint/2010/main" val="763689810"/>
       </p:ext>
     </p:extLst>
   </p:cSld>
@@ -1399,7 +1569,7 @@
     </p:spTree>
     <p:extLst>
       <p:ext uri="{BB962C8B-B14F-4D97-AF65-F5344CB8AC3E}">
-        <p14:creationId xmlns:p14="http://schemas.microsoft.com/office/powerpoint/2010/main" val="300219515"/>
+        <p14:creationId xmlns:p14="http://schemas.microsoft.com/office/powerpoint/2010/main" val="1280053993"/>
       </p:ext>
     </p:extLst>
   </p:cSld>
@@ -1483,7 +1653,7 @@
     </p:spTree>
     <p:extLst>
       <p:ext uri="{BB962C8B-B14F-4D97-AF65-F5344CB8AC3E}">
-        <p14:creationId xmlns:p14="http://schemas.microsoft.com/office/powerpoint/2010/main" val="3436311921"/>
+        <p14:creationId xmlns:p14="http://schemas.microsoft.com/office/powerpoint/2010/main" val="915990675"/>
       </p:ext>
     </p:extLst>
   </p:cSld>
@@ -1567,7 +1737,7 @@
     </p:spTree>
     <p:extLst>
       <p:ext uri="{BB962C8B-B14F-4D97-AF65-F5344CB8AC3E}">
-        <p14:creationId xmlns:p14="http://schemas.microsoft.com/office/powerpoint/2010/main" val="1092438624"/>
+        <p14:creationId xmlns:p14="http://schemas.microsoft.com/office/powerpoint/2010/main" val="300219515"/>
       </p:ext>
     </p:extLst>
   </p:cSld>
@@ -1651,7 +1821,7 @@
     </p:spTree>
     <p:extLst>
       <p:ext uri="{BB962C8B-B14F-4D97-AF65-F5344CB8AC3E}">
-        <p14:creationId xmlns:p14="http://schemas.microsoft.com/office/powerpoint/2010/main" val="1411167505"/>
+        <p14:creationId xmlns:p14="http://schemas.microsoft.com/office/powerpoint/2010/main" val="3436311921"/>
       </p:ext>
     </p:extLst>
   </p:cSld>
@@ -1735,7 +1905,7 @@
     </p:spTree>
     <p:extLst>
       <p:ext uri="{BB962C8B-B14F-4D97-AF65-F5344CB8AC3E}">
-        <p14:creationId xmlns:p14="http://schemas.microsoft.com/office/powerpoint/2010/main" val="3259443989"/>
+        <p14:creationId xmlns:p14="http://schemas.microsoft.com/office/powerpoint/2010/main" val="1092438624"/>
       </p:ext>
     </p:extLst>
   </p:cSld>
@@ -1819,7 +1989,7 @@
     </p:spTree>
     <p:extLst>
       <p:ext uri="{BB962C8B-B14F-4D97-AF65-F5344CB8AC3E}">
-        <p14:creationId xmlns:p14="http://schemas.microsoft.com/office/powerpoint/2010/main" val="1292418824"/>
+        <p14:creationId xmlns:p14="http://schemas.microsoft.com/office/powerpoint/2010/main" val="1411167505"/>
       </p:ext>
     </p:extLst>
   </p:cSld>
@@ -1924,7 +2094,7 @@
           <a:effectLst/>
           <a:extLst>
             <a:ext uri="{91240B29-F687-4f45-9708-019B960494DF}">
-              <a14:hiddenLine xmlns="" xmlns:a14="http://schemas.microsoft.com/office/drawing/2010/main" w="9525">
+              <a14:hiddenLine xmlns:a14="http://schemas.microsoft.com/office/drawing/2010/main" xmlns="" w="9525">
                 <a:solidFill>
                   <a:srgbClr val="000000"/>
                 </a:solidFill>
@@ -2116,7 +2286,7 @@
           <a:p>
             <a:fld id="{A11C64B6-CD6A-4A5E-B290-F2F16533C74E}" type="datetimeFigureOut">
               <a:rPr lang="cs-CZ" smtClean="0"/>
-              <a:t>13.04.2023</a:t>
+              <a:t>24.04.2023</a:t>
             </a:fld>
             <a:endParaRPr lang="cs-CZ"/>
           </a:p>
@@ -2174,13 +2344,13 @@
   <p:clrMapOvr>
     <a:masterClrMapping/>
   </p:clrMapOvr>
-  <mc:AlternateContent xmlns:mc="http://schemas.openxmlformats.org/markup-compatibility/2006">
-    <mc:Choice xmlns:p159="http://schemas.microsoft.com/office/powerpoint/2015/09/main" Requires="p159">
+  <mc:AlternateContent xmlns:mc="http://schemas.openxmlformats.org/markup-compatibility/2006" xmlns:p159="http://schemas.microsoft.com/office/powerpoint/2015/09/main">
+    <mc:Choice Requires="p159">
       <p:transition spd="slow">
         <p159:morph option="byObject"/>
       </p:transition>
     </mc:Choice>
-    <mc:Fallback>
+    <mc:Fallback xmlns="">
       <p:transition spd="slow">
         <p:fade/>
       </p:transition>
@@ -2446,7 +2616,7 @@
           <a:p>
             <a:fld id="{A11C64B6-CD6A-4A5E-B290-F2F16533C74E}" type="datetimeFigureOut">
               <a:rPr lang="cs-CZ" smtClean="0"/>
-              <a:t>13.04.2023</a:t>
+              <a:t>24.04.2023</a:t>
             </a:fld>
             <a:endParaRPr lang="cs-CZ"/>
           </a:p>
@@ -2504,13 +2674,13 @@
   <p:clrMapOvr>
     <a:masterClrMapping/>
   </p:clrMapOvr>
-  <mc:AlternateContent xmlns:mc="http://schemas.openxmlformats.org/markup-compatibility/2006">
-    <mc:Choice xmlns:p159="http://schemas.microsoft.com/office/powerpoint/2015/09/main" Requires="p159">
+  <mc:AlternateContent xmlns:mc="http://schemas.openxmlformats.org/markup-compatibility/2006" xmlns:p159="http://schemas.microsoft.com/office/powerpoint/2015/09/main">
+    <mc:Choice Requires="p159">
       <p:transition spd="slow">
         <p159:morph option="byObject"/>
       </p:transition>
     </mc:Choice>
-    <mc:Fallback>
+    <mc:Fallback xmlns="">
       <p:transition spd="slow">
         <p:fade/>
       </p:transition>
@@ -2946,7 +3116,7 @@
           <a:p>
             <a:fld id="{A11C64B6-CD6A-4A5E-B290-F2F16533C74E}" type="datetimeFigureOut">
               <a:rPr lang="cs-CZ" smtClean="0"/>
-              <a:t>13.04.2023</a:t>
+              <a:t>24.04.2023</a:t>
             </a:fld>
             <a:endParaRPr lang="cs-CZ"/>
           </a:p>
@@ -3004,13 +3174,13 @@
   <p:clrMapOvr>
     <a:masterClrMapping/>
   </p:clrMapOvr>
-  <mc:AlternateContent xmlns:mc="http://schemas.openxmlformats.org/markup-compatibility/2006">
-    <mc:Choice xmlns:p159="http://schemas.microsoft.com/office/powerpoint/2015/09/main" Requires="p159">
+  <mc:AlternateContent xmlns:mc="http://schemas.openxmlformats.org/markup-compatibility/2006" xmlns:p159="http://schemas.microsoft.com/office/powerpoint/2015/09/main">
+    <mc:Choice Requires="p159">
       <p:transition spd="slow">
         <p159:morph option="byObject"/>
       </p:transition>
     </mc:Choice>
-    <mc:Fallback>
+    <mc:Fallback xmlns="">
       <p:transition spd="slow">
         <p:fade/>
       </p:transition>
@@ -3327,7 +3497,7 @@
           <a:p>
             <a:fld id="{A11C64B6-CD6A-4A5E-B290-F2F16533C74E}" type="datetimeFigureOut">
               <a:rPr lang="cs-CZ" smtClean="0"/>
-              <a:t>13.04.2023</a:t>
+              <a:t>24.04.2023</a:t>
             </a:fld>
             <a:endParaRPr lang="cs-CZ"/>
           </a:p>
@@ -3385,13 +3555,13 @@
   <p:clrMapOvr>
     <a:masterClrMapping/>
   </p:clrMapOvr>
-  <mc:AlternateContent xmlns:mc="http://schemas.openxmlformats.org/markup-compatibility/2006">
-    <mc:Choice xmlns:p159="http://schemas.microsoft.com/office/powerpoint/2015/09/main" Requires="p159">
+  <mc:AlternateContent xmlns:mc="http://schemas.openxmlformats.org/markup-compatibility/2006" xmlns:p159="http://schemas.microsoft.com/office/powerpoint/2015/09/main">
+    <mc:Choice Requires="p159">
       <p:transition spd="slow">
         <p159:morph option="byObject"/>
       </p:transition>
     </mc:Choice>
-    <mc:Fallback>
+    <mc:Fallback xmlns="">
       <p:transition spd="slow">
         <p:fade/>
       </p:transition>
@@ -3494,7 +3664,7 @@
           <a:ln/>
           <a:extLst>
             <a:ext uri="{91240B29-F687-4f45-9708-019B960494DF}">
-              <a14:hiddenLine xmlns="" xmlns:a14="http://schemas.microsoft.com/office/drawing/2010/main" w="9525">
+              <a14:hiddenLine xmlns:a14="http://schemas.microsoft.com/office/drawing/2010/main" xmlns="" w="9525">
                 <a:solidFill>
                   <a:srgbClr val="000000"/>
                 </a:solidFill>
@@ -3612,7 +3782,7 @@
           <a:p>
             <a:fld id="{A11C64B6-CD6A-4A5E-B290-F2F16533C74E}" type="datetimeFigureOut">
               <a:rPr lang="cs-CZ" smtClean="0"/>
-              <a:t>13.04.2023</a:t>
+              <a:t>24.04.2023</a:t>
             </a:fld>
             <a:endParaRPr lang="cs-CZ"/>
           </a:p>
@@ -3670,13 +3840,13 @@
   <p:clrMapOvr>
     <a:masterClrMapping/>
   </p:clrMapOvr>
-  <mc:AlternateContent xmlns:mc="http://schemas.openxmlformats.org/markup-compatibility/2006">
-    <mc:Choice xmlns:p159="http://schemas.microsoft.com/office/powerpoint/2015/09/main" Requires="p159">
+  <mc:AlternateContent xmlns:mc="http://schemas.openxmlformats.org/markup-compatibility/2006" xmlns:p159="http://schemas.microsoft.com/office/powerpoint/2015/09/main">
+    <mc:Choice Requires="p159">
       <p:transition spd="slow">
         <p159:morph option="byObject"/>
       </p:transition>
     </mc:Choice>
-    <mc:Fallback>
+    <mc:Fallback xmlns="">
       <p:transition spd="slow">
         <p:fade/>
       </p:transition>
@@ -3781,7 +3951,7 @@
           <a:ln/>
           <a:extLst>
             <a:ext uri="{91240B29-F687-4f45-9708-019B960494DF}">
-              <a14:hiddenLine xmlns="" xmlns:a14="http://schemas.microsoft.com/office/drawing/2010/main" w="9525">
+              <a14:hiddenLine xmlns:a14="http://schemas.microsoft.com/office/drawing/2010/main" xmlns="" w="9525">
                 <a:solidFill>
                   <a:srgbClr val="000000"/>
                 </a:solidFill>
@@ -3909,7 +4079,7 @@
           <a:p>
             <a:fld id="{A11C64B6-CD6A-4A5E-B290-F2F16533C74E}" type="datetimeFigureOut">
               <a:rPr lang="cs-CZ" smtClean="0"/>
-              <a:t>13.04.2023</a:t>
+              <a:t>24.04.2023</a:t>
             </a:fld>
             <a:endParaRPr lang="cs-CZ"/>
           </a:p>
@@ -3967,13 +4137,13 @@
   <p:clrMapOvr>
     <a:masterClrMapping/>
   </p:clrMapOvr>
-  <mc:AlternateContent xmlns:mc="http://schemas.openxmlformats.org/markup-compatibility/2006">
-    <mc:Choice xmlns:p159="http://schemas.microsoft.com/office/powerpoint/2015/09/main" Requires="p159">
+  <mc:AlternateContent xmlns:mc="http://schemas.openxmlformats.org/markup-compatibility/2006" xmlns:p159="http://schemas.microsoft.com/office/powerpoint/2015/09/main">
+    <mc:Choice Requires="p159">
       <p:transition spd="slow">
         <p159:morph option="byObject"/>
       </p:transition>
     </mc:Choice>
-    <mc:Fallback>
+    <mc:Fallback xmlns="">
       <p:transition spd="slow">
         <p:fade/>
       </p:transition>
@@ -4076,7 +4246,7 @@
           <a:ln/>
           <a:extLst>
             <a:ext uri="{91240B29-F687-4f45-9708-019B960494DF}">
-              <a14:hiddenLine xmlns="" xmlns:a14="http://schemas.microsoft.com/office/drawing/2010/main" w="9525">
+              <a14:hiddenLine xmlns:a14="http://schemas.microsoft.com/office/drawing/2010/main" xmlns="" w="9525">
                 <a:solidFill>
                   <a:srgbClr val="000000"/>
                 </a:solidFill>
@@ -4204,7 +4374,7 @@
           <a:p>
             <a:fld id="{A11C64B6-CD6A-4A5E-B290-F2F16533C74E}" type="datetimeFigureOut">
               <a:rPr lang="cs-CZ" smtClean="0"/>
-              <a:t>13.04.2023</a:t>
+              <a:t>24.04.2023</a:t>
             </a:fld>
             <a:endParaRPr lang="cs-CZ"/>
           </a:p>
@@ -4262,13 +4432,13 @@
   <p:clrMapOvr>
     <a:masterClrMapping/>
   </p:clrMapOvr>
-  <mc:AlternateContent xmlns:mc="http://schemas.openxmlformats.org/markup-compatibility/2006">
-    <mc:Choice xmlns:p159="http://schemas.microsoft.com/office/powerpoint/2015/09/main" Requires="p159">
+  <mc:AlternateContent xmlns:mc="http://schemas.openxmlformats.org/markup-compatibility/2006" xmlns:p159="http://schemas.microsoft.com/office/powerpoint/2015/09/main">
+    <mc:Choice Requires="p159">
       <p:transition spd="slow">
         <p159:morph option="byObject"/>
       </p:transition>
     </mc:Choice>
-    <mc:Fallback>
+    <mc:Fallback xmlns="">
       <p:transition spd="slow">
         <p:fade/>
       </p:transition>
@@ -4559,7 +4729,7 @@
           <a:p>
             <a:fld id="{A11C64B6-CD6A-4A5E-B290-F2F16533C74E}" type="datetimeFigureOut">
               <a:rPr lang="cs-CZ" smtClean="0"/>
-              <a:t>13.04.2023</a:t>
+              <a:t>24.04.2023</a:t>
             </a:fld>
             <a:endParaRPr lang="cs-CZ"/>
           </a:p>
@@ -4617,13 +4787,13 @@
   <p:clrMapOvr>
     <a:masterClrMapping/>
   </p:clrMapOvr>
-  <mc:AlternateContent xmlns:mc="http://schemas.openxmlformats.org/markup-compatibility/2006">
-    <mc:Choice xmlns:p159="http://schemas.microsoft.com/office/powerpoint/2015/09/main" Requires="p159">
+  <mc:AlternateContent xmlns:mc="http://schemas.openxmlformats.org/markup-compatibility/2006" xmlns:p159="http://schemas.microsoft.com/office/powerpoint/2015/09/main">
+    <mc:Choice Requires="p159">
       <p:transition spd="slow">
         <p159:morph option="byObject"/>
       </p:transition>
     </mc:Choice>
-    <mc:Fallback>
+    <mc:Fallback xmlns="">
       <p:transition spd="slow">
         <p:fade/>
       </p:transition>
@@ -4726,7 +4896,7 @@
           <a:ln/>
           <a:extLst>
             <a:ext uri="{91240B29-F687-4f45-9708-019B960494DF}">
-              <a14:hiddenLine xmlns="" xmlns:a14="http://schemas.microsoft.com/office/drawing/2010/main" w="9525">
+              <a14:hiddenLine xmlns:a14="http://schemas.microsoft.com/office/drawing/2010/main" xmlns="" w="9525">
                 <a:solidFill>
                   <a:srgbClr val="000000"/>
                 </a:solidFill>
@@ -4910,7 +5080,7 @@
           <a:p>
             <a:fld id="{A11C64B6-CD6A-4A5E-B290-F2F16533C74E}" type="datetimeFigureOut">
               <a:rPr lang="cs-CZ" smtClean="0"/>
-              <a:t>13.04.2023</a:t>
+              <a:t>24.04.2023</a:t>
             </a:fld>
             <a:endParaRPr lang="cs-CZ"/>
           </a:p>
@@ -4968,13 +5138,13 @@
   <p:clrMapOvr>
     <a:masterClrMapping/>
   </p:clrMapOvr>
-  <mc:AlternateContent xmlns:mc="http://schemas.openxmlformats.org/markup-compatibility/2006">
-    <mc:Choice xmlns:p159="http://schemas.microsoft.com/office/powerpoint/2015/09/main" Requires="p159">
+  <mc:AlternateContent xmlns:mc="http://schemas.openxmlformats.org/markup-compatibility/2006" xmlns:p159="http://schemas.microsoft.com/office/powerpoint/2015/09/main">
+    <mc:Choice Requires="p159">
       <p:transition spd="slow">
         <p159:morph option="byObject"/>
       </p:transition>
     </mc:Choice>
-    <mc:Fallback>
+    <mc:Fallback xmlns="">
       <p:transition spd="slow">
         <p:fade/>
       </p:transition>
@@ -5077,7 +5247,7 @@
           <a:ln/>
           <a:extLst>
             <a:ext uri="{91240B29-F687-4f45-9708-019B960494DF}">
-              <a14:hiddenLine xmlns="" xmlns:a14="http://schemas.microsoft.com/office/drawing/2010/main" w="9525">
+              <a14:hiddenLine xmlns:a14="http://schemas.microsoft.com/office/drawing/2010/main" xmlns="" w="9525">
                 <a:solidFill>
                   <a:srgbClr val="000000"/>
                 </a:solidFill>
@@ -5399,7 +5569,7 @@
           <a:p>
             <a:fld id="{A11C64B6-CD6A-4A5E-B290-F2F16533C74E}" type="datetimeFigureOut">
               <a:rPr lang="cs-CZ" smtClean="0"/>
-              <a:t>13.04.2023</a:t>
+              <a:t>24.04.2023</a:t>
             </a:fld>
             <a:endParaRPr lang="cs-CZ"/>
           </a:p>
@@ -5457,13 +5627,13 @@
   <p:clrMapOvr>
     <a:masterClrMapping/>
   </p:clrMapOvr>
-  <mc:AlternateContent xmlns:mc="http://schemas.openxmlformats.org/markup-compatibility/2006">
-    <mc:Choice xmlns:p159="http://schemas.microsoft.com/office/powerpoint/2015/09/main" Requires="p159">
+  <mc:AlternateContent xmlns:mc="http://schemas.openxmlformats.org/markup-compatibility/2006" xmlns:p159="http://schemas.microsoft.com/office/powerpoint/2015/09/main">
+    <mc:Choice Requires="p159">
       <p:transition spd="slow">
         <p159:morph option="byObject"/>
       </p:transition>
     </mc:Choice>
-    <mc:Fallback>
+    <mc:Fallback xmlns="">
       <p:transition spd="slow">
         <p:fade/>
       </p:transition>
@@ -5566,7 +5736,7 @@
           <a:ln/>
           <a:extLst>
             <a:ext uri="{91240B29-F687-4f45-9708-019B960494DF}">
-              <a14:hiddenLine xmlns="" xmlns:a14="http://schemas.microsoft.com/office/drawing/2010/main" w="9525">
+              <a14:hiddenLine xmlns:a14="http://schemas.microsoft.com/office/drawing/2010/main" xmlns="" w="9525">
                 <a:solidFill>
                   <a:srgbClr val="000000"/>
                 </a:solidFill>
@@ -5632,7 +5802,7 @@
           <a:p>
             <a:fld id="{A11C64B6-CD6A-4A5E-B290-F2F16533C74E}" type="datetimeFigureOut">
               <a:rPr lang="cs-CZ" smtClean="0"/>
-              <a:t>13.04.2023</a:t>
+              <a:t>24.04.2023</a:t>
             </a:fld>
             <a:endParaRPr lang="cs-CZ"/>
           </a:p>
@@ -5690,13 +5860,13 @@
   <p:clrMapOvr>
     <a:masterClrMapping/>
   </p:clrMapOvr>
-  <mc:AlternateContent xmlns:mc="http://schemas.openxmlformats.org/markup-compatibility/2006">
-    <mc:Choice xmlns:p159="http://schemas.microsoft.com/office/powerpoint/2015/09/main" Requires="p159">
+  <mc:AlternateContent xmlns:mc="http://schemas.openxmlformats.org/markup-compatibility/2006" xmlns:p159="http://schemas.microsoft.com/office/powerpoint/2015/09/main">
+    <mc:Choice Requires="p159">
       <p:transition spd="slow">
         <p159:morph option="byObject"/>
       </p:transition>
     </mc:Choice>
-    <mc:Fallback>
+    <mc:Fallback xmlns="">
       <p:transition spd="slow">
         <p:fade/>
       </p:transition>
@@ -5739,7 +5909,7 @@
           <a:p>
             <a:fld id="{A11C64B6-CD6A-4A5E-B290-F2F16533C74E}" type="datetimeFigureOut">
               <a:rPr lang="cs-CZ" smtClean="0"/>
-              <a:t>13.04.2023</a:t>
+              <a:t>24.04.2023</a:t>
             </a:fld>
             <a:endParaRPr lang="cs-CZ"/>
           </a:p>
@@ -5797,13 +5967,13 @@
   <p:clrMapOvr>
     <a:masterClrMapping/>
   </p:clrMapOvr>
-  <mc:AlternateContent xmlns:mc="http://schemas.openxmlformats.org/markup-compatibility/2006">
-    <mc:Choice xmlns:p159="http://schemas.microsoft.com/office/powerpoint/2015/09/main" Requires="p159">
+  <mc:AlternateContent xmlns:mc="http://schemas.openxmlformats.org/markup-compatibility/2006" xmlns:p159="http://schemas.microsoft.com/office/powerpoint/2015/09/main">
+    <mc:Choice Requires="p159">
       <p:transition spd="slow">
         <p159:morph option="byObject"/>
       </p:transition>
     </mc:Choice>
-    <mc:Fallback>
+    <mc:Fallback xmlns="">
       <p:transition spd="slow">
         <p:fade/>
       </p:transition>
@@ -6019,7 +6189,7 @@
           <a:ln/>
           <a:extLst>
             <a:ext uri="{91240B29-F687-4f45-9708-019B960494DF}">
-              <a14:hiddenLine xmlns="" xmlns:a14="http://schemas.microsoft.com/office/drawing/2010/main" w="9525">
+              <a14:hiddenLine xmlns:a14="http://schemas.microsoft.com/office/drawing/2010/main" xmlns="" w="9525">
                 <a:solidFill>
                   <a:srgbClr val="000000"/>
                 </a:solidFill>
@@ -6218,7 +6388,7 @@
           <a:p>
             <a:fld id="{A11C64B6-CD6A-4A5E-B290-F2F16533C74E}" type="datetimeFigureOut">
               <a:rPr lang="cs-CZ" smtClean="0"/>
-              <a:t>13.04.2023</a:t>
+              <a:t>24.04.2023</a:t>
             </a:fld>
             <a:endParaRPr lang="cs-CZ"/>
           </a:p>
@@ -6276,13 +6446,13 @@
   <p:clrMapOvr>
     <a:masterClrMapping/>
   </p:clrMapOvr>
-  <mc:AlternateContent xmlns:mc="http://schemas.openxmlformats.org/markup-compatibility/2006">
-    <mc:Choice xmlns:p159="http://schemas.microsoft.com/office/powerpoint/2015/09/main" Requires="p159">
+  <mc:AlternateContent xmlns:mc="http://schemas.openxmlformats.org/markup-compatibility/2006" xmlns:p159="http://schemas.microsoft.com/office/powerpoint/2015/09/main">
+    <mc:Choice Requires="p159">
       <p:transition spd="slow">
         <p159:morph option="byObject"/>
       </p:transition>
     </mc:Choice>
-    <mc:Fallback>
+    <mc:Fallback xmlns="">
       <p:transition spd="slow">
         <p:fade/>
       </p:transition>
@@ -6543,7 +6713,7 @@
           <a:p>
             <a:fld id="{A11C64B6-CD6A-4A5E-B290-F2F16533C74E}" type="datetimeFigureOut">
               <a:rPr lang="cs-CZ" smtClean="0"/>
-              <a:t>13.04.2023</a:t>
+              <a:t>24.04.2023</a:t>
             </a:fld>
             <a:endParaRPr lang="cs-CZ"/>
           </a:p>
@@ -6611,13 +6781,13 @@
   <p:clrMapOvr>
     <a:masterClrMapping/>
   </p:clrMapOvr>
-  <mc:AlternateContent xmlns:mc="http://schemas.openxmlformats.org/markup-compatibility/2006">
-    <mc:Choice xmlns:p159="http://schemas.microsoft.com/office/powerpoint/2015/09/main" Requires="p159">
+  <mc:AlternateContent xmlns:mc="http://schemas.openxmlformats.org/markup-compatibility/2006" xmlns:p159="http://schemas.microsoft.com/office/powerpoint/2015/09/main">
+    <mc:Choice Requires="p159">
       <p:transition spd="slow">
         <p159:morph option="byObject"/>
       </p:transition>
     </mc:Choice>
-    <mc:Fallback>
+    <mc:Fallback xmlns="">
       <p:transition spd="slow">
         <p:fade/>
       </p:transition>
@@ -6825,7 +6995,7 @@
           <a:p>
             <a:fld id="{A11C64B6-CD6A-4A5E-B290-F2F16533C74E}" type="datetimeFigureOut">
               <a:rPr lang="cs-CZ" smtClean="0"/>
-              <a:t>13.04.2023</a:t>
+              <a:t>24.04.2023</a:t>
             </a:fld>
             <a:endParaRPr lang="cs-CZ"/>
           </a:p>
@@ -6894,13 +7064,13 @@
     <p:sldLayoutId id="2147483774" r:id="rId13"/>
     <p:sldLayoutId id="2147483775" r:id="rId14"/>
   </p:sldLayoutIdLst>
-  <mc:AlternateContent xmlns:mc="http://schemas.openxmlformats.org/markup-compatibility/2006">
-    <mc:Choice xmlns:p159="http://schemas.microsoft.com/office/powerpoint/2015/09/main" Requires="p159">
+  <mc:AlternateContent xmlns:mc="http://schemas.openxmlformats.org/markup-compatibility/2006" xmlns:p159="http://schemas.microsoft.com/office/powerpoint/2015/09/main">
+    <mc:Choice Requires="p159">
       <p:transition spd="slow">
         <p159:morph option="byObject"/>
       </p:transition>
     </mc:Choice>
-    <mc:Fallback>
+    <mc:Fallback xmlns="">
       <p:transition spd="slow">
         <p:fade/>
       </p:transition>
@@ -7372,13 +7542,13 @@
   <p:clrMapOvr>
     <a:masterClrMapping/>
   </p:clrMapOvr>
-  <mc:AlternateContent xmlns:mc="http://schemas.openxmlformats.org/markup-compatibility/2006">
-    <mc:Choice xmlns:p159="http://schemas.microsoft.com/office/powerpoint/2015/09/main" Requires="p159">
+  <mc:AlternateContent xmlns:mc="http://schemas.openxmlformats.org/markup-compatibility/2006" xmlns:p159="http://schemas.microsoft.com/office/powerpoint/2015/09/main">
+    <mc:Choice Requires="p159">
       <p:transition spd="slow">
         <p159:morph option="byObject"/>
       </p:transition>
     </mc:Choice>
-    <mc:Fallback>
+    <mc:Fallback xmlns="">
       <p:transition spd="slow">
         <p:fade/>
       </p:transition>
@@ -7388,6 +7558,304 @@
 </file>
 
 <file path=ppt/slides/slide10.xml><?xml version="1.0" encoding="utf-8"?>
+<p:sld xmlns:a="http://schemas.openxmlformats.org/drawingml/2006/main" xmlns:r="http://schemas.openxmlformats.org/officeDocument/2006/relationships" xmlns:p="http://schemas.openxmlformats.org/presentationml/2006/main">
+  <p:cSld>
+    <p:spTree>
+      <p:nvGrpSpPr>
+        <p:cNvPr id="1" name=""/>
+        <p:cNvGrpSpPr/>
+        <p:nvPr/>
+      </p:nvGrpSpPr>
+      <p:grpSpPr>
+        <a:xfrm>
+          <a:off x="0" y="0"/>
+          <a:ext cx="0" cy="0"/>
+          <a:chOff x="0" y="0"/>
+          <a:chExt cx="0" cy="0"/>
+        </a:xfrm>
+      </p:grpSpPr>
+      <p:sp>
+        <p:nvSpPr>
+          <p:cNvPr id="2" name="Nadpis 1">
+            <a:extLst>
+              <a:ext uri="{FF2B5EF4-FFF2-40B4-BE49-F238E27FC236}">
+                <a16:creationId xmlns:a16="http://schemas.microsoft.com/office/drawing/2014/main" id="{69750CBC-247B-C052-407A-51083D43B0D2}"/>
+              </a:ext>
+            </a:extLst>
+          </p:cNvPr>
+          <p:cNvSpPr>
+            <a:spLocks noGrp="1"/>
+          </p:cNvSpPr>
+          <p:nvPr>
+            <p:ph type="title"/>
+          </p:nvPr>
+        </p:nvSpPr>
+        <p:spPr>
+          <a:xfrm>
+            <a:off x="810000" y="447188"/>
+            <a:ext cx="10571998" cy="970450"/>
+          </a:xfrm>
+        </p:spPr>
+        <p:txBody>
+          <a:bodyPr>
+            <a:normAutofit/>
+          </a:bodyPr>
+          <a:lstStyle/>
+          <a:p>
+            <a:r>
+              <a:rPr lang="cs-CZ" dirty="0"/>
+              <a:t>Jarníkův algoritmus</a:t>
+            </a:r>
+          </a:p>
+        </p:txBody>
+      </p:sp>
+      <p:sp>
+        <p:nvSpPr>
+          <p:cNvPr id="10" name="Zástupný obsah 9">
+            <a:extLst>
+              <a:ext uri="{FF2B5EF4-FFF2-40B4-BE49-F238E27FC236}">
+                <a16:creationId xmlns:a16="http://schemas.microsoft.com/office/drawing/2014/main" id="{4F42F304-CE65-6256-62C6-A22658DF79D3}"/>
+              </a:ext>
+            </a:extLst>
+          </p:cNvPr>
+          <p:cNvSpPr>
+            <a:spLocks noGrp="1"/>
+          </p:cNvSpPr>
+          <p:nvPr>
+            <p:ph idx="1"/>
+          </p:nvPr>
+        </p:nvSpPr>
+        <p:spPr/>
+        <p:txBody>
+          <a:bodyPr/>
+          <a:lstStyle/>
+          <a:p>
+            <a:endParaRPr lang="cs-CZ"/>
+          </a:p>
+        </p:txBody>
+      </p:sp>
+      <p:pic>
+        <p:nvPicPr>
+          <p:cNvPr id="5122" name="Picture 2" descr="Example of a graph">
+            <a:extLst>
+              <a:ext uri="{FF2B5EF4-FFF2-40B4-BE49-F238E27FC236}">
+                <a16:creationId xmlns:a16="http://schemas.microsoft.com/office/drawing/2014/main" id="{B0F4900D-47F1-3E76-C310-91D9309D620D}"/>
+              </a:ext>
+            </a:extLst>
+          </p:cNvPr>
+          <p:cNvPicPr>
+            <a:picLocks noChangeAspect="1" noChangeArrowheads="1"/>
+          </p:cNvPicPr>
+          <p:nvPr/>
+        </p:nvPicPr>
+        <p:blipFill>
+          <a:blip r:embed="rId3">
+            <a:extLst>
+              <a:ext uri="{28A0092B-C50C-407E-A947-70E740481C1C}">
+                <a14:useLocalDpi xmlns:a14="http://schemas.microsoft.com/office/drawing/2010/main" val="0"/>
+              </a:ext>
+            </a:extLst>
+          </a:blip>
+          <a:srcRect/>
+          <a:stretch>
+            <a:fillRect/>
+          </a:stretch>
+        </p:blipFill>
+        <p:spPr bwMode="auto">
+          <a:xfrm>
+            <a:off x="2100057" y="2222287"/>
+            <a:ext cx="7991885" cy="4635713"/>
+          </a:xfrm>
+          <a:prstGeom prst="rect">
+            <a:avLst/>
+          </a:prstGeom>
+          <a:noFill/>
+          <a:extLst>
+            <a:ext uri="{909E8E84-426E-40DD-AFC4-6F175D3DCCD1}">
+              <a14:hiddenFill xmlns:a14="http://schemas.microsoft.com/office/drawing/2010/main">
+                <a:solidFill>
+                  <a:srgbClr val="FFFFFF"/>
+                </a:solidFill>
+              </a14:hiddenFill>
+            </a:ext>
+          </a:extLst>
+        </p:spPr>
+      </p:pic>
+    </p:spTree>
+    <p:extLst>
+      <p:ext uri="{BB962C8B-B14F-4D97-AF65-F5344CB8AC3E}">
+        <p14:creationId xmlns:p14="http://schemas.microsoft.com/office/powerpoint/2010/main" val="3559235156"/>
+      </p:ext>
+    </p:extLst>
+  </p:cSld>
+  <p:clrMapOvr>
+    <a:masterClrMapping/>
+  </p:clrMapOvr>
+  <mc:AlternateContent xmlns:mc="http://schemas.openxmlformats.org/markup-compatibility/2006" xmlns:p159="http://schemas.microsoft.com/office/powerpoint/2015/09/main">
+    <mc:Choice Requires="p159">
+      <p:transition spd="slow">
+        <p159:morph option="byObject"/>
+      </p:transition>
+    </mc:Choice>
+    <mc:Fallback xmlns="">
+      <p:transition spd="slow">
+        <p:fade/>
+      </p:transition>
+    </mc:Fallback>
+  </mc:AlternateContent>
+</p:sld>
+</file>
+
+<file path=ppt/slides/slide11.xml><?xml version="1.0" encoding="utf-8"?>
+<p:sld xmlns:a="http://schemas.openxmlformats.org/drawingml/2006/main" xmlns:r="http://schemas.openxmlformats.org/officeDocument/2006/relationships" xmlns:p="http://schemas.openxmlformats.org/presentationml/2006/main">
+  <p:cSld>
+    <p:spTree>
+      <p:nvGrpSpPr>
+        <p:cNvPr id="1" name=""/>
+        <p:cNvGrpSpPr/>
+        <p:nvPr/>
+      </p:nvGrpSpPr>
+      <p:grpSpPr>
+        <a:xfrm>
+          <a:off x="0" y="0"/>
+          <a:ext cx="0" cy="0"/>
+          <a:chOff x="0" y="0"/>
+          <a:chExt cx="0" cy="0"/>
+        </a:xfrm>
+      </p:grpSpPr>
+      <p:sp>
+        <p:nvSpPr>
+          <p:cNvPr id="2" name="Nadpis 1">
+            <a:extLst>
+              <a:ext uri="{FF2B5EF4-FFF2-40B4-BE49-F238E27FC236}">
+                <a16:creationId xmlns:a16="http://schemas.microsoft.com/office/drawing/2014/main" id="{69750CBC-247B-C052-407A-51083D43B0D2}"/>
+              </a:ext>
+            </a:extLst>
+          </p:cNvPr>
+          <p:cNvSpPr>
+            <a:spLocks noGrp="1"/>
+          </p:cNvSpPr>
+          <p:nvPr>
+            <p:ph type="title"/>
+          </p:nvPr>
+        </p:nvSpPr>
+        <p:spPr>
+          <a:xfrm>
+            <a:off x="810000" y="447188"/>
+            <a:ext cx="10571998" cy="970450"/>
+          </a:xfrm>
+        </p:spPr>
+        <p:txBody>
+          <a:bodyPr>
+            <a:normAutofit/>
+          </a:bodyPr>
+          <a:lstStyle/>
+          <a:p>
+            <a:r>
+              <a:rPr lang="cs-CZ" dirty="0"/>
+              <a:t>Jarníkův algoritmus</a:t>
+            </a:r>
+          </a:p>
+        </p:txBody>
+      </p:sp>
+      <p:sp>
+        <p:nvSpPr>
+          <p:cNvPr id="10" name="Zástupný obsah 9">
+            <a:extLst>
+              <a:ext uri="{FF2B5EF4-FFF2-40B4-BE49-F238E27FC236}">
+                <a16:creationId xmlns:a16="http://schemas.microsoft.com/office/drawing/2014/main" id="{4F42F304-CE65-6256-62C6-A22658DF79D3}"/>
+              </a:ext>
+            </a:extLst>
+          </p:cNvPr>
+          <p:cNvSpPr>
+            <a:spLocks noGrp="1"/>
+          </p:cNvSpPr>
+          <p:nvPr>
+            <p:ph idx="1"/>
+          </p:nvPr>
+        </p:nvSpPr>
+        <p:spPr/>
+        <p:txBody>
+          <a:bodyPr/>
+          <a:lstStyle/>
+          <a:p>
+            <a:endParaRPr lang="cs-CZ"/>
+          </a:p>
+        </p:txBody>
+      </p:sp>
+      <p:pic>
+        <p:nvPicPr>
+          <p:cNvPr id="6146" name="Picture 2" descr="0 is selected as starting vertex">
+            <a:extLst>
+              <a:ext uri="{FF2B5EF4-FFF2-40B4-BE49-F238E27FC236}">
+                <a16:creationId xmlns:a16="http://schemas.microsoft.com/office/drawing/2014/main" id="{6A33E9A0-0FA5-8C8C-B0C5-3AD7AAB23BAE}"/>
+              </a:ext>
+            </a:extLst>
+          </p:cNvPr>
+          <p:cNvPicPr>
+            <a:picLocks noChangeAspect="1" noChangeArrowheads="1"/>
+          </p:cNvPicPr>
+          <p:nvPr/>
+        </p:nvPicPr>
+        <p:blipFill>
+          <a:blip r:embed="rId3">
+            <a:extLst>
+              <a:ext uri="{28A0092B-C50C-407E-A947-70E740481C1C}">
+                <a14:useLocalDpi xmlns:a14="http://schemas.microsoft.com/office/drawing/2010/main" val="0"/>
+              </a:ext>
+            </a:extLst>
+          </a:blip>
+          <a:srcRect/>
+          <a:stretch>
+            <a:fillRect/>
+          </a:stretch>
+        </p:blipFill>
+        <p:spPr bwMode="auto">
+          <a:xfrm>
+            <a:off x="2095013" y="2222287"/>
+            <a:ext cx="8001973" cy="4641564"/>
+          </a:xfrm>
+          <a:prstGeom prst="rect">
+            <a:avLst/>
+          </a:prstGeom>
+          <a:noFill/>
+          <a:extLst>
+            <a:ext uri="{909E8E84-426E-40DD-AFC4-6F175D3DCCD1}">
+              <a14:hiddenFill xmlns:a14="http://schemas.microsoft.com/office/drawing/2010/main">
+                <a:solidFill>
+                  <a:srgbClr val="FFFFFF"/>
+                </a:solidFill>
+              </a14:hiddenFill>
+            </a:ext>
+          </a:extLst>
+        </p:spPr>
+      </p:pic>
+    </p:spTree>
+    <p:extLst>
+      <p:ext uri="{BB962C8B-B14F-4D97-AF65-F5344CB8AC3E}">
+        <p14:creationId xmlns:p14="http://schemas.microsoft.com/office/powerpoint/2010/main" val="2752603806"/>
+      </p:ext>
+    </p:extLst>
+  </p:cSld>
+  <p:clrMapOvr>
+    <a:masterClrMapping/>
+  </p:clrMapOvr>
+  <mc:AlternateContent xmlns:mc="http://schemas.openxmlformats.org/markup-compatibility/2006" xmlns:p159="http://schemas.microsoft.com/office/powerpoint/2015/09/main">
+    <mc:Choice Requires="p159">
+      <p:transition spd="slow">
+        <p159:morph option="byObject"/>
+      </p:transition>
+    </mc:Choice>
+    <mc:Fallback xmlns="">
+      <p:transition spd="slow">
+        <p:fade/>
+      </p:transition>
+    </mc:Fallback>
+  </mc:AlternateContent>
+</p:sld>
+</file>
+
+<file path=ppt/slides/slide12.xml><?xml version="1.0" encoding="utf-8"?>
 <p:sld xmlns:a="http://schemas.openxmlformats.org/drawingml/2006/main" xmlns:r="http://schemas.openxmlformats.org/officeDocument/2006/relationships" xmlns:p="http://schemas.openxmlformats.org/presentationml/2006/main">
   <p:cSld>
     <p:spTree>
@@ -7521,13 +7989,13 @@
   <p:clrMapOvr>
     <a:masterClrMapping/>
   </p:clrMapOvr>
-  <mc:AlternateContent xmlns:mc="http://schemas.openxmlformats.org/markup-compatibility/2006">
-    <mc:Choice xmlns:p159="http://schemas.microsoft.com/office/powerpoint/2015/09/main" Requires="p159">
+  <mc:AlternateContent xmlns:mc="http://schemas.openxmlformats.org/markup-compatibility/2006" xmlns:p159="http://schemas.microsoft.com/office/powerpoint/2015/09/main">
+    <mc:Choice Requires="p159">
       <p:transition spd="slow">
         <p159:morph option="byObject"/>
       </p:transition>
     </mc:Choice>
-    <mc:Fallback>
+    <mc:Fallback xmlns="">
       <p:transition spd="slow">
         <p:fade/>
       </p:transition>
@@ -7536,7 +8004,7 @@
 </p:sld>
 </file>
 
-<file path=ppt/slides/slide11.xml><?xml version="1.0" encoding="utf-8"?>
+<file path=ppt/slides/slide13.xml><?xml version="1.0" encoding="utf-8"?>
 <p:sld xmlns:a="http://schemas.openxmlformats.org/drawingml/2006/main" xmlns:r="http://schemas.openxmlformats.org/officeDocument/2006/relationships" xmlns:p="http://schemas.openxmlformats.org/presentationml/2006/main">
   <p:cSld>
     <p:spTree>
@@ -7670,13 +8138,13 @@
   <p:clrMapOvr>
     <a:masterClrMapping/>
   </p:clrMapOvr>
-  <mc:AlternateContent xmlns:mc="http://schemas.openxmlformats.org/markup-compatibility/2006">
-    <mc:Choice xmlns:p159="http://schemas.microsoft.com/office/powerpoint/2015/09/main" Requires="p159">
+  <mc:AlternateContent xmlns:mc="http://schemas.openxmlformats.org/markup-compatibility/2006" xmlns:p159="http://schemas.microsoft.com/office/powerpoint/2015/09/main">
+    <mc:Choice Requires="p159">
       <p:transition spd="slow">
         <p159:morph option="byObject"/>
       </p:transition>
     </mc:Choice>
-    <mc:Fallback>
+    <mc:Fallback xmlns="">
       <p:transition spd="slow">
         <p:fade/>
       </p:transition>
@@ -7685,7 +8153,7 @@
 </p:sld>
 </file>
 
-<file path=ppt/slides/slide12.xml><?xml version="1.0" encoding="utf-8"?>
+<file path=ppt/slides/slide14.xml><?xml version="1.0" encoding="utf-8"?>
 <p:sld xmlns:a="http://schemas.openxmlformats.org/drawingml/2006/main" xmlns:r="http://schemas.openxmlformats.org/officeDocument/2006/relationships" xmlns:p="http://schemas.openxmlformats.org/presentationml/2006/main">
   <p:cSld>
     <p:spTree>
@@ -7819,13 +8287,13 @@
   <p:clrMapOvr>
     <a:masterClrMapping/>
   </p:clrMapOvr>
-  <mc:AlternateContent xmlns:mc="http://schemas.openxmlformats.org/markup-compatibility/2006">
-    <mc:Choice xmlns:p159="http://schemas.microsoft.com/office/powerpoint/2015/09/main" Requires="p159">
+  <mc:AlternateContent xmlns:mc="http://schemas.openxmlformats.org/markup-compatibility/2006" xmlns:p159="http://schemas.microsoft.com/office/powerpoint/2015/09/main">
+    <mc:Choice Requires="p159">
       <p:transition spd="slow">
         <p159:morph option="byObject"/>
       </p:transition>
     </mc:Choice>
-    <mc:Fallback>
+    <mc:Fallback xmlns="">
       <p:transition spd="slow">
         <p:fade/>
       </p:transition>
@@ -7834,7 +8302,7 @@
 </p:sld>
 </file>
 
-<file path=ppt/slides/slide13.xml><?xml version="1.0" encoding="utf-8"?>
+<file path=ppt/slides/slide15.xml><?xml version="1.0" encoding="utf-8"?>
 <p:sld xmlns:a="http://schemas.openxmlformats.org/drawingml/2006/main" xmlns:r="http://schemas.openxmlformats.org/officeDocument/2006/relationships" xmlns:p="http://schemas.openxmlformats.org/presentationml/2006/main">
   <p:cSld>
     <p:spTree>
@@ -7968,13 +8436,13 @@
   <p:clrMapOvr>
     <a:masterClrMapping/>
   </p:clrMapOvr>
-  <mc:AlternateContent xmlns:mc="http://schemas.openxmlformats.org/markup-compatibility/2006">
-    <mc:Choice xmlns:p159="http://schemas.microsoft.com/office/powerpoint/2015/09/main" Requires="p159">
+  <mc:AlternateContent xmlns:mc="http://schemas.openxmlformats.org/markup-compatibility/2006" xmlns:p159="http://schemas.microsoft.com/office/powerpoint/2015/09/main">
+    <mc:Choice Requires="p159">
       <p:transition spd="slow">
         <p159:morph option="byObject"/>
       </p:transition>
     </mc:Choice>
-    <mc:Fallback>
+    <mc:Fallback xmlns="">
       <p:transition spd="slow">
         <p:fade/>
       </p:transition>
@@ -7983,7 +8451,7 @@
 </p:sld>
 </file>
 
-<file path=ppt/slides/slide14.xml><?xml version="1.0" encoding="utf-8"?>
+<file path=ppt/slides/slide16.xml><?xml version="1.0" encoding="utf-8"?>
 <p:sld xmlns:a="http://schemas.openxmlformats.org/drawingml/2006/main" xmlns:r="http://schemas.openxmlformats.org/officeDocument/2006/relationships" xmlns:p="http://schemas.openxmlformats.org/presentationml/2006/main">
   <p:cSld>
     <p:spTree>
@@ -8117,13 +8585,13 @@
   <p:clrMapOvr>
     <a:masterClrMapping/>
   </p:clrMapOvr>
-  <mc:AlternateContent xmlns:mc="http://schemas.openxmlformats.org/markup-compatibility/2006">
-    <mc:Choice xmlns:p159="http://schemas.microsoft.com/office/powerpoint/2015/09/main" Requires="p159">
+  <mc:AlternateContent xmlns:mc="http://schemas.openxmlformats.org/markup-compatibility/2006" xmlns:p159="http://schemas.microsoft.com/office/powerpoint/2015/09/main">
+    <mc:Choice Requires="p159">
       <p:transition spd="slow">
         <p159:morph option="byObject"/>
       </p:transition>
     </mc:Choice>
-    <mc:Fallback>
+    <mc:Fallback xmlns="">
       <p:transition spd="slow">
         <p:fade/>
       </p:transition>
@@ -8132,7 +8600,7 @@
 </p:sld>
 </file>
 
-<file path=ppt/slides/slide15.xml><?xml version="1.0" encoding="utf-8"?>
+<file path=ppt/slides/slide17.xml><?xml version="1.0" encoding="utf-8"?>
 <p:sld xmlns:a="http://schemas.openxmlformats.org/drawingml/2006/main" xmlns:r="http://schemas.openxmlformats.org/officeDocument/2006/relationships" xmlns:p="http://schemas.openxmlformats.org/presentationml/2006/main">
   <p:cSld>
     <p:spTree>
@@ -8266,13 +8734,13 @@
   <p:clrMapOvr>
     <a:masterClrMapping/>
   </p:clrMapOvr>
-  <mc:AlternateContent xmlns:mc="http://schemas.openxmlformats.org/markup-compatibility/2006">
-    <mc:Choice xmlns:p159="http://schemas.microsoft.com/office/powerpoint/2015/09/main" Requires="p159">
+  <mc:AlternateContent xmlns:mc="http://schemas.openxmlformats.org/markup-compatibility/2006" xmlns:p159="http://schemas.microsoft.com/office/powerpoint/2015/09/main">
+    <mc:Choice Requires="p159">
       <p:transition spd="slow">
         <p159:morph option="byObject"/>
       </p:transition>
     </mc:Choice>
-    <mc:Fallback>
+    <mc:Fallback xmlns="">
       <p:transition spd="slow">
         <p:fade/>
       </p:transition>
@@ -8281,7 +8749,7 @@
 </p:sld>
 </file>
 
-<file path=ppt/slides/slide16.xml><?xml version="1.0" encoding="utf-8"?>
+<file path=ppt/slides/slide18.xml><?xml version="1.0" encoding="utf-8"?>
 <p:sld xmlns:a="http://schemas.openxmlformats.org/drawingml/2006/main" xmlns:r="http://schemas.openxmlformats.org/officeDocument/2006/relationships" xmlns:p="http://schemas.openxmlformats.org/presentationml/2006/main">
   <p:cSld>
     <p:spTree>
@@ -8415,13 +8883,13 @@
   <p:clrMapOvr>
     <a:masterClrMapping/>
   </p:clrMapOvr>
-  <mc:AlternateContent xmlns:mc="http://schemas.openxmlformats.org/markup-compatibility/2006">
-    <mc:Choice xmlns:p159="http://schemas.microsoft.com/office/powerpoint/2015/09/main" Requires="p159">
+  <mc:AlternateContent xmlns:mc="http://schemas.openxmlformats.org/markup-compatibility/2006" xmlns:p159="http://schemas.microsoft.com/office/powerpoint/2015/09/main">
+    <mc:Choice Requires="p159">
       <p:transition spd="slow">
         <p159:morph option="byObject"/>
       </p:transition>
     </mc:Choice>
-    <mc:Fallback>
+    <mc:Fallback xmlns="">
       <p:transition spd="slow">
         <p:fade/>
       </p:transition>
@@ -8430,7 +8898,7 @@
 </p:sld>
 </file>
 
-<file path=ppt/slides/slide17.xml><?xml version="1.0" encoding="utf-8"?>
+<file path=ppt/slides/slide19.xml><?xml version="1.0" encoding="utf-8"?>
 <p:sld xmlns:a="http://schemas.openxmlformats.org/drawingml/2006/main" xmlns:r="http://schemas.openxmlformats.org/officeDocument/2006/relationships" xmlns:p="http://schemas.openxmlformats.org/presentationml/2006/main">
   <p:cSld>
     <p:spTree>
@@ -8564,13 +9032,13 @@
   <p:clrMapOvr>
     <a:masterClrMapping/>
   </p:clrMapOvr>
-  <mc:AlternateContent xmlns:mc="http://schemas.openxmlformats.org/markup-compatibility/2006">
-    <mc:Choice xmlns:p159="http://schemas.microsoft.com/office/powerpoint/2015/09/main" Requires="p159">
+  <mc:AlternateContent xmlns:mc="http://schemas.openxmlformats.org/markup-compatibility/2006" xmlns:p159="http://schemas.microsoft.com/office/powerpoint/2015/09/main">
+    <mc:Choice Requires="p159">
       <p:transition spd="slow">
         <p159:morph option="byObject"/>
       </p:transition>
     </mc:Choice>
-    <mc:Fallback>
+    <mc:Fallback xmlns="">
       <p:transition spd="slow">
         <p:fade/>
       </p:transition>
@@ -8579,7 +9047,128 @@
 </p:sld>
 </file>
 
-<file path=ppt/slides/slide18.xml><?xml version="1.0" encoding="utf-8"?>
+<file path=ppt/slides/slide2.xml><?xml version="1.0" encoding="utf-8"?>
+<p:sld xmlns:a="http://schemas.openxmlformats.org/drawingml/2006/main" xmlns:r="http://schemas.openxmlformats.org/officeDocument/2006/relationships" xmlns:p="http://schemas.openxmlformats.org/presentationml/2006/main">
+  <p:cSld>
+    <p:spTree>
+      <p:nvGrpSpPr>
+        <p:cNvPr id="1" name=""/>
+        <p:cNvGrpSpPr/>
+        <p:nvPr/>
+      </p:nvGrpSpPr>
+      <p:grpSpPr>
+        <a:xfrm>
+          <a:off x="0" y="0"/>
+          <a:ext cx="0" cy="0"/>
+          <a:chOff x="0" y="0"/>
+          <a:chExt cx="0" cy="0"/>
+        </a:xfrm>
+      </p:grpSpPr>
+      <p:sp>
+        <p:nvSpPr>
+          <p:cNvPr id="2" name="Nadpis 1">
+            <a:extLst>
+              <a:ext uri="{FF2B5EF4-FFF2-40B4-BE49-F238E27FC236}">
+                <a16:creationId xmlns:a16="http://schemas.microsoft.com/office/drawing/2014/main" id="{69750CBC-247B-C052-407A-51083D43B0D2}"/>
+              </a:ext>
+            </a:extLst>
+          </p:cNvPr>
+          <p:cNvSpPr>
+            <a:spLocks noGrp="1"/>
+          </p:cNvSpPr>
+          <p:nvPr>
+            <p:ph type="title"/>
+          </p:nvPr>
+        </p:nvSpPr>
+        <p:spPr/>
+        <p:txBody>
+          <a:bodyPr/>
+          <a:lstStyle/>
+          <a:p>
+            <a:r>
+              <a:rPr lang="cs-CZ" dirty="0"/>
+              <a:t>K čemu slouží?</a:t>
+            </a:r>
+          </a:p>
+        </p:txBody>
+      </p:sp>
+      <p:sp>
+        <p:nvSpPr>
+          <p:cNvPr id="3" name="Zástupný obsah 2">
+            <a:extLst>
+              <a:ext uri="{FF2B5EF4-FFF2-40B4-BE49-F238E27FC236}">
+                <a16:creationId xmlns:a16="http://schemas.microsoft.com/office/drawing/2014/main" id="{7A502CCF-42F5-FF07-BCFB-923EFEFD30B7}"/>
+              </a:ext>
+            </a:extLst>
+          </p:cNvPr>
+          <p:cNvSpPr>
+            <a:spLocks noGrp="1"/>
+          </p:cNvSpPr>
+          <p:nvPr>
+            <p:ph idx="1"/>
+          </p:nvPr>
+        </p:nvSpPr>
+        <p:spPr/>
+        <p:txBody>
+          <a:bodyPr>
+            <a:normAutofit/>
+          </a:bodyPr>
+          <a:lstStyle/>
+          <a:p>
+            <a:r>
+              <a:rPr lang="cs-CZ" sz="3600" dirty="0"/>
+              <a:t> Hledání minimální kostry grafu</a:t>
+            </a:r>
+          </a:p>
+          <a:p>
+            <a:pPr lvl="1"/>
+            <a:r>
+              <a:rPr lang="cs-CZ" sz="3400" dirty="0"/>
+              <a:t>Navigace</a:t>
+            </a:r>
+          </a:p>
+          <a:p>
+            <a:pPr lvl="1"/>
+            <a:r>
+              <a:rPr lang="cs-CZ" sz="3400" dirty="0"/>
+              <a:t>Zavádění telekomunikačních sítí</a:t>
+            </a:r>
+          </a:p>
+          <a:p>
+            <a:pPr lvl="1"/>
+            <a:r>
+              <a:rPr lang="cs-CZ" sz="3400" dirty="0"/>
+              <a:t>Elektrifikace Moravy :)</a:t>
+            </a:r>
+          </a:p>
+        </p:txBody>
+      </p:sp>
+    </p:spTree>
+    <p:extLst>
+      <p:ext uri="{BB962C8B-B14F-4D97-AF65-F5344CB8AC3E}">
+        <p14:creationId xmlns:p14="http://schemas.microsoft.com/office/powerpoint/2010/main" val="2688987692"/>
+      </p:ext>
+    </p:extLst>
+  </p:cSld>
+  <p:clrMapOvr>
+    <a:masterClrMapping/>
+  </p:clrMapOvr>
+  <mc:AlternateContent xmlns:mc="http://schemas.openxmlformats.org/markup-compatibility/2006" xmlns:p159="http://schemas.microsoft.com/office/powerpoint/2015/09/main">
+    <mc:Choice Requires="p159">
+      <p:transition spd="slow">
+        <p159:morph option="byObject"/>
+      </p:transition>
+    </mc:Choice>
+    <mc:Fallback xmlns="">
+      <p:transition spd="slow">
+        <p:fade/>
+      </p:transition>
+    </mc:Fallback>
+  </mc:AlternateContent>
+</p:sld>
+</file>
+
+<file path=ppt/slides/slide20.xml><?xml version="1.0" encoding="utf-8"?>
 <p:sld xmlns:a="http://schemas.openxmlformats.org/drawingml/2006/main" xmlns:r="http://schemas.openxmlformats.org/officeDocument/2006/relationships" xmlns:p="http://schemas.openxmlformats.org/presentationml/2006/main">
   <p:cSld>
     <p:spTree>
@@ -8713,13 +9302,13 @@
   <p:clrMapOvr>
     <a:masterClrMapping/>
   </p:clrMapOvr>
-  <mc:AlternateContent xmlns:mc="http://schemas.openxmlformats.org/markup-compatibility/2006">
-    <mc:Choice xmlns:p159="http://schemas.microsoft.com/office/powerpoint/2015/09/main" Requires="p159">
+  <mc:AlternateContent xmlns:mc="http://schemas.openxmlformats.org/markup-compatibility/2006" xmlns:p159="http://schemas.microsoft.com/office/powerpoint/2015/09/main">
+    <mc:Choice Requires="p159">
       <p:transition spd="slow">
         <p159:morph option="byObject"/>
       </p:transition>
     </mc:Choice>
-    <mc:Fallback>
+    <mc:Fallback xmlns="">
       <p:transition spd="slow">
         <p:fade/>
       </p:transition>
@@ -8728,7 +9317,7 @@
 </p:sld>
 </file>
 
-<file path=ppt/slides/slide19.xml><?xml version="1.0" encoding="utf-8"?>
+<file path=ppt/slides/slide21.xml><?xml version="1.0" encoding="utf-8"?>
 <p:sld xmlns:a="http://schemas.openxmlformats.org/drawingml/2006/main" xmlns:r="http://schemas.openxmlformats.org/officeDocument/2006/relationships" xmlns:p="http://schemas.openxmlformats.org/presentationml/2006/main">
   <p:cSld>
     <p:spTree>
@@ -8813,13 +9402,13 @@
   <p:clrMapOvr>
     <a:masterClrMapping/>
   </p:clrMapOvr>
-  <mc:AlternateContent xmlns:mc="http://schemas.openxmlformats.org/markup-compatibility/2006">
-    <mc:Choice xmlns:p159="http://schemas.microsoft.com/office/powerpoint/2015/09/main" Requires="p159">
+  <mc:AlternateContent xmlns:mc="http://schemas.openxmlformats.org/markup-compatibility/2006" xmlns:p159="http://schemas.microsoft.com/office/powerpoint/2015/09/main">
+    <mc:Choice Requires="p159">
       <p:transition spd="slow">
         <p159:morph option="byObject"/>
       </p:transition>
     </mc:Choice>
-    <mc:Fallback>
+    <mc:Fallback xmlns="">
       <p:transition spd="slow">
         <p:fade/>
       </p:transition>
@@ -8828,114 +9417,7 @@
 </p:sld>
 </file>
 
-<file path=ppt/slides/slide2.xml><?xml version="1.0" encoding="utf-8"?>
-<p:sld xmlns:a="http://schemas.openxmlformats.org/drawingml/2006/main" xmlns:r="http://schemas.openxmlformats.org/officeDocument/2006/relationships" xmlns:p="http://schemas.openxmlformats.org/presentationml/2006/main">
-  <p:cSld>
-    <p:spTree>
-      <p:nvGrpSpPr>
-        <p:cNvPr id="1" name=""/>
-        <p:cNvGrpSpPr/>
-        <p:nvPr/>
-      </p:nvGrpSpPr>
-      <p:grpSpPr>
-        <a:xfrm>
-          <a:off x="0" y="0"/>
-          <a:ext cx="0" cy="0"/>
-          <a:chOff x="0" y="0"/>
-          <a:chExt cx="0" cy="0"/>
-        </a:xfrm>
-      </p:grpSpPr>
-      <p:sp>
-        <p:nvSpPr>
-          <p:cNvPr id="2" name="Nadpis 1">
-            <a:extLst>
-              <a:ext uri="{FF2B5EF4-FFF2-40B4-BE49-F238E27FC236}">
-                <a16:creationId xmlns:a16="http://schemas.microsoft.com/office/drawing/2014/main" id="{69750CBC-247B-C052-407A-51083D43B0D2}"/>
-              </a:ext>
-            </a:extLst>
-          </p:cNvPr>
-          <p:cNvSpPr>
-            <a:spLocks noGrp="1"/>
-          </p:cNvSpPr>
-          <p:nvPr>
-            <p:ph type="title"/>
-          </p:nvPr>
-        </p:nvSpPr>
-        <p:spPr/>
-        <p:txBody>
-          <a:bodyPr/>
-          <a:lstStyle/>
-          <a:p>
-            <a:r>
-              <a:rPr lang="cs-CZ" dirty="0"/>
-              <a:t>K čemu slouží?</a:t>
-            </a:r>
-          </a:p>
-        </p:txBody>
-      </p:sp>
-      <p:sp>
-        <p:nvSpPr>
-          <p:cNvPr id="3" name="Zástupný obsah 2">
-            <a:extLst>
-              <a:ext uri="{FF2B5EF4-FFF2-40B4-BE49-F238E27FC236}">
-                <a16:creationId xmlns:a16="http://schemas.microsoft.com/office/drawing/2014/main" id="{7A502CCF-42F5-FF07-BCFB-923EFEFD30B7}"/>
-              </a:ext>
-            </a:extLst>
-          </p:cNvPr>
-          <p:cNvSpPr>
-            <a:spLocks noGrp="1"/>
-          </p:cNvSpPr>
-          <p:nvPr>
-            <p:ph idx="1"/>
-          </p:nvPr>
-        </p:nvSpPr>
-        <p:spPr/>
-        <p:txBody>
-          <a:bodyPr>
-            <a:normAutofit/>
-          </a:bodyPr>
-          <a:lstStyle/>
-          <a:p>
-            <a:r>
-              <a:rPr lang="cs-CZ" sz="3600" dirty="0"/>
-              <a:t> Hledání minimální kostry grafu</a:t>
-            </a:r>
-          </a:p>
-          <a:p>
-            <a:pPr lvl="1"/>
-            <a:r>
-              <a:rPr lang="cs-CZ" sz="3400" dirty="0"/>
-              <a:t>Navigace, labyrinty,…</a:t>
-            </a:r>
-          </a:p>
-        </p:txBody>
-      </p:sp>
-    </p:spTree>
-    <p:extLst>
-      <p:ext uri="{BB962C8B-B14F-4D97-AF65-F5344CB8AC3E}">
-        <p14:creationId xmlns:p14="http://schemas.microsoft.com/office/powerpoint/2010/main" val="2688987692"/>
-      </p:ext>
-    </p:extLst>
-  </p:cSld>
-  <p:clrMapOvr>
-    <a:masterClrMapping/>
-  </p:clrMapOvr>
-  <mc:AlternateContent xmlns:mc="http://schemas.openxmlformats.org/markup-compatibility/2006">
-    <mc:Choice xmlns:p159="http://schemas.microsoft.com/office/powerpoint/2015/09/main" Requires="p159">
-      <p:transition spd="slow">
-        <p159:morph option="byObject"/>
-      </p:transition>
-    </mc:Choice>
-    <mc:Fallback>
-      <p:transition spd="slow">
-        <p:fade/>
-      </p:transition>
-    </mc:Fallback>
-  </mc:AlternateContent>
-</p:sld>
-</file>
-
-<file path=ppt/slides/slide20.xml><?xml version="1.0" encoding="utf-8"?>
+<file path=ppt/slides/slide22.xml><?xml version="1.0" encoding="utf-8"?>
 <p:sld xmlns:a="http://schemas.openxmlformats.org/drawingml/2006/main" xmlns:r="http://schemas.openxmlformats.org/officeDocument/2006/relationships" xmlns:p="http://schemas.openxmlformats.org/presentationml/2006/main">
   <p:cSld>
     <p:bg>
@@ -9111,13 +9593,13 @@
   <p:clrMapOvr>
     <a:masterClrMapping/>
   </p:clrMapOvr>
-  <mc:AlternateContent xmlns:mc="http://schemas.openxmlformats.org/markup-compatibility/2006">
-    <mc:Choice xmlns:p159="http://schemas.microsoft.com/office/powerpoint/2015/09/main" Requires="p159">
+  <mc:AlternateContent xmlns:mc="http://schemas.openxmlformats.org/markup-compatibility/2006" xmlns:p159="http://schemas.microsoft.com/office/powerpoint/2015/09/main">
+    <mc:Choice Requires="p159">
       <p:transition spd="slow">
         <p159:morph option="byObject"/>
       </p:transition>
     </mc:Choice>
-    <mc:Fallback>
+    <mc:Fallback xmlns="">
       <p:transition spd="slow">
         <p:fade/>
       </p:transition>
@@ -9126,7 +9608,7 @@
 </p:sld>
 </file>
 
-<file path=ppt/slides/slide21.xml><?xml version="1.0" encoding="utf-8"?>
+<file path=ppt/slides/slide23.xml><?xml version="1.0" encoding="utf-8"?>
 <p:sld xmlns:a="http://schemas.openxmlformats.org/drawingml/2006/main" xmlns:r="http://schemas.openxmlformats.org/officeDocument/2006/relationships" xmlns:p="http://schemas.openxmlformats.org/presentationml/2006/main">
   <p:cSld>
     <p:spTree>
@@ -9211,13 +9693,13 @@
   <p:clrMapOvr>
     <a:masterClrMapping/>
   </p:clrMapOvr>
-  <mc:AlternateContent xmlns:mc="http://schemas.openxmlformats.org/markup-compatibility/2006">
-    <mc:Choice xmlns:p159="http://schemas.microsoft.com/office/powerpoint/2015/09/main" Requires="p159">
+  <mc:AlternateContent xmlns:mc="http://schemas.openxmlformats.org/markup-compatibility/2006" xmlns:p159="http://schemas.microsoft.com/office/powerpoint/2015/09/main">
+    <mc:Choice Requires="p159">
       <p:transition spd="slow">
         <p159:morph option="byObject"/>
       </p:transition>
     </mc:Choice>
-    <mc:Fallback>
+    <mc:Fallback xmlns="">
       <p:transition spd="slow">
         <p:fade/>
       </p:transition>
@@ -9226,7 +9708,7 @@
 </p:sld>
 </file>
 
-<file path=ppt/slides/slide22.xml><?xml version="1.0" encoding="utf-8"?>
+<file path=ppt/slides/slide24.xml><?xml version="1.0" encoding="utf-8"?>
 <p:sld xmlns:a="http://schemas.openxmlformats.org/drawingml/2006/main" xmlns:r="http://schemas.openxmlformats.org/officeDocument/2006/relationships" xmlns:p="http://schemas.openxmlformats.org/presentationml/2006/main">
   <p:cSld>
     <p:spTree>
@@ -9390,13 +9872,13 @@
   <p:clrMapOvr>
     <a:masterClrMapping/>
   </p:clrMapOvr>
-  <mc:AlternateContent xmlns:mc="http://schemas.openxmlformats.org/markup-compatibility/2006">
-    <mc:Choice xmlns:p159="http://schemas.microsoft.com/office/powerpoint/2015/09/main" Requires="p159">
+  <mc:AlternateContent xmlns:mc="http://schemas.openxmlformats.org/markup-compatibility/2006" xmlns:p159="http://schemas.microsoft.com/office/powerpoint/2015/09/main">
+    <mc:Choice Requires="p159">
       <p:transition spd="slow">
         <p159:morph option="byObject"/>
       </p:transition>
     </mc:Choice>
-    <mc:Fallback>
+    <mc:Fallback xmlns="">
       <p:transition spd="slow">
         <p:fade/>
       </p:transition>
@@ -9490,13 +9972,13 @@
   <p:clrMapOvr>
     <a:masterClrMapping/>
   </p:clrMapOvr>
-  <mc:AlternateContent xmlns:mc="http://schemas.openxmlformats.org/markup-compatibility/2006">
-    <mc:Choice xmlns:p159="http://schemas.microsoft.com/office/powerpoint/2015/09/main" Requires="p159">
+  <mc:AlternateContent xmlns:mc="http://schemas.openxmlformats.org/markup-compatibility/2006" xmlns:p159="http://schemas.microsoft.com/office/powerpoint/2015/09/main">
+    <mc:Choice Requires="p159">
       <p:transition spd="slow">
         <p159:morph option="byObject"/>
       </p:transition>
     </mc:Choice>
-    <mc:Fallback>
+    <mc:Fallback xmlns="">
       <p:transition spd="slow">
         <p:fade/>
       </p:transition>
@@ -9682,13 +10164,13 @@
   <p:clrMapOvr>
     <a:masterClrMapping/>
   </p:clrMapOvr>
-  <mc:AlternateContent xmlns:mc="http://schemas.openxmlformats.org/markup-compatibility/2006">
-    <mc:Choice xmlns:p159="http://schemas.microsoft.com/office/powerpoint/2015/09/main" Requires="p159">
+  <mc:AlternateContent xmlns:mc="http://schemas.openxmlformats.org/markup-compatibility/2006" xmlns:p159="http://schemas.microsoft.com/office/powerpoint/2015/09/main">
+    <mc:Choice Requires="p159">
       <p:transition spd="slow">
         <p159:morph option="byObject"/>
       </p:transition>
     </mc:Choice>
-    <mc:Fallback>
+    <mc:Fallback xmlns="">
       <p:transition spd="slow">
         <p:fade/>
       </p:transition>
@@ -9698,6 +10180,118 @@
 </file>
 
 <file path=ppt/slides/slide5.xml><?xml version="1.0" encoding="utf-8"?>
+<p:sld xmlns:a="http://schemas.openxmlformats.org/drawingml/2006/main" xmlns:r="http://schemas.openxmlformats.org/officeDocument/2006/relationships" xmlns:p="http://schemas.openxmlformats.org/presentationml/2006/main">
+  <p:cSld>
+    <p:spTree>
+      <p:nvGrpSpPr>
+        <p:cNvPr id="1" name=""/>
+        <p:cNvGrpSpPr/>
+        <p:nvPr/>
+      </p:nvGrpSpPr>
+      <p:grpSpPr>
+        <a:xfrm>
+          <a:off x="0" y="0"/>
+          <a:ext cx="0" cy="0"/>
+          <a:chOff x="0" y="0"/>
+          <a:chExt cx="0" cy="0"/>
+        </a:xfrm>
+      </p:grpSpPr>
+      <p:sp>
+        <p:nvSpPr>
+          <p:cNvPr id="2" name="Nadpis 1">
+            <a:extLst>
+              <a:ext uri="{FF2B5EF4-FFF2-40B4-BE49-F238E27FC236}">
+                <a16:creationId xmlns:a16="http://schemas.microsoft.com/office/drawing/2014/main" id="{69750CBC-247B-C052-407A-51083D43B0D2}"/>
+              </a:ext>
+            </a:extLst>
+          </p:cNvPr>
+          <p:cNvSpPr>
+            <a:spLocks noGrp="1"/>
+          </p:cNvSpPr>
+          <p:nvPr>
+            <p:ph type="title"/>
+          </p:nvPr>
+        </p:nvSpPr>
+        <p:spPr>
+          <a:xfrm>
+            <a:off x="810000" y="447188"/>
+            <a:ext cx="10571998" cy="970450"/>
+          </a:xfrm>
+        </p:spPr>
+        <p:txBody>
+          <a:bodyPr>
+            <a:normAutofit/>
+          </a:bodyPr>
+          <a:lstStyle/>
+          <a:p>
+            <a:r>
+              <a:rPr lang="cs-CZ" dirty="0"/>
+              <a:t>Borůvkův algoritmus</a:t>
+            </a:r>
+          </a:p>
+        </p:txBody>
+      </p:sp>
+      <p:sp>
+        <p:nvSpPr>
+          <p:cNvPr id="3" name="Zástupný obsah 2">
+            <a:extLst>
+              <a:ext uri="{FF2B5EF4-FFF2-40B4-BE49-F238E27FC236}">
+                <a16:creationId xmlns:a16="http://schemas.microsoft.com/office/drawing/2014/main" id="{7A502CCF-42F5-FF07-BCFB-923EFEFD30B7}"/>
+              </a:ext>
+            </a:extLst>
+          </p:cNvPr>
+          <p:cNvSpPr>
+            <a:spLocks noGrp="1"/>
+          </p:cNvSpPr>
+          <p:nvPr>
+            <p:ph idx="1"/>
+          </p:nvPr>
+        </p:nvSpPr>
+        <p:spPr>
+          <a:xfrm>
+            <a:off x="818713" y="2413000"/>
+            <a:ext cx="10563285" cy="3632200"/>
+          </a:xfrm>
+        </p:spPr>
+        <p:txBody>
+          <a:bodyPr>
+            <a:noAutofit/>
+          </a:bodyPr>
+          <a:lstStyle/>
+          <a:p>
+            <a:r>
+              <a:rPr lang="cs-CZ" sz="3200" dirty="0"/>
+              <a:t>Princip</a:t>
+            </a:r>
+          </a:p>
+        </p:txBody>
+      </p:sp>
+    </p:spTree>
+    <p:extLst>
+      <p:ext uri="{BB962C8B-B14F-4D97-AF65-F5344CB8AC3E}">
+        <p14:creationId xmlns:p14="http://schemas.microsoft.com/office/powerpoint/2010/main" val="3311957147"/>
+      </p:ext>
+    </p:extLst>
+  </p:cSld>
+  <p:clrMapOvr>
+    <a:masterClrMapping/>
+  </p:clrMapOvr>
+  <mc:AlternateContent xmlns:mc="http://schemas.openxmlformats.org/markup-compatibility/2006" xmlns:p159="http://schemas.microsoft.com/office/powerpoint/2015/09/main">
+    <mc:Choice Requires="p159">
+      <p:transition spd="slow">
+        <p159:morph option="byObject"/>
+      </p:transition>
+    </mc:Choice>
+    <mc:Fallback xmlns="">
+      <p:transition spd="slow">
+        <p:fade/>
+      </p:transition>
+    </mc:Fallback>
+  </mc:AlternateContent>
+</p:sld>
+</file>
+
+<file path=ppt/slides/slide6.xml><?xml version="1.0" encoding="utf-8"?>
 <p:sld xmlns:a="http://schemas.openxmlformats.org/drawingml/2006/main" xmlns:r="http://schemas.openxmlformats.org/officeDocument/2006/relationships" xmlns:p="http://schemas.openxmlformats.org/presentationml/2006/main">
   <p:cSld>
     <p:spTree>
@@ -9794,13 +10388,13 @@
   <p:clrMapOvr>
     <a:masterClrMapping/>
   </p:clrMapOvr>
-  <mc:AlternateContent xmlns:mc="http://schemas.openxmlformats.org/markup-compatibility/2006">
-    <mc:Choice xmlns:p159="http://schemas.microsoft.com/office/powerpoint/2015/09/main" Requires="p159">
+  <mc:AlternateContent xmlns:mc="http://schemas.openxmlformats.org/markup-compatibility/2006" xmlns:p159="http://schemas.microsoft.com/office/powerpoint/2015/09/main">
+    <mc:Choice Requires="p159">
       <p:transition spd="slow">
         <p159:morph option="byObject"/>
       </p:transition>
     </mc:Choice>
-    <mc:Fallback>
+    <mc:Fallback xmlns="">
       <p:transition spd="slow">
         <p:fade/>
       </p:transition>
@@ -9809,7 +10403,7 @@
 </p:sld>
 </file>
 
-<file path=ppt/slides/slide6.xml><?xml version="1.0" encoding="utf-8"?>
+<file path=ppt/slides/slide7.xml><?xml version="1.0" encoding="utf-8"?>
 <p:sld xmlns:a="http://schemas.openxmlformats.org/drawingml/2006/main" xmlns:r="http://schemas.openxmlformats.org/officeDocument/2006/relationships" xmlns:p="http://schemas.openxmlformats.org/presentationml/2006/main">
   <p:cSld>
     <p:spTree>
@@ -9894,13 +10488,13 @@
   <p:clrMapOvr>
     <a:masterClrMapping/>
   </p:clrMapOvr>
-  <mc:AlternateContent xmlns:mc="http://schemas.openxmlformats.org/markup-compatibility/2006">
-    <mc:Choice xmlns:p159="http://schemas.microsoft.com/office/powerpoint/2015/09/main" Requires="p159">
+  <mc:AlternateContent xmlns:mc="http://schemas.openxmlformats.org/markup-compatibility/2006" xmlns:p159="http://schemas.microsoft.com/office/powerpoint/2015/09/main">
+    <mc:Choice Requires="p159">
       <p:transition spd="slow">
         <p159:morph option="byObject"/>
       </p:transition>
     </mc:Choice>
-    <mc:Fallback>
+    <mc:Fallback xmlns="">
       <p:transition spd="slow">
         <p:fade/>
       </p:transition>
@@ -9909,7 +10503,7 @@
 </p:sld>
 </file>
 
-<file path=ppt/slides/slide7.xml><?xml version="1.0" encoding="utf-8"?>
+<file path=ppt/slides/slide8.xml><?xml version="1.0" encoding="utf-8"?>
 <p:sld xmlns:a="http://schemas.openxmlformats.org/drawingml/2006/main" xmlns:r="http://schemas.openxmlformats.org/officeDocument/2006/relationships" xmlns:p="http://schemas.openxmlformats.org/presentationml/2006/main">
   <p:cSld>
     <p:bg>
@@ -10076,162 +10670,13 @@
   <p:clrMapOvr>
     <a:masterClrMapping/>
   </p:clrMapOvr>
-  <mc:AlternateContent xmlns:mc="http://schemas.openxmlformats.org/markup-compatibility/2006">
-    <mc:Choice xmlns:p159="http://schemas.microsoft.com/office/powerpoint/2015/09/main" Requires="p159">
+  <mc:AlternateContent xmlns:mc="http://schemas.openxmlformats.org/markup-compatibility/2006" xmlns:p159="http://schemas.microsoft.com/office/powerpoint/2015/09/main">
+    <mc:Choice Requires="p159">
       <p:transition spd="slow">
         <p159:morph option="byObject"/>
       </p:transition>
     </mc:Choice>
-    <mc:Fallback>
-      <p:transition spd="slow">
-        <p:fade/>
-      </p:transition>
-    </mc:Fallback>
-  </mc:AlternateContent>
-</p:sld>
-</file>
-
-<file path=ppt/slides/slide8.xml><?xml version="1.0" encoding="utf-8"?>
-<p:sld xmlns:a="http://schemas.openxmlformats.org/drawingml/2006/main" xmlns:r="http://schemas.openxmlformats.org/officeDocument/2006/relationships" xmlns:p="http://schemas.openxmlformats.org/presentationml/2006/main">
-  <p:cSld>
-    <p:spTree>
-      <p:nvGrpSpPr>
-        <p:cNvPr id="1" name=""/>
-        <p:cNvGrpSpPr/>
-        <p:nvPr/>
-      </p:nvGrpSpPr>
-      <p:grpSpPr>
-        <a:xfrm>
-          <a:off x="0" y="0"/>
-          <a:ext cx="0" cy="0"/>
-          <a:chOff x="0" y="0"/>
-          <a:chExt cx="0" cy="0"/>
-        </a:xfrm>
-      </p:grpSpPr>
-      <p:sp>
-        <p:nvSpPr>
-          <p:cNvPr id="2" name="Nadpis 1">
-            <a:extLst>
-              <a:ext uri="{FF2B5EF4-FFF2-40B4-BE49-F238E27FC236}">
-                <a16:creationId xmlns:a16="http://schemas.microsoft.com/office/drawing/2014/main" id="{69750CBC-247B-C052-407A-51083D43B0D2}"/>
-              </a:ext>
-            </a:extLst>
-          </p:cNvPr>
-          <p:cNvSpPr>
-            <a:spLocks noGrp="1"/>
-          </p:cNvSpPr>
-          <p:nvPr>
-            <p:ph type="title"/>
-          </p:nvPr>
-        </p:nvSpPr>
-        <p:spPr>
-          <a:xfrm>
-            <a:off x="810000" y="447188"/>
-            <a:ext cx="10571998" cy="970450"/>
-          </a:xfrm>
-        </p:spPr>
-        <p:txBody>
-          <a:bodyPr>
-            <a:normAutofit/>
-          </a:bodyPr>
-          <a:lstStyle/>
-          <a:p>
-            <a:r>
-              <a:rPr lang="cs-CZ" dirty="0"/>
-              <a:t>Jarníkův algoritmus</a:t>
-            </a:r>
-          </a:p>
-        </p:txBody>
-      </p:sp>
-      <p:sp>
-        <p:nvSpPr>
-          <p:cNvPr id="10" name="Zástupný obsah 9">
-            <a:extLst>
-              <a:ext uri="{FF2B5EF4-FFF2-40B4-BE49-F238E27FC236}">
-                <a16:creationId xmlns:a16="http://schemas.microsoft.com/office/drawing/2014/main" id="{4F42F304-CE65-6256-62C6-A22658DF79D3}"/>
-              </a:ext>
-            </a:extLst>
-          </p:cNvPr>
-          <p:cNvSpPr>
-            <a:spLocks noGrp="1"/>
-          </p:cNvSpPr>
-          <p:nvPr>
-            <p:ph idx="1"/>
-          </p:nvPr>
-        </p:nvSpPr>
-        <p:spPr/>
-        <p:txBody>
-          <a:bodyPr/>
-          <a:lstStyle/>
-          <a:p>
-            <a:endParaRPr lang="cs-CZ"/>
-          </a:p>
-        </p:txBody>
-      </p:sp>
-      <p:pic>
-        <p:nvPicPr>
-          <p:cNvPr id="5122" name="Picture 2" descr="Example of a graph">
-            <a:extLst>
-              <a:ext uri="{FF2B5EF4-FFF2-40B4-BE49-F238E27FC236}">
-                <a16:creationId xmlns:a16="http://schemas.microsoft.com/office/drawing/2014/main" id="{B0F4900D-47F1-3E76-C310-91D9309D620D}"/>
-              </a:ext>
-            </a:extLst>
-          </p:cNvPr>
-          <p:cNvPicPr>
-            <a:picLocks noChangeAspect="1" noChangeArrowheads="1"/>
-          </p:cNvPicPr>
-          <p:nvPr/>
-        </p:nvPicPr>
-        <p:blipFill>
-          <a:blip r:embed="rId3">
-            <a:extLst>
-              <a:ext uri="{28A0092B-C50C-407E-A947-70E740481C1C}">
-                <a14:useLocalDpi xmlns:a14="http://schemas.microsoft.com/office/drawing/2010/main" val="0"/>
-              </a:ext>
-            </a:extLst>
-          </a:blip>
-          <a:srcRect/>
-          <a:stretch>
-            <a:fillRect/>
-          </a:stretch>
-        </p:blipFill>
-        <p:spPr bwMode="auto">
-          <a:xfrm>
-            <a:off x="2100057" y="2222287"/>
-            <a:ext cx="7991885" cy="4635713"/>
-          </a:xfrm>
-          <a:prstGeom prst="rect">
-            <a:avLst/>
-          </a:prstGeom>
-          <a:noFill/>
-          <a:extLst>
-            <a:ext uri="{909E8E84-426E-40DD-AFC4-6F175D3DCCD1}">
-              <a14:hiddenFill xmlns:a14="http://schemas.microsoft.com/office/drawing/2010/main">
-                <a:solidFill>
-                  <a:srgbClr val="FFFFFF"/>
-                </a:solidFill>
-              </a14:hiddenFill>
-            </a:ext>
-          </a:extLst>
-        </p:spPr>
-      </p:pic>
-    </p:spTree>
-    <p:extLst>
-      <p:ext uri="{BB962C8B-B14F-4D97-AF65-F5344CB8AC3E}">
-        <p14:creationId xmlns:p14="http://schemas.microsoft.com/office/powerpoint/2010/main" val="3559235156"/>
-      </p:ext>
-    </p:extLst>
-  </p:cSld>
-  <p:clrMapOvr>
-    <a:masterClrMapping/>
-  </p:clrMapOvr>
-  <mc:AlternateContent xmlns:mc="http://schemas.openxmlformats.org/markup-compatibility/2006">
-    <mc:Choice xmlns:p159="http://schemas.microsoft.com/office/powerpoint/2015/09/main" Requires="p159">
-      <p:transition spd="slow">
-        <p159:morph option="byObject"/>
-      </p:transition>
-    </mc:Choice>
-    <mc:Fallback>
+    <mc:Fallback xmlns="">
       <p:transition spd="slow">
         <p:fade/>
       </p:transition>
@@ -10294,10 +10739,10 @@
       </p:sp>
       <p:sp>
         <p:nvSpPr>
-          <p:cNvPr id="10" name="Zástupný obsah 9">
+          <p:cNvPr id="3" name="Zástupný obsah 2">
             <a:extLst>
               <a:ext uri="{FF2B5EF4-FFF2-40B4-BE49-F238E27FC236}">
-                <a16:creationId xmlns:a16="http://schemas.microsoft.com/office/drawing/2014/main" id="{4F42F304-CE65-6256-62C6-A22658DF79D3}"/>
+                <a16:creationId xmlns:a16="http://schemas.microsoft.com/office/drawing/2014/main" id="{7A502CCF-42F5-FF07-BCFB-923EFEFD30B7}"/>
               </a:ext>
             </a:extLst>
           </p:cNvPr>
@@ -10308,79 +10753,67 @@
             <p:ph idx="1"/>
           </p:nvPr>
         </p:nvSpPr>
-        <p:spPr/>
-        <p:txBody>
-          <a:bodyPr/>
-          <a:lstStyle/>
-          <a:p>
-            <a:endParaRPr lang="cs-CZ"/>
-          </a:p>
-        </p:txBody>
-      </p:sp>
-      <p:pic>
-        <p:nvPicPr>
-          <p:cNvPr id="6146" name="Picture 2" descr="0 is selected as starting vertex">
-            <a:extLst>
-              <a:ext uri="{FF2B5EF4-FFF2-40B4-BE49-F238E27FC236}">
-                <a16:creationId xmlns:a16="http://schemas.microsoft.com/office/drawing/2014/main" id="{6A33E9A0-0FA5-8C8C-B0C5-3AD7AAB23BAE}"/>
-              </a:ext>
-            </a:extLst>
-          </p:cNvPr>
-          <p:cNvPicPr>
-            <a:picLocks noChangeAspect="1" noChangeArrowheads="1"/>
-          </p:cNvPicPr>
-          <p:nvPr/>
-        </p:nvPicPr>
-        <p:blipFill>
-          <a:blip r:embed="rId3">
-            <a:extLst>
-              <a:ext uri="{28A0092B-C50C-407E-A947-70E740481C1C}">
-                <a14:useLocalDpi xmlns:a14="http://schemas.microsoft.com/office/drawing/2010/main" val="0"/>
-              </a:ext>
-            </a:extLst>
-          </a:blip>
-          <a:srcRect/>
-          <a:stretch>
-            <a:fillRect/>
-          </a:stretch>
-        </p:blipFill>
-        <p:spPr bwMode="auto">
+        <p:spPr>
           <a:xfrm>
-            <a:off x="2095013" y="2222287"/>
-            <a:ext cx="8001973" cy="4641564"/>
+            <a:off x="818713" y="2413000"/>
+            <a:ext cx="10563285" cy="3632200"/>
           </a:xfrm>
-          <a:prstGeom prst="rect">
-            <a:avLst/>
-          </a:prstGeom>
-          <a:noFill/>
-          <a:extLst>
-            <a:ext uri="{909E8E84-426E-40DD-AFC4-6F175D3DCCD1}">
-              <a14:hiddenFill xmlns:a14="http://schemas.microsoft.com/office/drawing/2010/main">
-                <a:solidFill>
-                  <a:srgbClr val="FFFFFF"/>
-                </a:solidFill>
-              </a14:hiddenFill>
-            </a:ext>
-          </a:extLst>
         </p:spPr>
-      </p:pic>
+        <p:txBody>
+          <a:bodyPr>
+            <a:noAutofit/>
+          </a:bodyPr>
+          <a:lstStyle/>
+          <a:p>
+            <a:r>
+              <a:rPr lang="cs-CZ" sz="3200" dirty="0"/>
+              <a:t>Princip:</a:t>
+            </a:r>
+          </a:p>
+          <a:p>
+            <a:pPr lvl="1"/>
+            <a:r>
+              <a:rPr lang="cs-CZ" sz="3000" dirty="0"/>
+              <a:t>Najdi nejlevnější nenavštívenou cestu a označ počátek i konec za navštívené</a:t>
+            </a:r>
+          </a:p>
+          <a:p>
+            <a:pPr lvl="1"/>
+            <a:r>
+              <a:rPr lang="cs-CZ" sz="3000" dirty="0"/>
+              <a:t>Přidej nejlevnější nalezenou cestu do minimální kostry</a:t>
+            </a:r>
+          </a:p>
+          <a:p>
+            <a:pPr lvl="1"/>
+            <a:r>
+              <a:rPr lang="cs-CZ" sz="3000" dirty="0"/>
+              <a:t>Opakuj dokud nenavštívíš všechny body</a:t>
+            </a:r>
+          </a:p>
+          <a:p>
+            <a:pPr lvl="1"/>
+            <a:endParaRPr lang="cs-CZ" sz="3000" dirty="0"/>
+          </a:p>
+        </p:txBody>
+      </p:sp>
     </p:spTree>
     <p:extLst>
       <p:ext uri="{BB962C8B-B14F-4D97-AF65-F5344CB8AC3E}">
-        <p14:creationId xmlns:p14="http://schemas.microsoft.com/office/powerpoint/2010/main" val="2752603806"/>
+        <p14:creationId xmlns:p14="http://schemas.microsoft.com/office/powerpoint/2010/main" val="3670569241"/>
       </p:ext>
     </p:extLst>
   </p:cSld>
   <p:clrMapOvr>
     <a:masterClrMapping/>
   </p:clrMapOvr>
-  <mc:AlternateContent xmlns:mc="http://schemas.openxmlformats.org/markup-compatibility/2006">
-    <mc:Choice xmlns:p159="http://schemas.microsoft.com/office/powerpoint/2015/09/main" Requires="p159">
+  <mc:AlternateContent xmlns:mc="http://schemas.openxmlformats.org/markup-compatibility/2006" xmlns:p159="http://schemas.microsoft.com/office/powerpoint/2015/09/main">
+    <mc:Choice Requires="p159">
       <p:transition spd="slow">
         <p159:morph option="byObject"/>
       </p:transition>
     </mc:Choice>
-    <mc:Fallback>
+    <mc:Fallback xmlns="">
       <p:transition spd="slow">
         <p:fade/>
       </p:transition>

--- a/output-presentation.pptx
+++ b/output-presentation.pptx
@@ -5,7 +5,7 @@
     <p:sldMasterId id="2147483761" r:id="rId1"/>
   </p:sldMasterIdLst>
   <p:notesMasterIdLst>
-    <p:notesMasterId r:id="rId26"/>
+    <p:notesMasterId r:id="rId29"/>
   </p:notesMasterIdLst>
   <p:sldIdLst>
     <p:sldId id="256" r:id="rId2"/>
@@ -13,25 +13,28 @@
     <p:sldId id="258" r:id="rId4"/>
     <p:sldId id="259" r:id="rId5"/>
     <p:sldId id="282" r:id="rId6"/>
-    <p:sldId id="260" r:id="rId7"/>
-    <p:sldId id="261" r:id="rId8"/>
-    <p:sldId id="262" r:id="rId9"/>
-    <p:sldId id="283" r:id="rId10"/>
-    <p:sldId id="264" r:id="rId11"/>
-    <p:sldId id="265" r:id="rId12"/>
-    <p:sldId id="267" r:id="rId13"/>
-    <p:sldId id="268" r:id="rId14"/>
-    <p:sldId id="269" r:id="rId15"/>
-    <p:sldId id="271" r:id="rId16"/>
-    <p:sldId id="273" r:id="rId17"/>
-    <p:sldId id="274" r:id="rId18"/>
-    <p:sldId id="275" r:id="rId19"/>
-    <p:sldId id="276" r:id="rId20"/>
-    <p:sldId id="277" r:id="rId21"/>
-    <p:sldId id="278" r:id="rId22"/>
-    <p:sldId id="279" r:id="rId23"/>
-    <p:sldId id="280" r:id="rId24"/>
-    <p:sldId id="281" r:id="rId25"/>
+    <p:sldId id="284" r:id="rId7"/>
+    <p:sldId id="285" r:id="rId8"/>
+    <p:sldId id="286" r:id="rId9"/>
+    <p:sldId id="260" r:id="rId10"/>
+    <p:sldId id="261" r:id="rId11"/>
+    <p:sldId id="262" r:id="rId12"/>
+    <p:sldId id="283" r:id="rId13"/>
+    <p:sldId id="264" r:id="rId14"/>
+    <p:sldId id="265" r:id="rId15"/>
+    <p:sldId id="267" r:id="rId16"/>
+    <p:sldId id="268" r:id="rId17"/>
+    <p:sldId id="269" r:id="rId18"/>
+    <p:sldId id="271" r:id="rId19"/>
+    <p:sldId id="273" r:id="rId20"/>
+    <p:sldId id="274" r:id="rId21"/>
+    <p:sldId id="275" r:id="rId22"/>
+    <p:sldId id="276" r:id="rId23"/>
+    <p:sldId id="277" r:id="rId24"/>
+    <p:sldId id="278" r:id="rId25"/>
+    <p:sldId id="279" r:id="rId26"/>
+    <p:sldId id="280" r:id="rId27"/>
+    <p:sldId id="281" r:id="rId28"/>
   </p:sldIdLst>
   <p:sldSz cx="12192000" cy="6858000"/>
   <p:notesSz cx="6858000" cy="9144000"/>
@@ -645,7 +648,7 @@
     </p:spTree>
     <p:extLst>
       <p:ext uri="{BB962C8B-B14F-4D97-AF65-F5344CB8AC3E}">
-        <p14:creationId xmlns:p14="http://schemas.microsoft.com/office/powerpoint/2010/main" val="3259443989"/>
+        <p14:creationId xmlns:p14="http://schemas.microsoft.com/office/powerpoint/2010/main" val="3436311921"/>
       </p:ext>
     </p:extLst>
   </p:cSld>
@@ -729,7 +732,7 @@
     </p:spTree>
     <p:extLst>
       <p:ext uri="{BB962C8B-B14F-4D97-AF65-F5344CB8AC3E}">
-        <p14:creationId xmlns:p14="http://schemas.microsoft.com/office/powerpoint/2010/main" val="1292418824"/>
+        <p14:creationId xmlns:p14="http://schemas.microsoft.com/office/powerpoint/2010/main" val="1092438624"/>
       </p:ext>
     </p:extLst>
   </p:cSld>
@@ -813,7 +816,7 @@
     </p:spTree>
     <p:extLst>
       <p:ext uri="{BB962C8B-B14F-4D97-AF65-F5344CB8AC3E}">
-        <p14:creationId xmlns:p14="http://schemas.microsoft.com/office/powerpoint/2010/main" val="3367930030"/>
+        <p14:creationId xmlns:p14="http://schemas.microsoft.com/office/powerpoint/2010/main" val="1411167505"/>
       </p:ext>
     </p:extLst>
   </p:cSld>
@@ -897,7 +900,7 @@
     </p:spTree>
     <p:extLst>
       <p:ext uri="{BB962C8B-B14F-4D97-AF65-F5344CB8AC3E}">
-        <p14:creationId xmlns:p14="http://schemas.microsoft.com/office/powerpoint/2010/main" val="3128011289"/>
+        <p14:creationId xmlns:p14="http://schemas.microsoft.com/office/powerpoint/2010/main" val="3259443989"/>
       </p:ext>
     </p:extLst>
   </p:cSld>
@@ -981,7 +984,7 @@
     </p:spTree>
     <p:extLst>
       <p:ext uri="{BB962C8B-B14F-4D97-AF65-F5344CB8AC3E}">
-        <p14:creationId xmlns:p14="http://schemas.microsoft.com/office/powerpoint/2010/main" val="4158966156"/>
+        <p14:creationId xmlns:p14="http://schemas.microsoft.com/office/powerpoint/2010/main" val="1292418824"/>
       </p:ext>
     </p:extLst>
   </p:cSld>
@@ -1065,7 +1068,7 @@
     </p:spTree>
     <p:extLst>
       <p:ext uri="{BB962C8B-B14F-4D97-AF65-F5344CB8AC3E}">
-        <p14:creationId xmlns:p14="http://schemas.microsoft.com/office/powerpoint/2010/main" val="203438188"/>
+        <p14:creationId xmlns:p14="http://schemas.microsoft.com/office/powerpoint/2010/main" val="3367930030"/>
       </p:ext>
     </p:extLst>
   </p:cSld>
@@ -1149,7 +1152,7 @@
     </p:spTree>
     <p:extLst>
       <p:ext uri="{BB962C8B-B14F-4D97-AF65-F5344CB8AC3E}">
-        <p14:creationId xmlns:p14="http://schemas.microsoft.com/office/powerpoint/2010/main" val="316095354"/>
+        <p14:creationId xmlns:p14="http://schemas.microsoft.com/office/powerpoint/2010/main" val="3128011289"/>
       </p:ext>
     </p:extLst>
   </p:cSld>
@@ -1224,7 +1227,7 @@
           <a:p>
             <a:fld id="{888E3A86-DC57-4CCA-AA0B-A5DE7CB3B517}" type="slidenum">
               <a:rPr lang="cs-CZ" smtClean="0"/>
-              <a:t>22</a:t>
+              <a:t>21</a:t>
             </a:fld>
             <a:endParaRPr lang="cs-CZ"/>
           </a:p>
@@ -1233,7 +1236,7 @@
     </p:spTree>
     <p:extLst>
       <p:ext uri="{BB962C8B-B14F-4D97-AF65-F5344CB8AC3E}">
-        <p14:creationId xmlns:p14="http://schemas.microsoft.com/office/powerpoint/2010/main" val="3784792062"/>
+        <p14:creationId xmlns:p14="http://schemas.microsoft.com/office/powerpoint/2010/main" val="4158966156"/>
       </p:ext>
     </p:extLst>
   </p:cSld>
@@ -1308,7 +1311,7 @@
           <a:p>
             <a:fld id="{888E3A86-DC57-4CCA-AA0B-A5DE7CB3B517}" type="slidenum">
               <a:rPr lang="cs-CZ" smtClean="0"/>
-              <a:t>24</a:t>
+              <a:t>22</a:t>
             </a:fld>
             <a:endParaRPr lang="cs-CZ"/>
           </a:p>
@@ -1317,7 +1320,91 @@
     </p:spTree>
     <p:extLst>
       <p:ext uri="{BB962C8B-B14F-4D97-AF65-F5344CB8AC3E}">
-        <p14:creationId xmlns:p14="http://schemas.microsoft.com/office/powerpoint/2010/main" val="4057757832"/>
+        <p14:creationId xmlns:p14="http://schemas.microsoft.com/office/powerpoint/2010/main" val="203438188"/>
+      </p:ext>
+    </p:extLst>
+  </p:cSld>
+  <p:clrMapOvr>
+    <a:masterClrMapping/>
+  </p:clrMapOvr>
+</p:notes>
+</file>
+
+<file path=ppt/notesSlides/notesSlide19.xml><?xml version="1.0" encoding="utf-8"?>
+<p:notes xmlns:a="http://schemas.openxmlformats.org/drawingml/2006/main" xmlns:r="http://schemas.openxmlformats.org/officeDocument/2006/relationships" xmlns:p="http://schemas.openxmlformats.org/presentationml/2006/main">
+  <p:cSld>
+    <p:spTree>
+      <p:nvGrpSpPr>
+        <p:cNvPr id="1" name=""/>
+        <p:cNvGrpSpPr/>
+        <p:nvPr/>
+      </p:nvGrpSpPr>
+      <p:grpSpPr>
+        <a:xfrm>
+          <a:off x="0" y="0"/>
+          <a:ext cx="0" cy="0"/>
+          <a:chOff x="0" y="0"/>
+          <a:chExt cx="0" cy="0"/>
+        </a:xfrm>
+      </p:grpSpPr>
+      <p:sp>
+        <p:nvSpPr>
+          <p:cNvPr id="2" name="Zástupný symbol pro obrázek snímku 1"/>
+          <p:cNvSpPr>
+            <a:spLocks noGrp="1" noRot="1" noChangeAspect="1"/>
+          </p:cNvSpPr>
+          <p:nvPr>
+            <p:ph type="sldImg"/>
+          </p:nvPr>
+        </p:nvSpPr>
+        <p:spPr/>
+      </p:sp>
+      <p:sp>
+        <p:nvSpPr>
+          <p:cNvPr id="3" name="Zástupný symbol pro poznámky 2"/>
+          <p:cNvSpPr>
+            <a:spLocks noGrp="1"/>
+          </p:cNvSpPr>
+          <p:nvPr>
+            <p:ph type="body" idx="1"/>
+          </p:nvPr>
+        </p:nvSpPr>
+        <p:spPr/>
+        <p:txBody>
+          <a:bodyPr/>
+          <a:lstStyle/>
+          <a:p>
+            <a:endParaRPr lang="cs-CZ" dirty="0"/>
+          </a:p>
+        </p:txBody>
+      </p:sp>
+      <p:sp>
+        <p:nvSpPr>
+          <p:cNvPr id="4" name="Zástupný symbol pro číslo snímku 3"/>
+          <p:cNvSpPr>
+            <a:spLocks noGrp="1"/>
+          </p:cNvSpPr>
+          <p:nvPr>
+            <p:ph type="sldNum" sz="quarter" idx="5"/>
+          </p:nvPr>
+        </p:nvSpPr>
+        <p:spPr/>
+        <p:txBody>
+          <a:bodyPr/>
+          <a:lstStyle/>
+          <a:p>
+            <a:fld id="{888E3A86-DC57-4CCA-AA0B-A5DE7CB3B517}" type="slidenum">
+              <a:rPr lang="cs-CZ" smtClean="0"/>
+              <a:t>23</a:t>
+            </a:fld>
+            <a:endParaRPr lang="cs-CZ"/>
+          </a:p>
+        </p:txBody>
+      </p:sp>
+    </p:spTree>
+    <p:extLst>
+      <p:ext uri="{BB962C8B-B14F-4D97-AF65-F5344CB8AC3E}">
+        <p14:creationId xmlns:p14="http://schemas.microsoft.com/office/powerpoint/2010/main" val="316095354"/>
       </p:ext>
     </p:extLst>
   </p:cSld>
@@ -1411,6 +1498,174 @@
 </p:notes>
 </file>
 
+<file path=ppt/notesSlides/notesSlide20.xml><?xml version="1.0" encoding="utf-8"?>
+<p:notes xmlns:a="http://schemas.openxmlformats.org/drawingml/2006/main" xmlns:r="http://schemas.openxmlformats.org/officeDocument/2006/relationships" xmlns:p="http://schemas.openxmlformats.org/presentationml/2006/main">
+  <p:cSld>
+    <p:spTree>
+      <p:nvGrpSpPr>
+        <p:cNvPr id="1" name=""/>
+        <p:cNvGrpSpPr/>
+        <p:nvPr/>
+      </p:nvGrpSpPr>
+      <p:grpSpPr>
+        <a:xfrm>
+          <a:off x="0" y="0"/>
+          <a:ext cx="0" cy="0"/>
+          <a:chOff x="0" y="0"/>
+          <a:chExt cx="0" cy="0"/>
+        </a:xfrm>
+      </p:grpSpPr>
+      <p:sp>
+        <p:nvSpPr>
+          <p:cNvPr id="2" name="Zástupný symbol pro obrázek snímku 1"/>
+          <p:cNvSpPr>
+            <a:spLocks noGrp="1" noRot="1" noChangeAspect="1"/>
+          </p:cNvSpPr>
+          <p:nvPr>
+            <p:ph type="sldImg"/>
+          </p:nvPr>
+        </p:nvSpPr>
+        <p:spPr/>
+      </p:sp>
+      <p:sp>
+        <p:nvSpPr>
+          <p:cNvPr id="3" name="Zástupný symbol pro poznámky 2"/>
+          <p:cNvSpPr>
+            <a:spLocks noGrp="1"/>
+          </p:cNvSpPr>
+          <p:nvPr>
+            <p:ph type="body" idx="1"/>
+          </p:nvPr>
+        </p:nvSpPr>
+        <p:spPr/>
+        <p:txBody>
+          <a:bodyPr/>
+          <a:lstStyle/>
+          <a:p>
+            <a:endParaRPr lang="cs-CZ" dirty="0"/>
+          </a:p>
+        </p:txBody>
+      </p:sp>
+      <p:sp>
+        <p:nvSpPr>
+          <p:cNvPr id="4" name="Zástupný symbol pro číslo snímku 3"/>
+          <p:cNvSpPr>
+            <a:spLocks noGrp="1"/>
+          </p:cNvSpPr>
+          <p:nvPr>
+            <p:ph type="sldNum" sz="quarter" idx="5"/>
+          </p:nvPr>
+        </p:nvSpPr>
+        <p:spPr/>
+        <p:txBody>
+          <a:bodyPr/>
+          <a:lstStyle/>
+          <a:p>
+            <a:fld id="{888E3A86-DC57-4CCA-AA0B-A5DE7CB3B517}" type="slidenum">
+              <a:rPr lang="cs-CZ" smtClean="0"/>
+              <a:t>25</a:t>
+            </a:fld>
+            <a:endParaRPr lang="cs-CZ"/>
+          </a:p>
+        </p:txBody>
+      </p:sp>
+    </p:spTree>
+    <p:extLst>
+      <p:ext uri="{BB962C8B-B14F-4D97-AF65-F5344CB8AC3E}">
+        <p14:creationId xmlns:p14="http://schemas.microsoft.com/office/powerpoint/2010/main" val="3784792062"/>
+      </p:ext>
+    </p:extLst>
+  </p:cSld>
+  <p:clrMapOvr>
+    <a:masterClrMapping/>
+  </p:clrMapOvr>
+</p:notes>
+</file>
+
+<file path=ppt/notesSlides/notesSlide21.xml><?xml version="1.0" encoding="utf-8"?>
+<p:notes xmlns:a="http://schemas.openxmlformats.org/drawingml/2006/main" xmlns:r="http://schemas.openxmlformats.org/officeDocument/2006/relationships" xmlns:p="http://schemas.openxmlformats.org/presentationml/2006/main">
+  <p:cSld>
+    <p:spTree>
+      <p:nvGrpSpPr>
+        <p:cNvPr id="1" name=""/>
+        <p:cNvGrpSpPr/>
+        <p:nvPr/>
+      </p:nvGrpSpPr>
+      <p:grpSpPr>
+        <a:xfrm>
+          <a:off x="0" y="0"/>
+          <a:ext cx="0" cy="0"/>
+          <a:chOff x="0" y="0"/>
+          <a:chExt cx="0" cy="0"/>
+        </a:xfrm>
+      </p:grpSpPr>
+      <p:sp>
+        <p:nvSpPr>
+          <p:cNvPr id="2" name="Zástupný symbol pro obrázek snímku 1"/>
+          <p:cNvSpPr>
+            <a:spLocks noGrp="1" noRot="1" noChangeAspect="1"/>
+          </p:cNvSpPr>
+          <p:nvPr>
+            <p:ph type="sldImg"/>
+          </p:nvPr>
+        </p:nvSpPr>
+        <p:spPr/>
+      </p:sp>
+      <p:sp>
+        <p:nvSpPr>
+          <p:cNvPr id="3" name="Zástupný symbol pro poznámky 2"/>
+          <p:cNvSpPr>
+            <a:spLocks noGrp="1"/>
+          </p:cNvSpPr>
+          <p:nvPr>
+            <p:ph type="body" idx="1"/>
+          </p:nvPr>
+        </p:nvSpPr>
+        <p:spPr/>
+        <p:txBody>
+          <a:bodyPr/>
+          <a:lstStyle/>
+          <a:p>
+            <a:endParaRPr lang="cs-CZ" dirty="0"/>
+          </a:p>
+        </p:txBody>
+      </p:sp>
+      <p:sp>
+        <p:nvSpPr>
+          <p:cNvPr id="4" name="Zástupný symbol pro číslo snímku 3"/>
+          <p:cNvSpPr>
+            <a:spLocks noGrp="1"/>
+          </p:cNvSpPr>
+          <p:nvPr>
+            <p:ph type="sldNum" sz="quarter" idx="5"/>
+          </p:nvPr>
+        </p:nvSpPr>
+        <p:spPr/>
+        <p:txBody>
+          <a:bodyPr/>
+          <a:lstStyle/>
+          <a:p>
+            <a:fld id="{888E3A86-DC57-4CCA-AA0B-A5DE7CB3B517}" type="slidenum">
+              <a:rPr lang="cs-CZ" smtClean="0"/>
+              <a:t>27</a:t>
+            </a:fld>
+            <a:endParaRPr lang="cs-CZ"/>
+          </a:p>
+        </p:txBody>
+      </p:sp>
+    </p:spTree>
+    <p:extLst>
+      <p:ext uri="{BB962C8B-B14F-4D97-AF65-F5344CB8AC3E}">
+        <p14:creationId xmlns:p14="http://schemas.microsoft.com/office/powerpoint/2010/main" val="4057757832"/>
+      </p:ext>
+    </p:extLst>
+  </p:cSld>
+  <p:clrMapOvr>
+    <a:masterClrMapping/>
+  </p:clrMapOvr>
+</p:notes>
+</file>
+
 <file path=ppt/notesSlides/notesSlide3.xml><?xml version="1.0" encoding="utf-8"?>
 <p:notes xmlns:a="http://schemas.openxmlformats.org/drawingml/2006/main" xmlns:r="http://schemas.openxmlformats.org/officeDocument/2006/relationships" xmlns:p="http://schemas.openxmlformats.org/presentationml/2006/main">
   <p:cSld>
@@ -1485,7 +1740,7 @@
     </p:spTree>
     <p:extLst>
       <p:ext uri="{BB962C8B-B14F-4D97-AF65-F5344CB8AC3E}">
-        <p14:creationId xmlns:p14="http://schemas.microsoft.com/office/powerpoint/2010/main" val="763689810"/>
+        <p14:creationId xmlns:p14="http://schemas.microsoft.com/office/powerpoint/2010/main" val="3064600558"/>
       </p:ext>
     </p:extLst>
   </p:cSld>
@@ -1560,7 +1815,7 @@
           <a:p>
             <a:fld id="{888E3A86-DC57-4CCA-AA0B-A5DE7CB3B517}" type="slidenum">
               <a:rPr lang="cs-CZ" smtClean="0"/>
-              <a:t>8</a:t>
+              <a:t>7</a:t>
             </a:fld>
             <a:endParaRPr lang="cs-CZ"/>
           </a:p>
@@ -1569,7 +1824,7 @@
     </p:spTree>
     <p:extLst>
       <p:ext uri="{BB962C8B-B14F-4D97-AF65-F5344CB8AC3E}">
-        <p14:creationId xmlns:p14="http://schemas.microsoft.com/office/powerpoint/2010/main" val="1280053993"/>
+        <p14:creationId xmlns:p14="http://schemas.microsoft.com/office/powerpoint/2010/main" val="3575580506"/>
       </p:ext>
     </p:extLst>
   </p:cSld>
@@ -1644,7 +1899,7 @@
           <a:p>
             <a:fld id="{888E3A86-DC57-4CCA-AA0B-A5DE7CB3B517}" type="slidenum">
               <a:rPr lang="cs-CZ" smtClean="0"/>
-              <a:t>9</a:t>
+              <a:t>8</a:t>
             </a:fld>
             <a:endParaRPr lang="cs-CZ"/>
           </a:p>
@@ -1653,7 +1908,7 @@
     </p:spTree>
     <p:extLst>
       <p:ext uri="{BB962C8B-B14F-4D97-AF65-F5344CB8AC3E}">
-        <p14:creationId xmlns:p14="http://schemas.microsoft.com/office/powerpoint/2010/main" val="915990675"/>
+        <p14:creationId xmlns:p14="http://schemas.microsoft.com/office/powerpoint/2010/main" val="86031465"/>
       </p:ext>
     </p:extLst>
   </p:cSld>
@@ -1728,7 +1983,7 @@
           <a:p>
             <a:fld id="{888E3A86-DC57-4CCA-AA0B-A5DE7CB3B517}" type="slidenum">
               <a:rPr lang="cs-CZ" smtClean="0"/>
-              <a:t>10</a:t>
+              <a:t>9</a:t>
             </a:fld>
             <a:endParaRPr lang="cs-CZ"/>
           </a:p>
@@ -1737,7 +1992,7 @@
     </p:spTree>
     <p:extLst>
       <p:ext uri="{BB962C8B-B14F-4D97-AF65-F5344CB8AC3E}">
-        <p14:creationId xmlns:p14="http://schemas.microsoft.com/office/powerpoint/2010/main" val="300219515"/>
+        <p14:creationId xmlns:p14="http://schemas.microsoft.com/office/powerpoint/2010/main" val="763689810"/>
       </p:ext>
     </p:extLst>
   </p:cSld>
@@ -1821,7 +2076,7 @@
     </p:spTree>
     <p:extLst>
       <p:ext uri="{BB962C8B-B14F-4D97-AF65-F5344CB8AC3E}">
-        <p14:creationId xmlns:p14="http://schemas.microsoft.com/office/powerpoint/2010/main" val="3436311921"/>
+        <p14:creationId xmlns:p14="http://schemas.microsoft.com/office/powerpoint/2010/main" val="1280053993"/>
       </p:ext>
     </p:extLst>
   </p:cSld>
@@ -1905,7 +2160,7 @@
     </p:spTree>
     <p:extLst>
       <p:ext uri="{BB962C8B-B14F-4D97-AF65-F5344CB8AC3E}">
-        <p14:creationId xmlns:p14="http://schemas.microsoft.com/office/powerpoint/2010/main" val="1092438624"/>
+        <p14:creationId xmlns:p14="http://schemas.microsoft.com/office/powerpoint/2010/main" val="915990675"/>
       </p:ext>
     </p:extLst>
   </p:cSld>
@@ -1989,7 +2244,7 @@
     </p:spTree>
     <p:extLst>
       <p:ext uri="{BB962C8B-B14F-4D97-AF65-F5344CB8AC3E}">
-        <p14:creationId xmlns:p14="http://schemas.microsoft.com/office/powerpoint/2010/main" val="1411167505"/>
+        <p14:creationId xmlns:p14="http://schemas.microsoft.com/office/powerpoint/2010/main" val="300219515"/>
       </p:ext>
     </p:extLst>
   </p:cSld>
@@ -2094,7 +2349,7 @@
           <a:effectLst/>
           <a:extLst>
             <a:ext uri="{91240B29-F687-4f45-9708-019B960494DF}">
-              <a14:hiddenLine xmlns:a14="http://schemas.microsoft.com/office/drawing/2010/main" xmlns="" w="9525">
+              <a14:hiddenLine xmlns="" xmlns:a14="http://schemas.microsoft.com/office/drawing/2010/main" w="9525">
                 <a:solidFill>
                   <a:srgbClr val="000000"/>
                 </a:solidFill>
@@ -3664,7 +3919,7 @@
           <a:ln/>
           <a:extLst>
             <a:ext uri="{91240B29-F687-4f45-9708-019B960494DF}">
-              <a14:hiddenLine xmlns:a14="http://schemas.microsoft.com/office/drawing/2010/main" xmlns="" w="9525">
+              <a14:hiddenLine xmlns="" xmlns:a14="http://schemas.microsoft.com/office/drawing/2010/main" w="9525">
                 <a:solidFill>
                   <a:srgbClr val="000000"/>
                 </a:solidFill>
@@ -3951,7 +4206,7 @@
           <a:ln/>
           <a:extLst>
             <a:ext uri="{91240B29-F687-4f45-9708-019B960494DF}">
-              <a14:hiddenLine xmlns:a14="http://schemas.microsoft.com/office/drawing/2010/main" xmlns="" w="9525">
+              <a14:hiddenLine xmlns="" xmlns:a14="http://schemas.microsoft.com/office/drawing/2010/main" w="9525">
                 <a:solidFill>
                   <a:srgbClr val="000000"/>
                 </a:solidFill>
@@ -4246,7 +4501,7 @@
           <a:ln/>
           <a:extLst>
             <a:ext uri="{91240B29-F687-4f45-9708-019B960494DF}">
-              <a14:hiddenLine xmlns:a14="http://schemas.microsoft.com/office/drawing/2010/main" xmlns="" w="9525">
+              <a14:hiddenLine xmlns="" xmlns:a14="http://schemas.microsoft.com/office/drawing/2010/main" w="9525">
                 <a:solidFill>
                   <a:srgbClr val="000000"/>
                 </a:solidFill>
@@ -4896,7 +5151,7 @@
           <a:ln/>
           <a:extLst>
             <a:ext uri="{91240B29-F687-4f45-9708-019B960494DF}">
-              <a14:hiddenLine xmlns:a14="http://schemas.microsoft.com/office/drawing/2010/main" xmlns="" w="9525">
+              <a14:hiddenLine xmlns="" xmlns:a14="http://schemas.microsoft.com/office/drawing/2010/main" w="9525">
                 <a:solidFill>
                   <a:srgbClr val="000000"/>
                 </a:solidFill>
@@ -5247,7 +5502,7 @@
           <a:ln/>
           <a:extLst>
             <a:ext uri="{91240B29-F687-4f45-9708-019B960494DF}">
-              <a14:hiddenLine xmlns:a14="http://schemas.microsoft.com/office/drawing/2010/main" xmlns="" w="9525">
+              <a14:hiddenLine xmlns="" xmlns:a14="http://schemas.microsoft.com/office/drawing/2010/main" w="9525">
                 <a:solidFill>
                   <a:srgbClr val="000000"/>
                 </a:solidFill>
@@ -5736,7 +5991,7 @@
           <a:ln/>
           <a:extLst>
             <a:ext uri="{91240B29-F687-4f45-9708-019B960494DF}">
-              <a14:hiddenLine xmlns:a14="http://schemas.microsoft.com/office/drawing/2010/main" xmlns="" w="9525">
+              <a14:hiddenLine xmlns="" xmlns:a14="http://schemas.microsoft.com/office/drawing/2010/main" w="9525">
                 <a:solidFill>
                   <a:srgbClr val="000000"/>
                 </a:solidFill>
@@ -6189,7 +6444,7 @@
           <a:ln/>
           <a:extLst>
             <a:ext uri="{91240B29-F687-4f45-9708-019B960494DF}">
-              <a14:hiddenLine xmlns:a14="http://schemas.microsoft.com/office/drawing/2010/main" xmlns="" w="9525">
+              <a14:hiddenLine xmlns="" xmlns:a14="http://schemas.microsoft.com/office/drawing/2010/main" w="9525">
                 <a:solidFill>
                   <a:srgbClr val="000000"/>
                 </a:solidFill>
@@ -7579,6 +7834,425 @@
           <p:cNvPr id="2" name="Nadpis 1">
             <a:extLst>
               <a:ext uri="{FF2B5EF4-FFF2-40B4-BE49-F238E27FC236}">
+                <a16:creationId xmlns:a16="http://schemas.microsoft.com/office/drawing/2014/main" id="{8A777927-F74D-CE2D-0D6E-EF61CF58A342}"/>
+              </a:ext>
+            </a:extLst>
+          </p:cNvPr>
+          <p:cNvSpPr>
+            <a:spLocks noGrp="1"/>
+          </p:cNvSpPr>
+          <p:nvPr>
+            <p:ph type="ctrTitle"/>
+          </p:nvPr>
+        </p:nvSpPr>
+        <p:spPr>
+          <a:xfrm>
+            <a:off x="0" y="1122363"/>
+            <a:ext cx="12192000" cy="2387600"/>
+          </a:xfrm>
+        </p:spPr>
+        <p:txBody>
+          <a:bodyPr/>
+          <a:lstStyle/>
+          <a:p>
+            <a:r>
+              <a:rPr lang="cs-CZ" sz="4800" dirty="0"/>
+              <a:t>Jarníkův algoritmus</a:t>
+            </a:r>
+          </a:p>
+        </p:txBody>
+      </p:sp>
+      <p:sp>
+        <p:nvSpPr>
+          <p:cNvPr id="5" name="Podnadpis 4">
+            <a:extLst>
+              <a:ext uri="{FF2B5EF4-FFF2-40B4-BE49-F238E27FC236}">
+                <a16:creationId xmlns:a16="http://schemas.microsoft.com/office/drawing/2014/main" id="{B4FDD6F6-D4D0-237E-EEB7-9CF90407BFAC}"/>
+              </a:ext>
+            </a:extLst>
+          </p:cNvPr>
+          <p:cNvSpPr>
+            <a:spLocks noGrp="1"/>
+          </p:cNvSpPr>
+          <p:nvPr>
+            <p:ph type="subTitle" idx="1"/>
+          </p:nvPr>
+        </p:nvSpPr>
+        <p:spPr/>
+        <p:txBody>
+          <a:bodyPr/>
+          <a:lstStyle/>
+          <a:p>
+            <a:endParaRPr lang="cs-CZ"/>
+          </a:p>
+        </p:txBody>
+      </p:sp>
+    </p:spTree>
+    <p:extLst>
+      <p:ext uri="{BB962C8B-B14F-4D97-AF65-F5344CB8AC3E}">
+        <p14:creationId xmlns:p14="http://schemas.microsoft.com/office/powerpoint/2010/main" val="2367948420"/>
+      </p:ext>
+    </p:extLst>
+  </p:cSld>
+  <p:clrMapOvr>
+    <a:masterClrMapping/>
+  </p:clrMapOvr>
+  <mc:AlternateContent xmlns:mc="http://schemas.openxmlformats.org/markup-compatibility/2006" xmlns:p159="http://schemas.microsoft.com/office/powerpoint/2015/09/main">
+    <mc:Choice Requires="p159">
+      <p:transition spd="slow">
+        <p159:morph option="byObject"/>
+      </p:transition>
+    </mc:Choice>
+    <mc:Fallback xmlns="">
+      <p:transition spd="slow">
+        <p:fade/>
+      </p:transition>
+    </mc:Fallback>
+  </mc:AlternateContent>
+</p:sld>
+</file>
+
+<file path=ppt/slides/slide11.xml><?xml version="1.0" encoding="utf-8"?>
+<p:sld xmlns:a="http://schemas.openxmlformats.org/drawingml/2006/main" xmlns:r="http://schemas.openxmlformats.org/officeDocument/2006/relationships" xmlns:p="http://schemas.openxmlformats.org/presentationml/2006/main">
+  <p:cSld>
+    <p:bg>
+      <p:bgPr>
+        <a:solidFill>
+          <a:schemeClr val="bg2"/>
+        </a:solidFill>
+        <a:effectLst/>
+      </p:bgPr>
+    </p:bg>
+    <p:spTree>
+      <p:nvGrpSpPr>
+        <p:cNvPr id="1" name=""/>
+        <p:cNvGrpSpPr/>
+        <p:nvPr/>
+      </p:nvGrpSpPr>
+      <p:grpSpPr>
+        <a:xfrm>
+          <a:off x="0" y="0"/>
+          <a:ext cx="0" cy="0"/>
+          <a:chOff x="0" y="0"/>
+          <a:chExt cx="0" cy="0"/>
+        </a:xfrm>
+      </p:grpSpPr>
+      <p:sp>
+        <p:nvSpPr>
+          <p:cNvPr id="2" name="Nadpis 1">
+            <a:extLst>
+              <a:ext uri="{FF2B5EF4-FFF2-40B4-BE49-F238E27FC236}">
+                <a16:creationId xmlns:a16="http://schemas.microsoft.com/office/drawing/2014/main" id="{69750CBC-247B-C052-407A-51083D43B0D2}"/>
+              </a:ext>
+            </a:extLst>
+          </p:cNvPr>
+          <p:cNvSpPr>
+            <a:spLocks noGrp="1"/>
+          </p:cNvSpPr>
+          <p:nvPr>
+            <p:ph type="title"/>
+          </p:nvPr>
+        </p:nvSpPr>
+        <p:spPr>
+          <a:xfrm>
+            <a:off x="810000" y="447188"/>
+            <a:ext cx="10571998" cy="970450"/>
+          </a:xfrm>
+        </p:spPr>
+        <p:txBody>
+          <a:bodyPr>
+            <a:normAutofit/>
+          </a:bodyPr>
+          <a:lstStyle/>
+          <a:p>
+            <a:r>
+              <a:rPr lang="cs-CZ" dirty="0"/>
+              <a:t>Jarníkův algoritmus</a:t>
+            </a:r>
+          </a:p>
+        </p:txBody>
+      </p:sp>
+      <p:sp>
+        <p:nvSpPr>
+          <p:cNvPr id="3" name="Zástupný obsah 2">
+            <a:extLst>
+              <a:ext uri="{FF2B5EF4-FFF2-40B4-BE49-F238E27FC236}">
+                <a16:creationId xmlns:a16="http://schemas.microsoft.com/office/drawing/2014/main" id="{7A502CCF-42F5-FF07-BCFB-923EFEFD30B7}"/>
+              </a:ext>
+            </a:extLst>
+          </p:cNvPr>
+          <p:cNvSpPr>
+            <a:spLocks noGrp="1"/>
+          </p:cNvSpPr>
+          <p:nvPr>
+            <p:ph idx="1"/>
+          </p:nvPr>
+        </p:nvSpPr>
+        <p:spPr>
+          <a:xfrm>
+            <a:off x="818713" y="2413000"/>
+            <a:ext cx="6487434" cy="3632200"/>
+          </a:xfrm>
+        </p:spPr>
+        <p:txBody>
+          <a:bodyPr>
+            <a:normAutofit fontScale="85000" lnSpcReduction="10000"/>
+          </a:bodyPr>
+          <a:lstStyle/>
+          <a:p>
+            <a:r>
+              <a:rPr lang="cs-CZ" sz="3200" dirty="0"/>
+              <a:t> Poprvé popsán roku 1930 v dopisu O. Borůvkovi</a:t>
+            </a:r>
+          </a:p>
+          <a:p>
+            <a:endParaRPr lang="cs-CZ" sz="3200" dirty="0"/>
+          </a:p>
+          <a:p>
+            <a:r>
+              <a:rPr lang="cs-CZ" sz="3200" dirty="0"/>
+              <a:t>Zjednodušená verze Borůvkova algoritmu</a:t>
+            </a:r>
+          </a:p>
+          <a:p>
+            <a:endParaRPr lang="cs-CZ" sz="3200" dirty="0"/>
+          </a:p>
+          <a:p>
+            <a:r>
+              <a:rPr lang="cs-CZ" sz="3200" dirty="0"/>
+              <a:t>V zahraničí prakticky zapomenut</a:t>
+            </a:r>
+          </a:p>
+        </p:txBody>
+      </p:sp>
+      <p:pic>
+        <p:nvPicPr>
+          <p:cNvPr id="5" name="Obrázek 4" descr="Obsah obrázku osoba, klobouk&#10;&#10;Popis byl vytvořen automaticky">
+            <a:extLst>
+              <a:ext uri="{FF2B5EF4-FFF2-40B4-BE49-F238E27FC236}">
+                <a16:creationId xmlns:a16="http://schemas.microsoft.com/office/drawing/2014/main" id="{3F302B17-6E69-67D8-0EEB-C377CCE9A48B}"/>
+              </a:ext>
+            </a:extLst>
+          </p:cNvPr>
+          <p:cNvPicPr>
+            <a:picLocks noChangeAspect="1"/>
+          </p:cNvPicPr>
+          <p:nvPr/>
+        </p:nvPicPr>
+        <p:blipFill>
+          <a:blip r:embed="rId3">
+            <a:extLst>
+              <a:ext uri="{28A0092B-C50C-407E-A947-70E740481C1C}">
+                <a14:useLocalDpi xmlns:a14="http://schemas.microsoft.com/office/drawing/2010/main" val="0"/>
+              </a:ext>
+            </a:extLst>
+          </a:blip>
+          <a:stretch>
+            <a:fillRect/>
+          </a:stretch>
+        </p:blipFill>
+        <p:spPr>
+          <a:xfrm>
+            <a:off x="8120958" y="2123967"/>
+            <a:ext cx="3261039" cy="4602374"/>
+          </a:xfrm>
+          <a:prstGeom prst="roundRect">
+            <a:avLst>
+              <a:gd name="adj" fmla="val 3876"/>
+            </a:avLst>
+          </a:prstGeom>
+          <a:ln>
+            <a:solidFill>
+              <a:schemeClr val="accent1"/>
+            </a:solidFill>
+          </a:ln>
+          <a:effectLst/>
+        </p:spPr>
+      </p:pic>
+    </p:spTree>
+    <p:extLst>
+      <p:ext uri="{BB962C8B-B14F-4D97-AF65-F5344CB8AC3E}">
+        <p14:creationId xmlns:p14="http://schemas.microsoft.com/office/powerpoint/2010/main" val="2405836106"/>
+      </p:ext>
+    </p:extLst>
+  </p:cSld>
+  <p:clrMapOvr>
+    <a:masterClrMapping/>
+  </p:clrMapOvr>
+  <mc:AlternateContent xmlns:mc="http://schemas.openxmlformats.org/markup-compatibility/2006" xmlns:p159="http://schemas.microsoft.com/office/powerpoint/2015/09/main">
+    <mc:Choice Requires="p159">
+      <p:transition spd="slow">
+        <p159:morph option="byObject"/>
+      </p:transition>
+    </mc:Choice>
+    <mc:Fallback xmlns="">
+      <p:transition spd="slow">
+        <p:fade/>
+      </p:transition>
+    </mc:Fallback>
+  </mc:AlternateContent>
+</p:sld>
+</file>
+
+<file path=ppt/slides/slide12.xml><?xml version="1.0" encoding="utf-8"?>
+<p:sld xmlns:a="http://schemas.openxmlformats.org/drawingml/2006/main" xmlns:r="http://schemas.openxmlformats.org/officeDocument/2006/relationships" xmlns:p="http://schemas.openxmlformats.org/presentationml/2006/main">
+  <p:cSld>
+    <p:spTree>
+      <p:nvGrpSpPr>
+        <p:cNvPr id="1" name=""/>
+        <p:cNvGrpSpPr/>
+        <p:nvPr/>
+      </p:nvGrpSpPr>
+      <p:grpSpPr>
+        <a:xfrm>
+          <a:off x="0" y="0"/>
+          <a:ext cx="0" cy="0"/>
+          <a:chOff x="0" y="0"/>
+          <a:chExt cx="0" cy="0"/>
+        </a:xfrm>
+      </p:grpSpPr>
+      <p:sp>
+        <p:nvSpPr>
+          <p:cNvPr id="2" name="Nadpis 1">
+            <a:extLst>
+              <a:ext uri="{FF2B5EF4-FFF2-40B4-BE49-F238E27FC236}">
+                <a16:creationId xmlns:a16="http://schemas.microsoft.com/office/drawing/2014/main" id="{69750CBC-247B-C052-407A-51083D43B0D2}"/>
+              </a:ext>
+            </a:extLst>
+          </p:cNvPr>
+          <p:cNvSpPr>
+            <a:spLocks noGrp="1"/>
+          </p:cNvSpPr>
+          <p:nvPr>
+            <p:ph type="title"/>
+          </p:nvPr>
+        </p:nvSpPr>
+        <p:spPr>
+          <a:xfrm>
+            <a:off x="810000" y="447188"/>
+            <a:ext cx="10571998" cy="970450"/>
+          </a:xfrm>
+        </p:spPr>
+        <p:txBody>
+          <a:bodyPr>
+            <a:normAutofit/>
+          </a:bodyPr>
+          <a:lstStyle/>
+          <a:p>
+            <a:r>
+              <a:rPr lang="cs-CZ" dirty="0"/>
+              <a:t>Jarníkův algoritmus</a:t>
+            </a:r>
+          </a:p>
+        </p:txBody>
+      </p:sp>
+      <p:sp>
+        <p:nvSpPr>
+          <p:cNvPr id="3" name="Zástupný obsah 2">
+            <a:extLst>
+              <a:ext uri="{FF2B5EF4-FFF2-40B4-BE49-F238E27FC236}">
+                <a16:creationId xmlns:a16="http://schemas.microsoft.com/office/drawing/2014/main" id="{7A502CCF-42F5-FF07-BCFB-923EFEFD30B7}"/>
+              </a:ext>
+            </a:extLst>
+          </p:cNvPr>
+          <p:cNvSpPr>
+            <a:spLocks noGrp="1"/>
+          </p:cNvSpPr>
+          <p:nvPr>
+            <p:ph idx="1"/>
+          </p:nvPr>
+        </p:nvSpPr>
+        <p:spPr>
+          <a:xfrm>
+            <a:off x="818713" y="2413000"/>
+            <a:ext cx="10563285" cy="3632200"/>
+          </a:xfrm>
+        </p:spPr>
+        <p:txBody>
+          <a:bodyPr>
+            <a:noAutofit/>
+          </a:bodyPr>
+          <a:lstStyle/>
+          <a:p>
+            <a:r>
+              <a:rPr lang="cs-CZ" sz="3200" dirty="0"/>
+              <a:t>Princip:</a:t>
+            </a:r>
+          </a:p>
+          <a:p>
+            <a:pPr lvl="1"/>
+            <a:r>
+              <a:rPr lang="cs-CZ" sz="3000" dirty="0"/>
+              <a:t>Najdi nejlevnější nenavštívenou cestu a označ počátek i konec za navštívené</a:t>
+            </a:r>
+          </a:p>
+          <a:p>
+            <a:pPr lvl="1"/>
+            <a:r>
+              <a:rPr lang="cs-CZ" sz="3000" dirty="0"/>
+              <a:t>Přidej nejlevnější nalezenou cestu do minimální kostry</a:t>
+            </a:r>
+          </a:p>
+          <a:p>
+            <a:pPr lvl="1"/>
+            <a:r>
+              <a:rPr lang="cs-CZ" sz="3000" dirty="0"/>
+              <a:t>Opakuj dokud nenavštívíš všechny body</a:t>
+            </a:r>
+          </a:p>
+          <a:p>
+            <a:pPr lvl="1"/>
+            <a:endParaRPr lang="cs-CZ" sz="3000" dirty="0"/>
+          </a:p>
+        </p:txBody>
+      </p:sp>
+    </p:spTree>
+    <p:extLst>
+      <p:ext uri="{BB962C8B-B14F-4D97-AF65-F5344CB8AC3E}">
+        <p14:creationId xmlns:p14="http://schemas.microsoft.com/office/powerpoint/2010/main" val="3670569241"/>
+      </p:ext>
+    </p:extLst>
+  </p:cSld>
+  <p:clrMapOvr>
+    <a:masterClrMapping/>
+  </p:clrMapOvr>
+  <mc:AlternateContent xmlns:mc="http://schemas.openxmlformats.org/markup-compatibility/2006" xmlns:p159="http://schemas.microsoft.com/office/powerpoint/2015/09/main">
+    <mc:Choice Requires="p159">
+      <p:transition spd="slow">
+        <p159:morph option="byObject"/>
+      </p:transition>
+    </mc:Choice>
+    <mc:Fallback xmlns="">
+      <p:transition spd="slow">
+        <p:fade/>
+      </p:transition>
+    </mc:Fallback>
+  </mc:AlternateContent>
+</p:sld>
+</file>
+
+<file path=ppt/slides/slide13.xml><?xml version="1.0" encoding="utf-8"?>
+<p:sld xmlns:a="http://schemas.openxmlformats.org/drawingml/2006/main" xmlns:r="http://schemas.openxmlformats.org/officeDocument/2006/relationships" xmlns:p="http://schemas.openxmlformats.org/presentationml/2006/main">
+  <p:cSld>
+    <p:spTree>
+      <p:nvGrpSpPr>
+        <p:cNvPr id="1" name=""/>
+        <p:cNvGrpSpPr/>
+        <p:nvPr/>
+      </p:nvGrpSpPr>
+      <p:grpSpPr>
+        <a:xfrm>
+          <a:off x="0" y="0"/>
+          <a:ext cx="0" cy="0"/>
+          <a:chOff x="0" y="0"/>
+          <a:chExt cx="0" cy="0"/>
+        </a:xfrm>
+      </p:grpSpPr>
+      <p:sp>
+        <p:nvSpPr>
+          <p:cNvPr id="2" name="Nadpis 1">
+            <a:extLst>
+              <a:ext uri="{FF2B5EF4-FFF2-40B4-BE49-F238E27FC236}">
                 <a16:creationId xmlns:a16="http://schemas.microsoft.com/office/drawing/2014/main" id="{69750CBC-247B-C052-407A-51083D43B0D2}"/>
               </a:ext>
             </a:extLst>
@@ -7706,7 +8380,7 @@
 </p:sld>
 </file>
 
-<file path=ppt/slides/slide11.xml><?xml version="1.0" encoding="utf-8"?>
+<file path=ppt/slides/slide14.xml><?xml version="1.0" encoding="utf-8"?>
 <p:sld xmlns:a="http://schemas.openxmlformats.org/drawingml/2006/main" xmlns:r="http://schemas.openxmlformats.org/officeDocument/2006/relationships" xmlns:p="http://schemas.openxmlformats.org/presentationml/2006/main">
   <p:cSld>
     <p:spTree>
@@ -7855,7 +8529,7 @@
 </p:sld>
 </file>
 
-<file path=ppt/slides/slide12.xml><?xml version="1.0" encoding="utf-8"?>
+<file path=ppt/slides/slide15.xml><?xml version="1.0" encoding="utf-8"?>
 <p:sld xmlns:a="http://schemas.openxmlformats.org/drawingml/2006/main" xmlns:r="http://schemas.openxmlformats.org/officeDocument/2006/relationships" xmlns:p="http://schemas.openxmlformats.org/presentationml/2006/main">
   <p:cSld>
     <p:spTree>
@@ -8004,7 +8678,7 @@
 </p:sld>
 </file>
 
-<file path=ppt/slides/slide13.xml><?xml version="1.0" encoding="utf-8"?>
+<file path=ppt/slides/slide16.xml><?xml version="1.0" encoding="utf-8"?>
 <p:sld xmlns:a="http://schemas.openxmlformats.org/drawingml/2006/main" xmlns:r="http://schemas.openxmlformats.org/officeDocument/2006/relationships" xmlns:p="http://schemas.openxmlformats.org/presentationml/2006/main">
   <p:cSld>
     <p:spTree>
@@ -8153,7 +8827,7 @@
 </p:sld>
 </file>
 
-<file path=ppt/slides/slide14.xml><?xml version="1.0" encoding="utf-8"?>
+<file path=ppt/slides/slide17.xml><?xml version="1.0" encoding="utf-8"?>
 <p:sld xmlns:a="http://schemas.openxmlformats.org/drawingml/2006/main" xmlns:r="http://schemas.openxmlformats.org/officeDocument/2006/relationships" xmlns:p="http://schemas.openxmlformats.org/presentationml/2006/main">
   <p:cSld>
     <p:spTree>
@@ -8302,7 +8976,7 @@
 </p:sld>
 </file>
 
-<file path=ppt/slides/slide15.xml><?xml version="1.0" encoding="utf-8"?>
+<file path=ppt/slides/slide18.xml><?xml version="1.0" encoding="utf-8"?>
 <p:sld xmlns:a="http://schemas.openxmlformats.org/drawingml/2006/main" xmlns:r="http://schemas.openxmlformats.org/officeDocument/2006/relationships" xmlns:p="http://schemas.openxmlformats.org/presentationml/2006/main">
   <p:cSld>
     <p:spTree>
@@ -8451,7 +9125,7 @@
 </p:sld>
 </file>
 
-<file path=ppt/slides/slide16.xml><?xml version="1.0" encoding="utf-8"?>
+<file path=ppt/slides/slide19.xml><?xml version="1.0" encoding="utf-8"?>
 <p:sld xmlns:a="http://schemas.openxmlformats.org/drawingml/2006/main" xmlns:r="http://schemas.openxmlformats.org/officeDocument/2006/relationships" xmlns:p="http://schemas.openxmlformats.org/presentationml/2006/main">
   <p:cSld>
     <p:spTree>
@@ -8600,7 +9274,128 @@
 </p:sld>
 </file>
 
-<file path=ppt/slides/slide17.xml><?xml version="1.0" encoding="utf-8"?>
+<file path=ppt/slides/slide2.xml><?xml version="1.0" encoding="utf-8"?>
+<p:sld xmlns:a="http://schemas.openxmlformats.org/drawingml/2006/main" xmlns:r="http://schemas.openxmlformats.org/officeDocument/2006/relationships" xmlns:p="http://schemas.openxmlformats.org/presentationml/2006/main">
+  <p:cSld>
+    <p:spTree>
+      <p:nvGrpSpPr>
+        <p:cNvPr id="1" name=""/>
+        <p:cNvGrpSpPr/>
+        <p:nvPr/>
+      </p:nvGrpSpPr>
+      <p:grpSpPr>
+        <a:xfrm>
+          <a:off x="0" y="0"/>
+          <a:ext cx="0" cy="0"/>
+          <a:chOff x="0" y="0"/>
+          <a:chExt cx="0" cy="0"/>
+        </a:xfrm>
+      </p:grpSpPr>
+      <p:sp>
+        <p:nvSpPr>
+          <p:cNvPr id="2" name="Nadpis 1">
+            <a:extLst>
+              <a:ext uri="{FF2B5EF4-FFF2-40B4-BE49-F238E27FC236}">
+                <a16:creationId xmlns:a16="http://schemas.microsoft.com/office/drawing/2014/main" id="{69750CBC-247B-C052-407A-51083D43B0D2}"/>
+              </a:ext>
+            </a:extLst>
+          </p:cNvPr>
+          <p:cNvSpPr>
+            <a:spLocks noGrp="1"/>
+          </p:cNvSpPr>
+          <p:nvPr>
+            <p:ph type="title"/>
+          </p:nvPr>
+        </p:nvSpPr>
+        <p:spPr/>
+        <p:txBody>
+          <a:bodyPr/>
+          <a:lstStyle/>
+          <a:p>
+            <a:r>
+              <a:rPr lang="cs-CZ" dirty="0"/>
+              <a:t>K čemu slouží?</a:t>
+            </a:r>
+          </a:p>
+        </p:txBody>
+      </p:sp>
+      <p:sp>
+        <p:nvSpPr>
+          <p:cNvPr id="3" name="Zástupný obsah 2">
+            <a:extLst>
+              <a:ext uri="{FF2B5EF4-FFF2-40B4-BE49-F238E27FC236}">
+                <a16:creationId xmlns:a16="http://schemas.microsoft.com/office/drawing/2014/main" id="{7A502CCF-42F5-FF07-BCFB-923EFEFD30B7}"/>
+              </a:ext>
+            </a:extLst>
+          </p:cNvPr>
+          <p:cNvSpPr>
+            <a:spLocks noGrp="1"/>
+          </p:cNvSpPr>
+          <p:nvPr>
+            <p:ph idx="1"/>
+          </p:nvPr>
+        </p:nvSpPr>
+        <p:spPr/>
+        <p:txBody>
+          <a:bodyPr>
+            <a:normAutofit/>
+          </a:bodyPr>
+          <a:lstStyle/>
+          <a:p>
+            <a:r>
+              <a:rPr lang="cs-CZ" sz="3600" dirty="0"/>
+              <a:t> Hledání minimální kostry grafu</a:t>
+            </a:r>
+          </a:p>
+          <a:p>
+            <a:pPr lvl="1"/>
+            <a:r>
+              <a:rPr lang="cs-CZ" sz="3400" dirty="0"/>
+              <a:t>Navigace</a:t>
+            </a:r>
+          </a:p>
+          <a:p>
+            <a:pPr lvl="1"/>
+            <a:r>
+              <a:rPr lang="cs-CZ" sz="3400" dirty="0"/>
+              <a:t>Zavádění telekomunikačních sítí</a:t>
+            </a:r>
+          </a:p>
+          <a:p>
+            <a:pPr lvl="1"/>
+            <a:r>
+              <a:rPr lang="cs-CZ" sz="3400" dirty="0"/>
+              <a:t>Elektrifikace Moravy :)</a:t>
+            </a:r>
+          </a:p>
+        </p:txBody>
+      </p:sp>
+    </p:spTree>
+    <p:extLst>
+      <p:ext uri="{BB962C8B-B14F-4D97-AF65-F5344CB8AC3E}">
+        <p14:creationId xmlns:p14="http://schemas.microsoft.com/office/powerpoint/2010/main" val="2688987692"/>
+      </p:ext>
+    </p:extLst>
+  </p:cSld>
+  <p:clrMapOvr>
+    <a:masterClrMapping/>
+  </p:clrMapOvr>
+  <mc:AlternateContent xmlns:mc="http://schemas.openxmlformats.org/markup-compatibility/2006" xmlns:p159="http://schemas.microsoft.com/office/powerpoint/2015/09/main">
+    <mc:Choice Requires="p159">
+      <p:transition spd="slow">
+        <p159:morph option="byObject"/>
+      </p:transition>
+    </mc:Choice>
+    <mc:Fallback xmlns="">
+      <p:transition spd="slow">
+        <p:fade/>
+      </p:transition>
+    </mc:Fallback>
+  </mc:AlternateContent>
+</p:sld>
+</file>
+
+<file path=ppt/slides/slide20.xml><?xml version="1.0" encoding="utf-8"?>
 <p:sld xmlns:a="http://schemas.openxmlformats.org/drawingml/2006/main" xmlns:r="http://schemas.openxmlformats.org/officeDocument/2006/relationships" xmlns:p="http://schemas.openxmlformats.org/presentationml/2006/main">
   <p:cSld>
     <p:spTree>
@@ -8749,7 +9544,7 @@
 </p:sld>
 </file>
 
-<file path=ppt/slides/slide18.xml><?xml version="1.0" encoding="utf-8"?>
+<file path=ppt/slides/slide21.xml><?xml version="1.0" encoding="utf-8"?>
 <p:sld xmlns:a="http://schemas.openxmlformats.org/drawingml/2006/main" xmlns:r="http://schemas.openxmlformats.org/officeDocument/2006/relationships" xmlns:p="http://schemas.openxmlformats.org/presentationml/2006/main">
   <p:cSld>
     <p:spTree>
@@ -8898,7 +9693,7 @@
 </p:sld>
 </file>
 
-<file path=ppt/slides/slide19.xml><?xml version="1.0" encoding="utf-8"?>
+<file path=ppt/slides/slide22.xml><?xml version="1.0" encoding="utf-8"?>
 <p:sld xmlns:a="http://schemas.openxmlformats.org/drawingml/2006/main" xmlns:r="http://schemas.openxmlformats.org/officeDocument/2006/relationships" xmlns:p="http://schemas.openxmlformats.org/presentationml/2006/main">
   <p:cSld>
     <p:spTree>
@@ -9047,128 +9842,7 @@
 </p:sld>
 </file>
 
-<file path=ppt/slides/slide2.xml><?xml version="1.0" encoding="utf-8"?>
-<p:sld xmlns:a="http://schemas.openxmlformats.org/drawingml/2006/main" xmlns:r="http://schemas.openxmlformats.org/officeDocument/2006/relationships" xmlns:p="http://schemas.openxmlformats.org/presentationml/2006/main">
-  <p:cSld>
-    <p:spTree>
-      <p:nvGrpSpPr>
-        <p:cNvPr id="1" name=""/>
-        <p:cNvGrpSpPr/>
-        <p:nvPr/>
-      </p:nvGrpSpPr>
-      <p:grpSpPr>
-        <a:xfrm>
-          <a:off x="0" y="0"/>
-          <a:ext cx="0" cy="0"/>
-          <a:chOff x="0" y="0"/>
-          <a:chExt cx="0" cy="0"/>
-        </a:xfrm>
-      </p:grpSpPr>
-      <p:sp>
-        <p:nvSpPr>
-          <p:cNvPr id="2" name="Nadpis 1">
-            <a:extLst>
-              <a:ext uri="{FF2B5EF4-FFF2-40B4-BE49-F238E27FC236}">
-                <a16:creationId xmlns:a16="http://schemas.microsoft.com/office/drawing/2014/main" id="{69750CBC-247B-C052-407A-51083D43B0D2}"/>
-              </a:ext>
-            </a:extLst>
-          </p:cNvPr>
-          <p:cNvSpPr>
-            <a:spLocks noGrp="1"/>
-          </p:cNvSpPr>
-          <p:nvPr>
-            <p:ph type="title"/>
-          </p:nvPr>
-        </p:nvSpPr>
-        <p:spPr/>
-        <p:txBody>
-          <a:bodyPr/>
-          <a:lstStyle/>
-          <a:p>
-            <a:r>
-              <a:rPr lang="cs-CZ" dirty="0"/>
-              <a:t>K čemu slouží?</a:t>
-            </a:r>
-          </a:p>
-        </p:txBody>
-      </p:sp>
-      <p:sp>
-        <p:nvSpPr>
-          <p:cNvPr id="3" name="Zástupný obsah 2">
-            <a:extLst>
-              <a:ext uri="{FF2B5EF4-FFF2-40B4-BE49-F238E27FC236}">
-                <a16:creationId xmlns:a16="http://schemas.microsoft.com/office/drawing/2014/main" id="{7A502CCF-42F5-FF07-BCFB-923EFEFD30B7}"/>
-              </a:ext>
-            </a:extLst>
-          </p:cNvPr>
-          <p:cNvSpPr>
-            <a:spLocks noGrp="1"/>
-          </p:cNvSpPr>
-          <p:nvPr>
-            <p:ph idx="1"/>
-          </p:nvPr>
-        </p:nvSpPr>
-        <p:spPr/>
-        <p:txBody>
-          <a:bodyPr>
-            <a:normAutofit/>
-          </a:bodyPr>
-          <a:lstStyle/>
-          <a:p>
-            <a:r>
-              <a:rPr lang="cs-CZ" sz="3600" dirty="0"/>
-              <a:t> Hledání minimální kostry grafu</a:t>
-            </a:r>
-          </a:p>
-          <a:p>
-            <a:pPr lvl="1"/>
-            <a:r>
-              <a:rPr lang="cs-CZ" sz="3400" dirty="0"/>
-              <a:t>Navigace</a:t>
-            </a:r>
-          </a:p>
-          <a:p>
-            <a:pPr lvl="1"/>
-            <a:r>
-              <a:rPr lang="cs-CZ" sz="3400" dirty="0"/>
-              <a:t>Zavádění telekomunikačních sítí</a:t>
-            </a:r>
-          </a:p>
-          <a:p>
-            <a:pPr lvl="1"/>
-            <a:r>
-              <a:rPr lang="cs-CZ" sz="3400" dirty="0"/>
-              <a:t>Elektrifikace Moravy :)</a:t>
-            </a:r>
-          </a:p>
-        </p:txBody>
-      </p:sp>
-    </p:spTree>
-    <p:extLst>
-      <p:ext uri="{BB962C8B-B14F-4D97-AF65-F5344CB8AC3E}">
-        <p14:creationId xmlns:p14="http://schemas.microsoft.com/office/powerpoint/2010/main" val="2688987692"/>
-      </p:ext>
-    </p:extLst>
-  </p:cSld>
-  <p:clrMapOvr>
-    <a:masterClrMapping/>
-  </p:clrMapOvr>
-  <mc:AlternateContent xmlns:mc="http://schemas.openxmlformats.org/markup-compatibility/2006" xmlns:p159="http://schemas.microsoft.com/office/powerpoint/2015/09/main">
-    <mc:Choice Requires="p159">
-      <p:transition spd="slow">
-        <p159:morph option="byObject"/>
-      </p:transition>
-    </mc:Choice>
-    <mc:Fallback xmlns="">
-      <p:transition spd="slow">
-        <p:fade/>
-      </p:transition>
-    </mc:Fallback>
-  </mc:AlternateContent>
-</p:sld>
-</file>
-
-<file path=ppt/slides/slide20.xml><?xml version="1.0" encoding="utf-8"?>
+<file path=ppt/slides/slide23.xml><?xml version="1.0" encoding="utf-8"?>
 <p:sld xmlns:a="http://schemas.openxmlformats.org/drawingml/2006/main" xmlns:r="http://schemas.openxmlformats.org/officeDocument/2006/relationships" xmlns:p="http://schemas.openxmlformats.org/presentationml/2006/main">
   <p:cSld>
     <p:spTree>
@@ -9317,7 +9991,7 @@
 </p:sld>
 </file>
 
-<file path=ppt/slides/slide21.xml><?xml version="1.0" encoding="utf-8"?>
+<file path=ppt/slides/slide24.xml><?xml version="1.0" encoding="utf-8"?>
 <p:sld xmlns:a="http://schemas.openxmlformats.org/drawingml/2006/main" xmlns:r="http://schemas.openxmlformats.org/officeDocument/2006/relationships" xmlns:p="http://schemas.openxmlformats.org/presentationml/2006/main">
   <p:cSld>
     <p:spTree>
@@ -9417,7 +10091,7 @@
 </p:sld>
 </file>
 
-<file path=ppt/slides/slide22.xml><?xml version="1.0" encoding="utf-8"?>
+<file path=ppt/slides/slide25.xml><?xml version="1.0" encoding="utf-8"?>
 <p:sld xmlns:a="http://schemas.openxmlformats.org/drawingml/2006/main" xmlns:r="http://schemas.openxmlformats.org/officeDocument/2006/relationships" xmlns:p="http://schemas.openxmlformats.org/presentationml/2006/main">
   <p:cSld>
     <p:bg>
@@ -9608,7 +10282,7 @@
 </p:sld>
 </file>
 
-<file path=ppt/slides/slide23.xml><?xml version="1.0" encoding="utf-8"?>
+<file path=ppt/slides/slide26.xml><?xml version="1.0" encoding="utf-8"?>
 <p:sld xmlns:a="http://schemas.openxmlformats.org/drawingml/2006/main" xmlns:r="http://schemas.openxmlformats.org/officeDocument/2006/relationships" xmlns:p="http://schemas.openxmlformats.org/presentationml/2006/main">
   <p:cSld>
     <p:spTree>
@@ -9708,7 +10382,7 @@
 </p:sld>
 </file>
 
-<file path=ppt/slides/slide24.xml><?xml version="1.0" encoding="utf-8"?>
+<file path=ppt/slides/slide27.xml><?xml version="1.0" encoding="utf-8"?>
 <p:sld xmlns:a="http://schemas.openxmlformats.org/drawingml/2006/main" xmlns:r="http://schemas.openxmlformats.org/officeDocument/2006/relationships" xmlns:p="http://schemas.openxmlformats.org/presentationml/2006/main">
   <p:cSld>
     <p:spTree>
@@ -10228,6 +10902,15 @@
               <a:rPr lang="cs-CZ" dirty="0"/>
               <a:t>Borůvkův algoritmus</a:t>
             </a:r>
+            <a:r>
+              <a:rPr lang="en-US" dirty="0"/>
+              <a:t> - </a:t>
+            </a:r>
+            <a:r>
+              <a:rPr lang="en-US" dirty="0" err="1"/>
+              <a:t>myšlenka</a:t>
+            </a:r>
+            <a:endParaRPr lang="cs-CZ" dirty="0"/>
           </a:p>
         </p:txBody>
       </p:sp>
@@ -10260,9 +10943,213 @@
           <a:lstStyle/>
           <a:p>
             <a:r>
-              <a:rPr lang="cs-CZ" sz="3200" dirty="0"/>
-              <a:t>Princip</a:t>
-            </a:r>
+              <a:rPr lang="en-US" sz="3200" dirty="0"/>
+              <a:t> </a:t>
+            </a:r>
+            <a:r>
+              <a:rPr lang="en-US" sz="3200" dirty="0" err="1"/>
+              <a:t>Hlavní</a:t>
+            </a:r>
+            <a:r>
+              <a:rPr lang="en-US" sz="3200" dirty="0"/>
+              <a:t> </a:t>
+            </a:r>
+            <a:r>
+              <a:rPr lang="en-US" sz="3200" dirty="0" err="1"/>
+              <a:t>myšlenkou</a:t>
+            </a:r>
+            <a:r>
+              <a:rPr lang="en-US" sz="3200" dirty="0"/>
+              <a:t> je </a:t>
+            </a:r>
+            <a:r>
+              <a:rPr lang="en-US" sz="3200" dirty="0" err="1"/>
+              <a:t>opakovaně</a:t>
+            </a:r>
+            <a:r>
+              <a:rPr lang="en-US" sz="3200" dirty="0"/>
+              <a:t> </a:t>
+            </a:r>
+            <a:r>
+              <a:rPr lang="en-US" sz="3200" dirty="0" err="1"/>
+              <a:t>přidávat</a:t>
+            </a:r>
+            <a:r>
+              <a:rPr lang="en-US" sz="3200" dirty="0"/>
+              <a:t> </a:t>
+            </a:r>
+            <a:r>
+              <a:rPr lang="en-US" sz="3200" dirty="0" err="1"/>
+              <a:t>nejlevnější</a:t>
+            </a:r>
+            <a:r>
+              <a:rPr lang="en-US" sz="3200" dirty="0"/>
+              <a:t> edge (</a:t>
+            </a:r>
+            <a:r>
+              <a:rPr lang="en-US" sz="3200" dirty="0" err="1"/>
+              <a:t>hranu</a:t>
+            </a:r>
+            <a:r>
+              <a:rPr lang="en-US" sz="3200" dirty="0"/>
+              <a:t>), která </a:t>
+            </a:r>
+            <a:r>
+              <a:rPr lang="en-US" sz="3200" dirty="0" err="1"/>
+              <a:t>spojuje</a:t>
+            </a:r>
+            <a:r>
+              <a:rPr lang="en-US" sz="3200" dirty="0"/>
+              <a:t> </a:t>
+            </a:r>
+            <a:r>
+              <a:rPr lang="en-US" sz="3200" dirty="0" err="1"/>
+              <a:t>dva</a:t>
+            </a:r>
+            <a:r>
+              <a:rPr lang="en-US" sz="3200" dirty="0"/>
+              <a:t> </a:t>
+            </a:r>
+            <a:r>
+              <a:rPr lang="en-US" sz="3200" dirty="0" err="1"/>
+              <a:t>různé</a:t>
+            </a:r>
+            <a:r>
+              <a:rPr lang="en-US" sz="3200" dirty="0"/>
+              <a:t> </a:t>
+            </a:r>
+            <a:r>
+              <a:rPr lang="en-US" sz="3200" dirty="0" err="1"/>
+              <a:t>stromy</a:t>
+            </a:r>
+            <a:r>
+              <a:rPr lang="en-US" sz="3200" dirty="0"/>
+              <a:t> </a:t>
+            </a:r>
+            <a:r>
+              <a:rPr lang="en-US" sz="3200" dirty="0" err="1"/>
+              <a:t>grafu</a:t>
+            </a:r>
+            <a:r>
+              <a:rPr lang="en-US" sz="3200" dirty="0"/>
+              <a:t> (</a:t>
+            </a:r>
+            <a:r>
+              <a:rPr lang="en-US" sz="3200" dirty="0" err="1"/>
+              <a:t>lesu</a:t>
+            </a:r>
+            <a:r>
+              <a:rPr lang="en-US" sz="3200" dirty="0"/>
+              <a:t>) </a:t>
+            </a:r>
+            <a:r>
+              <a:rPr lang="en-US" sz="3200" dirty="0" err="1"/>
+              <a:t>dokud</a:t>
+            </a:r>
+            <a:r>
+              <a:rPr lang="en-US" sz="3200" dirty="0"/>
+              <a:t> </a:t>
+            </a:r>
+            <a:r>
+              <a:rPr lang="en-US" sz="3200" dirty="0" err="1"/>
+              <a:t>nezůstane</a:t>
+            </a:r>
+            <a:r>
+              <a:rPr lang="en-US" sz="3200" dirty="0"/>
+              <a:t> </a:t>
+            </a:r>
+            <a:r>
+              <a:rPr lang="en-US" sz="3200" dirty="0" err="1"/>
+              <a:t>pouze</a:t>
+            </a:r>
+            <a:r>
+              <a:rPr lang="en-US" sz="3200" dirty="0"/>
+              <a:t> </a:t>
+            </a:r>
+            <a:r>
+              <a:rPr lang="en-US" sz="3200" dirty="0" err="1"/>
+              <a:t>jeden</a:t>
+            </a:r>
+            <a:r>
+              <a:rPr lang="en-US" sz="3200" dirty="0"/>
+              <a:t> </a:t>
+            </a:r>
+            <a:r>
+              <a:rPr lang="en-US" sz="3200" dirty="0" err="1"/>
+              <a:t>strom</a:t>
+            </a:r>
+            <a:endParaRPr lang="en-US" sz="3200" dirty="0"/>
+          </a:p>
+          <a:p>
+            <a:r>
+              <a:rPr lang="en-US" sz="3200" dirty="0"/>
+              <a:t> </a:t>
+            </a:r>
+            <a:r>
+              <a:rPr lang="en-US" sz="3200" dirty="0" err="1"/>
+              <a:t>Může</a:t>
+            </a:r>
+            <a:r>
+              <a:rPr lang="en-US" sz="3200" dirty="0"/>
+              <a:t> </a:t>
+            </a:r>
+            <a:r>
+              <a:rPr lang="en-US" sz="3200" dirty="0" err="1"/>
+              <a:t>fungovat</a:t>
+            </a:r>
+            <a:r>
+              <a:rPr lang="en-US" sz="3200" dirty="0"/>
+              <a:t> </a:t>
+            </a:r>
+            <a:r>
+              <a:rPr lang="en-US" sz="3200" dirty="0" err="1"/>
+              <a:t>na</a:t>
+            </a:r>
+            <a:r>
+              <a:rPr lang="en-US" sz="3200" dirty="0"/>
+              <a:t> </a:t>
+            </a:r>
+            <a:r>
+              <a:rPr lang="en-US" sz="3200" dirty="0" err="1"/>
+              <a:t>neusměrněném</a:t>
+            </a:r>
+            <a:r>
+              <a:rPr lang="en-US" sz="3200" dirty="0"/>
+              <a:t> </a:t>
+            </a:r>
+            <a:r>
+              <a:rPr lang="en-US" sz="3200" dirty="0" err="1"/>
+              <a:t>grafu</a:t>
+            </a:r>
+            <a:r>
+              <a:rPr lang="en-US" sz="3200" dirty="0"/>
+              <a:t> (</a:t>
+            </a:r>
+            <a:r>
+              <a:rPr lang="en-US" sz="3200" dirty="0" err="1"/>
+              <a:t>ikdyž</a:t>
+            </a:r>
+            <a:r>
+              <a:rPr lang="en-US" sz="3200" dirty="0"/>
+              <a:t> se </a:t>
+            </a:r>
+            <a:r>
+              <a:rPr lang="en-US" sz="3200" dirty="0" err="1"/>
+              <a:t>tak</a:t>
+            </a:r>
+            <a:r>
+              <a:rPr lang="en-US" sz="3200" dirty="0"/>
+              <a:t> </a:t>
+            </a:r>
+            <a:r>
+              <a:rPr lang="en-US" sz="3200" dirty="0" err="1"/>
+              <a:t>nepoužívá</a:t>
+            </a:r>
+            <a:r>
+              <a:rPr lang="en-US" sz="3200" dirty="0"/>
+              <a:t>)</a:t>
+            </a:r>
+            <a:endParaRPr lang="cs-CZ" sz="3200" dirty="0"/>
           </a:p>
         </p:txBody>
       </p:sp>
@@ -10340,61 +11227,181 @@
               <a:rPr lang="cs-CZ" dirty="0"/>
               <a:t>Borůvkův algoritmus</a:t>
             </a:r>
-          </a:p>
-        </p:txBody>
-      </p:sp>
-      <p:pic>
-        <p:nvPicPr>
-          <p:cNvPr id="7" name="Zástupný obsah 6" descr="Obsah obrázku diagram&#10;&#10;Popis byl vytvořen automaticky">
+            <a:r>
+              <a:rPr lang="en-US" dirty="0"/>
+              <a:t> – </a:t>
+            </a:r>
+            <a:r>
+              <a:rPr lang="en-US" dirty="0" err="1"/>
+              <a:t>pojmy</a:t>
+            </a:r>
+            <a:r>
+              <a:rPr lang="en-US" dirty="0"/>
+              <a:t> les, </a:t>
+            </a:r>
+            <a:r>
+              <a:rPr lang="en-US" dirty="0" err="1"/>
+              <a:t>strom</a:t>
+            </a:r>
+            <a:endParaRPr lang="cs-CZ" dirty="0"/>
+          </a:p>
+        </p:txBody>
+      </p:sp>
+      <p:sp>
+        <p:nvSpPr>
+          <p:cNvPr id="3" name="Zástupný obsah 2">
             <a:extLst>
               <a:ext uri="{FF2B5EF4-FFF2-40B4-BE49-F238E27FC236}">
-                <a16:creationId xmlns:a16="http://schemas.microsoft.com/office/drawing/2014/main" id="{FCC2BF2B-43AD-011D-28D9-310B52EC9377}"/>
+                <a16:creationId xmlns:a16="http://schemas.microsoft.com/office/drawing/2014/main" id="{7A502CCF-42F5-FF07-BCFB-923EFEFD30B7}"/>
               </a:ext>
             </a:extLst>
           </p:cNvPr>
-          <p:cNvPicPr>
-            <a:picLocks noGrp="1" noChangeAspect="1"/>
-          </p:cNvPicPr>
+          <p:cNvSpPr>
+            <a:spLocks noGrp="1"/>
+          </p:cNvSpPr>
           <p:nvPr>
             <p:ph idx="1"/>
           </p:nvPr>
-        </p:nvPicPr>
-        <p:blipFill>
-          <a:blip r:embed="rId3">
-            <a:extLst>
-              <a:ext uri="{28A0092B-C50C-407E-A947-70E740481C1C}">
-                <a14:useLocalDpi xmlns:a14="http://schemas.microsoft.com/office/drawing/2010/main" val="0"/>
-              </a:ext>
-            </a:extLst>
-          </a:blip>
-          <a:stretch>
-            <a:fillRect/>
-          </a:stretch>
-        </p:blipFill>
+        </p:nvSpPr>
         <p:spPr>
           <a:xfrm>
-            <a:off x="1678535" y="2227152"/>
-            <a:ext cx="8834929" cy="4630848"/>
+            <a:off x="818713" y="2413000"/>
+            <a:ext cx="10563285" cy="3632200"/>
           </a:xfrm>
         </p:spPr>
-      </p:pic>
+        <p:txBody>
+          <a:bodyPr>
+            <a:noAutofit/>
+          </a:bodyPr>
+          <a:lstStyle/>
+          <a:p>
+            <a:r>
+              <a:rPr lang="en-US" sz="3200" dirty="0"/>
+              <a:t> Les == </a:t>
+            </a:r>
+            <a:r>
+              <a:rPr lang="en-US" sz="3200" dirty="0" err="1"/>
+              <a:t>jiný</a:t>
+            </a:r>
+            <a:r>
+              <a:rPr lang="en-US" sz="3200" dirty="0"/>
+              <a:t> </a:t>
+            </a:r>
+            <a:r>
+              <a:rPr lang="en-US" sz="3200" dirty="0" err="1"/>
+              <a:t>název</a:t>
+            </a:r>
+            <a:r>
+              <a:rPr lang="en-US" sz="3200" dirty="0"/>
+              <a:t> pro </a:t>
+            </a:r>
+            <a:r>
+              <a:rPr lang="en-US" sz="3200" dirty="0" err="1"/>
+              <a:t>graf</a:t>
+            </a:r>
+            <a:r>
+              <a:rPr lang="en-US" sz="3000" dirty="0"/>
+              <a:t> (bez </a:t>
+            </a:r>
+            <a:r>
+              <a:rPr lang="en-US" sz="3000" dirty="0" err="1"/>
+              <a:t>zacyklení</a:t>
+            </a:r>
+            <a:r>
+              <a:rPr lang="en-US" sz="3000" dirty="0"/>
+              <a:t>)</a:t>
+            </a:r>
+          </a:p>
+          <a:p>
+            <a:r>
+              <a:rPr lang="en-US" sz="3200" dirty="0"/>
+              <a:t> Strom == </a:t>
+            </a:r>
+            <a:r>
+              <a:rPr lang="en-US" sz="3200" dirty="0" err="1"/>
+              <a:t>více</a:t>
+            </a:r>
+            <a:r>
+              <a:rPr lang="en-US" sz="3200" dirty="0"/>
+              <a:t> </a:t>
+            </a:r>
+            <a:r>
+              <a:rPr lang="en-US" sz="3200" dirty="0" err="1"/>
+              <a:t>propojených</a:t>
+            </a:r>
+            <a:r>
+              <a:rPr lang="en-US" sz="3200" dirty="0"/>
+              <a:t> </a:t>
+            </a:r>
+            <a:r>
+              <a:rPr lang="en-US" sz="3200" dirty="0" err="1"/>
+              <a:t>nodů</a:t>
+            </a:r>
+            <a:r>
+              <a:rPr lang="en-US" sz="3200" dirty="0"/>
+              <a:t>, </a:t>
+            </a:r>
+            <a:r>
+              <a:rPr lang="en-US" sz="3200" dirty="0" err="1"/>
+              <a:t>které</a:t>
+            </a:r>
+            <a:r>
+              <a:rPr lang="en-US" sz="3200" dirty="0"/>
+              <a:t> </a:t>
+            </a:r>
+            <a:r>
+              <a:rPr lang="en-US" sz="3200" dirty="0" err="1"/>
+              <a:t>bereme</a:t>
+            </a:r>
+            <a:r>
+              <a:rPr lang="en-US" sz="3200" dirty="0"/>
+              <a:t> jako </a:t>
+            </a:r>
+            <a:r>
+              <a:rPr lang="en-US" sz="3200" dirty="0" err="1"/>
+              <a:t>jeden</a:t>
+            </a:r>
+            <a:r>
+              <a:rPr lang="en-US" sz="3200" dirty="0"/>
+              <a:t> </a:t>
+            </a:r>
+            <a:r>
+              <a:rPr lang="en-US" sz="3200" dirty="0" err="1"/>
+              <a:t>prvek</a:t>
+            </a:r>
+            <a:r>
+              <a:rPr lang="en-US" sz="3200" dirty="0"/>
+              <a:t> (bez </a:t>
+            </a:r>
+            <a:r>
+              <a:rPr lang="en-US" sz="3200" dirty="0" err="1"/>
+              <a:t>zacyklení</a:t>
+            </a:r>
+            <a:r>
+              <a:rPr lang="en-US" sz="3200" dirty="0"/>
+              <a:t>)</a:t>
+            </a:r>
+            <a:endParaRPr lang="cs-CZ" sz="3200" dirty="0"/>
+          </a:p>
+        </p:txBody>
+      </p:sp>
     </p:spTree>
     <p:extLst>
       <p:ext uri="{BB962C8B-B14F-4D97-AF65-F5344CB8AC3E}">
-        <p14:creationId xmlns:p14="http://schemas.microsoft.com/office/powerpoint/2010/main" val="689638914"/>
+        <p14:creationId xmlns:p14="http://schemas.microsoft.com/office/powerpoint/2010/main" val="390612004"/>
       </p:ext>
     </p:extLst>
   </p:cSld>
   <p:clrMapOvr>
     <a:masterClrMapping/>
   </p:clrMapOvr>
-  <mc:AlternateContent xmlns:mc="http://schemas.openxmlformats.org/markup-compatibility/2006" xmlns:p159="http://schemas.microsoft.com/office/powerpoint/2015/09/main">
-    <mc:Choice Requires="p159">
+  <mc:AlternateContent xmlns:mc="http://schemas.openxmlformats.org/markup-compatibility/2006">
+    <mc:Choice xmlns:p159="http://schemas.microsoft.com/office/powerpoint/2015/09/main" Requires="p159">
       <p:transition spd="slow">
         <p159:morph option="byObject"/>
       </p:transition>
     </mc:Choice>
-    <mc:Fallback xmlns="">
+    <mc:Fallback>
       <p:transition spd="slow">
         <p:fade/>
       </p:transition>
@@ -10425,7 +11432,7 @@
           <p:cNvPr id="2" name="Nadpis 1">
             <a:extLst>
               <a:ext uri="{FF2B5EF4-FFF2-40B4-BE49-F238E27FC236}">
-                <a16:creationId xmlns:a16="http://schemas.microsoft.com/office/drawing/2014/main" id="{8A777927-F74D-CE2D-0D6E-EF61CF58A342}"/>
+                <a16:creationId xmlns:a16="http://schemas.microsoft.com/office/drawing/2014/main" id="{69750CBC-247B-C052-407A-51083D43B0D2}"/>
               </a:ext>
             </a:extLst>
           </p:cNvPr>
@@ -10433,32 +11440,51 @@
             <a:spLocks noGrp="1"/>
           </p:cNvSpPr>
           <p:nvPr>
-            <p:ph type="ctrTitle"/>
+            <p:ph type="title"/>
           </p:nvPr>
         </p:nvSpPr>
         <p:spPr>
           <a:xfrm>
-            <a:off x="0" y="1122363"/>
-            <a:ext cx="12192000" cy="2387600"/>
+            <a:off x="810000" y="447188"/>
+            <a:ext cx="10571998" cy="970450"/>
           </a:xfrm>
         </p:spPr>
         <p:txBody>
-          <a:bodyPr/>
-          <a:lstStyle/>
-          <a:p>
-            <a:r>
-              <a:rPr lang="cs-CZ" sz="4800" dirty="0"/>
-              <a:t>Jarníkův algoritmus</a:t>
-            </a:r>
-          </a:p>
-        </p:txBody>
-      </p:sp>
-      <p:sp>
-        <p:nvSpPr>
-          <p:cNvPr id="5" name="Podnadpis 4">
+          <a:bodyPr>
+            <a:normAutofit/>
+          </a:bodyPr>
+          <a:lstStyle/>
+          <a:p>
+            <a:r>
+              <a:rPr lang="cs-CZ" dirty="0"/>
+              <a:t>Borůvkův algoritmus</a:t>
+            </a:r>
+            <a:r>
+              <a:rPr lang="en-US" dirty="0"/>
+              <a:t> – </a:t>
+            </a:r>
+            <a:r>
+              <a:rPr lang="en-US" dirty="0" err="1"/>
+              <a:t>pojem</a:t>
+            </a:r>
+            <a:r>
+              <a:rPr lang="en-US" dirty="0"/>
+              <a:t> </a:t>
+            </a:r>
+            <a:r>
+              <a:rPr lang="en-US" dirty="0" err="1"/>
+              <a:t>zacyklení</a:t>
+            </a:r>
+            <a:endParaRPr lang="cs-CZ" dirty="0"/>
+          </a:p>
+        </p:txBody>
+      </p:sp>
+      <p:sp>
+        <p:nvSpPr>
+          <p:cNvPr id="3" name="Zástupný obsah 2">
             <a:extLst>
               <a:ext uri="{FF2B5EF4-FFF2-40B4-BE49-F238E27FC236}">
-                <a16:creationId xmlns:a16="http://schemas.microsoft.com/office/drawing/2014/main" id="{B4FDD6F6-D4D0-237E-EEB7-9CF90407BFAC}"/>
+                <a16:creationId xmlns:a16="http://schemas.microsoft.com/office/drawing/2014/main" id="{7A502CCF-42F5-FF07-BCFB-923EFEFD30B7}"/>
               </a:ext>
             </a:extLst>
           </p:cNvPr>
@@ -10466,35 +11492,361 @@
             <a:spLocks noGrp="1"/>
           </p:cNvSpPr>
           <p:nvPr>
-            <p:ph type="subTitle" idx="1"/>
-          </p:nvPr>
-        </p:nvSpPr>
-        <p:spPr/>
-        <p:txBody>
-          <a:bodyPr/>
-          <a:lstStyle/>
-          <a:p>
-            <a:endParaRPr lang="cs-CZ"/>
+            <p:ph idx="1"/>
+          </p:nvPr>
+        </p:nvSpPr>
+        <p:spPr>
+          <a:xfrm>
+            <a:off x="818713" y="2413000"/>
+            <a:ext cx="1626037" cy="3632200"/>
+          </a:xfrm>
+        </p:spPr>
+        <p:txBody>
+          <a:bodyPr>
+            <a:noAutofit/>
+          </a:bodyPr>
+          <a:lstStyle/>
+          <a:p>
+            <a:pPr marL="0" indent="0">
+              <a:buNone/>
+            </a:pPr>
+            <a:r>
+              <a:rPr lang="cs-CZ" sz="3200" dirty="0"/>
+              <a:t>A---B</a:t>
+            </a:r>
+          </a:p>
+          <a:p>
+            <a:pPr marL="0" indent="0">
+              <a:buNone/>
+            </a:pPr>
+            <a:r>
+              <a:rPr lang="cs-CZ" sz="3200" dirty="0"/>
+              <a:t>|\  |</a:t>
+            </a:r>
+          </a:p>
+          <a:p>
+            <a:pPr marL="0" indent="0">
+              <a:buNone/>
+            </a:pPr>
+            <a:r>
+              <a:rPr lang="cs-CZ" sz="3200" dirty="0"/>
+              <a:t>| \ |</a:t>
+            </a:r>
+          </a:p>
+          <a:p>
+            <a:pPr marL="0" indent="0">
+              <a:buNone/>
+            </a:pPr>
+            <a:r>
+              <a:rPr lang="cs-CZ" sz="3200" dirty="0"/>
+              <a:t>|  \|</a:t>
+            </a:r>
+          </a:p>
+          <a:p>
+            <a:pPr marL="0" indent="0">
+              <a:buNone/>
+            </a:pPr>
+            <a:r>
+              <a:rPr lang="cs-CZ" sz="3200" dirty="0"/>
+              <a:t>C---D</a:t>
+            </a:r>
+          </a:p>
+          <a:p>
+            <a:endParaRPr lang="cs-CZ" sz="3200" dirty="0"/>
+          </a:p>
+        </p:txBody>
+      </p:sp>
+      <p:sp>
+        <p:nvSpPr>
+          <p:cNvPr id="4" name="Zástupný obsah 2">
+            <a:extLst>
+              <a:ext uri="{FF2B5EF4-FFF2-40B4-BE49-F238E27FC236}">
+                <a16:creationId xmlns:a16="http://schemas.microsoft.com/office/drawing/2014/main" id="{02894309-8876-F40B-782F-99A76937E372}"/>
+              </a:ext>
+            </a:extLst>
+          </p:cNvPr>
+          <p:cNvSpPr txBox="1">
+            <a:spLocks/>
+          </p:cNvSpPr>
+          <p:nvPr/>
+        </p:nvSpPr>
+        <p:spPr>
+          <a:xfrm>
+            <a:off x="2628463" y="1219200"/>
+            <a:ext cx="9360337" cy="3632200"/>
+          </a:xfrm>
+          <a:prstGeom prst="rect">
+            <a:avLst/>
+          </a:prstGeom>
+          <a:effectLst>
+            <a:outerShdw blurRad="50800" dir="14400000">
+              <a:srgbClr val="000000">
+                <a:alpha val="40000"/>
+              </a:srgbClr>
+            </a:outerShdw>
+          </a:effectLst>
+        </p:spPr>
+        <p:txBody>
+          <a:bodyPr vert="horz" lIns="91440" tIns="45720" rIns="91440" bIns="45720" rtlCol="0" anchor="ctr">
+            <a:noAutofit/>
+          </a:bodyPr>
+          <a:lstStyle>
+            <a:lvl1pPr marL="342900" indent="-342900" algn="l" defTabSz="457200" rtl="0" eaLnBrk="1" latinLnBrk="0" hangingPunct="1">
+              <a:spcBef>
+                <a:spcPct val="20000"/>
+              </a:spcBef>
+              <a:spcAft>
+                <a:spcPts val="600"/>
+              </a:spcAft>
+              <a:buClr>
+                <a:schemeClr val="accent1"/>
+              </a:buClr>
+              <a:buFont typeface="Wingdings 2" charset="2"/>
+              <a:buChar char=""/>
+              <a:defRPr sz="1800" kern="1200">
+                <a:solidFill>
+                  <a:schemeClr val="tx1"/>
+                </a:solidFill>
+                <a:latin typeface="+mn-lt"/>
+                <a:ea typeface="+mn-ea"/>
+                <a:cs typeface="+mn-cs"/>
+              </a:defRPr>
+            </a:lvl1pPr>
+            <a:lvl2pPr marL="742950" indent="-285750" algn="l" defTabSz="457200" rtl="0" eaLnBrk="1" latinLnBrk="0" hangingPunct="1">
+              <a:spcBef>
+                <a:spcPct val="20000"/>
+              </a:spcBef>
+              <a:spcAft>
+                <a:spcPts val="600"/>
+              </a:spcAft>
+              <a:buClr>
+                <a:schemeClr val="accent1"/>
+              </a:buClr>
+              <a:buFont typeface="Wingdings 2" charset="2"/>
+              <a:buChar char=""/>
+              <a:defRPr sz="1600" kern="1200">
+                <a:solidFill>
+                  <a:schemeClr val="tx1"/>
+                </a:solidFill>
+                <a:latin typeface="+mn-lt"/>
+                <a:ea typeface="+mn-ea"/>
+                <a:cs typeface="+mn-cs"/>
+              </a:defRPr>
+            </a:lvl2pPr>
+            <a:lvl3pPr marL="1143000" indent="-228600" algn="l" defTabSz="457200" rtl="0" eaLnBrk="1" latinLnBrk="0" hangingPunct="1">
+              <a:spcBef>
+                <a:spcPct val="20000"/>
+              </a:spcBef>
+              <a:spcAft>
+                <a:spcPts val="600"/>
+              </a:spcAft>
+              <a:buClr>
+                <a:schemeClr val="accent1"/>
+              </a:buClr>
+              <a:buFont typeface="Wingdings 2" charset="2"/>
+              <a:buChar char=""/>
+              <a:defRPr sz="1400" kern="1200">
+                <a:solidFill>
+                  <a:schemeClr val="tx1"/>
+                </a:solidFill>
+                <a:latin typeface="+mn-lt"/>
+                <a:ea typeface="+mn-ea"/>
+                <a:cs typeface="+mn-cs"/>
+              </a:defRPr>
+            </a:lvl3pPr>
+            <a:lvl4pPr marL="1600200" indent="-228600" algn="l" defTabSz="457200" rtl="0" eaLnBrk="1" latinLnBrk="0" hangingPunct="1">
+              <a:spcBef>
+                <a:spcPct val="20000"/>
+              </a:spcBef>
+              <a:spcAft>
+                <a:spcPts val="600"/>
+              </a:spcAft>
+              <a:buClr>
+                <a:schemeClr val="accent1"/>
+              </a:buClr>
+              <a:buFont typeface="Wingdings 2" charset="2"/>
+              <a:buChar char=""/>
+              <a:defRPr sz="1200" kern="1200">
+                <a:solidFill>
+                  <a:schemeClr val="tx1"/>
+                </a:solidFill>
+                <a:latin typeface="+mn-lt"/>
+                <a:ea typeface="+mn-ea"/>
+                <a:cs typeface="+mn-cs"/>
+              </a:defRPr>
+            </a:lvl4pPr>
+            <a:lvl5pPr marL="2057400" indent="-228600" algn="l" defTabSz="457200" rtl="0" eaLnBrk="1" latinLnBrk="0" hangingPunct="1">
+              <a:spcBef>
+                <a:spcPct val="20000"/>
+              </a:spcBef>
+              <a:spcAft>
+                <a:spcPts val="600"/>
+              </a:spcAft>
+              <a:buClr>
+                <a:schemeClr val="accent1"/>
+              </a:buClr>
+              <a:buFont typeface="Wingdings 2" charset="2"/>
+              <a:buChar char=""/>
+              <a:defRPr sz="1200" kern="1200">
+                <a:solidFill>
+                  <a:schemeClr val="tx1"/>
+                </a:solidFill>
+                <a:latin typeface="+mn-lt"/>
+                <a:ea typeface="+mn-ea"/>
+                <a:cs typeface="+mn-cs"/>
+              </a:defRPr>
+            </a:lvl5pPr>
+            <a:lvl6pPr marL="2400000" indent="-228600" algn="l" defTabSz="457200" rtl="0" eaLnBrk="1" latinLnBrk="0" hangingPunct="1">
+              <a:spcBef>
+                <a:spcPct val="20000"/>
+              </a:spcBef>
+              <a:spcAft>
+                <a:spcPts val="600"/>
+              </a:spcAft>
+              <a:buClr>
+                <a:schemeClr val="accent1"/>
+              </a:buClr>
+              <a:buFont typeface="Wingdings 2" charset="2"/>
+              <a:buChar char=""/>
+              <a:defRPr sz="1200" kern="1200">
+                <a:solidFill>
+                  <a:schemeClr val="tx1"/>
+                </a:solidFill>
+                <a:latin typeface="+mn-lt"/>
+                <a:ea typeface="+mn-ea"/>
+                <a:cs typeface="+mn-cs"/>
+              </a:defRPr>
+            </a:lvl6pPr>
+            <a:lvl7pPr marL="2800000" indent="-228600" algn="l" defTabSz="457200" rtl="0" eaLnBrk="1" latinLnBrk="0" hangingPunct="1">
+              <a:spcBef>
+                <a:spcPct val="20000"/>
+              </a:spcBef>
+              <a:spcAft>
+                <a:spcPts val="600"/>
+              </a:spcAft>
+              <a:buClr>
+                <a:schemeClr val="accent1"/>
+              </a:buClr>
+              <a:buFont typeface="Wingdings 2" charset="2"/>
+              <a:buChar char=""/>
+              <a:defRPr sz="1200" kern="1200">
+                <a:solidFill>
+                  <a:schemeClr val="tx1"/>
+                </a:solidFill>
+                <a:latin typeface="+mn-lt"/>
+                <a:ea typeface="+mn-ea"/>
+                <a:cs typeface="+mn-cs"/>
+              </a:defRPr>
+            </a:lvl7pPr>
+            <a:lvl8pPr marL="3200000" indent="-228600" algn="l" defTabSz="457200" rtl="0" eaLnBrk="1" latinLnBrk="0" hangingPunct="1">
+              <a:spcBef>
+                <a:spcPct val="20000"/>
+              </a:spcBef>
+              <a:spcAft>
+                <a:spcPts val="600"/>
+              </a:spcAft>
+              <a:buClr>
+                <a:schemeClr val="accent1"/>
+              </a:buClr>
+              <a:buFont typeface="Wingdings 2" charset="2"/>
+              <a:buChar char=""/>
+              <a:defRPr sz="1200" kern="1200">
+                <a:solidFill>
+                  <a:schemeClr val="tx1"/>
+                </a:solidFill>
+                <a:latin typeface="+mn-lt"/>
+                <a:ea typeface="+mn-ea"/>
+                <a:cs typeface="+mn-cs"/>
+              </a:defRPr>
+            </a:lvl8pPr>
+            <a:lvl9pPr marL="3600000" indent="-228600" algn="l" defTabSz="457200" rtl="0" eaLnBrk="1" latinLnBrk="0" hangingPunct="1">
+              <a:spcBef>
+                <a:spcPct val="20000"/>
+              </a:spcBef>
+              <a:spcAft>
+                <a:spcPts val="600"/>
+              </a:spcAft>
+              <a:buClr>
+                <a:schemeClr val="accent1"/>
+              </a:buClr>
+              <a:buFont typeface="Wingdings 2" charset="2"/>
+              <a:buChar char=""/>
+              <a:defRPr sz="1200" kern="1200">
+                <a:solidFill>
+                  <a:schemeClr val="tx1"/>
+                </a:solidFill>
+                <a:latin typeface="+mn-lt"/>
+                <a:ea typeface="+mn-ea"/>
+                <a:cs typeface="+mn-cs"/>
+              </a:defRPr>
+            </a:lvl9pPr>
+          </a:lstStyle>
+          <a:p>
+            <a:r>
+              <a:rPr lang="en-US" sz="3200" dirty="0"/>
+              <a:t> Cesta A-B-C-A je </a:t>
+            </a:r>
+            <a:r>
+              <a:rPr lang="en-US" sz="3200" dirty="0" err="1"/>
+              <a:t>zacyklená</a:t>
+            </a:r>
+            <a:r>
+              <a:rPr lang="en-US" sz="3200" dirty="0"/>
+              <a:t>, </a:t>
+            </a:r>
+            <a:r>
+              <a:rPr lang="en-US" sz="3200" dirty="0" err="1"/>
+              <a:t>jelikož</a:t>
+            </a:r>
+            <a:r>
+              <a:rPr lang="en-US" sz="3200" dirty="0"/>
+              <a:t> </a:t>
+            </a:r>
+            <a:r>
+              <a:rPr lang="en-US" sz="3200" dirty="0" err="1"/>
+              <a:t>začíná</a:t>
+            </a:r>
+            <a:r>
+              <a:rPr lang="en-US" sz="3200" dirty="0"/>
+              <a:t> a </a:t>
+            </a:r>
+            <a:r>
+              <a:rPr lang="en-US" sz="3200" dirty="0" err="1"/>
+              <a:t>končí</a:t>
+            </a:r>
+            <a:r>
+              <a:rPr lang="en-US" sz="3200" dirty="0"/>
+              <a:t> v </a:t>
+            </a:r>
+            <a:r>
+              <a:rPr lang="en-US" sz="3200" dirty="0" err="1"/>
+              <a:t>bodě</a:t>
+            </a:r>
+            <a:r>
+              <a:rPr lang="en-US" sz="3200" dirty="0"/>
+              <a:t> A</a:t>
+            </a:r>
+            <a:endParaRPr lang="cs-CZ" sz="3200" dirty="0"/>
           </a:p>
         </p:txBody>
       </p:sp>
     </p:spTree>
     <p:extLst>
       <p:ext uri="{BB962C8B-B14F-4D97-AF65-F5344CB8AC3E}">
-        <p14:creationId xmlns:p14="http://schemas.microsoft.com/office/powerpoint/2010/main" val="2367948420"/>
+        <p14:creationId xmlns:p14="http://schemas.microsoft.com/office/powerpoint/2010/main" val="2468864024"/>
       </p:ext>
     </p:extLst>
   </p:cSld>
   <p:clrMapOvr>
     <a:masterClrMapping/>
   </p:clrMapOvr>
-  <mc:AlternateContent xmlns:mc="http://schemas.openxmlformats.org/markup-compatibility/2006" xmlns:p159="http://schemas.microsoft.com/office/powerpoint/2015/09/main">
-    <mc:Choice Requires="p159">
+  <mc:AlternateContent xmlns:mc="http://schemas.openxmlformats.org/markup-compatibility/2006">
+    <mc:Choice xmlns:p159="http://schemas.microsoft.com/office/powerpoint/2015/09/main" Requires="p159">
       <p:transition spd="slow">
         <p159:morph option="byObject"/>
       </p:transition>
     </mc:Choice>
-    <mc:Fallback xmlns="">
+    <mc:Fallback>
       <p:transition spd="slow">
         <p:fade/>
       </p:transition>
@@ -10506,14 +11858,6 @@
 <file path=ppt/slides/slide8.xml><?xml version="1.0" encoding="utf-8"?>
 <p:sld xmlns:a="http://schemas.openxmlformats.org/drawingml/2006/main" xmlns:r="http://schemas.openxmlformats.org/officeDocument/2006/relationships" xmlns:p="http://schemas.openxmlformats.org/presentationml/2006/main">
   <p:cSld>
-    <p:bg>
-      <p:bgPr>
-        <a:solidFill>
-          <a:schemeClr val="bg2"/>
-        </a:solidFill>
-        <a:effectLst/>
-      </p:bgPr>
-    </p:bg>
     <p:spTree>
       <p:nvGrpSpPr>
         <p:cNvPr id="1" name=""/>
@@ -10558,70 +11902,34 @@
           <a:p>
             <a:r>
               <a:rPr lang="cs-CZ" dirty="0"/>
-              <a:t>Jarníkův algoritmus</a:t>
-            </a:r>
-          </a:p>
-        </p:txBody>
-      </p:sp>
-      <p:sp>
-        <p:nvSpPr>
-          <p:cNvPr id="3" name="Zástupný obsah 2">
+              <a:t>Borůvkův algoritmus</a:t>
+            </a:r>
+            <a:r>
+              <a:rPr lang="en-US" dirty="0"/>
+              <a:t> – </a:t>
+            </a:r>
+            <a:r>
+              <a:rPr lang="en-US" dirty="0" err="1"/>
+              <a:t>postup</a:t>
+            </a:r>
+            <a:r>
+              <a:rPr lang="en-US" dirty="0"/>
+              <a:t> </a:t>
+            </a:r>
+            <a:r>
+              <a:rPr lang="en-US" dirty="0" err="1"/>
+              <a:t>pseudokód</a:t>
+            </a:r>
+            <a:endParaRPr lang="cs-CZ" dirty="0"/>
+          </a:p>
+        </p:txBody>
+      </p:sp>
+      <p:pic>
+        <p:nvPicPr>
+          <p:cNvPr id="8" name="Obrázek 7">
             <a:extLst>
               <a:ext uri="{FF2B5EF4-FFF2-40B4-BE49-F238E27FC236}">
-                <a16:creationId xmlns:a16="http://schemas.microsoft.com/office/drawing/2014/main" id="{7A502CCF-42F5-FF07-BCFB-923EFEFD30B7}"/>
-              </a:ext>
-            </a:extLst>
-          </p:cNvPr>
-          <p:cNvSpPr>
-            <a:spLocks noGrp="1"/>
-          </p:cNvSpPr>
-          <p:nvPr>
-            <p:ph idx="1"/>
-          </p:nvPr>
-        </p:nvSpPr>
-        <p:spPr>
-          <a:xfrm>
-            <a:off x="818713" y="2413000"/>
-            <a:ext cx="6487434" cy="3632200"/>
-          </a:xfrm>
-        </p:spPr>
-        <p:txBody>
-          <a:bodyPr>
-            <a:normAutofit fontScale="85000" lnSpcReduction="10000"/>
-          </a:bodyPr>
-          <a:lstStyle/>
-          <a:p>
-            <a:r>
-              <a:rPr lang="cs-CZ" sz="3200" dirty="0"/>
-              <a:t> Poprvé popsán roku 1930 v dopisu O. Borůvkovi</a:t>
-            </a:r>
-          </a:p>
-          <a:p>
-            <a:endParaRPr lang="cs-CZ" sz="3200" dirty="0"/>
-          </a:p>
-          <a:p>
-            <a:r>
-              <a:rPr lang="cs-CZ" sz="3200" dirty="0"/>
-              <a:t>Zjednodušená verze Borůvkova algoritmu</a:t>
-            </a:r>
-          </a:p>
-          <a:p>
-            <a:endParaRPr lang="cs-CZ" sz="3200" dirty="0"/>
-          </a:p>
-          <a:p>
-            <a:r>
-              <a:rPr lang="cs-CZ" sz="3200" dirty="0"/>
-              <a:t>V zahraničí prakticky zapomenut</a:t>
-            </a:r>
-          </a:p>
-        </p:txBody>
-      </p:sp>
-      <p:pic>
-        <p:nvPicPr>
-          <p:cNvPr id="5" name="Obrázek 4" descr="Obsah obrázku osoba, klobouk&#10;&#10;Popis byl vytvořen automaticky">
-            <a:extLst>
-              <a:ext uri="{FF2B5EF4-FFF2-40B4-BE49-F238E27FC236}">
-                <a16:creationId xmlns:a16="http://schemas.microsoft.com/office/drawing/2014/main" id="{3F302B17-6E69-67D8-0EEB-C377CCE9A48B}"/>
+                <a16:creationId xmlns:a16="http://schemas.microsoft.com/office/drawing/2014/main" id="{FAD14B50-C1E9-EBB5-71D5-54E2DD16F639}"/>
               </a:ext>
             </a:extLst>
           </p:cNvPr>
@@ -10631,52 +11939,38 @@
           <p:nvPr/>
         </p:nvPicPr>
         <p:blipFill>
-          <a:blip r:embed="rId3">
-            <a:extLst>
-              <a:ext uri="{28A0092B-C50C-407E-A947-70E740481C1C}">
-                <a14:useLocalDpi xmlns:a14="http://schemas.microsoft.com/office/drawing/2010/main" val="0"/>
-              </a:ext>
-            </a:extLst>
-          </a:blip>
+          <a:blip r:embed="rId3"/>
           <a:stretch>
             <a:fillRect/>
           </a:stretch>
         </p:blipFill>
         <p:spPr>
           <a:xfrm>
-            <a:off x="8120958" y="2123967"/>
-            <a:ext cx="3261039" cy="4602374"/>
+            <a:off x="927930" y="1887988"/>
+            <a:ext cx="10085568" cy="4522824"/>
           </a:xfrm>
-          <a:prstGeom prst="roundRect">
-            <a:avLst>
-              <a:gd name="adj" fmla="val 3876"/>
-            </a:avLst>
+          <a:prstGeom prst="rect">
+            <a:avLst/>
           </a:prstGeom>
-          <a:ln>
-            <a:solidFill>
-              <a:schemeClr val="accent1"/>
-            </a:solidFill>
-          </a:ln>
-          <a:effectLst/>
         </p:spPr>
       </p:pic>
     </p:spTree>
     <p:extLst>
       <p:ext uri="{BB962C8B-B14F-4D97-AF65-F5344CB8AC3E}">
-        <p14:creationId xmlns:p14="http://schemas.microsoft.com/office/powerpoint/2010/main" val="2405836106"/>
+        <p14:creationId xmlns:p14="http://schemas.microsoft.com/office/powerpoint/2010/main" val="669422556"/>
       </p:ext>
     </p:extLst>
   </p:cSld>
   <p:clrMapOvr>
     <a:masterClrMapping/>
   </p:clrMapOvr>
-  <mc:AlternateContent xmlns:mc="http://schemas.openxmlformats.org/markup-compatibility/2006" xmlns:p159="http://schemas.microsoft.com/office/powerpoint/2015/09/main">
-    <mc:Choice Requires="p159">
+  <mc:AlternateContent xmlns:mc="http://schemas.openxmlformats.org/markup-compatibility/2006">
+    <mc:Choice xmlns:p159="http://schemas.microsoft.com/office/powerpoint/2015/09/main" Requires="p159">
       <p:transition spd="slow">
         <p159:morph option="byObject"/>
       </p:transition>
     </mc:Choice>
-    <mc:Fallback xmlns="">
+    <mc:Fallback>
       <p:transition spd="slow">
         <p:fade/>
       </p:transition>
@@ -10732,75 +12026,67 @@
           <a:p>
             <a:r>
               <a:rPr lang="cs-CZ" dirty="0"/>
-              <a:t>Jarníkův algoritmus</a:t>
-            </a:r>
-          </a:p>
-        </p:txBody>
-      </p:sp>
-      <p:sp>
-        <p:nvSpPr>
-          <p:cNvPr id="3" name="Zástupný obsah 2">
+              <a:t>Borůvkův algoritmus</a:t>
+            </a:r>
+            <a:r>
+              <a:rPr lang="en-US" dirty="0"/>
+              <a:t> – </a:t>
+            </a:r>
+            <a:r>
+              <a:rPr lang="en-US" dirty="0" err="1"/>
+              <a:t>postup</a:t>
+            </a:r>
+            <a:r>
+              <a:rPr lang="en-US" dirty="0"/>
+              <a:t> </a:t>
+            </a:r>
+            <a:r>
+              <a:rPr lang="en-US" dirty="0" err="1"/>
+              <a:t>vizualizace</a:t>
+            </a:r>
+            <a:endParaRPr lang="cs-CZ" dirty="0"/>
+          </a:p>
+        </p:txBody>
+      </p:sp>
+      <p:pic>
+        <p:nvPicPr>
+          <p:cNvPr id="7" name="Zástupný obsah 6" descr="Obsah obrázku diagram&#10;&#10;Popis byl vytvořen automaticky">
             <a:extLst>
               <a:ext uri="{FF2B5EF4-FFF2-40B4-BE49-F238E27FC236}">
-                <a16:creationId xmlns:a16="http://schemas.microsoft.com/office/drawing/2014/main" id="{7A502CCF-42F5-FF07-BCFB-923EFEFD30B7}"/>
+                <a16:creationId xmlns:a16="http://schemas.microsoft.com/office/drawing/2014/main" id="{FCC2BF2B-43AD-011D-28D9-310B52EC9377}"/>
               </a:ext>
             </a:extLst>
           </p:cNvPr>
-          <p:cNvSpPr>
-            <a:spLocks noGrp="1"/>
-          </p:cNvSpPr>
+          <p:cNvPicPr>
+            <a:picLocks noGrp="1" noChangeAspect="1"/>
+          </p:cNvPicPr>
           <p:nvPr>
             <p:ph idx="1"/>
           </p:nvPr>
-        </p:nvSpPr>
+        </p:nvPicPr>
+        <p:blipFill>
+          <a:blip r:embed="rId3">
+            <a:extLst>
+              <a:ext uri="{28A0092B-C50C-407E-A947-70E740481C1C}">
+                <a14:useLocalDpi xmlns:a14="http://schemas.microsoft.com/office/drawing/2010/main" val="0"/>
+              </a:ext>
+            </a:extLst>
+          </a:blip>
+          <a:stretch>
+            <a:fillRect/>
+          </a:stretch>
+        </p:blipFill>
         <p:spPr>
           <a:xfrm>
-            <a:off x="818713" y="2413000"/>
-            <a:ext cx="10563285" cy="3632200"/>
+            <a:off x="1678535" y="2227152"/>
+            <a:ext cx="8834929" cy="4630848"/>
           </a:xfrm>
         </p:spPr>
-        <p:txBody>
-          <a:bodyPr>
-            <a:noAutofit/>
-          </a:bodyPr>
-          <a:lstStyle/>
-          <a:p>
-            <a:r>
-              <a:rPr lang="cs-CZ" sz="3200" dirty="0"/>
-              <a:t>Princip:</a:t>
-            </a:r>
-          </a:p>
-          <a:p>
-            <a:pPr lvl="1"/>
-            <a:r>
-              <a:rPr lang="cs-CZ" sz="3000" dirty="0"/>
-              <a:t>Najdi nejlevnější nenavštívenou cestu a označ počátek i konec za navštívené</a:t>
-            </a:r>
-          </a:p>
-          <a:p>
-            <a:pPr lvl="1"/>
-            <a:r>
-              <a:rPr lang="cs-CZ" sz="3000" dirty="0"/>
-              <a:t>Přidej nejlevnější nalezenou cestu do minimální kostry</a:t>
-            </a:r>
-          </a:p>
-          <a:p>
-            <a:pPr lvl="1"/>
-            <a:r>
-              <a:rPr lang="cs-CZ" sz="3000" dirty="0"/>
-              <a:t>Opakuj dokud nenavštívíš všechny body</a:t>
-            </a:r>
-          </a:p>
-          <a:p>
-            <a:pPr lvl="1"/>
-            <a:endParaRPr lang="cs-CZ" sz="3000" dirty="0"/>
-          </a:p>
-        </p:txBody>
-      </p:sp>
+      </p:pic>
     </p:spTree>
     <p:extLst>
       <p:ext uri="{BB962C8B-B14F-4D97-AF65-F5344CB8AC3E}">
-        <p14:creationId xmlns:p14="http://schemas.microsoft.com/office/powerpoint/2010/main" val="3670569241"/>
+        <p14:creationId xmlns:p14="http://schemas.microsoft.com/office/powerpoint/2010/main" val="689638914"/>
       </p:ext>
     </p:extLst>
   </p:cSld>
